--- a/Content/High-Performance Computing/Azure High-Performance Computing.pptx
+++ b/Content/High-Performance Computing/Azure High-Performance Computing.pptx
@@ -204,7 +204,7 @@
           <a:p>
             <a:fld id="{2E5CA586-3557-4985-BCD4-35EF5AC8B4A4}" type="datetimeFigureOut">
               <a:rPr lang="en-US" smtClean="0"/>
-              <a:t>2/8/2016</a:t>
+              <a:t>2/9/2016</a:t>
             </a:fld>
             <a:endParaRPr lang="en-US"/>
           </a:p>
@@ -11827,7 +11827,6 @@
               <a:rPr lang="en-US" dirty="0" smtClean="0"/>
               <a:t>)</a:t>
             </a:r>
-            <a:endParaRPr lang="en-US" dirty="0" smtClean="0"/>
           </a:p>
           <a:p>
             <a:endParaRPr lang="en-US" dirty="0"/>
@@ -14309,17 +14308,7 @@
                 <a:latin typeface="Segoe UI Light" panose="020B0502040204020203" pitchFamily="34" charset="0"/>
                 <a:cs typeface="Segoe UI Light" panose="020B0502040204020203" pitchFamily="34" charset="0"/>
               </a:rPr>
-              <a:t>See </a:t>
-            </a:r>
-            <a:r>
-              <a:rPr lang="en-US" sz="3200" dirty="0">
-                <a:solidFill>
-                  <a:schemeClr val="accent1"/>
-                </a:solidFill>
-                <a:latin typeface="Segoe UI Light" panose="020B0502040204020203" pitchFamily="34" charset="0"/>
-                <a:cs typeface="Segoe UI Light" panose="020B0502040204020203" pitchFamily="34" charset="0"/>
-              </a:rPr>
-              <a:t>http://bit.ly/a4r-vm-pricing for </a:t>
+              <a:t>See http://bit.ly/a4r-vm-pricing for </a:t>
             </a:r>
             <a:r>
               <a:rPr lang="en-US" sz="3200" dirty="0" smtClean="0">
@@ -14458,25 +14447,16 @@
             <a:endParaRPr lang="en-US" dirty="0" smtClean="0"/>
           </a:p>
           <a:p>
+            <a:r>
+              <a:rPr lang="en-US" dirty="0" smtClean="0"/>
+              <a:t>Allows resources to be collated into resource groups</a:t>
+            </a:r>
+          </a:p>
+          <a:p>
             <a:pPr lvl="1"/>
             <a:r>
               <a:rPr lang="en-US" dirty="0" smtClean="0"/>
-              <a:t>Allows </a:t>
-            </a:r>
-            <a:r>
-              <a:rPr lang="en-US" dirty="0" smtClean="0"/>
-              <a:t>resources to be collated into resource groups</a:t>
-            </a:r>
-          </a:p>
-          <a:p>
-            <a:pPr lvl="1"/>
-            <a:r>
-              <a:rPr lang="en-US" dirty="0" smtClean="0"/>
-              <a:t>Deploy</a:t>
-            </a:r>
-            <a:r>
-              <a:rPr lang="en-US" dirty="0" smtClean="0"/>
-              <a:t>, manage, monitor, and delete all resources at once rather than one resource at a time</a:t>
+              <a:t>Deploy, manage, monitor, and delete all resources at once rather than one resource at a time</a:t>
             </a:r>
             <a:endParaRPr lang="en-US" dirty="0"/>
           </a:p>
@@ -14599,11 +14579,7 @@
           <a:p>
             <a:r>
               <a:rPr lang="en-US" dirty="0" smtClean="0"/>
-              <a:t>Find them </a:t>
-            </a:r>
-            <a:r>
-              <a:rPr lang="en-US" dirty="0" smtClean="0"/>
-              <a:t>on the Azure site </a:t>
+              <a:t>Find them on the Azure site </a:t>
             </a:r>
             <a:r>
               <a:rPr lang="en-US" dirty="0"/>
@@ -14625,7 +14601,6 @@
               <a:rPr lang="en-US" dirty="0" smtClean="0"/>
               <a:t>)</a:t>
             </a:r>
-            <a:endParaRPr lang="en-US" dirty="0" smtClean="0"/>
           </a:p>
           <a:p>
             <a:r>
@@ -14652,7 +14627,6 @@
               <a:rPr lang="en-US" dirty="0" smtClean="0"/>
               <a:t>)</a:t>
             </a:r>
-            <a:endParaRPr lang="en-US" dirty="0" smtClean="0"/>
           </a:p>
         </p:txBody>
       </p:sp>
@@ -14851,11 +14825,7 @@
             </a:r>
             <a:r>
               <a:rPr lang="en-US" dirty="0" smtClean="0"/>
-              <a:t> enables </a:t>
-            </a:r>
-            <a:r>
-              <a:rPr lang="en-US" dirty="0" smtClean="0"/>
-              <a:t>easy deployment of SLURM clusters of user-specified sizes</a:t>
+              <a:t> enables easy deployment of SLURM clusters of user-specified sizes</a:t>
             </a:r>
             <a:endParaRPr lang="en-US" dirty="0"/>
           </a:p>

--- a/Content/High-Performance Computing/Azure High-Performance Computing.pptx
+++ b/Content/High-Performance Computing/Azure High-Performance Computing.pptx
@@ -5,17 +5,18 @@
     <p:sldMasterId id="2147483680" r:id="rId1"/>
   </p:sldMasterIdLst>
   <p:notesMasterIdLst>
-    <p:notesMasterId r:id="rId10"/>
+    <p:notesMasterId r:id="rId11"/>
   </p:notesMasterIdLst>
   <p:sldIdLst>
     <p:sldId id="256" r:id="rId2"/>
     <p:sldId id="259" r:id="rId3"/>
     <p:sldId id="270" r:id="rId4"/>
-    <p:sldId id="266" r:id="rId5"/>
-    <p:sldId id="267" r:id="rId6"/>
-    <p:sldId id="268" r:id="rId7"/>
-    <p:sldId id="264" r:id="rId8"/>
-    <p:sldId id="263" r:id="rId9"/>
+    <p:sldId id="271" r:id="rId5"/>
+    <p:sldId id="266" r:id="rId6"/>
+    <p:sldId id="267" r:id="rId7"/>
+    <p:sldId id="268" r:id="rId8"/>
+    <p:sldId id="264" r:id="rId9"/>
+    <p:sldId id="263" r:id="rId10"/>
   </p:sldIdLst>
   <p:sldSz cx="12192000" cy="6858000"/>
   <p:notesSz cx="6858000" cy="9144000"/>
@@ -204,7 +205,7 @@
           <a:p>
             <a:fld id="{2E5CA586-3557-4985-BCD4-35EF5AC8B4A4}" type="datetimeFigureOut">
               <a:rPr lang="en-US" smtClean="0"/>
-              <a:t>2/9/2016</a:t>
+              <a:t>2/17/2016</a:t>
             </a:fld>
             <a:endParaRPr lang="en-US"/>
           </a:p>
@@ -517,8 +518,116 @@
           <a:lstStyle/>
           <a:p>
             <a:r>
-              <a:rPr lang="en-US" dirty="0" smtClean="0"/>
-              <a:t>Not all VM sizes are available in all data centers. For the latest pricing information and availability, see https://azure.microsoft.com/en-us/pricing/details/virtual-machines.</a:t>
+              <a:rPr lang="en-US" sz="1200" kern="1200" dirty="0" smtClean="0">
+                <a:solidFill>
+                  <a:schemeClr val="tx1"/>
+                </a:solidFill>
+                <a:effectLst/>
+                <a:latin typeface="+mn-lt"/>
+                <a:ea typeface="+mn-ea"/>
+                <a:cs typeface="+mn-cs"/>
+              </a:rPr>
+              <a:t>Big data requires big computing power. As data proliferates from social-networking services, </a:t>
+            </a:r>
+            <a:r>
+              <a:rPr lang="en-US" sz="1200" kern="1200" dirty="0" err="1" smtClean="0">
+                <a:solidFill>
+                  <a:schemeClr val="tx1"/>
+                </a:solidFill>
+                <a:effectLst/>
+                <a:latin typeface="+mn-lt"/>
+                <a:ea typeface="+mn-ea"/>
+                <a:cs typeface="+mn-cs"/>
+              </a:rPr>
+              <a:t>IoT</a:t>
+            </a:r>
+            <a:r>
+              <a:rPr lang="en-US" sz="1200" kern="1200" dirty="0" smtClean="0">
+                <a:solidFill>
+                  <a:schemeClr val="tx1"/>
+                </a:solidFill>
+                <a:effectLst/>
+                <a:latin typeface="+mn-lt"/>
+                <a:ea typeface="+mn-ea"/>
+                <a:cs typeface="+mn-cs"/>
+              </a:rPr>
+              <a:t> devices, mobile phones, point-of-sale terminals, genomics studies, and other sources, the demand for computing resources to handle that data and extract meaning from it grows, too. In the old days, getting access to a Cray or a high-performance compute cluster required a government clearance or access to some of the world’s most famous institutions.</a:t>
+            </a:r>
+          </a:p>
+          <a:p>
+            <a:r>
+              <a:rPr lang="en-US" sz="1200" kern="1200" dirty="0" smtClean="0">
+                <a:solidFill>
+                  <a:schemeClr val="tx1"/>
+                </a:solidFill>
+                <a:effectLst/>
+                <a:latin typeface="+mn-lt"/>
+                <a:ea typeface="+mn-ea"/>
+                <a:cs typeface="+mn-cs"/>
+              </a:rPr>
+              <a:t> </a:t>
+            </a:r>
+          </a:p>
+          <a:p>
+            <a:r>
+              <a:rPr lang="en-US" sz="1200" kern="1200" dirty="0" smtClean="0">
+                <a:solidFill>
+                  <a:schemeClr val="tx1"/>
+                </a:solidFill>
+                <a:effectLst/>
+                <a:latin typeface="+mn-lt"/>
+                <a:ea typeface="+mn-ea"/>
+                <a:cs typeface="+mn-cs"/>
+              </a:rPr>
+              <a:t>The cloud changes that by bringing the power of HPC to the masses. With a few button clicks, you can deploy a cluster of virtual machines, or </a:t>
+            </a:r>
+            <a:r>
+              <a:rPr lang="en-US" sz="1200" i="1" kern="1200" dirty="0" smtClean="0">
+                <a:solidFill>
+                  <a:schemeClr val="tx1"/>
+                </a:solidFill>
+                <a:effectLst/>
+                <a:latin typeface="+mn-lt"/>
+                <a:ea typeface="+mn-ea"/>
+                <a:cs typeface="+mn-cs"/>
+              </a:rPr>
+              <a:t>VMs</a:t>
+            </a:r>
+            <a:r>
+              <a:rPr lang="en-US" sz="1200" kern="1200" dirty="0" smtClean="0">
+                <a:solidFill>
+                  <a:schemeClr val="tx1"/>
+                </a:solidFill>
+                <a:effectLst/>
+                <a:latin typeface="+mn-lt"/>
+                <a:ea typeface="+mn-ea"/>
+                <a:cs typeface="+mn-cs"/>
+              </a:rPr>
+              <a:t>, to the cloud and then utilize it the same way you would a physical cluster. Recently, Microsoft partnered with a U.S. firm to deploy a cluster containing more than 100,000 cores to the cloud and then used it to perform the largest risk analysis ever performed. On a single core, the job would have taken almost 20 years. With 100,000 cores, it ran from start to finish in 90 minutes. </a:t>
+            </a:r>
+            <a:r>
+              <a:rPr lang="en-US" sz="1200" i="1" kern="1200" dirty="0" smtClean="0">
+                <a:solidFill>
+                  <a:schemeClr val="tx1"/>
+                </a:solidFill>
+                <a:effectLst/>
+                <a:latin typeface="+mn-lt"/>
+                <a:ea typeface="+mn-ea"/>
+                <a:cs typeface="+mn-cs"/>
+              </a:rPr>
+              <a:t>This</a:t>
+            </a:r>
+            <a:r>
+              <a:rPr lang="en-US" sz="1200" kern="1200" dirty="0" smtClean="0">
+                <a:solidFill>
+                  <a:schemeClr val="tx1"/>
+                </a:solidFill>
+                <a:effectLst/>
+                <a:latin typeface="+mn-lt"/>
+                <a:ea typeface="+mn-ea"/>
+                <a:cs typeface="+mn-cs"/>
+              </a:rPr>
+              <a:t> is how the cloud is changing the face of research: by placing unparalleled computing power at your fingertips and allowing anyone, not just research elites, to bring the power of massive parallel processing to bear on large data sets.</a:t>
             </a:r>
           </a:p>
         </p:txBody>
@@ -540,7 +649,7 @@
           <a:p>
             <a:fld id="{BC60BE34-BC89-4C98-A56B-79B7A098D024}" type="slidenum">
               <a:rPr lang="en-US" smtClean="0"/>
-              <a:t>3</a:t>
+              <a:t>1</a:t>
             </a:fld>
             <a:endParaRPr lang="en-US"/>
           </a:p>
@@ -549,7 +658,7 @@
     </p:spTree>
     <p:extLst>
       <p:ext uri="{BB962C8B-B14F-4D97-AF65-F5344CB8AC3E}">
-        <p14:creationId xmlns:p14="http://schemas.microsoft.com/office/powerpoint/2010/main" val="3031653289"/>
+        <p14:creationId xmlns:p14="http://schemas.microsoft.com/office/powerpoint/2010/main" val="2375204663"/>
       </p:ext>
     </p:extLst>
   </p:cSld>
@@ -604,10 +713,45 @@
           <a:lstStyle/>
           <a:p>
             <a:r>
-              <a:rPr lang="en-US" dirty="0" smtClean="0"/>
-              <a:t>The three templates pictured here are just a few of the many dozens of templates currently available.</a:t>
-            </a:r>
-            <a:endParaRPr lang="en-US" dirty="0"/>
+              <a:rPr lang="en-US" sz="1200" kern="1200" dirty="0" smtClean="0">
+                <a:solidFill>
+                  <a:schemeClr val="tx1"/>
+                </a:solidFill>
+                <a:effectLst/>
+                <a:latin typeface="+mn-lt"/>
+                <a:ea typeface="+mn-ea"/>
+                <a:cs typeface="+mn-cs"/>
+              </a:rPr>
+              <a:t>With Azure, you deploy a cluster of VMs to the cloud in minutes and scale it up and down as needed. They can be Windows VMs or Linux VMs; Azure doesn’t care. In fact, Linux VMs are slightly less expensive because you don’t pay Windows licensing fees for them. You can also choose from a variety of virtual-machine sizes, and you can use deployment templates – something I’ll say more about shortly – to automate your deployments.</a:t>
+            </a:r>
+          </a:p>
+          <a:p>
+            <a:r>
+              <a:rPr lang="en-US" sz="1200" kern="1200" dirty="0" smtClean="0">
+                <a:solidFill>
+                  <a:schemeClr val="tx1"/>
+                </a:solidFill>
+                <a:effectLst/>
+                <a:latin typeface="+mn-lt"/>
+                <a:ea typeface="+mn-ea"/>
+                <a:cs typeface="+mn-cs"/>
+              </a:rPr>
+              <a:t> </a:t>
+            </a:r>
+          </a:p>
+          <a:p>
+            <a:r>
+              <a:rPr lang="en-US" sz="1200" kern="1200" dirty="0" smtClean="0">
+                <a:solidFill>
+                  <a:schemeClr val="tx1"/>
+                </a:solidFill>
+                <a:effectLst/>
+                <a:latin typeface="+mn-lt"/>
+                <a:ea typeface="+mn-ea"/>
+                <a:cs typeface="+mn-cs"/>
+              </a:rPr>
+              <a:t>Although I won’t be using it in my demo, Azure Batch can also play a role in HPC by allowing you to schedule jobs to run across a pool of VMs, much like the batch-processing services frequently used on mainframes and supercomputers.</a:t>
+            </a:r>
           </a:p>
         </p:txBody>
       </p:sp>
@@ -628,7 +772,7 @@
           <a:p>
             <a:fld id="{BC60BE34-BC89-4C98-A56B-79B7A098D024}" type="slidenum">
               <a:rPr lang="en-US" smtClean="0"/>
-              <a:t>5</a:t>
+              <a:t>2</a:t>
             </a:fld>
             <a:endParaRPr lang="en-US"/>
           </a:p>
@@ -637,7 +781,7 @@
     </p:spTree>
     <p:extLst>
       <p:ext uri="{BB962C8B-B14F-4D97-AF65-F5344CB8AC3E}">
-        <p14:creationId xmlns:p14="http://schemas.microsoft.com/office/powerpoint/2010/main" val="2402288964"/>
+        <p14:creationId xmlns:p14="http://schemas.microsoft.com/office/powerpoint/2010/main" val="718479642"/>
       </p:ext>
     </p:extLst>
   </p:cSld>
@@ -692,10 +836,58 @@
           <a:lstStyle/>
           <a:p>
             <a:r>
+              <a:rPr lang="en-US" sz="1200" kern="1200" dirty="0" smtClean="0">
+                <a:solidFill>
+                  <a:schemeClr val="tx1"/>
+                </a:solidFill>
+                <a:effectLst/>
+                <a:latin typeface="+mn-lt"/>
+                <a:ea typeface="+mn-ea"/>
+                <a:cs typeface="+mn-cs"/>
+              </a:rPr>
+              <a:t>Azure offers a variety of VM sizes in an effort to make sure there’s something to fit everyone’s needs. Each size is identified by a letter and a number: A0, D1, G2, and so on. There is documentation online detailing the specs for each machine – number of cores, amount of RAM, type and size of hard disk, for example – as well as the cost. Not surprisingly, more powerful machines are most costly as well. Prices range from as little as 7 cents an hour for a single core machine running Linux to almost $10 an hour for a machine with 32 cores and almost half a terabyte of RAM. The G-series machines are reserved for the most power-hungry applications.</a:t>
+            </a:r>
+          </a:p>
+          <a:p>
+            <a:r>
+              <a:rPr lang="en-US" sz="1200" kern="1200" dirty="0" smtClean="0">
+                <a:solidFill>
+                  <a:schemeClr val="tx1"/>
+                </a:solidFill>
+                <a:effectLst/>
+                <a:latin typeface="+mn-lt"/>
+                <a:ea typeface="+mn-ea"/>
+                <a:cs typeface="+mn-cs"/>
+              </a:rPr>
+              <a:t> </a:t>
+            </a:r>
+          </a:p>
+          <a:p>
+            <a:r>
+              <a:rPr lang="en-US" sz="1200" kern="1200" dirty="0" smtClean="0">
+                <a:solidFill>
+                  <a:schemeClr val="tx1"/>
+                </a:solidFill>
+                <a:effectLst/>
+                <a:latin typeface="+mn-lt"/>
+                <a:ea typeface="+mn-ea"/>
+                <a:cs typeface="+mn-cs"/>
+              </a:rPr>
+              <a:t>Costs can grow astronomically when you talk about clusters with hundreds or even thousands of cores. But cost isn’t really the point. The point is having massive amounts of computing power at your fingertips. Besides, the cost of “renting” even the largest virtual cluster pales in comparison to the cost of purchasing, setting up, and maintaining a similarly sized cluster of your own.</a:t>
+            </a:r>
+          </a:p>
+          <a:p>
+            <a:endParaRPr lang="en-US" dirty="0" smtClean="0"/>
+          </a:p>
+          <a:p>
+            <a:r>
               <a:rPr lang="en-US" dirty="0" smtClean="0"/>
-              <a:t>The Simple Linux Utility for Resource Management (SLURM), also known as the SLURM Workload Manager, is a free and open-source job scheduler for Linux that excels at distributing heavy computing workloads across clusters of machines and processors. It is used on more than half of the world's supercomputers and High-Performance Computing (HPC) clusters, and it enjoys widespread use in the research community for jobs that require significant CPU resources.</a:t>
-            </a:r>
-            <a:endParaRPr lang="en-US" dirty="0"/>
+              <a:t>Not </a:t>
+            </a:r>
+            <a:r>
+              <a:rPr lang="en-US" dirty="0" smtClean="0"/>
+              <a:t>all VM sizes are available in all data centers. For the latest pricing information and availability, see https://azure.microsoft.com/en-us/pricing/details/virtual-machines.</a:t>
+            </a:r>
           </a:p>
         </p:txBody>
       </p:sp>
@@ -716,7 +908,7 @@
           <a:p>
             <a:fld id="{BC60BE34-BC89-4C98-A56B-79B7A098D024}" type="slidenum">
               <a:rPr lang="en-US" smtClean="0"/>
-              <a:t>6</a:t>
+              <a:t>3</a:t>
             </a:fld>
             <a:endParaRPr lang="en-US"/>
           </a:p>
@@ -725,7 +917,7 @@
     </p:spTree>
     <p:extLst>
       <p:ext uri="{BB962C8B-B14F-4D97-AF65-F5344CB8AC3E}">
-        <p14:creationId xmlns:p14="http://schemas.microsoft.com/office/powerpoint/2010/main" val="1020586222"/>
+        <p14:creationId xmlns:p14="http://schemas.microsoft.com/office/powerpoint/2010/main" val="3031653289"/>
       </p:ext>
     </p:extLst>
   </p:cSld>
@@ -779,6 +971,18 @@
           <a:bodyPr/>
           <a:lstStyle/>
           <a:p>
+            <a:r>
+              <a:rPr lang="en-US" sz="1200" kern="1200" dirty="0" smtClean="0">
+                <a:solidFill>
+                  <a:schemeClr val="tx1"/>
+                </a:solidFill>
+                <a:effectLst/>
+                <a:latin typeface="+mn-lt"/>
+                <a:ea typeface="+mn-ea"/>
+                <a:cs typeface="+mn-cs"/>
+              </a:rPr>
+              <a:t>Here’s a quick look at three of the Azure VM sizes so you can see how they differ in cost and capability. One thing to keep in mind when deploying VMs is that you get charged for them whether they’re in use or not. When you’re finished using a VM or a cluster of VMs, it behooves you to go into the Azure portal and suspend each VM to avoid unnecessary charges. Once suspended, a VM is easily restarted so you can pick up where you left off and continue using it. I’ll show you how to start and stop VMs in the demo coming up shortly. I’ll also show you how to delete them so you can avoid even incurring storage charges for VMs that are no longer needed.</a:t>
+            </a:r>
             <a:endParaRPr lang="en-US" dirty="0"/>
           </a:p>
         </p:txBody>
@@ -800,7 +1004,572 @@
           <a:p>
             <a:fld id="{BC60BE34-BC89-4C98-A56B-79B7A098D024}" type="slidenum">
               <a:rPr lang="en-US" smtClean="0"/>
+              <a:t>4</a:t>
+            </a:fld>
+            <a:endParaRPr lang="en-US"/>
+          </a:p>
+        </p:txBody>
+      </p:sp>
+    </p:spTree>
+    <p:extLst>
+      <p:ext uri="{BB962C8B-B14F-4D97-AF65-F5344CB8AC3E}">
+        <p14:creationId xmlns:p14="http://schemas.microsoft.com/office/powerpoint/2010/main" val="521332450"/>
+      </p:ext>
+    </p:extLst>
+  </p:cSld>
+  <p:clrMapOvr>
+    <a:masterClrMapping/>
+  </p:clrMapOvr>
+</p:notes>
+</file>
+
+<file path=ppt/notesSlides/notesSlide5.xml><?xml version="1.0" encoding="utf-8"?>
+<p:notes xmlns:a="http://schemas.openxmlformats.org/drawingml/2006/main" xmlns:r="http://schemas.openxmlformats.org/officeDocument/2006/relationships" xmlns:p="http://schemas.openxmlformats.org/presentationml/2006/main">
+  <p:cSld>
+    <p:spTree>
+      <p:nvGrpSpPr>
+        <p:cNvPr id="1" name=""/>
+        <p:cNvGrpSpPr/>
+        <p:nvPr/>
+      </p:nvGrpSpPr>
+      <p:grpSpPr>
+        <a:xfrm>
+          <a:off x="0" y="0"/>
+          <a:ext cx="0" cy="0"/>
+          <a:chOff x="0" y="0"/>
+          <a:chExt cx="0" cy="0"/>
+        </a:xfrm>
+      </p:grpSpPr>
+      <p:sp>
+        <p:nvSpPr>
+          <p:cNvPr id="2" name="Slide Image Placeholder 1"/>
+          <p:cNvSpPr>
+            <a:spLocks noGrp="1" noRot="1" noChangeAspect="1"/>
+          </p:cNvSpPr>
+          <p:nvPr>
+            <p:ph type="sldImg"/>
+          </p:nvPr>
+        </p:nvSpPr>
+        <p:spPr/>
+      </p:sp>
+      <p:sp>
+        <p:nvSpPr>
+          <p:cNvPr id="3" name="Notes Placeholder 2"/>
+          <p:cNvSpPr>
+            <a:spLocks noGrp="1"/>
+          </p:cNvSpPr>
+          <p:nvPr>
+            <p:ph type="body" idx="1"/>
+          </p:nvPr>
+        </p:nvSpPr>
+        <p:spPr/>
+        <p:txBody>
+          <a:bodyPr/>
+          <a:lstStyle/>
+          <a:p>
+            <a:r>
+              <a:rPr lang="en-US" sz="1200" kern="1200" dirty="0" smtClean="0">
+                <a:solidFill>
+                  <a:schemeClr val="tx1"/>
+                </a:solidFill>
+                <a:effectLst/>
+                <a:latin typeface="+mn-lt"/>
+                <a:ea typeface="+mn-ea"/>
+                <a:cs typeface="+mn-cs"/>
+              </a:rPr>
+              <a:t>An important element of HPC in Azure is the Azure Resource Manager. The Azure Resource Manager is a relatively recent addition to Azure. It lets you combine the resources that comprise an application – resources such as VMs, databases, virtual networks, and storage accounts – into </a:t>
+            </a:r>
+            <a:r>
+              <a:rPr lang="en-US" sz="1200" i="1" kern="1200" dirty="0" smtClean="0">
+                <a:solidFill>
+                  <a:schemeClr val="tx1"/>
+                </a:solidFill>
+                <a:effectLst/>
+                <a:latin typeface="+mn-lt"/>
+                <a:ea typeface="+mn-ea"/>
+                <a:cs typeface="+mn-cs"/>
+              </a:rPr>
+              <a:t>resource groups</a:t>
+            </a:r>
+            <a:r>
+              <a:rPr lang="en-US" sz="1200" kern="1200" dirty="0" smtClean="0">
+                <a:solidFill>
+                  <a:schemeClr val="tx1"/>
+                </a:solidFill>
+                <a:effectLst/>
+                <a:latin typeface="+mn-lt"/>
+                <a:ea typeface="+mn-ea"/>
+                <a:cs typeface="+mn-cs"/>
+              </a:rPr>
+              <a:t> so entire applications can be deployed, managed, and even deleted with a single step. Prior to Resource Manager, resources had to be created (and deleted) one by one, which quickly became onerous with large deployments.</a:t>
+            </a:r>
+          </a:p>
+          <a:p>
+            <a:r>
+              <a:rPr lang="en-US" sz="1200" kern="1200" dirty="0" smtClean="0">
+                <a:solidFill>
+                  <a:schemeClr val="tx1"/>
+                </a:solidFill>
+                <a:effectLst/>
+                <a:latin typeface="+mn-lt"/>
+                <a:ea typeface="+mn-ea"/>
+                <a:cs typeface="+mn-cs"/>
+              </a:rPr>
+              <a:t> </a:t>
+            </a:r>
+          </a:p>
+          <a:p>
+            <a:r>
+              <a:rPr lang="en-US" sz="1200" kern="1200" dirty="0" smtClean="0">
+                <a:solidFill>
+                  <a:schemeClr val="tx1"/>
+                </a:solidFill>
+                <a:effectLst/>
+                <a:latin typeface="+mn-lt"/>
+                <a:ea typeface="+mn-ea"/>
+                <a:cs typeface="+mn-cs"/>
+              </a:rPr>
+              <a:t>The Azure Resource Manager allows you to deploy applications using declarative templates called </a:t>
+            </a:r>
+            <a:r>
+              <a:rPr lang="en-US" sz="1200" i="1" kern="1200" dirty="0" smtClean="0">
+                <a:solidFill>
+                  <a:schemeClr val="tx1"/>
+                </a:solidFill>
+                <a:effectLst/>
+                <a:latin typeface="+mn-lt"/>
+                <a:ea typeface="+mn-ea"/>
+                <a:cs typeface="+mn-cs"/>
+              </a:rPr>
+              <a:t>deployment templates</a:t>
+            </a:r>
+            <a:r>
+              <a:rPr lang="en-US" sz="1200" kern="1200" dirty="0" smtClean="0">
+                <a:solidFill>
+                  <a:schemeClr val="tx1"/>
+                </a:solidFill>
+                <a:effectLst/>
+                <a:latin typeface="+mn-lt"/>
+                <a:ea typeface="+mn-ea"/>
+                <a:cs typeface="+mn-cs"/>
+              </a:rPr>
+              <a:t>. A template contains a complete description of all the resources that make up the application. Templates can include parameters that users will be prompted to fill in each time an application is deployed. Templates can also run scripts to initialize resources to a known and consistent state.</a:t>
+            </a:r>
+          </a:p>
+          <a:p>
+            <a:r>
+              <a:rPr lang="en-US" sz="1200" kern="1200" dirty="0" smtClean="0">
+                <a:solidFill>
+                  <a:schemeClr val="tx1"/>
+                </a:solidFill>
+                <a:effectLst/>
+                <a:latin typeface="+mn-lt"/>
+                <a:ea typeface="+mn-ea"/>
+                <a:cs typeface="+mn-cs"/>
+              </a:rPr>
+              <a:t> </a:t>
+            </a:r>
+          </a:p>
+          <a:p>
+            <a:r>
+              <a:rPr lang="en-US" sz="1200" kern="1200" dirty="0" smtClean="0">
+                <a:solidFill>
+                  <a:schemeClr val="tx1"/>
+                </a:solidFill>
+                <a:effectLst/>
+                <a:latin typeface="+mn-lt"/>
+                <a:ea typeface="+mn-ea"/>
+                <a:cs typeface="+mn-cs"/>
+              </a:rPr>
+              <a:t>As an example, suppose you have built an HPC cluster that includes virtual machines and other Azure resources. With a template, you can script the creation of the entire cluster and optionally the data that goes with it. This makes it easy for others to spin up instances of the cluster, or for you to recreate it if you deleted it thinking you wouldn’t be needing it again.</a:t>
+            </a:r>
+            <a:endParaRPr lang="en-US" dirty="0"/>
+          </a:p>
+        </p:txBody>
+      </p:sp>
+      <p:sp>
+        <p:nvSpPr>
+          <p:cNvPr id="4" name="Slide Number Placeholder 3"/>
+          <p:cNvSpPr>
+            <a:spLocks noGrp="1"/>
+          </p:cNvSpPr>
+          <p:nvPr>
+            <p:ph type="sldNum" sz="quarter" idx="10"/>
+          </p:nvPr>
+        </p:nvSpPr>
+        <p:spPr/>
+        <p:txBody>
+          <a:bodyPr/>
+          <a:lstStyle/>
+          <a:p>
+            <a:fld id="{BC60BE34-BC89-4C98-A56B-79B7A098D024}" type="slidenum">
+              <a:rPr lang="en-US" smtClean="0"/>
+              <a:t>5</a:t>
+            </a:fld>
+            <a:endParaRPr lang="en-US"/>
+          </a:p>
+        </p:txBody>
+      </p:sp>
+    </p:spTree>
+    <p:extLst>
+      <p:ext uri="{BB962C8B-B14F-4D97-AF65-F5344CB8AC3E}">
+        <p14:creationId xmlns:p14="http://schemas.microsoft.com/office/powerpoint/2010/main" val="3002701599"/>
+      </p:ext>
+    </p:extLst>
+  </p:cSld>
+  <p:clrMapOvr>
+    <a:masterClrMapping/>
+  </p:clrMapOvr>
+</p:notes>
+</file>
+
+<file path=ppt/notesSlides/notesSlide6.xml><?xml version="1.0" encoding="utf-8"?>
+<p:notes xmlns:a="http://schemas.openxmlformats.org/drawingml/2006/main" xmlns:r="http://schemas.openxmlformats.org/officeDocument/2006/relationships" xmlns:p="http://schemas.openxmlformats.org/presentationml/2006/main">
+  <p:cSld>
+    <p:spTree>
+      <p:nvGrpSpPr>
+        <p:cNvPr id="1" name=""/>
+        <p:cNvGrpSpPr/>
+        <p:nvPr/>
+      </p:nvGrpSpPr>
+      <p:grpSpPr>
+        <a:xfrm>
+          <a:off x="0" y="0"/>
+          <a:ext cx="0" cy="0"/>
+          <a:chOff x="0" y="0"/>
+          <a:chExt cx="0" cy="0"/>
+        </a:xfrm>
+      </p:grpSpPr>
+      <p:sp>
+        <p:nvSpPr>
+          <p:cNvPr id="2" name="Slide Image Placeholder 1"/>
+          <p:cNvSpPr>
+            <a:spLocks noGrp="1" noRot="1" noChangeAspect="1"/>
+          </p:cNvSpPr>
+          <p:nvPr>
+            <p:ph type="sldImg"/>
+          </p:nvPr>
+        </p:nvSpPr>
+        <p:spPr/>
+      </p:sp>
+      <p:sp>
+        <p:nvSpPr>
+          <p:cNvPr id="3" name="Notes Placeholder 2"/>
+          <p:cNvSpPr>
+            <a:spLocks noGrp="1"/>
+          </p:cNvSpPr>
+          <p:nvPr>
+            <p:ph type="body" idx="1"/>
+          </p:nvPr>
+        </p:nvSpPr>
+        <p:spPr/>
+        <p:txBody>
+          <a:bodyPr/>
+          <a:lstStyle/>
+          <a:p>
+            <a:r>
+              <a:rPr lang="en-US" sz="1200" kern="1200" dirty="0" smtClean="0">
+                <a:solidFill>
+                  <a:schemeClr val="tx1"/>
+                </a:solidFill>
+                <a:effectLst/>
+                <a:latin typeface="+mn-lt"/>
+                <a:ea typeface="+mn-ea"/>
+                <a:cs typeface="+mn-cs"/>
+              </a:rPr>
+              <a:t>You can build deployment templates of your own, or you can use ones that have already been built. An assortment of templates built by the Azure team and by others in the community can be found on the Azure </a:t>
+            </a:r>
+            <a:r>
+              <a:rPr lang="en-US" sz="1200" kern="1200" dirty="0" err="1" smtClean="0">
+                <a:solidFill>
+                  <a:schemeClr val="tx1"/>
+                </a:solidFill>
+                <a:effectLst/>
+                <a:latin typeface="+mn-lt"/>
+                <a:ea typeface="+mn-ea"/>
+                <a:cs typeface="+mn-cs"/>
+              </a:rPr>
+              <a:t>Quickstart</a:t>
+            </a:r>
+            <a:r>
+              <a:rPr lang="en-US" sz="1200" kern="1200" dirty="0" smtClean="0">
+                <a:solidFill>
+                  <a:schemeClr val="tx1"/>
+                </a:solidFill>
+                <a:effectLst/>
+                <a:latin typeface="+mn-lt"/>
+                <a:ea typeface="+mn-ea"/>
+                <a:cs typeface="+mn-cs"/>
+              </a:rPr>
+              <a:t> Templates Web site or on GitHub. There are templates for creating clusters of Linux VMs, deploying </a:t>
+            </a:r>
+            <a:r>
+              <a:rPr lang="en-US" sz="1200" kern="1200" dirty="0" err="1" smtClean="0">
+                <a:solidFill>
+                  <a:schemeClr val="tx1"/>
+                </a:solidFill>
+                <a:effectLst/>
+                <a:latin typeface="+mn-lt"/>
+                <a:ea typeface="+mn-ea"/>
+                <a:cs typeface="+mn-cs"/>
+              </a:rPr>
+              <a:t>Redis</a:t>
+            </a:r>
+            <a:r>
+              <a:rPr lang="en-US" sz="1200" kern="1200" dirty="0" smtClean="0">
+                <a:solidFill>
+                  <a:schemeClr val="tx1"/>
+                </a:solidFill>
+                <a:effectLst/>
+                <a:latin typeface="+mn-lt"/>
+                <a:ea typeface="+mn-ea"/>
+                <a:cs typeface="+mn-cs"/>
+              </a:rPr>
+              <a:t> clusters of Ubuntu VMs, deploying MySQL servers, creating Windows VMs provisioned with IIS, and a whole lot more. There is even a template that deploys Minecraft Server in an Ubuntu VM.</a:t>
+            </a:r>
+          </a:p>
+          <a:p>
+            <a:r>
+              <a:rPr lang="en-US" sz="1200" kern="1200" dirty="0" smtClean="0">
+                <a:solidFill>
+                  <a:schemeClr val="tx1"/>
+                </a:solidFill>
+                <a:effectLst/>
+                <a:latin typeface="+mn-lt"/>
+                <a:ea typeface="+mn-ea"/>
+                <a:cs typeface="+mn-cs"/>
+              </a:rPr>
+              <a:t> </a:t>
+            </a:r>
+          </a:p>
+          <a:p>
+            <a:r>
+              <a:rPr lang="en-US" sz="1200" kern="1200" dirty="0" smtClean="0">
+                <a:solidFill>
+                  <a:schemeClr val="tx1"/>
+                </a:solidFill>
+                <a:effectLst/>
+                <a:latin typeface="+mn-lt"/>
+                <a:ea typeface="+mn-ea"/>
+                <a:cs typeface="+mn-cs"/>
+              </a:rPr>
+              <a:t>Using any of these templates requires nothing more than a button click. Each template comes with documentation that tells you what parameters it requires and whether the template was created by Microsoft or by someone in the community. Best of all, you can view each template’s source code, which is little more than a JSON script, and customize it to fit your needs or even build upon it to create templates of your own.</a:t>
+            </a:r>
+          </a:p>
+          <a:p>
+            <a:endParaRPr lang="en-US" dirty="0" smtClean="0"/>
+          </a:p>
+          <a:p>
+            <a:r>
+              <a:rPr lang="en-US" dirty="0" smtClean="0"/>
+              <a:t>The </a:t>
+            </a:r>
+            <a:r>
+              <a:rPr lang="en-US" dirty="0" smtClean="0"/>
+              <a:t>three templates pictured here are just a few of the many dozens of templates currently available.</a:t>
+            </a:r>
+            <a:endParaRPr lang="en-US" dirty="0"/>
+          </a:p>
+        </p:txBody>
+      </p:sp>
+      <p:sp>
+        <p:nvSpPr>
+          <p:cNvPr id="4" name="Slide Number Placeholder 3"/>
+          <p:cNvSpPr>
+            <a:spLocks noGrp="1"/>
+          </p:cNvSpPr>
+          <p:nvPr>
+            <p:ph type="sldNum" sz="quarter" idx="10"/>
+          </p:nvPr>
+        </p:nvSpPr>
+        <p:spPr/>
+        <p:txBody>
+          <a:bodyPr/>
+          <a:lstStyle/>
+          <a:p>
+            <a:fld id="{BC60BE34-BC89-4C98-A56B-79B7A098D024}" type="slidenum">
+              <a:rPr lang="en-US" smtClean="0"/>
+              <a:t>6</a:t>
+            </a:fld>
+            <a:endParaRPr lang="en-US"/>
+          </a:p>
+        </p:txBody>
+      </p:sp>
+    </p:spTree>
+    <p:extLst>
+      <p:ext uri="{BB962C8B-B14F-4D97-AF65-F5344CB8AC3E}">
+        <p14:creationId xmlns:p14="http://schemas.microsoft.com/office/powerpoint/2010/main" val="2402288964"/>
+      </p:ext>
+    </p:extLst>
+  </p:cSld>
+  <p:clrMapOvr>
+    <a:masterClrMapping/>
+  </p:clrMapOvr>
+</p:notes>
+</file>
+
+<file path=ppt/notesSlides/notesSlide7.xml><?xml version="1.0" encoding="utf-8"?>
+<p:notes xmlns:a="http://schemas.openxmlformats.org/drawingml/2006/main" xmlns:r="http://schemas.openxmlformats.org/officeDocument/2006/relationships" xmlns:p="http://schemas.openxmlformats.org/presentationml/2006/main">
+  <p:cSld>
+    <p:spTree>
+      <p:nvGrpSpPr>
+        <p:cNvPr id="1" name=""/>
+        <p:cNvGrpSpPr/>
+        <p:nvPr/>
+      </p:nvGrpSpPr>
+      <p:grpSpPr>
+        <a:xfrm>
+          <a:off x="0" y="0"/>
+          <a:ext cx="0" cy="0"/>
+          <a:chOff x="0" y="0"/>
+          <a:chExt cx="0" cy="0"/>
+        </a:xfrm>
+      </p:grpSpPr>
+      <p:sp>
+        <p:nvSpPr>
+          <p:cNvPr id="2" name="Slide Image Placeholder 1"/>
+          <p:cNvSpPr>
+            <a:spLocks noGrp="1" noRot="1" noChangeAspect="1"/>
+          </p:cNvSpPr>
+          <p:nvPr>
+            <p:ph type="sldImg"/>
+          </p:nvPr>
+        </p:nvSpPr>
+        <p:spPr/>
+      </p:sp>
+      <p:sp>
+        <p:nvSpPr>
+          <p:cNvPr id="3" name="Notes Placeholder 2"/>
+          <p:cNvSpPr>
+            <a:spLocks noGrp="1"/>
+          </p:cNvSpPr>
+          <p:nvPr>
+            <p:ph type="body" idx="1"/>
+          </p:nvPr>
+        </p:nvSpPr>
+        <p:spPr/>
+        <p:txBody>
+          <a:bodyPr/>
+          <a:lstStyle/>
+          <a:p>
+            <a:r>
+              <a:rPr lang="en-US" dirty="0" smtClean="0"/>
+              <a:t>The Simple Linux Utility for Resource Management (SLURM), also known as the SLURM Workload Manager, is a free and open-source job scheduler for Linux that excels at distributing heavy computing workloads across clusters of machines and processors. It is used on more than half of the world's </a:t>
+            </a:r>
+            <a:r>
+              <a:rPr lang="en-US" dirty="0" smtClean="0"/>
+              <a:t>largest supercomputers </a:t>
+            </a:r>
+            <a:r>
+              <a:rPr lang="en-US" dirty="0" smtClean="0"/>
+              <a:t>and High-Performance Computing (HPC) clusters, and it enjoys widespread use in the research community for jobs that require significant CPU resources.</a:t>
+            </a:r>
+            <a:endParaRPr lang="en-US" dirty="0"/>
+          </a:p>
+        </p:txBody>
+      </p:sp>
+      <p:sp>
+        <p:nvSpPr>
+          <p:cNvPr id="4" name="Slide Number Placeholder 3"/>
+          <p:cNvSpPr>
+            <a:spLocks noGrp="1"/>
+          </p:cNvSpPr>
+          <p:nvPr>
+            <p:ph type="sldNum" sz="quarter" idx="10"/>
+          </p:nvPr>
+        </p:nvSpPr>
+        <p:spPr/>
+        <p:txBody>
+          <a:bodyPr/>
+          <a:lstStyle/>
+          <a:p>
+            <a:fld id="{BC60BE34-BC89-4C98-A56B-79B7A098D024}" type="slidenum">
+              <a:rPr lang="en-US" smtClean="0"/>
               <a:t>7</a:t>
+            </a:fld>
+            <a:endParaRPr lang="en-US"/>
+          </a:p>
+        </p:txBody>
+      </p:sp>
+    </p:spTree>
+    <p:extLst>
+      <p:ext uri="{BB962C8B-B14F-4D97-AF65-F5344CB8AC3E}">
+        <p14:creationId xmlns:p14="http://schemas.microsoft.com/office/powerpoint/2010/main" val="1020586222"/>
+      </p:ext>
+    </p:extLst>
+  </p:cSld>
+  <p:clrMapOvr>
+    <a:masterClrMapping/>
+  </p:clrMapOvr>
+</p:notes>
+</file>
+
+<file path=ppt/notesSlides/notesSlide8.xml><?xml version="1.0" encoding="utf-8"?>
+<p:notes xmlns:a="http://schemas.openxmlformats.org/drawingml/2006/main" xmlns:r="http://schemas.openxmlformats.org/officeDocument/2006/relationships" xmlns:p="http://schemas.openxmlformats.org/presentationml/2006/main">
+  <p:cSld>
+    <p:spTree>
+      <p:nvGrpSpPr>
+        <p:cNvPr id="1" name=""/>
+        <p:cNvGrpSpPr/>
+        <p:nvPr/>
+      </p:nvGrpSpPr>
+      <p:grpSpPr>
+        <a:xfrm>
+          <a:off x="0" y="0"/>
+          <a:ext cx="0" cy="0"/>
+          <a:chOff x="0" y="0"/>
+          <a:chExt cx="0" cy="0"/>
+        </a:xfrm>
+      </p:grpSpPr>
+      <p:sp>
+        <p:nvSpPr>
+          <p:cNvPr id="2" name="Slide Image Placeholder 1"/>
+          <p:cNvSpPr>
+            <a:spLocks noGrp="1" noRot="1" noChangeAspect="1"/>
+          </p:cNvSpPr>
+          <p:nvPr>
+            <p:ph type="sldImg"/>
+          </p:nvPr>
+        </p:nvSpPr>
+        <p:spPr/>
+      </p:sp>
+      <p:sp>
+        <p:nvSpPr>
+          <p:cNvPr id="3" name="Notes Placeholder 2"/>
+          <p:cNvSpPr>
+            <a:spLocks noGrp="1"/>
+          </p:cNvSpPr>
+          <p:nvPr>
+            <p:ph type="body" idx="1"/>
+          </p:nvPr>
+        </p:nvSpPr>
+        <p:spPr/>
+        <p:txBody>
+          <a:bodyPr/>
+          <a:lstStyle/>
+          <a:p>
+            <a:endParaRPr lang="en-US" dirty="0"/>
+          </a:p>
+        </p:txBody>
+      </p:sp>
+      <p:sp>
+        <p:nvSpPr>
+          <p:cNvPr id="4" name="Slide Number Placeholder 3"/>
+          <p:cNvSpPr>
+            <a:spLocks noGrp="1"/>
+          </p:cNvSpPr>
+          <p:nvPr>
+            <p:ph type="sldNum" sz="quarter" idx="10"/>
+          </p:nvPr>
+        </p:nvSpPr>
+        <p:spPr/>
+        <p:txBody>
+          <a:bodyPr/>
+          <a:lstStyle/>
+          <a:p>
+            <a:fld id="{BC60BE34-BC89-4C98-A56B-79B7A098D024}" type="slidenum">
+              <a:rPr lang="en-US" smtClean="0"/>
+              <a:t>8</a:t>
             </a:fld>
             <a:endParaRPr lang="en-US"/>
           </a:p>
@@ -11813,13 +12582,13 @@
             </a:r>
             <a:r>
               <a:rPr lang="en-US" dirty="0">
-                <a:hlinkClick r:id="rId2"/>
+                <a:hlinkClick r:id="rId3"/>
               </a:rPr>
               <a:t>http://</a:t>
             </a:r>
             <a:r>
               <a:rPr lang="en-US" dirty="0" smtClean="0">
-                <a:hlinkClick r:id="rId2"/>
+                <a:hlinkClick r:id="rId3"/>
               </a:rPr>
               <a:t>bit.ly/a4r-batch</a:t>
             </a:r>
@@ -14387,7 +15156,7 @@
           <a:p>
             <a:r>
               <a:rPr lang="en-US" dirty="0" smtClean="0"/>
-              <a:t>Azure Resource Manager</a:t>
+              <a:t>Power vs. Cost</a:t>
             </a:r>
             <a:endParaRPr lang="en-US" dirty="0"/>
           </a:p>
@@ -14395,80 +15164,1285 @@
       </p:sp>
       <p:sp>
         <p:nvSpPr>
-          <p:cNvPr id="3" name="Content Placeholder 2"/>
-          <p:cNvSpPr>
-            <a:spLocks noGrp="1"/>
-          </p:cNvSpPr>
-          <p:nvPr>
-            <p:ph idx="1"/>
-          </p:nvPr>
+          <p:cNvPr id="4" name="Rectangle 3"/>
+          <p:cNvSpPr/>
+          <p:nvPr/>
+        </p:nvSpPr>
+        <p:spPr bwMode="auto">
+          <a:xfrm>
+            <a:off x="4384713" y="1752582"/>
+            <a:ext cx="3383327" cy="790489"/>
+          </a:xfrm>
+          <a:prstGeom prst="rect">
+            <a:avLst/>
+          </a:prstGeom>
+          <a:solidFill>
+            <a:schemeClr val="accent4"/>
+          </a:solidFill>
+          <a:ln>
+            <a:noFill/>
+            <a:headEnd type="none" w="med" len="med"/>
+            <a:tailEnd type="none" w="med" len="med"/>
+          </a:ln>
+          <a:effectLst/>
+        </p:spPr>
+        <p:style>
+          <a:lnRef idx="1">
+            <a:schemeClr val="accent2"/>
+          </a:lnRef>
+          <a:fillRef idx="3">
+            <a:schemeClr val="accent2"/>
+          </a:fillRef>
+          <a:effectRef idx="2">
+            <a:schemeClr val="accent2"/>
+          </a:effectRef>
+          <a:fontRef idx="minor">
+            <a:schemeClr val="lt1"/>
+          </a:fontRef>
+        </p:style>
+        <p:txBody>
+          <a:bodyPr vert="horz" wrap="square" lIns="91436" tIns="45718" rIns="91436" bIns="45718" numCol="1" rtlCol="0" anchor="ctr" anchorCtr="0" compatLnSpc="1">
+            <a:prstTxWarp prst="textNoShape">
+              <a:avLst/>
+            </a:prstTxWarp>
+          </a:bodyPr>
+          <a:lstStyle/>
+          <a:p>
+            <a:pPr algn="ctr" defTabSz="914099" fontAlgn="base">
+              <a:spcBef>
+                <a:spcPct val="0"/>
+              </a:spcBef>
+              <a:spcAft>
+                <a:spcPct val="0"/>
+              </a:spcAft>
+            </a:pPr>
+            <a:r>
+              <a:rPr lang="en-US" sz="2800" dirty="0" smtClean="0">
+                <a:gradFill>
+                  <a:gsLst>
+                    <a:gs pos="0">
+                      <a:srgbClr val="FFFFFF"/>
+                    </a:gs>
+                    <a:gs pos="100000">
+                      <a:srgbClr val="FFFFFF"/>
+                    </a:gs>
+                  </a:gsLst>
+                  <a:lin ang="5400000" scaled="0"/>
+                </a:gradFill>
+              </a:rPr>
+              <a:t>D1</a:t>
+            </a:r>
+          </a:p>
+        </p:txBody>
+      </p:sp>
+      <p:sp>
+        <p:nvSpPr>
+          <p:cNvPr id="6" name="Rectangle 5"/>
+          <p:cNvSpPr/>
+          <p:nvPr/>
+        </p:nvSpPr>
+        <p:spPr bwMode="auto">
+          <a:xfrm>
+            <a:off x="8491529" y="1752583"/>
+            <a:ext cx="3348856" cy="790489"/>
+          </a:xfrm>
+          <a:prstGeom prst="rect">
+            <a:avLst/>
+          </a:prstGeom>
+          <a:solidFill>
+            <a:schemeClr val="accent1"/>
+          </a:solidFill>
+          <a:ln>
+            <a:noFill/>
+            <a:headEnd type="none" w="med" len="med"/>
+            <a:tailEnd type="none" w="med" len="med"/>
+          </a:ln>
+          <a:effectLst/>
+        </p:spPr>
+        <p:style>
+          <a:lnRef idx="1">
+            <a:schemeClr val="accent2"/>
+          </a:lnRef>
+          <a:fillRef idx="3">
+            <a:schemeClr val="accent2"/>
+          </a:fillRef>
+          <a:effectRef idx="2">
+            <a:schemeClr val="accent2"/>
+          </a:effectRef>
+          <a:fontRef idx="minor">
+            <a:schemeClr val="lt1"/>
+          </a:fontRef>
+        </p:style>
+        <p:txBody>
+          <a:bodyPr vert="horz" wrap="square" lIns="91436" tIns="45718" rIns="91436" bIns="45718" numCol="1" rtlCol="0" anchor="ctr" anchorCtr="0" compatLnSpc="1">
+            <a:prstTxWarp prst="textNoShape">
+              <a:avLst/>
+            </a:prstTxWarp>
+          </a:bodyPr>
+          <a:lstStyle/>
+          <a:p>
+            <a:pPr algn="ctr" defTabSz="914099" fontAlgn="base">
+              <a:spcBef>
+                <a:spcPct val="0"/>
+              </a:spcBef>
+              <a:spcAft>
+                <a:spcPct val="0"/>
+              </a:spcAft>
+            </a:pPr>
+            <a:r>
+              <a:rPr lang="en-US" sz="2800" dirty="0" smtClean="0">
+                <a:gradFill>
+                  <a:gsLst>
+                    <a:gs pos="0">
+                      <a:srgbClr val="FFFFFF"/>
+                    </a:gs>
+                    <a:gs pos="100000">
+                      <a:srgbClr val="FFFFFF"/>
+                    </a:gs>
+                  </a:gsLst>
+                  <a:lin ang="5400000" scaled="0"/>
+                </a:gradFill>
+              </a:rPr>
+              <a:t>G5</a:t>
+            </a:r>
+          </a:p>
+        </p:txBody>
+      </p:sp>
+      <p:sp>
+        <p:nvSpPr>
+          <p:cNvPr id="9" name="Rectangle 8"/>
+          <p:cNvSpPr/>
+          <p:nvPr/>
         </p:nvSpPr>
         <p:spPr>
           <a:xfrm>
-            <a:off x="519248" y="1447800"/>
-            <a:ext cx="11021111" cy="4639988"/>
+            <a:off x="4384713" y="2689612"/>
+            <a:ext cx="3710600" cy="1378839"/>
           </a:xfrm>
+          <a:prstGeom prst="rect">
+            <a:avLst/>
+          </a:prstGeom>
         </p:spPr>
         <p:txBody>
-          <a:bodyPr/>
+          <a:bodyPr wrap="square" anchor="t" anchorCtr="0">
+            <a:spAutoFit/>
+          </a:bodyPr>
           <a:lstStyle/>
           <a:p>
-            <a:r>
-              <a:rPr lang="en-US" dirty="0" smtClean="0"/>
-              <a:t>Allows complex deployments to be performed declaratively via deployment templates</a:t>
-            </a:r>
-          </a:p>
-          <a:p>
-            <a:pPr lvl="1"/>
-            <a:r>
-              <a:rPr lang="en-US" dirty="0" smtClean="0"/>
-              <a:t>Deployment templates specify all the resources — VMs, switches, storage accounts, etc. — to be provisioned</a:t>
-            </a:r>
-          </a:p>
-          <a:p>
-            <a:pPr lvl="1"/>
-            <a:r>
-              <a:rPr lang="en-US" dirty="0" smtClean="0"/>
-              <a:t>Templates can include parameters that are filled in at runtime</a:t>
-            </a:r>
-          </a:p>
-          <a:p>
-            <a:pPr lvl="1"/>
-            <a:r>
-              <a:rPr lang="en-US" dirty="0"/>
-              <a:t>Learn more at </a:t>
-            </a:r>
-            <a:r>
-              <a:rPr lang="en-US" dirty="0" smtClean="0">
-                <a:hlinkClick r:id="rId2"/>
+            <a:pPr>
+              <a:lnSpc>
+                <a:spcPct val="95000"/>
+              </a:lnSpc>
+              <a:buSzPct val="90000"/>
+            </a:pPr>
+            <a:r>
+              <a:rPr lang="en-US" sz="3200" spc="-200" dirty="0">
+                <a:solidFill>
+                  <a:srgbClr val="00B0F0"/>
+                </a:solidFill>
+                <a:latin typeface="Segoe UI Light" panose="020B0502040204020203" pitchFamily="34" charset="0"/>
+                <a:cs typeface="Segoe UI Light" panose="020B0502040204020203" pitchFamily="34" charset="0"/>
               </a:rPr>
-              <a:t>http://bit.ly/a4r-arm</a:t>
-            </a:r>
-            <a:endParaRPr lang="en-US" dirty="0" smtClean="0"/>
-          </a:p>
-          <a:p>
-            <a:r>
-              <a:rPr lang="en-US" dirty="0" smtClean="0"/>
-              <a:t>Allows resources to be collated into resource groups</a:t>
-            </a:r>
-          </a:p>
-          <a:p>
-            <a:pPr lvl="1"/>
-            <a:r>
-              <a:rPr lang="en-US" dirty="0" smtClean="0"/>
-              <a:t>Deploy, manage, monitor, and delete all resources at once rather than one resource at a time</a:t>
-            </a:r>
-            <a:endParaRPr lang="en-US" dirty="0"/>
-          </a:p>
-          <a:p>
-            <a:endParaRPr lang="en-US" dirty="0"/>
+              <a:t>1 core</a:t>
+            </a:r>
+          </a:p>
+          <a:p>
+            <a:pPr>
+              <a:lnSpc>
+                <a:spcPct val="95000"/>
+              </a:lnSpc>
+              <a:buSzPct val="90000"/>
+            </a:pPr>
+            <a:r>
+              <a:rPr lang="en-US" sz="3200" spc="-200" dirty="0">
+                <a:solidFill>
+                  <a:srgbClr val="00B0F0"/>
+                </a:solidFill>
+                <a:latin typeface="Segoe UI Light" panose="020B0502040204020203" pitchFamily="34" charset="0"/>
+                <a:cs typeface="Segoe UI Light" panose="020B0502040204020203" pitchFamily="34" charset="0"/>
+              </a:rPr>
+              <a:t>3.5 GB RAM</a:t>
+            </a:r>
+          </a:p>
+          <a:p>
+            <a:pPr>
+              <a:lnSpc>
+                <a:spcPct val="95000"/>
+              </a:lnSpc>
+              <a:buSzPct val="90000"/>
+            </a:pPr>
+            <a:r>
+              <a:rPr lang="en-US" sz="2400" spc="-200" dirty="0">
+                <a:solidFill>
+                  <a:srgbClr val="00B0F0"/>
+                </a:solidFill>
+                <a:latin typeface="Segoe UI Light" panose="020B0502040204020203" pitchFamily="34" charset="0"/>
+                <a:cs typeface="Segoe UI Light" panose="020B0502040204020203" pitchFamily="34" charset="0"/>
+              </a:rPr>
+              <a:t>50 GB SSD drives</a:t>
+            </a:r>
+          </a:p>
+        </p:txBody>
+      </p:sp>
+      <p:pic>
+        <p:nvPicPr>
+          <p:cNvPr id="11" name="Picture 10"/>
+          <p:cNvPicPr>
+            <a:picLocks noChangeAspect="1"/>
+          </p:cNvPicPr>
+          <p:nvPr/>
+        </p:nvPicPr>
+        <p:blipFill>
+          <a:blip r:embed="rId3"/>
+          <a:stretch>
+            <a:fillRect/>
+          </a:stretch>
+        </p:blipFill>
+        <p:spPr>
+          <a:xfrm>
+            <a:off x="4384713" y="4723498"/>
+            <a:ext cx="370967" cy="406475"/>
+          </a:xfrm>
+          <a:prstGeom prst="rect">
+            <a:avLst/>
+          </a:prstGeom>
+        </p:spPr>
+      </p:pic>
+      <p:sp>
+        <p:nvSpPr>
+          <p:cNvPr id="12" name="TextBox 11"/>
+          <p:cNvSpPr txBox="1"/>
+          <p:nvPr/>
+        </p:nvSpPr>
+        <p:spPr>
+          <a:xfrm>
+            <a:off x="4790152" y="4705136"/>
+            <a:ext cx="3270686" cy="443198"/>
+          </a:xfrm>
+          <a:prstGeom prst="rect">
+            <a:avLst/>
+          </a:prstGeom>
+        </p:spPr>
+        <p:txBody>
+          <a:bodyPr wrap="square" anchor="t" anchorCtr="0">
+            <a:spAutoFit/>
+          </a:bodyPr>
+          <a:lstStyle>
+            <a:defPPr>
+              <a:defRPr lang="en-US"/>
+            </a:defPPr>
+            <a:lvl1pPr>
+              <a:lnSpc>
+                <a:spcPct val="95000"/>
+              </a:lnSpc>
+              <a:buSzPct val="90000"/>
+              <a:defRPr sz="2800" spc="-200">
+                <a:solidFill>
+                  <a:schemeClr val="tx1">
+                    <a:lumMod val="50000"/>
+                    <a:lumOff val="50000"/>
+                  </a:schemeClr>
+                </a:solidFill>
+                <a:latin typeface="Segoe UI" panose="020B0502040204020203" pitchFamily="34" charset="0"/>
+                <a:cs typeface="Segoe UI" panose="020B0502040204020203" pitchFamily="34" charset="0"/>
+              </a:defRPr>
+            </a:lvl1pPr>
+          </a:lstStyle>
+          <a:p>
+            <a:r>
+              <a:rPr lang="en-US" sz="2400" dirty="0">
+                <a:solidFill>
+                  <a:srgbClr val="00B0F0"/>
+                </a:solidFill>
+                <a:latin typeface="Segoe UI Light" panose="020B0502040204020203" pitchFamily="34" charset="0"/>
+                <a:cs typeface="Segoe UI Light" panose="020B0502040204020203" pitchFamily="34" charset="0"/>
+              </a:rPr>
+              <a:t>$0.14/hr. or $</a:t>
+            </a:r>
+            <a:r>
+              <a:rPr lang="en-US" sz="2400" dirty="0" smtClean="0">
+                <a:solidFill>
+                  <a:srgbClr val="00B0F0"/>
+                </a:solidFill>
+                <a:latin typeface="Segoe UI Light" panose="020B0502040204020203" pitchFamily="34" charset="0"/>
+                <a:cs typeface="Segoe UI Light" panose="020B0502040204020203" pitchFamily="34" charset="0"/>
+              </a:rPr>
+              <a:t>104/mo.</a:t>
+            </a:r>
+            <a:endParaRPr lang="en-US" sz="2400" dirty="0">
+              <a:latin typeface="Segoe UI Light" panose="020B0502040204020203" pitchFamily="34" charset="0"/>
+              <a:cs typeface="Segoe UI Light" panose="020B0502040204020203" pitchFamily="34" charset="0"/>
+            </a:endParaRPr>
+          </a:p>
+        </p:txBody>
+      </p:sp>
+      <p:pic>
+        <p:nvPicPr>
+          <p:cNvPr id="13" name="Picture 12"/>
+          <p:cNvPicPr>
+            <a:picLocks noChangeAspect="1"/>
+          </p:cNvPicPr>
+          <p:nvPr/>
+        </p:nvPicPr>
+        <p:blipFill>
+          <a:blip r:embed="rId4" cstate="print">
+            <a:extLst>
+              <a:ext uri="{28A0092B-C50C-407E-A947-70E740481C1C}">
+                <a14:useLocalDpi xmlns:a14="http://schemas.microsoft.com/office/drawing/2010/main" val="0"/>
+              </a:ext>
+            </a:extLst>
+          </a:blip>
+          <a:stretch>
+            <a:fillRect/>
+          </a:stretch>
+        </p:blipFill>
+        <p:spPr>
+          <a:xfrm>
+            <a:off x="4326584" y="5291095"/>
+            <a:ext cx="463568" cy="537739"/>
+          </a:xfrm>
+          <a:prstGeom prst="rect">
+            <a:avLst/>
+          </a:prstGeom>
+        </p:spPr>
+      </p:pic>
+      <p:sp>
+        <p:nvSpPr>
+          <p:cNvPr id="14" name="TextBox 13"/>
+          <p:cNvSpPr txBox="1"/>
+          <p:nvPr/>
+        </p:nvSpPr>
+        <p:spPr>
+          <a:xfrm>
+            <a:off x="4790152" y="5338365"/>
+            <a:ext cx="3270686" cy="443198"/>
+          </a:xfrm>
+          <a:prstGeom prst="rect">
+            <a:avLst/>
+          </a:prstGeom>
+        </p:spPr>
+        <p:txBody>
+          <a:bodyPr wrap="square" anchor="t" anchorCtr="0">
+            <a:spAutoFit/>
+          </a:bodyPr>
+          <a:lstStyle>
+            <a:defPPr>
+              <a:defRPr lang="en-US"/>
+            </a:defPPr>
+            <a:lvl1pPr>
+              <a:lnSpc>
+                <a:spcPct val="95000"/>
+              </a:lnSpc>
+              <a:buSzPct val="90000"/>
+              <a:defRPr sz="2800" spc="-200">
+                <a:solidFill>
+                  <a:schemeClr val="tx1">
+                    <a:lumMod val="50000"/>
+                    <a:lumOff val="50000"/>
+                  </a:schemeClr>
+                </a:solidFill>
+                <a:latin typeface="Segoe UI" panose="020B0502040204020203" pitchFamily="34" charset="0"/>
+                <a:cs typeface="Segoe UI" panose="020B0502040204020203" pitchFamily="34" charset="0"/>
+              </a:defRPr>
+            </a:lvl1pPr>
+          </a:lstStyle>
+          <a:p>
+            <a:r>
+              <a:rPr lang="en-US" sz="2400" dirty="0" smtClean="0">
+                <a:solidFill>
+                  <a:srgbClr val="00B0F0"/>
+                </a:solidFill>
+                <a:latin typeface="Segoe UI Light" panose="020B0502040204020203" pitchFamily="34" charset="0"/>
+                <a:cs typeface="Segoe UI Light" panose="020B0502040204020203" pitchFamily="34" charset="0"/>
+              </a:rPr>
+              <a:t>$0.077/hr</a:t>
+            </a:r>
+            <a:r>
+              <a:rPr lang="en-US" sz="2400" dirty="0">
+                <a:solidFill>
+                  <a:srgbClr val="00B0F0"/>
+                </a:solidFill>
+                <a:latin typeface="Segoe UI Light" panose="020B0502040204020203" pitchFamily="34" charset="0"/>
+                <a:cs typeface="Segoe UI Light" panose="020B0502040204020203" pitchFamily="34" charset="0"/>
+              </a:rPr>
+              <a:t>. or $57/mo</a:t>
+            </a:r>
+            <a:r>
+              <a:rPr lang="en-US" sz="2400" dirty="0" smtClean="0">
+                <a:solidFill>
+                  <a:srgbClr val="00B0F0"/>
+                </a:solidFill>
+                <a:latin typeface="Segoe UI Light" panose="020B0502040204020203" pitchFamily="34" charset="0"/>
+                <a:cs typeface="Segoe UI Light" panose="020B0502040204020203" pitchFamily="34" charset="0"/>
+              </a:rPr>
+              <a:t>.</a:t>
+            </a:r>
+            <a:endParaRPr lang="en-US" sz="2400" dirty="0">
+              <a:latin typeface="Segoe UI Light" panose="020B0502040204020203" pitchFamily="34" charset="0"/>
+              <a:cs typeface="Segoe UI Light" panose="020B0502040204020203" pitchFamily="34" charset="0"/>
+            </a:endParaRPr>
+          </a:p>
+        </p:txBody>
+      </p:sp>
+      <p:pic>
+        <p:nvPicPr>
+          <p:cNvPr id="19" name="Picture 18"/>
+          <p:cNvPicPr>
+            <a:picLocks noChangeAspect="1"/>
+          </p:cNvPicPr>
+          <p:nvPr/>
+        </p:nvPicPr>
+        <p:blipFill>
+          <a:blip r:embed="rId3"/>
+          <a:stretch>
+            <a:fillRect/>
+          </a:stretch>
+        </p:blipFill>
+        <p:spPr>
+          <a:xfrm>
+            <a:off x="8457055" y="4723498"/>
+            <a:ext cx="370967" cy="406475"/>
+          </a:xfrm>
+          <a:prstGeom prst="rect">
+            <a:avLst/>
+          </a:prstGeom>
+        </p:spPr>
+      </p:pic>
+      <p:pic>
+        <p:nvPicPr>
+          <p:cNvPr id="20" name="Picture 19"/>
+          <p:cNvPicPr>
+            <a:picLocks noChangeAspect="1"/>
+          </p:cNvPicPr>
+          <p:nvPr/>
+        </p:nvPicPr>
+        <p:blipFill>
+          <a:blip r:embed="rId4" cstate="print">
+            <a:extLst>
+              <a:ext uri="{28A0092B-C50C-407E-A947-70E740481C1C}">
+                <a14:useLocalDpi xmlns:a14="http://schemas.microsoft.com/office/drawing/2010/main" val="0"/>
+              </a:ext>
+            </a:extLst>
+          </a:blip>
+          <a:stretch>
+            <a:fillRect/>
+          </a:stretch>
+        </p:blipFill>
+        <p:spPr>
+          <a:xfrm>
+            <a:off x="8398926" y="5291095"/>
+            <a:ext cx="463568" cy="537739"/>
+          </a:xfrm>
+          <a:prstGeom prst="rect">
+            <a:avLst/>
+          </a:prstGeom>
+        </p:spPr>
+      </p:pic>
+      <p:sp>
+        <p:nvSpPr>
+          <p:cNvPr id="23" name="Rectangle 22"/>
+          <p:cNvSpPr/>
+          <p:nvPr/>
+        </p:nvSpPr>
+        <p:spPr>
+          <a:xfrm>
+            <a:off x="8457056" y="2689612"/>
+            <a:ext cx="3710600" cy="1729704"/>
+          </a:xfrm>
+          <a:prstGeom prst="rect">
+            <a:avLst/>
+          </a:prstGeom>
+        </p:spPr>
+        <p:txBody>
+          <a:bodyPr wrap="square" anchor="t" anchorCtr="0">
+            <a:spAutoFit/>
+          </a:bodyPr>
+          <a:lstStyle/>
+          <a:p>
+            <a:pPr>
+              <a:lnSpc>
+                <a:spcPct val="95000"/>
+              </a:lnSpc>
+              <a:buSzPct val="90000"/>
+            </a:pPr>
+            <a:r>
+              <a:rPr lang="en-US" sz="3200" spc="-200" dirty="0">
+                <a:solidFill>
+                  <a:srgbClr val="00B0F0"/>
+                </a:solidFill>
+                <a:latin typeface="Segoe UI Light" panose="020B0502040204020203" pitchFamily="34" charset="0"/>
+                <a:cs typeface="Segoe UI Light" panose="020B0502040204020203" pitchFamily="34" charset="0"/>
+              </a:rPr>
+              <a:t>32 cores</a:t>
+            </a:r>
+          </a:p>
+          <a:p>
+            <a:pPr>
+              <a:lnSpc>
+                <a:spcPct val="95000"/>
+              </a:lnSpc>
+              <a:buSzPct val="90000"/>
+            </a:pPr>
+            <a:r>
+              <a:rPr lang="en-US" sz="3200" spc="-200" dirty="0">
+                <a:solidFill>
+                  <a:srgbClr val="00B0F0"/>
+                </a:solidFill>
+                <a:latin typeface="Segoe UI Light" panose="020B0502040204020203" pitchFamily="34" charset="0"/>
+                <a:cs typeface="Segoe UI Light" panose="020B0502040204020203" pitchFamily="34" charset="0"/>
+              </a:rPr>
+              <a:t>448 GB RAM</a:t>
+            </a:r>
+          </a:p>
+          <a:p>
+            <a:pPr>
+              <a:lnSpc>
+                <a:spcPct val="95000"/>
+              </a:lnSpc>
+              <a:buSzPct val="90000"/>
+            </a:pPr>
+            <a:r>
+              <a:rPr lang="en-US" sz="2400" spc="-200" dirty="0">
+                <a:solidFill>
+                  <a:srgbClr val="00B0F0"/>
+                </a:solidFill>
+                <a:latin typeface="Segoe UI Light" panose="020B0502040204020203" pitchFamily="34" charset="0"/>
+                <a:cs typeface="Segoe UI Light" panose="020B0502040204020203" pitchFamily="34" charset="0"/>
+              </a:rPr>
+              <a:t>6,144 GB SSD drives</a:t>
+            </a:r>
+          </a:p>
+          <a:p>
+            <a:pPr>
+              <a:lnSpc>
+                <a:spcPct val="95000"/>
+              </a:lnSpc>
+              <a:buSzPct val="90000"/>
+            </a:pPr>
+            <a:r>
+              <a:rPr lang="en-US" sz="2400" spc="-200" dirty="0">
+                <a:solidFill>
+                  <a:srgbClr val="00B0F0"/>
+                </a:solidFill>
+                <a:latin typeface="Segoe UI Light" panose="020B0502040204020203" pitchFamily="34" charset="0"/>
+                <a:cs typeface="Segoe UI Light" panose="020B0502040204020203" pitchFamily="34" charset="0"/>
+              </a:rPr>
+              <a:t>Latest Xeon E5 v3 processors</a:t>
+            </a:r>
+          </a:p>
+        </p:txBody>
+      </p:sp>
+      <p:pic>
+        <p:nvPicPr>
+          <p:cNvPr id="24" name="Picture 23"/>
+          <p:cNvPicPr>
+            <a:picLocks noChangeAspect="1"/>
+          </p:cNvPicPr>
+          <p:nvPr/>
+        </p:nvPicPr>
+        <p:blipFill>
+          <a:blip r:embed="rId3"/>
+          <a:stretch>
+            <a:fillRect/>
+          </a:stretch>
+        </p:blipFill>
+        <p:spPr>
+          <a:xfrm>
+            <a:off x="8457055" y="4723498"/>
+            <a:ext cx="370967" cy="406475"/>
+          </a:xfrm>
+          <a:prstGeom prst="rect">
+            <a:avLst/>
+          </a:prstGeom>
+        </p:spPr>
+      </p:pic>
+      <p:sp>
+        <p:nvSpPr>
+          <p:cNvPr id="25" name="TextBox 24"/>
+          <p:cNvSpPr txBox="1"/>
+          <p:nvPr/>
+        </p:nvSpPr>
+        <p:spPr>
+          <a:xfrm>
+            <a:off x="8862494" y="4705136"/>
+            <a:ext cx="3270686" cy="443198"/>
+          </a:xfrm>
+          <a:prstGeom prst="rect">
+            <a:avLst/>
+          </a:prstGeom>
+        </p:spPr>
+        <p:txBody>
+          <a:bodyPr wrap="square" anchor="t" anchorCtr="0">
+            <a:spAutoFit/>
+          </a:bodyPr>
+          <a:lstStyle>
+            <a:defPPr>
+              <a:defRPr lang="en-US"/>
+            </a:defPPr>
+            <a:lvl1pPr>
+              <a:lnSpc>
+                <a:spcPct val="95000"/>
+              </a:lnSpc>
+              <a:buSzPct val="90000"/>
+              <a:defRPr sz="2800" spc="-200">
+                <a:solidFill>
+                  <a:schemeClr val="tx1">
+                    <a:lumMod val="50000"/>
+                    <a:lumOff val="50000"/>
+                  </a:schemeClr>
+                </a:solidFill>
+                <a:latin typeface="Segoe UI" panose="020B0502040204020203" pitchFamily="34" charset="0"/>
+                <a:cs typeface="Segoe UI" panose="020B0502040204020203" pitchFamily="34" charset="0"/>
+              </a:defRPr>
+            </a:lvl1pPr>
+          </a:lstStyle>
+          <a:p>
+            <a:r>
+              <a:rPr lang="en-US" sz="2400" dirty="0" smtClean="0">
+                <a:solidFill>
+                  <a:srgbClr val="00B0F0"/>
+                </a:solidFill>
+                <a:latin typeface="Segoe UI Light" panose="020B0502040204020203" pitchFamily="34" charset="0"/>
+                <a:cs typeface="Segoe UI Light" panose="020B0502040204020203" pitchFamily="34" charset="0"/>
+              </a:rPr>
+              <a:t>$</a:t>
+            </a:r>
+            <a:r>
+              <a:rPr lang="en-US" sz="2400" dirty="0">
+                <a:solidFill>
+                  <a:srgbClr val="00B0F0"/>
+                </a:solidFill>
+                <a:latin typeface="Segoe UI Light" panose="020B0502040204020203" pitchFamily="34" charset="0"/>
+                <a:cs typeface="Segoe UI Light" panose="020B0502040204020203" pitchFamily="34" charset="0"/>
+              </a:rPr>
+              <a:t> 9.65/hr. or $7,180/mo</a:t>
+            </a:r>
+            <a:r>
+              <a:rPr lang="en-US" sz="2400" dirty="0" smtClean="0">
+                <a:solidFill>
+                  <a:srgbClr val="00B0F0"/>
+                </a:solidFill>
+                <a:latin typeface="Segoe UI Light" panose="020B0502040204020203" pitchFamily="34" charset="0"/>
+                <a:cs typeface="Segoe UI Light" panose="020B0502040204020203" pitchFamily="34" charset="0"/>
+              </a:rPr>
+              <a:t>.</a:t>
+            </a:r>
+            <a:endParaRPr lang="en-US" sz="2400" dirty="0">
+              <a:latin typeface="Segoe UI Light" panose="020B0502040204020203" pitchFamily="34" charset="0"/>
+              <a:cs typeface="Segoe UI Light" panose="020B0502040204020203" pitchFamily="34" charset="0"/>
+            </a:endParaRPr>
+          </a:p>
+        </p:txBody>
+      </p:sp>
+      <p:pic>
+        <p:nvPicPr>
+          <p:cNvPr id="26" name="Picture 25"/>
+          <p:cNvPicPr>
+            <a:picLocks noChangeAspect="1"/>
+          </p:cNvPicPr>
+          <p:nvPr/>
+        </p:nvPicPr>
+        <p:blipFill>
+          <a:blip r:embed="rId4" cstate="print">
+            <a:extLst>
+              <a:ext uri="{28A0092B-C50C-407E-A947-70E740481C1C}">
+                <a14:useLocalDpi xmlns:a14="http://schemas.microsoft.com/office/drawing/2010/main" val="0"/>
+              </a:ext>
+            </a:extLst>
+          </a:blip>
+          <a:stretch>
+            <a:fillRect/>
+          </a:stretch>
+        </p:blipFill>
+        <p:spPr>
+          <a:xfrm>
+            <a:off x="8398926" y="5291095"/>
+            <a:ext cx="463568" cy="537739"/>
+          </a:xfrm>
+          <a:prstGeom prst="rect">
+            <a:avLst/>
+          </a:prstGeom>
+        </p:spPr>
+      </p:pic>
+      <p:sp>
+        <p:nvSpPr>
+          <p:cNvPr id="27" name="TextBox 26"/>
+          <p:cNvSpPr txBox="1"/>
+          <p:nvPr/>
+        </p:nvSpPr>
+        <p:spPr>
+          <a:xfrm>
+            <a:off x="8862494" y="5338365"/>
+            <a:ext cx="3270686" cy="443198"/>
+          </a:xfrm>
+          <a:prstGeom prst="rect">
+            <a:avLst/>
+          </a:prstGeom>
+        </p:spPr>
+        <p:txBody>
+          <a:bodyPr wrap="square" anchor="t" anchorCtr="0">
+            <a:spAutoFit/>
+          </a:bodyPr>
+          <a:lstStyle>
+            <a:defPPr>
+              <a:defRPr lang="en-US"/>
+            </a:defPPr>
+            <a:lvl1pPr>
+              <a:lnSpc>
+                <a:spcPct val="95000"/>
+              </a:lnSpc>
+              <a:buSzPct val="90000"/>
+              <a:defRPr sz="2800" spc="-200">
+                <a:solidFill>
+                  <a:schemeClr val="tx1">
+                    <a:lumMod val="50000"/>
+                    <a:lumOff val="50000"/>
+                  </a:schemeClr>
+                </a:solidFill>
+                <a:latin typeface="Segoe UI" panose="020B0502040204020203" pitchFamily="34" charset="0"/>
+                <a:cs typeface="Segoe UI" panose="020B0502040204020203" pitchFamily="34" charset="0"/>
+              </a:defRPr>
+            </a:lvl1pPr>
+          </a:lstStyle>
+          <a:p>
+            <a:r>
+              <a:rPr lang="en-US" sz="2400" dirty="0" smtClean="0">
+                <a:solidFill>
+                  <a:srgbClr val="00B0F0"/>
+                </a:solidFill>
+                <a:latin typeface="Segoe UI Light" panose="020B0502040204020203" pitchFamily="34" charset="0"/>
+                <a:cs typeface="Segoe UI Light" panose="020B0502040204020203" pitchFamily="34" charset="0"/>
+              </a:rPr>
+              <a:t>$</a:t>
+            </a:r>
+            <a:r>
+              <a:rPr lang="en-US" sz="2400" dirty="0">
+                <a:solidFill>
+                  <a:srgbClr val="00B0F0"/>
+                </a:solidFill>
+                <a:latin typeface="Segoe UI Light" panose="020B0502040204020203" pitchFamily="34" charset="0"/>
+                <a:cs typeface="Segoe UI Light" panose="020B0502040204020203" pitchFamily="34" charset="0"/>
+              </a:rPr>
+              <a:t> 8.69/hr. or $6,465/mo</a:t>
+            </a:r>
+            <a:r>
+              <a:rPr lang="en-US" sz="2400" dirty="0" smtClean="0">
+                <a:solidFill>
+                  <a:srgbClr val="00B0F0"/>
+                </a:solidFill>
+                <a:latin typeface="Segoe UI Light" panose="020B0502040204020203" pitchFamily="34" charset="0"/>
+                <a:cs typeface="Segoe UI Light" panose="020B0502040204020203" pitchFamily="34" charset="0"/>
+              </a:rPr>
+              <a:t>.</a:t>
+            </a:r>
+            <a:endParaRPr lang="en-US" sz="2400" dirty="0">
+              <a:latin typeface="Segoe UI Light" panose="020B0502040204020203" pitchFamily="34" charset="0"/>
+              <a:cs typeface="Segoe UI Light" panose="020B0502040204020203" pitchFamily="34" charset="0"/>
+            </a:endParaRPr>
+          </a:p>
+        </p:txBody>
+      </p:sp>
+      <p:cxnSp>
+        <p:nvCxnSpPr>
+          <p:cNvPr id="28" name="Straight Connector 27"/>
+          <p:cNvCxnSpPr/>
+          <p:nvPr/>
+        </p:nvCxnSpPr>
+        <p:spPr>
+          <a:xfrm flipH="1">
+            <a:off x="8121434" y="1744717"/>
+            <a:ext cx="8349" cy="5111904"/>
+          </a:xfrm>
+          <a:prstGeom prst="line">
+            <a:avLst/>
+          </a:prstGeom>
+          <a:ln>
+            <a:solidFill>
+              <a:srgbClr val="11C1FF"/>
+            </a:solidFill>
+          </a:ln>
+        </p:spPr>
+        <p:style>
+          <a:lnRef idx="1">
+            <a:schemeClr val="accent1"/>
+          </a:lnRef>
+          <a:fillRef idx="0">
+            <a:schemeClr val="accent1"/>
+          </a:fillRef>
+          <a:effectRef idx="0">
+            <a:schemeClr val="accent1"/>
+          </a:effectRef>
+          <a:fontRef idx="minor">
+            <a:schemeClr val="tx1"/>
+          </a:fontRef>
+        </p:style>
+      </p:cxnSp>
+      <p:cxnSp>
+        <p:nvCxnSpPr>
+          <p:cNvPr id="29" name="Straight Connector 28"/>
+          <p:cNvCxnSpPr/>
+          <p:nvPr/>
+        </p:nvCxnSpPr>
+        <p:spPr>
+          <a:xfrm flipH="1">
+            <a:off x="4049092" y="1744717"/>
+            <a:ext cx="8349" cy="5111904"/>
+          </a:xfrm>
+          <a:prstGeom prst="line">
+            <a:avLst/>
+          </a:prstGeom>
+          <a:ln>
+            <a:solidFill>
+              <a:srgbClr val="11C1FF"/>
+            </a:solidFill>
+          </a:ln>
+        </p:spPr>
+        <p:style>
+          <a:lnRef idx="1">
+            <a:schemeClr val="accent1"/>
+          </a:lnRef>
+          <a:fillRef idx="0">
+            <a:schemeClr val="accent1"/>
+          </a:fillRef>
+          <a:effectRef idx="0">
+            <a:schemeClr val="accent1"/>
+          </a:effectRef>
+          <a:fontRef idx="minor">
+            <a:schemeClr val="tx1"/>
+          </a:fontRef>
+        </p:style>
+      </p:cxnSp>
+      <p:sp>
+        <p:nvSpPr>
+          <p:cNvPr id="30" name="Rectangle 29"/>
+          <p:cNvSpPr/>
+          <p:nvPr/>
+        </p:nvSpPr>
+        <p:spPr bwMode="auto">
+          <a:xfrm>
+            <a:off x="346841" y="1752584"/>
+            <a:ext cx="3383328" cy="790489"/>
+          </a:xfrm>
+          <a:prstGeom prst="rect">
+            <a:avLst/>
+          </a:prstGeom>
+          <a:solidFill>
+            <a:srgbClr val="00B0F0"/>
+          </a:solidFill>
+          <a:ln>
+            <a:noFill/>
+            <a:headEnd type="none" w="med" len="med"/>
+            <a:tailEnd type="none" w="med" len="med"/>
+          </a:ln>
+          <a:effectLst/>
+        </p:spPr>
+        <p:style>
+          <a:lnRef idx="1">
+            <a:schemeClr val="accent2"/>
+          </a:lnRef>
+          <a:fillRef idx="3">
+            <a:schemeClr val="accent2"/>
+          </a:fillRef>
+          <a:effectRef idx="2">
+            <a:schemeClr val="accent2"/>
+          </a:effectRef>
+          <a:fontRef idx="minor">
+            <a:schemeClr val="lt1"/>
+          </a:fontRef>
+        </p:style>
+        <p:txBody>
+          <a:bodyPr vert="horz" wrap="square" lIns="91436" tIns="45718" rIns="91436" bIns="45718" numCol="1" rtlCol="0" anchor="ctr" anchorCtr="0" compatLnSpc="1">
+            <a:prstTxWarp prst="textNoShape">
+              <a:avLst/>
+            </a:prstTxWarp>
+          </a:bodyPr>
+          <a:lstStyle/>
+          <a:p>
+            <a:pPr algn="ctr" defTabSz="914099" fontAlgn="base">
+              <a:spcBef>
+                <a:spcPct val="0"/>
+              </a:spcBef>
+              <a:spcAft>
+                <a:spcPct val="0"/>
+              </a:spcAft>
+            </a:pPr>
+            <a:r>
+              <a:rPr lang="en-US" sz="2800" dirty="0" smtClean="0">
+                <a:gradFill>
+                  <a:gsLst>
+                    <a:gs pos="0">
+                      <a:srgbClr val="FFFFFF"/>
+                    </a:gs>
+                    <a:gs pos="100000">
+                      <a:srgbClr val="FFFFFF"/>
+                    </a:gs>
+                  </a:gsLst>
+                  <a:lin ang="5400000" scaled="0"/>
+                </a:gradFill>
+              </a:rPr>
+              <a:t>A8</a:t>
+            </a:r>
+          </a:p>
+        </p:txBody>
+      </p:sp>
+      <p:sp>
+        <p:nvSpPr>
+          <p:cNvPr id="31" name="Rectangle 30"/>
+          <p:cNvSpPr/>
+          <p:nvPr/>
+        </p:nvSpPr>
+        <p:spPr>
+          <a:xfrm>
+            <a:off x="346840" y="2695509"/>
+            <a:ext cx="3710600" cy="1729704"/>
+          </a:xfrm>
+          <a:prstGeom prst="rect">
+            <a:avLst/>
+          </a:prstGeom>
+        </p:spPr>
+        <p:txBody>
+          <a:bodyPr wrap="square" anchor="t" anchorCtr="0">
+            <a:spAutoFit/>
+          </a:bodyPr>
+          <a:lstStyle/>
+          <a:p>
+            <a:pPr>
+              <a:lnSpc>
+                <a:spcPct val="95000"/>
+              </a:lnSpc>
+              <a:buSzPct val="90000"/>
+            </a:pPr>
+            <a:r>
+              <a:rPr lang="en-US" sz="3200" spc="-200" dirty="0">
+                <a:solidFill>
+                  <a:srgbClr val="00B0F0"/>
+                </a:solidFill>
+                <a:latin typeface="Segoe UI Light" panose="020B0502040204020203" pitchFamily="34" charset="0"/>
+                <a:cs typeface="Segoe UI Light" panose="020B0502040204020203" pitchFamily="34" charset="0"/>
+              </a:rPr>
+              <a:t>8</a:t>
+            </a:r>
+            <a:r>
+              <a:rPr lang="en-US" sz="3200" spc="-200" dirty="0">
+                <a:solidFill>
+                  <a:srgbClr val="00B0F0"/>
+                </a:solidFill>
+                <a:latin typeface="Segoe UI Light" panose="020B0502040204020203" pitchFamily="34" charset="0"/>
+                <a:cs typeface="Segoe UI Light" panose="020B0502040204020203" pitchFamily="34" charset="0"/>
+              </a:rPr>
+              <a:t> cores</a:t>
+            </a:r>
+          </a:p>
+          <a:p>
+            <a:pPr>
+              <a:lnSpc>
+                <a:spcPct val="95000"/>
+              </a:lnSpc>
+              <a:buSzPct val="90000"/>
+            </a:pPr>
+            <a:r>
+              <a:rPr lang="en-US" sz="3200" spc="-200" dirty="0">
+                <a:solidFill>
+                  <a:srgbClr val="00B0F0"/>
+                </a:solidFill>
+                <a:latin typeface="Segoe UI Light" panose="020B0502040204020203" pitchFamily="34" charset="0"/>
+                <a:cs typeface="Segoe UI Light" panose="020B0502040204020203" pitchFamily="34" charset="0"/>
+              </a:rPr>
+              <a:t>56 GB RAM</a:t>
+            </a:r>
+          </a:p>
+          <a:p>
+            <a:pPr>
+              <a:lnSpc>
+                <a:spcPct val="95000"/>
+              </a:lnSpc>
+              <a:buSzPct val="90000"/>
+            </a:pPr>
+            <a:r>
+              <a:rPr lang="en-US" sz="2400" spc="-200" dirty="0">
+                <a:solidFill>
+                  <a:srgbClr val="00B0F0"/>
+                </a:solidFill>
+                <a:latin typeface="Segoe UI Light" panose="020B0502040204020203" pitchFamily="34" charset="0"/>
+                <a:cs typeface="Segoe UI Light" panose="020B0502040204020203" pitchFamily="34" charset="0"/>
+              </a:rPr>
+              <a:t>382 GB SSD drives</a:t>
+            </a:r>
+          </a:p>
+          <a:p>
+            <a:pPr>
+              <a:lnSpc>
+                <a:spcPct val="95000"/>
+              </a:lnSpc>
+              <a:buSzPct val="90000"/>
+            </a:pPr>
+            <a:r>
+              <a:rPr lang="en-US" sz="2400" spc="-200" dirty="0">
+                <a:solidFill>
+                  <a:srgbClr val="00B0F0"/>
+                </a:solidFill>
+                <a:latin typeface="Segoe UI Light" panose="020B0502040204020203" pitchFamily="34" charset="0"/>
+                <a:cs typeface="Segoe UI Light" panose="020B0502040204020203" pitchFamily="34" charset="0"/>
+              </a:rPr>
+              <a:t>32 </a:t>
+            </a:r>
+            <a:r>
+              <a:rPr lang="en-US" sz="2400" spc="-200" dirty="0" err="1">
+                <a:solidFill>
+                  <a:srgbClr val="00B0F0"/>
+                </a:solidFill>
+                <a:latin typeface="Segoe UI Light" panose="020B0502040204020203" pitchFamily="34" charset="0"/>
+                <a:cs typeface="Segoe UI Light" panose="020B0502040204020203" pitchFamily="34" charset="0"/>
+              </a:rPr>
+              <a:t>Gbit</a:t>
+            </a:r>
+            <a:r>
+              <a:rPr lang="en-US" sz="2400" spc="-200" dirty="0">
+                <a:solidFill>
+                  <a:srgbClr val="00B0F0"/>
+                </a:solidFill>
+                <a:latin typeface="Segoe UI Light" panose="020B0502040204020203" pitchFamily="34" charset="0"/>
+                <a:cs typeface="Segoe UI Light" panose="020B0502040204020203" pitchFamily="34" charset="0"/>
+              </a:rPr>
+              <a:t>/sec InfiniBand with RDMA</a:t>
+            </a:r>
+          </a:p>
+        </p:txBody>
+      </p:sp>
+      <p:pic>
+        <p:nvPicPr>
+          <p:cNvPr id="32" name="Picture 31"/>
+          <p:cNvPicPr>
+            <a:picLocks noChangeAspect="1"/>
+          </p:cNvPicPr>
+          <p:nvPr/>
+        </p:nvPicPr>
+        <p:blipFill>
+          <a:blip r:embed="rId3"/>
+          <a:stretch>
+            <a:fillRect/>
+          </a:stretch>
+        </p:blipFill>
+        <p:spPr>
+          <a:xfrm>
+            <a:off x="346839" y="4723498"/>
+            <a:ext cx="370967" cy="406475"/>
+          </a:xfrm>
+          <a:prstGeom prst="rect">
+            <a:avLst/>
+          </a:prstGeom>
+        </p:spPr>
+      </p:pic>
+      <p:sp>
+        <p:nvSpPr>
+          <p:cNvPr id="33" name="TextBox 32"/>
+          <p:cNvSpPr txBox="1"/>
+          <p:nvPr/>
+        </p:nvSpPr>
+        <p:spPr>
+          <a:xfrm>
+            <a:off x="752278" y="4705136"/>
+            <a:ext cx="3270686" cy="443198"/>
+          </a:xfrm>
+          <a:prstGeom prst="rect">
+            <a:avLst/>
+          </a:prstGeom>
+        </p:spPr>
+        <p:txBody>
+          <a:bodyPr wrap="square" anchor="t" anchorCtr="0">
+            <a:spAutoFit/>
+          </a:bodyPr>
+          <a:lstStyle>
+            <a:defPPr>
+              <a:defRPr lang="en-US"/>
+            </a:defPPr>
+            <a:lvl1pPr>
+              <a:lnSpc>
+                <a:spcPct val="95000"/>
+              </a:lnSpc>
+              <a:buSzPct val="90000"/>
+              <a:defRPr sz="2800" spc="-200">
+                <a:solidFill>
+                  <a:schemeClr val="tx1">
+                    <a:lumMod val="50000"/>
+                    <a:lumOff val="50000"/>
+                  </a:schemeClr>
+                </a:solidFill>
+                <a:latin typeface="Segoe UI" panose="020B0502040204020203" pitchFamily="34" charset="0"/>
+                <a:cs typeface="Segoe UI" panose="020B0502040204020203" pitchFamily="34" charset="0"/>
+              </a:defRPr>
+            </a:lvl1pPr>
+          </a:lstStyle>
+          <a:p>
+            <a:r>
+              <a:rPr lang="en-US" sz="2400" dirty="0" smtClean="0">
+                <a:solidFill>
+                  <a:srgbClr val="00B0F0"/>
+                </a:solidFill>
+                <a:latin typeface="Segoe UI Light" panose="020B0502040204020203" pitchFamily="34" charset="0"/>
+                <a:cs typeface="Segoe UI Light" panose="020B0502040204020203" pitchFamily="34" charset="0"/>
+              </a:rPr>
+              <a:t>$</a:t>
+            </a:r>
+            <a:r>
+              <a:rPr lang="en-US" sz="2400" dirty="0">
+                <a:solidFill>
+                  <a:srgbClr val="00B0F0"/>
+                </a:solidFill>
+                <a:latin typeface="Segoe UI Light" panose="020B0502040204020203" pitchFamily="34" charset="0"/>
+                <a:cs typeface="Segoe UI Light" panose="020B0502040204020203" pitchFamily="34" charset="0"/>
+              </a:rPr>
+              <a:t> </a:t>
+            </a:r>
+            <a:r>
+              <a:rPr lang="en-US" sz="2400" dirty="0" smtClean="0">
+                <a:solidFill>
+                  <a:srgbClr val="00B0F0"/>
+                </a:solidFill>
+                <a:latin typeface="Segoe UI Light" panose="020B0502040204020203" pitchFamily="34" charset="0"/>
+                <a:cs typeface="Segoe UI Light" panose="020B0502040204020203" pitchFamily="34" charset="0"/>
+              </a:rPr>
+              <a:t>1.47/hr</a:t>
+            </a:r>
+            <a:r>
+              <a:rPr lang="en-US" sz="2400" dirty="0">
+                <a:solidFill>
+                  <a:srgbClr val="00B0F0"/>
+                </a:solidFill>
+                <a:latin typeface="Segoe UI Light" panose="020B0502040204020203" pitchFamily="34" charset="0"/>
+                <a:cs typeface="Segoe UI Light" panose="020B0502040204020203" pitchFamily="34" charset="0"/>
+              </a:rPr>
+              <a:t>. or $</a:t>
+            </a:r>
+            <a:r>
+              <a:rPr lang="en-US" sz="2400" dirty="0" smtClean="0">
+                <a:solidFill>
+                  <a:srgbClr val="00B0F0"/>
+                </a:solidFill>
+                <a:latin typeface="Segoe UI Light" panose="020B0502040204020203" pitchFamily="34" charset="0"/>
+                <a:cs typeface="Segoe UI Light" panose="020B0502040204020203" pitchFamily="34" charset="0"/>
+              </a:rPr>
+              <a:t>1,091/mo.</a:t>
+            </a:r>
+            <a:endParaRPr lang="en-US" sz="2400" dirty="0">
+              <a:latin typeface="Segoe UI Light" panose="020B0502040204020203" pitchFamily="34" charset="0"/>
+              <a:cs typeface="Segoe UI Light" panose="020B0502040204020203" pitchFamily="34" charset="0"/>
+            </a:endParaRPr>
+          </a:p>
+        </p:txBody>
+      </p:sp>
+      <p:pic>
+        <p:nvPicPr>
+          <p:cNvPr id="34" name="Picture 33"/>
+          <p:cNvPicPr>
+            <a:picLocks noChangeAspect="1"/>
+          </p:cNvPicPr>
+          <p:nvPr/>
+        </p:nvPicPr>
+        <p:blipFill>
+          <a:blip r:embed="rId4" cstate="print">
+            <a:extLst>
+              <a:ext uri="{28A0092B-C50C-407E-A947-70E740481C1C}">
+                <a14:useLocalDpi xmlns:a14="http://schemas.microsoft.com/office/drawing/2010/main" val="0"/>
+              </a:ext>
+            </a:extLst>
+          </a:blip>
+          <a:stretch>
+            <a:fillRect/>
+          </a:stretch>
+        </p:blipFill>
+        <p:spPr>
+          <a:xfrm>
+            <a:off x="288710" y="5291095"/>
+            <a:ext cx="463568" cy="537739"/>
+          </a:xfrm>
+          <a:prstGeom prst="rect">
+            <a:avLst/>
+          </a:prstGeom>
+        </p:spPr>
+      </p:pic>
+      <p:sp>
+        <p:nvSpPr>
+          <p:cNvPr id="35" name="TextBox 34"/>
+          <p:cNvSpPr txBox="1"/>
+          <p:nvPr/>
+        </p:nvSpPr>
+        <p:spPr>
+          <a:xfrm>
+            <a:off x="752278" y="5338365"/>
+            <a:ext cx="3270686" cy="443198"/>
+          </a:xfrm>
+          <a:prstGeom prst="rect">
+            <a:avLst/>
+          </a:prstGeom>
+        </p:spPr>
+        <p:txBody>
+          <a:bodyPr wrap="square" anchor="t" anchorCtr="0">
+            <a:spAutoFit/>
+          </a:bodyPr>
+          <a:lstStyle>
+            <a:defPPr>
+              <a:defRPr lang="en-US"/>
+            </a:defPPr>
+            <a:lvl1pPr>
+              <a:lnSpc>
+                <a:spcPct val="95000"/>
+              </a:lnSpc>
+              <a:buSzPct val="90000"/>
+              <a:defRPr sz="2800" spc="-200">
+                <a:solidFill>
+                  <a:schemeClr val="tx1">
+                    <a:lumMod val="50000"/>
+                    <a:lumOff val="50000"/>
+                  </a:schemeClr>
+                </a:solidFill>
+                <a:latin typeface="Segoe UI" panose="020B0502040204020203" pitchFamily="34" charset="0"/>
+                <a:cs typeface="Segoe UI" panose="020B0502040204020203" pitchFamily="34" charset="0"/>
+              </a:defRPr>
+            </a:lvl1pPr>
+          </a:lstStyle>
+          <a:p>
+            <a:r>
+              <a:rPr lang="en-US" sz="2400" dirty="0" smtClean="0">
+                <a:solidFill>
+                  <a:srgbClr val="00B0F0"/>
+                </a:solidFill>
+                <a:latin typeface="Segoe UI Light" panose="020B0502040204020203" pitchFamily="34" charset="0"/>
+                <a:cs typeface="Segoe UI Light" panose="020B0502040204020203" pitchFamily="34" charset="0"/>
+              </a:rPr>
+              <a:t>$0.98/hr</a:t>
+            </a:r>
+            <a:r>
+              <a:rPr lang="en-US" sz="2400" dirty="0">
+                <a:solidFill>
+                  <a:srgbClr val="00B0F0"/>
+                </a:solidFill>
+                <a:latin typeface="Segoe UI Light" panose="020B0502040204020203" pitchFamily="34" charset="0"/>
+                <a:cs typeface="Segoe UI Light" panose="020B0502040204020203" pitchFamily="34" charset="0"/>
+              </a:rPr>
+              <a:t>. or </a:t>
+            </a:r>
+            <a:r>
+              <a:rPr lang="en-US" sz="2400" dirty="0" smtClean="0">
+                <a:solidFill>
+                  <a:srgbClr val="00B0F0"/>
+                </a:solidFill>
+                <a:latin typeface="Segoe UI Light" panose="020B0502040204020203" pitchFamily="34" charset="0"/>
+                <a:cs typeface="Segoe UI Light" panose="020B0502040204020203" pitchFamily="34" charset="0"/>
+              </a:rPr>
+              <a:t>$725/mo.</a:t>
+            </a:r>
+            <a:endParaRPr lang="en-US" sz="2400" dirty="0">
+              <a:latin typeface="Segoe UI Light" panose="020B0502040204020203" pitchFamily="34" charset="0"/>
+              <a:cs typeface="Segoe UI Light" panose="020B0502040204020203" pitchFamily="34" charset="0"/>
+            </a:endParaRPr>
           </a:p>
         </p:txBody>
       </p:sp>
     </p:spTree>
     <p:extLst>
       <p:ext uri="{BB962C8B-B14F-4D97-AF65-F5344CB8AC3E}">
-        <p14:creationId xmlns:p14="http://schemas.microsoft.com/office/powerpoint/2010/main" val="78336517"/>
+        <p14:creationId xmlns:p14="http://schemas.microsoft.com/office/powerpoint/2010/main" val="940945803"/>
       </p:ext>
     </p:extLst>
   </p:cSld>
@@ -14478,13 +16452,6 @@
   <p:transition>
     <p:fade/>
   </p:transition>
-  <p:timing>
-    <p:tnLst>
-      <p:par>
-        <p:cTn id="1" dur="indefinite" restart="never" nodeType="tmRoot"/>
-      </p:par>
-    </p:tnLst>
-  </p:timing>
 </p:sld>
 </file>
 
@@ -14522,6 +16489,147 @@
           <a:p>
             <a:r>
               <a:rPr lang="en-US" dirty="0" smtClean="0"/>
+              <a:t>Azure Resource Manager</a:t>
+            </a:r>
+            <a:endParaRPr lang="en-US" dirty="0"/>
+          </a:p>
+        </p:txBody>
+      </p:sp>
+      <p:sp>
+        <p:nvSpPr>
+          <p:cNvPr id="3" name="Content Placeholder 2"/>
+          <p:cNvSpPr>
+            <a:spLocks noGrp="1"/>
+          </p:cNvSpPr>
+          <p:nvPr>
+            <p:ph idx="1"/>
+          </p:nvPr>
+        </p:nvSpPr>
+        <p:spPr>
+          <a:xfrm>
+            <a:off x="519248" y="1447800"/>
+            <a:ext cx="11021111" cy="4098430"/>
+          </a:xfrm>
+        </p:spPr>
+        <p:txBody>
+          <a:bodyPr/>
+          <a:lstStyle/>
+          <a:p>
+            <a:r>
+              <a:rPr lang="en-US" dirty="0"/>
+              <a:t>Allows resources to be collated into resource groups</a:t>
+            </a:r>
+          </a:p>
+          <a:p>
+            <a:pPr lvl="1"/>
+            <a:r>
+              <a:rPr lang="en-US" dirty="0"/>
+              <a:t>Deploy, manage, monitor, and delete all resources at once rather than one resource at a time</a:t>
+            </a:r>
+          </a:p>
+          <a:p>
+            <a:r>
+              <a:rPr lang="en-US" dirty="0" smtClean="0"/>
+              <a:t>Allows </a:t>
+            </a:r>
+            <a:r>
+              <a:rPr lang="en-US" dirty="0" smtClean="0"/>
+              <a:t>complex deployments to be performed declaratively via deployment templates</a:t>
+            </a:r>
+          </a:p>
+          <a:p>
+            <a:pPr lvl="1"/>
+            <a:r>
+              <a:rPr lang="en-US" dirty="0" smtClean="0"/>
+              <a:t>Deployment templates specify all the resources — VMs, switches, storage accounts, etc. — to be provisioned</a:t>
+            </a:r>
+          </a:p>
+          <a:p>
+            <a:pPr lvl="1"/>
+            <a:r>
+              <a:rPr lang="en-US" dirty="0" smtClean="0"/>
+              <a:t>Templates can include parameters that are filled in at runtime</a:t>
+            </a:r>
+          </a:p>
+          <a:p>
+            <a:pPr lvl="1"/>
+            <a:r>
+              <a:rPr lang="en-US" dirty="0"/>
+              <a:t>Learn more at </a:t>
+            </a:r>
+            <a:r>
+              <a:rPr lang="en-US" dirty="0" smtClean="0">
+                <a:hlinkClick r:id="rId3"/>
+              </a:rPr>
+              <a:t>http://</a:t>
+            </a:r>
+            <a:r>
+              <a:rPr lang="en-US" dirty="0" smtClean="0">
+                <a:hlinkClick r:id="rId3"/>
+              </a:rPr>
+              <a:t>bit.ly/a4r-arm</a:t>
+            </a:r>
+            <a:endParaRPr lang="en-US" dirty="0" smtClean="0"/>
+          </a:p>
+        </p:txBody>
+      </p:sp>
+    </p:spTree>
+    <p:extLst>
+      <p:ext uri="{BB962C8B-B14F-4D97-AF65-F5344CB8AC3E}">
+        <p14:creationId xmlns:p14="http://schemas.microsoft.com/office/powerpoint/2010/main" val="78336517"/>
+      </p:ext>
+    </p:extLst>
+  </p:cSld>
+  <p:clrMapOvr>
+    <a:masterClrMapping/>
+  </p:clrMapOvr>
+  <p:transition>
+    <p:fade/>
+  </p:transition>
+  <p:timing>
+    <p:tnLst>
+      <p:par>
+        <p:cTn id="1" dur="indefinite" restart="never" nodeType="tmRoot"/>
+      </p:par>
+    </p:tnLst>
+  </p:timing>
+</p:sld>
+</file>
+
+<file path=ppt/slides/slide6.xml><?xml version="1.0" encoding="utf-8"?>
+<p:sld xmlns:a="http://schemas.openxmlformats.org/drawingml/2006/main" xmlns:r="http://schemas.openxmlformats.org/officeDocument/2006/relationships" xmlns:p="http://schemas.openxmlformats.org/presentationml/2006/main">
+  <p:cSld>
+    <p:spTree>
+      <p:nvGrpSpPr>
+        <p:cNvPr id="1" name=""/>
+        <p:cNvGrpSpPr/>
+        <p:nvPr/>
+      </p:nvGrpSpPr>
+      <p:grpSpPr>
+        <a:xfrm>
+          <a:off x="0" y="0"/>
+          <a:ext cx="0" cy="0"/>
+          <a:chOff x="0" y="0"/>
+          <a:chExt cx="0" cy="0"/>
+        </a:xfrm>
+      </p:grpSpPr>
+      <p:sp>
+        <p:nvSpPr>
+          <p:cNvPr id="2" name="Title 1"/>
+          <p:cNvSpPr>
+            <a:spLocks noGrp="1"/>
+          </p:cNvSpPr>
+          <p:nvPr>
+            <p:ph type="title"/>
+          </p:nvPr>
+        </p:nvSpPr>
+        <p:spPr/>
+        <p:txBody>
+          <a:bodyPr/>
+          <a:lstStyle/>
+          <a:p>
+            <a:r>
+              <a:rPr lang="en-US" dirty="0" smtClean="0"/>
               <a:t>Azure </a:t>
             </a:r>
             <a:r>
@@ -14558,8 +16666,13 @@
           <a:p>
             <a:r>
               <a:rPr lang="en-US" dirty="0" smtClean="0"/>
-              <a:t>Free, open-source templates built by the community</a:t>
-            </a:r>
+              <a:t>Free, open-source </a:t>
+            </a:r>
+            <a:r>
+              <a:rPr lang="en-US" dirty="0" smtClean="0"/>
+              <a:t>deployment templates</a:t>
+            </a:r>
+            <a:endParaRPr lang="en-US" dirty="0" smtClean="0"/>
           </a:p>
           <a:p>
             <a:endParaRPr lang="en-US" dirty="0"/>
@@ -14733,7 +16846,7 @@
 </p:sld>
 </file>
 
-<file path=ppt/slides/slide6.xml><?xml version="1.0" encoding="utf-8"?>
+<file path=ppt/slides/slide7.xml><?xml version="1.0" encoding="utf-8"?>
 <p:sld xmlns:a="http://schemas.openxmlformats.org/drawingml/2006/main" xmlns:r="http://schemas.openxmlformats.org/officeDocument/2006/relationships" xmlns:p="http://schemas.openxmlformats.org/presentationml/2006/main">
   <p:cSld>
     <p:spTree>
@@ -14879,7 +16992,7 @@
 </p:sld>
 </file>
 
-<file path=ppt/slides/slide7.xml><?xml version="1.0" encoding="utf-8"?>
+<file path=ppt/slides/slide8.xml><?xml version="1.0" encoding="utf-8"?>
 <p:sld xmlns:a="http://schemas.openxmlformats.org/drawingml/2006/main" xmlns:r="http://schemas.openxmlformats.org/officeDocument/2006/relationships" xmlns:p="http://schemas.openxmlformats.org/presentationml/2006/main">
   <p:cSld>
     <p:spTree>
@@ -14990,7 +17103,7 @@
 </p:sld>
 </file>
 
-<file path=ppt/slides/slide8.xml><?xml version="1.0" encoding="utf-8"?>
+<file path=ppt/slides/slide9.xml><?xml version="1.0" encoding="utf-8"?>
 <p:sld xmlns:a="http://schemas.openxmlformats.org/drawingml/2006/main" xmlns:r="http://schemas.openxmlformats.org/officeDocument/2006/relationships" xmlns:p="http://schemas.openxmlformats.org/presentationml/2006/main">
   <p:cSld>
     <p:spTree>

--- a/Content/High-Performance Computing/Azure High-Performance Computing.pptx
+++ b/Content/High-Performance Computing/Azure High-Performance Computing.pptx
@@ -5,18 +5,19 @@
     <p:sldMasterId id="2147483680" r:id="rId1"/>
   </p:sldMasterIdLst>
   <p:notesMasterIdLst>
-    <p:notesMasterId r:id="rId11"/>
+    <p:notesMasterId r:id="rId12"/>
   </p:notesMasterIdLst>
   <p:sldIdLst>
     <p:sldId id="256" r:id="rId2"/>
     <p:sldId id="259" r:id="rId3"/>
-    <p:sldId id="270" r:id="rId4"/>
-    <p:sldId id="271" r:id="rId5"/>
-    <p:sldId id="266" r:id="rId6"/>
-    <p:sldId id="267" r:id="rId7"/>
-    <p:sldId id="268" r:id="rId8"/>
-    <p:sldId id="264" r:id="rId9"/>
-    <p:sldId id="263" r:id="rId10"/>
+    <p:sldId id="272" r:id="rId4"/>
+    <p:sldId id="273" r:id="rId5"/>
+    <p:sldId id="271" r:id="rId6"/>
+    <p:sldId id="266" r:id="rId7"/>
+    <p:sldId id="267" r:id="rId8"/>
+    <p:sldId id="268" r:id="rId9"/>
+    <p:sldId id="264" r:id="rId10"/>
+    <p:sldId id="263" r:id="rId11"/>
   </p:sldIdLst>
   <p:sldSz cx="12192000" cy="6858000"/>
   <p:notesSz cx="6858000" cy="9144000"/>
@@ -205,7 +206,7 @@
           <a:p>
             <a:fld id="{2E5CA586-3557-4985-BCD4-35EF5AC8B4A4}" type="datetimeFigureOut">
               <a:rPr lang="en-US" smtClean="0"/>
-              <a:t>2/17/2016</a:t>
+              <a:t>10/10/2016</a:t>
             </a:fld>
             <a:endParaRPr lang="en-US"/>
           </a:p>
@@ -882,12 +883,22 @@
           <a:p>
             <a:r>
               <a:rPr lang="en-US" dirty="0" smtClean="0"/>
-              <a:t>Not </a:t>
-            </a:r>
+              <a:t>Not all VM sizes are available in all data centers. For the latest pricing information and availability, see https://azure.microsoft.com/en-us/pricing/details/virtual-machines.</a:t>
+            </a:r>
+          </a:p>
+          <a:p>
+            <a:endParaRPr lang="en-US" dirty="0" smtClean="0"/>
+          </a:p>
+          <a:p>
             <a:r>
               <a:rPr lang="en-US" dirty="0" smtClean="0"/>
-              <a:t>all VM sizes are available in all data centers. For the latest pricing information and availability, see https://azure.microsoft.com/en-us/pricing/details/virtual-machines.</a:t>
-            </a:r>
+              <a:t>N-series VMs are currently in preview</a:t>
+            </a:r>
+            <a:r>
+              <a:rPr lang="en-US" baseline="0" dirty="0" smtClean="0"/>
+              <a:t> and are an answer to researchers who need GPU power to perform complex calculations. They are equipped with NVIDIA Tesla GPUs.</a:t>
+            </a:r>
+            <a:endParaRPr lang="en-US" dirty="0"/>
           </a:p>
         </p:txBody>
       </p:sp>
@@ -917,7 +928,7 @@
     </p:spTree>
     <p:extLst>
       <p:ext uri="{BB962C8B-B14F-4D97-AF65-F5344CB8AC3E}">
-        <p14:creationId xmlns:p14="http://schemas.microsoft.com/office/powerpoint/2010/main" val="3031653289"/>
+        <p14:creationId xmlns:p14="http://schemas.microsoft.com/office/powerpoint/2010/main" val="1584824620"/>
       </p:ext>
     </p:extLst>
   </p:cSld>
@@ -972,18 +983,13 @@
           <a:lstStyle/>
           <a:p>
             <a:r>
-              <a:rPr lang="en-US" sz="1200" kern="1200" dirty="0" smtClean="0">
-                <a:solidFill>
-                  <a:schemeClr val="tx1"/>
-                </a:solidFill>
-                <a:effectLst/>
-                <a:latin typeface="+mn-lt"/>
-                <a:ea typeface="+mn-ea"/>
-                <a:cs typeface="+mn-cs"/>
-              </a:rPr>
-              <a:t>Here’s a quick look at three of the Azure VM sizes so you can see how they differ in cost and capability. One thing to keep in mind when deploying VMs is that you get charged for them whether they’re in use or not. When you’re finished using a VM or a cluster of VMs, it behooves you to go into the Azure portal and suspend each VM to avoid unnecessary charges. Once suspended, a VM is easily restarted so you can pick up where you left off and continue using it. I’ll show you how to start and stop VMs in the demo coming up shortly. I’ll also show you how to delete them so you can avoid even incurring storage charges for VMs that are no longer needed.</a:t>
-            </a:r>
-            <a:endParaRPr lang="en-US" dirty="0"/>
+              <a:rPr lang="en-US" dirty="0" smtClean="0"/>
+              <a:t>For background,</a:t>
+            </a:r>
+            <a:r>
+              <a:rPr lang="en-US" baseline="0" dirty="0" smtClean="0"/>
+              <a:t> see https://blogs.msdn.microsoft.com/uk_faculty_connection/2016/09/12/choosing-the-most-appropiate-azure-virtual-machine-specification/?wt.mc_id=DX_873849. Not shown here are H machines, which are optimized for extremely heavy computing workloads.</a:t>
+            </a:r>
           </a:p>
         </p:txBody>
       </p:sp>
@@ -1013,7 +1019,7 @@
     </p:spTree>
     <p:extLst>
       <p:ext uri="{BB962C8B-B14F-4D97-AF65-F5344CB8AC3E}">
-        <p14:creationId xmlns:p14="http://schemas.microsoft.com/office/powerpoint/2010/main" val="521332450"/>
+        <p14:creationId xmlns:p14="http://schemas.microsoft.com/office/powerpoint/2010/main" val="3030059548"/>
       </p:ext>
     </p:extLst>
   </p:cSld>
@@ -1077,111 +1083,7 @@
                 <a:ea typeface="+mn-ea"/>
                 <a:cs typeface="+mn-cs"/>
               </a:rPr>
-              <a:t>An important element of HPC in Azure is the Azure Resource Manager. The Azure Resource Manager is a relatively recent addition to Azure. It lets you combine the resources that comprise an application – resources such as VMs, databases, virtual networks, and storage accounts – into </a:t>
-            </a:r>
-            <a:r>
-              <a:rPr lang="en-US" sz="1200" i="1" kern="1200" dirty="0" smtClean="0">
-                <a:solidFill>
-                  <a:schemeClr val="tx1"/>
-                </a:solidFill>
-                <a:effectLst/>
-                <a:latin typeface="+mn-lt"/>
-                <a:ea typeface="+mn-ea"/>
-                <a:cs typeface="+mn-cs"/>
-              </a:rPr>
-              <a:t>resource groups</a:t>
-            </a:r>
-            <a:r>
-              <a:rPr lang="en-US" sz="1200" kern="1200" dirty="0" smtClean="0">
-                <a:solidFill>
-                  <a:schemeClr val="tx1"/>
-                </a:solidFill>
-                <a:effectLst/>
-                <a:latin typeface="+mn-lt"/>
-                <a:ea typeface="+mn-ea"/>
-                <a:cs typeface="+mn-cs"/>
-              </a:rPr>
-              <a:t> so entire applications can be deployed, managed, and even deleted with a single step. Prior to Resource Manager, resources had to be created (and deleted) one by one, which quickly became onerous with large deployments.</a:t>
-            </a:r>
-          </a:p>
-          <a:p>
-            <a:r>
-              <a:rPr lang="en-US" sz="1200" kern="1200" dirty="0" smtClean="0">
-                <a:solidFill>
-                  <a:schemeClr val="tx1"/>
-                </a:solidFill>
-                <a:effectLst/>
-                <a:latin typeface="+mn-lt"/>
-                <a:ea typeface="+mn-ea"/>
-                <a:cs typeface="+mn-cs"/>
-              </a:rPr>
-              <a:t> </a:t>
-            </a:r>
-          </a:p>
-          <a:p>
-            <a:r>
-              <a:rPr lang="en-US" sz="1200" kern="1200" dirty="0" smtClean="0">
-                <a:solidFill>
-                  <a:schemeClr val="tx1"/>
-                </a:solidFill>
-                <a:effectLst/>
-                <a:latin typeface="+mn-lt"/>
-                <a:ea typeface="+mn-ea"/>
-                <a:cs typeface="+mn-cs"/>
-              </a:rPr>
-              <a:t>The Azure Resource Manager allows you to deploy applications using declarative templates called </a:t>
-            </a:r>
-            <a:r>
-              <a:rPr lang="en-US" sz="1200" i="1" kern="1200" dirty="0" smtClean="0">
-                <a:solidFill>
-                  <a:schemeClr val="tx1"/>
-                </a:solidFill>
-                <a:effectLst/>
-                <a:latin typeface="+mn-lt"/>
-                <a:ea typeface="+mn-ea"/>
-                <a:cs typeface="+mn-cs"/>
-              </a:rPr>
-              <a:t>deployment templates</a:t>
-            </a:r>
-            <a:r>
-              <a:rPr lang="en-US" sz="1200" kern="1200" dirty="0" smtClean="0">
-                <a:solidFill>
-                  <a:schemeClr val="tx1"/>
-                </a:solidFill>
-                <a:effectLst/>
-                <a:latin typeface="+mn-lt"/>
-                <a:ea typeface="+mn-ea"/>
-                <a:cs typeface="+mn-cs"/>
-              </a:rPr>
-              <a:t>. A template contains a complete description of all the resources that make up the application. Templates can include parameters that users will be prompted to fill in each time an application is deployed. Templates can also run scripts to initialize resources to a known and consistent state.</a:t>
-            </a:r>
-          </a:p>
-          <a:p>
-            <a:r>
-              <a:rPr lang="en-US" sz="1200" kern="1200" dirty="0" smtClean="0">
-                <a:solidFill>
-                  <a:schemeClr val="tx1"/>
-                </a:solidFill>
-                <a:effectLst/>
-                <a:latin typeface="+mn-lt"/>
-                <a:ea typeface="+mn-ea"/>
-                <a:cs typeface="+mn-cs"/>
-              </a:rPr>
-              <a:t> </a:t>
-            </a:r>
-          </a:p>
-          <a:p>
-            <a:r>
-              <a:rPr lang="en-US" sz="1200" kern="1200" dirty="0" smtClean="0">
-                <a:solidFill>
-                  <a:schemeClr val="tx1"/>
-                </a:solidFill>
-                <a:effectLst/>
-                <a:latin typeface="+mn-lt"/>
-                <a:ea typeface="+mn-ea"/>
-                <a:cs typeface="+mn-cs"/>
-              </a:rPr>
-              <a:t>As an example, suppose you have built an HPC cluster that includes virtual machines and other Azure resources. With a template, you can script the creation of the entire cluster and optionally the data that goes with it. This makes it easy for others to spin up instances of the cluster, or for you to recreate it if you deleted it thinking you wouldn’t be needing it again.</a:t>
+              <a:t>Here’s a quick look at three of the Azure VM sizes so you can see how they differ in cost and capability. One thing to keep in mind when deploying VMs is that you get charged for them whether they’re in use or not. When you’re finished using a VM or a cluster of VMs, it behooves you to go into the Azure portal and suspend each VM to avoid unnecessary charges. Once suspended, a VM is easily restarted so you can pick up where you left off and continue using it. I’ll show you how to start and stop VMs in the demo coming up shortly. I’ll also show you how to delete them so you can avoid even incurring storage charges for VMs that are no longer needed.</a:t>
             </a:r>
             <a:endParaRPr lang="en-US" dirty="0"/>
           </a:p>
@@ -1213,7 +1115,7 @@
     </p:spTree>
     <p:extLst>
       <p:ext uri="{BB962C8B-B14F-4D97-AF65-F5344CB8AC3E}">
-        <p14:creationId xmlns:p14="http://schemas.microsoft.com/office/powerpoint/2010/main" val="3002701599"/>
+        <p14:creationId xmlns:p14="http://schemas.microsoft.com/office/powerpoint/2010/main" val="521332450"/>
       </p:ext>
     </p:extLst>
   </p:cSld>
@@ -1277,10 +1179,10 @@
                 <a:ea typeface="+mn-ea"/>
                 <a:cs typeface="+mn-cs"/>
               </a:rPr>
-              <a:t>You can build deployment templates of your own, or you can use ones that have already been built. An assortment of templates built by the Azure team and by others in the community can be found on the Azure </a:t>
-            </a:r>
-            <a:r>
-              <a:rPr lang="en-US" sz="1200" kern="1200" dirty="0" err="1" smtClean="0">
+              <a:t>An important element of HPC in Azure is the Azure Resource Manager. The Azure Resource Manager is a relatively recent addition to Azure. It lets you combine the resources that comprise an application – resources such as VMs, databases, virtual networks, and storage accounts – into </a:t>
+            </a:r>
+            <a:r>
+              <a:rPr lang="en-US" sz="1200" i="1" kern="1200" dirty="0" smtClean="0">
                 <a:solidFill>
                   <a:schemeClr val="tx1"/>
                 </a:solidFill>
@@ -1289,7 +1191,7 @@
                 <a:ea typeface="+mn-ea"/>
                 <a:cs typeface="+mn-cs"/>
               </a:rPr>
-              <a:t>Quickstart</a:t>
+              <a:t>resource groups</a:t>
             </a:r>
             <a:r>
               <a:rPr lang="en-US" sz="1200" kern="1200" dirty="0" smtClean="0">
@@ -1301,31 +1203,7 @@
                 <a:ea typeface="+mn-ea"/>
                 <a:cs typeface="+mn-cs"/>
               </a:rPr>
-              <a:t> Templates Web site or on GitHub. There are templates for creating clusters of Linux VMs, deploying </a:t>
-            </a:r>
-            <a:r>
-              <a:rPr lang="en-US" sz="1200" kern="1200" dirty="0" err="1" smtClean="0">
-                <a:solidFill>
-                  <a:schemeClr val="tx1"/>
-                </a:solidFill>
-                <a:effectLst/>
-                <a:latin typeface="+mn-lt"/>
-                <a:ea typeface="+mn-ea"/>
-                <a:cs typeface="+mn-cs"/>
-              </a:rPr>
-              <a:t>Redis</a:t>
-            </a:r>
-            <a:r>
-              <a:rPr lang="en-US" sz="1200" kern="1200" dirty="0" smtClean="0">
-                <a:solidFill>
-                  <a:schemeClr val="tx1"/>
-                </a:solidFill>
-                <a:effectLst/>
-                <a:latin typeface="+mn-lt"/>
-                <a:ea typeface="+mn-ea"/>
-                <a:cs typeface="+mn-cs"/>
-              </a:rPr>
-              <a:t> clusters of Ubuntu VMs, deploying MySQL servers, creating Windows VMs provisioned with IIS, and a whole lot more. There is even a template that deploys Minecraft Server in an Ubuntu VM.</a:t>
+              <a:t> so entire applications can be deployed, managed, and even deleted with a single step. Prior to Resource Manager, resources had to be created (and deleted) one by one, which quickly became onerous with large deployments.</a:t>
             </a:r>
           </a:p>
           <a:p>
@@ -1353,20 +1231,59 @@
                 <a:ea typeface="+mn-ea"/>
                 <a:cs typeface="+mn-cs"/>
               </a:rPr>
-              <a:t>Using any of these templates requires nothing more than a button click. Each template comes with documentation that tells you what parameters it requires and whether the template was created by Microsoft or by someone in the community. Best of all, you can view each template’s source code, which is little more than a JSON script, and customize it to fit your needs or even build upon it to create templates of your own.</a:t>
-            </a:r>
-          </a:p>
-          <a:p>
-            <a:endParaRPr lang="en-US" dirty="0" smtClean="0"/>
-          </a:p>
-          <a:p>
-            <a:r>
-              <a:rPr lang="en-US" dirty="0" smtClean="0"/>
-              <a:t>The </a:t>
-            </a:r>
-            <a:r>
-              <a:rPr lang="en-US" dirty="0" smtClean="0"/>
-              <a:t>three templates pictured here are just a few of the many dozens of templates currently available.</a:t>
+              <a:t>The Azure Resource Manager allows you to deploy applications using declarative templates called </a:t>
+            </a:r>
+            <a:r>
+              <a:rPr lang="en-US" sz="1200" i="1" kern="1200" dirty="0" smtClean="0">
+                <a:solidFill>
+                  <a:schemeClr val="tx1"/>
+                </a:solidFill>
+                <a:effectLst/>
+                <a:latin typeface="+mn-lt"/>
+                <a:ea typeface="+mn-ea"/>
+                <a:cs typeface="+mn-cs"/>
+              </a:rPr>
+              <a:t>deployment templates</a:t>
+            </a:r>
+            <a:r>
+              <a:rPr lang="en-US" sz="1200" kern="1200" dirty="0" smtClean="0">
+                <a:solidFill>
+                  <a:schemeClr val="tx1"/>
+                </a:solidFill>
+                <a:effectLst/>
+                <a:latin typeface="+mn-lt"/>
+                <a:ea typeface="+mn-ea"/>
+                <a:cs typeface="+mn-cs"/>
+              </a:rPr>
+              <a:t>. A template contains a complete description of all the resources that make up the application. Templates can include parameters that users will be prompted to fill in each time an application is deployed. Templates can also run scripts to initialize resources to a known and consistent state.</a:t>
+            </a:r>
+          </a:p>
+          <a:p>
+            <a:r>
+              <a:rPr lang="en-US" sz="1200" kern="1200" dirty="0" smtClean="0">
+                <a:solidFill>
+                  <a:schemeClr val="tx1"/>
+                </a:solidFill>
+                <a:effectLst/>
+                <a:latin typeface="+mn-lt"/>
+                <a:ea typeface="+mn-ea"/>
+                <a:cs typeface="+mn-cs"/>
+              </a:rPr>
+              <a:t> </a:t>
+            </a:r>
+          </a:p>
+          <a:p>
+            <a:r>
+              <a:rPr lang="en-US" sz="1200" kern="1200" dirty="0" smtClean="0">
+                <a:solidFill>
+                  <a:schemeClr val="tx1"/>
+                </a:solidFill>
+                <a:effectLst/>
+                <a:latin typeface="+mn-lt"/>
+                <a:ea typeface="+mn-ea"/>
+                <a:cs typeface="+mn-cs"/>
+              </a:rPr>
+              <a:t>As an example, suppose you have built an HPC cluster that includes virtual machines and other Azure resources. With a template, you can script the creation of the entire cluster and optionally the data that goes with it. This makes it easy for others to spin up instances of the cluster, or for you to recreate it if you deleted it thinking you wouldn’t be needing it again.</a:t>
             </a:r>
             <a:endParaRPr lang="en-US" dirty="0"/>
           </a:p>
@@ -1398,7 +1315,7 @@
     </p:spTree>
     <p:extLst>
       <p:ext uri="{BB962C8B-B14F-4D97-AF65-F5344CB8AC3E}">
-        <p14:creationId xmlns:p14="http://schemas.microsoft.com/office/powerpoint/2010/main" val="2402288964"/>
+        <p14:creationId xmlns:p14="http://schemas.microsoft.com/office/powerpoint/2010/main" val="3002701599"/>
       </p:ext>
     </p:extLst>
   </p:cSld>
@@ -1453,16 +1370,101 @@
           <a:lstStyle/>
           <a:p>
             <a:r>
+              <a:rPr lang="en-US" sz="1200" kern="1200" dirty="0" smtClean="0">
+                <a:solidFill>
+                  <a:schemeClr val="tx1"/>
+                </a:solidFill>
+                <a:effectLst/>
+                <a:latin typeface="+mn-lt"/>
+                <a:ea typeface="+mn-ea"/>
+                <a:cs typeface="+mn-cs"/>
+              </a:rPr>
+              <a:t>You can build deployment templates of your own, or you can use ones that have already been built. An assortment of templates built by the Azure team and by others in the community can be found on the Azure </a:t>
+            </a:r>
+            <a:r>
+              <a:rPr lang="en-US" sz="1200" kern="1200" dirty="0" err="1" smtClean="0">
+                <a:solidFill>
+                  <a:schemeClr val="tx1"/>
+                </a:solidFill>
+                <a:effectLst/>
+                <a:latin typeface="+mn-lt"/>
+                <a:ea typeface="+mn-ea"/>
+                <a:cs typeface="+mn-cs"/>
+              </a:rPr>
+              <a:t>Quickstart</a:t>
+            </a:r>
+            <a:r>
+              <a:rPr lang="en-US" sz="1200" kern="1200" dirty="0" smtClean="0">
+                <a:solidFill>
+                  <a:schemeClr val="tx1"/>
+                </a:solidFill>
+                <a:effectLst/>
+                <a:latin typeface="+mn-lt"/>
+                <a:ea typeface="+mn-ea"/>
+                <a:cs typeface="+mn-cs"/>
+              </a:rPr>
+              <a:t> Templates Web site or on GitHub. There are templates for creating clusters of Linux VMs, deploying </a:t>
+            </a:r>
+            <a:r>
+              <a:rPr lang="en-US" sz="1200" kern="1200" dirty="0" err="1" smtClean="0">
+                <a:solidFill>
+                  <a:schemeClr val="tx1"/>
+                </a:solidFill>
+                <a:effectLst/>
+                <a:latin typeface="+mn-lt"/>
+                <a:ea typeface="+mn-ea"/>
+                <a:cs typeface="+mn-cs"/>
+              </a:rPr>
+              <a:t>Redis</a:t>
+            </a:r>
+            <a:r>
+              <a:rPr lang="en-US" sz="1200" kern="1200" dirty="0" smtClean="0">
+                <a:solidFill>
+                  <a:schemeClr val="tx1"/>
+                </a:solidFill>
+                <a:effectLst/>
+                <a:latin typeface="+mn-lt"/>
+                <a:ea typeface="+mn-ea"/>
+                <a:cs typeface="+mn-cs"/>
+              </a:rPr>
+              <a:t> clusters of Ubuntu VMs, deploying MySQL servers, creating Windows VMs provisioned with IIS, and a whole lot more. There is even a template that deploys Minecraft Server in an Ubuntu VM.</a:t>
+            </a:r>
+          </a:p>
+          <a:p>
+            <a:r>
+              <a:rPr lang="en-US" sz="1200" kern="1200" dirty="0" smtClean="0">
+                <a:solidFill>
+                  <a:schemeClr val="tx1"/>
+                </a:solidFill>
+                <a:effectLst/>
+                <a:latin typeface="+mn-lt"/>
+                <a:ea typeface="+mn-ea"/>
+                <a:cs typeface="+mn-cs"/>
+              </a:rPr>
+              <a:t> </a:t>
+            </a:r>
+          </a:p>
+          <a:p>
+            <a:r>
+              <a:rPr lang="en-US" sz="1200" kern="1200" dirty="0" smtClean="0">
+                <a:solidFill>
+                  <a:schemeClr val="tx1"/>
+                </a:solidFill>
+                <a:effectLst/>
+                <a:latin typeface="+mn-lt"/>
+                <a:ea typeface="+mn-ea"/>
+                <a:cs typeface="+mn-cs"/>
+              </a:rPr>
+              <a:t>Using any of these templates requires nothing more than a button click. Each template comes with documentation that tells you what parameters it requires and whether the template was created by Microsoft or by someone in the community. Best of all, you can view each template’s source code, which is little more than a JSON script, and customize it to fit your needs or even build upon it to create templates of your own.</a:t>
+            </a:r>
+          </a:p>
+          <a:p>
+            <a:endParaRPr lang="en-US" dirty="0" smtClean="0"/>
+          </a:p>
+          <a:p>
+            <a:r>
               <a:rPr lang="en-US" dirty="0" smtClean="0"/>
-              <a:t>The Simple Linux Utility for Resource Management (SLURM), also known as the SLURM Workload Manager, is a free and open-source job scheduler for Linux that excels at distributing heavy computing workloads across clusters of machines and processors. It is used on more than half of the world's </a:t>
-            </a:r>
-            <a:r>
-              <a:rPr lang="en-US" dirty="0" smtClean="0"/>
-              <a:t>largest supercomputers </a:t>
-            </a:r>
-            <a:r>
-              <a:rPr lang="en-US" dirty="0" smtClean="0"/>
-              <a:t>and High-Performance Computing (HPC) clusters, and it enjoys widespread use in the research community for jobs that require significant CPU resources.</a:t>
+              <a:t>The three templates pictured here are just a few of the many dozens of templates currently available.</a:t>
             </a:r>
             <a:endParaRPr lang="en-US" dirty="0"/>
           </a:p>
@@ -1494,7 +1496,7 @@
     </p:spTree>
     <p:extLst>
       <p:ext uri="{BB962C8B-B14F-4D97-AF65-F5344CB8AC3E}">
-        <p14:creationId xmlns:p14="http://schemas.microsoft.com/office/powerpoint/2010/main" val="1020586222"/>
+        <p14:creationId xmlns:p14="http://schemas.microsoft.com/office/powerpoint/2010/main" val="2402288964"/>
       </p:ext>
     </p:extLst>
   </p:cSld>
@@ -1548,6 +1550,10 @@
           <a:bodyPr/>
           <a:lstStyle/>
           <a:p>
+            <a:r>
+              <a:rPr lang="en-US" dirty="0" smtClean="0"/>
+              <a:t>The Simple Linux Utility for Resource Management (SLURM), also known as the SLURM Workload Manager, is a free and open-source job scheduler for Linux that excels at distributing heavy computing workloads across clusters of machines and processors. It is used on more than half of the world's largest supercomputers and High-Performance Computing (HPC) clusters, and it enjoys widespread use in the research community for jobs that require significant CPU resources.</a:t>
+            </a:r>
             <a:endParaRPr lang="en-US" dirty="0"/>
           </a:p>
         </p:txBody>
@@ -1570,6 +1576,90 @@
             <a:fld id="{BC60BE34-BC89-4C98-A56B-79B7A098D024}" type="slidenum">
               <a:rPr lang="en-US" smtClean="0"/>
               <a:t>8</a:t>
+            </a:fld>
+            <a:endParaRPr lang="en-US"/>
+          </a:p>
+        </p:txBody>
+      </p:sp>
+    </p:spTree>
+    <p:extLst>
+      <p:ext uri="{BB962C8B-B14F-4D97-AF65-F5344CB8AC3E}">
+        <p14:creationId xmlns:p14="http://schemas.microsoft.com/office/powerpoint/2010/main" val="1020586222"/>
+      </p:ext>
+    </p:extLst>
+  </p:cSld>
+  <p:clrMapOvr>
+    <a:masterClrMapping/>
+  </p:clrMapOvr>
+</p:notes>
+</file>
+
+<file path=ppt/notesSlides/notesSlide9.xml><?xml version="1.0" encoding="utf-8"?>
+<p:notes xmlns:a="http://schemas.openxmlformats.org/drawingml/2006/main" xmlns:r="http://schemas.openxmlformats.org/officeDocument/2006/relationships" xmlns:p="http://schemas.openxmlformats.org/presentationml/2006/main">
+  <p:cSld>
+    <p:spTree>
+      <p:nvGrpSpPr>
+        <p:cNvPr id="1" name=""/>
+        <p:cNvGrpSpPr/>
+        <p:nvPr/>
+      </p:nvGrpSpPr>
+      <p:grpSpPr>
+        <a:xfrm>
+          <a:off x="0" y="0"/>
+          <a:ext cx="0" cy="0"/>
+          <a:chOff x="0" y="0"/>
+          <a:chExt cx="0" cy="0"/>
+        </a:xfrm>
+      </p:grpSpPr>
+      <p:sp>
+        <p:nvSpPr>
+          <p:cNvPr id="2" name="Slide Image Placeholder 1"/>
+          <p:cNvSpPr>
+            <a:spLocks noGrp="1" noRot="1" noChangeAspect="1"/>
+          </p:cNvSpPr>
+          <p:nvPr>
+            <p:ph type="sldImg"/>
+          </p:nvPr>
+        </p:nvSpPr>
+        <p:spPr/>
+      </p:sp>
+      <p:sp>
+        <p:nvSpPr>
+          <p:cNvPr id="3" name="Notes Placeholder 2"/>
+          <p:cNvSpPr>
+            <a:spLocks noGrp="1"/>
+          </p:cNvSpPr>
+          <p:nvPr>
+            <p:ph type="body" idx="1"/>
+          </p:nvPr>
+        </p:nvSpPr>
+        <p:spPr/>
+        <p:txBody>
+          <a:bodyPr/>
+          <a:lstStyle/>
+          <a:p>
+            <a:endParaRPr lang="en-US" dirty="0"/>
+          </a:p>
+        </p:txBody>
+      </p:sp>
+      <p:sp>
+        <p:nvSpPr>
+          <p:cNvPr id="4" name="Slide Number Placeholder 3"/>
+          <p:cNvSpPr>
+            <a:spLocks noGrp="1"/>
+          </p:cNvSpPr>
+          <p:nvPr>
+            <p:ph type="sldNum" sz="quarter" idx="10"/>
+          </p:nvPr>
+        </p:nvSpPr>
+        <p:spPr/>
+        <p:txBody>
+          <a:bodyPr/>
+          <a:lstStyle/>
+          <a:p>
+            <a:fld id="{BC60BE34-BC89-4C98-A56B-79B7A098D024}" type="slidenum">
+              <a:rPr lang="en-US" smtClean="0"/>
+              <a:t>9</a:t>
             </a:fld>
             <a:endParaRPr lang="en-US"/>
           </a:p>
@@ -12458,6 +12548,39 @@
 </p:sld>
 </file>
 
+<file path=ppt/slides/slide10.xml><?xml version="1.0" encoding="utf-8"?>
+<p:sld xmlns:a="http://schemas.openxmlformats.org/drawingml/2006/main" xmlns:r="http://schemas.openxmlformats.org/officeDocument/2006/relationships" xmlns:p="http://schemas.openxmlformats.org/presentationml/2006/main">
+  <p:cSld>
+    <p:spTree>
+      <p:nvGrpSpPr>
+        <p:cNvPr id="1" name=""/>
+        <p:cNvGrpSpPr/>
+        <p:nvPr/>
+      </p:nvGrpSpPr>
+      <p:grpSpPr>
+        <a:xfrm>
+          <a:off x="0" y="0"/>
+          <a:ext cx="0" cy="0"/>
+          <a:chOff x="0" y="0"/>
+          <a:chExt cx="0" cy="0"/>
+        </a:xfrm>
+      </p:grpSpPr>
+    </p:spTree>
+    <p:extLst>
+      <p:ext uri="{BB962C8B-B14F-4D97-AF65-F5344CB8AC3E}">
+        <p14:creationId xmlns:p14="http://schemas.microsoft.com/office/powerpoint/2010/main" val="523359783"/>
+      </p:ext>
+    </p:extLst>
+  </p:cSld>
+  <p:clrMapOvr>
+    <a:masterClrMapping/>
+  </p:clrMapOvr>
+  <p:transition>
+    <p:fade/>
+  </p:transition>
+</p:sld>
+</file>
+
 <file path=ppt/slides/slide2.xml><?xml version="1.0" encoding="utf-8"?>
 <p:sld xmlns:a="http://schemas.openxmlformats.org/drawingml/2006/main" xmlns:r="http://schemas.openxmlformats.org/officeDocument/2006/relationships" xmlns:p="http://schemas.openxmlformats.org/presentationml/2006/main">
   <p:cSld>
@@ -12511,7 +12634,7 @@
         <p:spPr>
           <a:xfrm>
             <a:off x="519248" y="1447800"/>
-            <a:ext cx="11151916" cy="4947765"/>
+            <a:ext cx="11151916" cy="4473917"/>
           </a:xfrm>
         </p:spPr>
         <p:txBody>
@@ -12549,14 +12672,11 @@
             <a:pPr lvl="1"/>
             <a:r>
               <a:rPr lang="en-US" dirty="0" smtClean="0"/>
-              <a:t>Engineering design and simulation</a:t>
-            </a:r>
-          </a:p>
-          <a:p>
-            <a:pPr lvl="1"/>
+              <a:t>Financial </a:t>
+            </a:r>
             <a:r>
               <a:rPr lang="en-US" dirty="0" smtClean="0"/>
-              <a:t>Financial risk modeling, genomics research, and more</a:t>
+              <a:t>risk modeling, genomics research, and more</a:t>
             </a:r>
           </a:p>
           <a:p>
@@ -12598,6 +12718,10 @@
             </a:r>
           </a:p>
           <a:p>
+            <a:r>
+              <a:rPr lang="en-US" dirty="0" smtClean="0"/>
+              <a:t>Linux or Windows</a:t>
+            </a:r>
             <a:endParaRPr lang="en-US" dirty="0"/>
           </a:p>
         </p:txBody>
@@ -12667,14 +12791,14 @@
       </p:sp>
       <p:cxnSp>
         <p:nvCxnSpPr>
-          <p:cNvPr id="6" name="Straight Connector 5"/>
+          <p:cNvPr id="4" name="Straight Connector 3"/>
           <p:cNvCxnSpPr/>
           <p:nvPr/>
         </p:nvCxnSpPr>
         <p:spPr>
-          <a:xfrm flipH="1">
-            <a:off x="8121434" y="1744717"/>
-            <a:ext cx="8349" cy="5111904"/>
+          <a:xfrm>
+            <a:off x="3068307" y="1493750"/>
+            <a:ext cx="492" cy="5364250"/>
           </a:xfrm>
           <a:prstGeom prst="line">
             <a:avLst/>
@@ -12700,15 +12824,62 @@
           </a:fontRef>
         </p:style>
       </p:cxnSp>
+      <p:sp>
+        <p:nvSpPr>
+          <p:cNvPr id="5" name="Rectangle 4"/>
+          <p:cNvSpPr/>
+          <p:nvPr/>
+        </p:nvSpPr>
+        <p:spPr>
+          <a:xfrm>
+            <a:off x="0" y="1493750"/>
+            <a:ext cx="3066413" cy="618631"/>
+          </a:xfrm>
+          <a:prstGeom prst="rect">
+            <a:avLst/>
+          </a:prstGeom>
+        </p:spPr>
+        <p:txBody>
+          <a:bodyPr wrap="square" anchor="b">
+            <a:spAutoFit/>
+          </a:bodyPr>
+          <a:lstStyle/>
+          <a:p>
+            <a:pPr algn="ctr">
+              <a:lnSpc>
+                <a:spcPct val="95000"/>
+              </a:lnSpc>
+              <a:buSzPct val="90000"/>
+            </a:pPr>
+            <a:r>
+              <a:rPr lang="en-US" sz="3600" spc="-200" dirty="0" smtClean="0">
+                <a:solidFill>
+                  <a:srgbClr val="00B0F0"/>
+                </a:solidFill>
+                <a:latin typeface="Segoe UI Light" panose="020B0502040204020203" pitchFamily="34" charset="0"/>
+                <a:cs typeface="Segoe UI Light" panose="020B0502040204020203" pitchFamily="34" charset="0"/>
+              </a:rPr>
+              <a:t>A-Series</a:t>
+            </a:r>
+            <a:endParaRPr lang="en-US" sz="4400" spc="-294" dirty="0">
+              <a:solidFill>
+                <a:srgbClr val="00B0F0"/>
+              </a:solidFill>
+              <a:latin typeface="Segoe UI Light" panose="020B0502040204020203" pitchFamily="34" charset="0"/>
+              <a:cs typeface="Segoe UI Light" panose="020B0502040204020203" pitchFamily="34" charset="0"/>
+            </a:endParaRPr>
+          </a:p>
+        </p:txBody>
+      </p:sp>
       <p:cxnSp>
         <p:nvCxnSpPr>
-          <p:cNvPr id="8" name="Straight Connector 7"/>
+          <p:cNvPr id="26" name="Straight Connector 25"/>
           <p:cNvCxnSpPr/>
           <p:nvPr/>
         </p:nvCxnSpPr>
         <p:spPr>
           <a:xfrm flipH="1">
-            <a:off x="4049092" y="1744717"/>
+            <a:off x="6135211" y="1746096"/>
             <a:ext cx="8349" cy="5111904"/>
           </a:xfrm>
           <a:prstGeom prst="line">
@@ -12737,14 +12908,14 @@
       </p:cxnSp>
       <p:sp>
         <p:nvSpPr>
-          <p:cNvPr id="9" name="Rectangle 8"/>
+          <p:cNvPr id="27" name="Rectangle 26"/>
           <p:cNvSpPr/>
           <p:nvPr/>
         </p:nvSpPr>
         <p:spPr>
           <a:xfrm>
-            <a:off x="0" y="1744717"/>
-            <a:ext cx="4057441" cy="676980"/>
+            <a:off x="3068798" y="1493750"/>
+            <a:ext cx="3064029" cy="618631"/>
           </a:xfrm>
           <a:prstGeom prst="rect">
             <a:avLst/>
@@ -12763,16 +12934,26 @@
               <a:buSzPct val="90000"/>
             </a:pPr>
             <a:r>
-              <a:rPr lang="en-US" sz="3999" spc="-200" dirty="0" smtClean="0">
+              <a:rPr lang="en-US" sz="3600" spc="-200" dirty="0">
                 <a:solidFill>
                   <a:srgbClr val="00B0F0"/>
                 </a:solidFill>
                 <a:latin typeface="Segoe UI Light" panose="020B0502040204020203" pitchFamily="34" charset="0"/>
                 <a:cs typeface="Segoe UI Light" panose="020B0502040204020203" pitchFamily="34" charset="0"/>
               </a:rPr>
-              <a:t>A-Series</a:t>
-            </a:r>
-            <a:endParaRPr lang="en-US" sz="4799" spc="-294" dirty="0">
+              <a:t>D</a:t>
+            </a:r>
+            <a:r>
+              <a:rPr lang="en-US" sz="3600" spc="-200" dirty="0" smtClean="0">
+                <a:solidFill>
+                  <a:srgbClr val="00B0F0"/>
+                </a:solidFill>
+                <a:latin typeface="Segoe UI Light" panose="020B0502040204020203" pitchFamily="34" charset="0"/>
+                <a:cs typeface="Segoe UI Light" panose="020B0502040204020203" pitchFamily="34" charset="0"/>
+              </a:rPr>
+              <a:t>-Series</a:t>
+            </a:r>
+            <a:endParaRPr lang="en-US" sz="4400" spc="-294" dirty="0">
               <a:solidFill>
                 <a:srgbClr val="00B0F0"/>
               </a:solidFill>
@@ -12782,16 +12963,51 @@
           </a:p>
         </p:txBody>
       </p:sp>
+      <p:cxnSp>
+        <p:nvCxnSpPr>
+          <p:cNvPr id="28" name="Straight Connector 27"/>
+          <p:cNvCxnSpPr/>
+          <p:nvPr/>
+        </p:nvCxnSpPr>
+        <p:spPr>
+          <a:xfrm flipH="1">
+            <a:off x="6132827" y="1493749"/>
+            <a:ext cx="7376" cy="5354935"/>
+          </a:xfrm>
+          <a:prstGeom prst="line">
+            <a:avLst/>
+          </a:prstGeom>
+          <a:ln>
+            <a:solidFill>
+              <a:srgbClr val="11C1FF"/>
+            </a:solidFill>
+          </a:ln>
+        </p:spPr>
+        <p:style>
+          <a:lnRef idx="1">
+            <a:schemeClr val="accent1"/>
+          </a:lnRef>
+          <a:fillRef idx="0">
+            <a:schemeClr val="accent1"/>
+          </a:fillRef>
+          <a:effectRef idx="0">
+            <a:schemeClr val="accent1"/>
+          </a:effectRef>
+          <a:fontRef idx="minor">
+            <a:schemeClr val="tx1"/>
+          </a:fontRef>
+        </p:style>
+      </p:cxnSp>
       <p:sp>
         <p:nvSpPr>
-          <p:cNvPr id="10" name="Rectangle 9"/>
+          <p:cNvPr id="29" name="Rectangle 28"/>
           <p:cNvSpPr/>
           <p:nvPr/>
         </p:nvSpPr>
         <p:spPr>
           <a:xfrm>
-            <a:off x="8129783" y="1744717"/>
-            <a:ext cx="4062217" cy="676980"/>
+            <a:off x="6148552" y="1493750"/>
+            <a:ext cx="3052031" cy="618631"/>
           </a:xfrm>
           <a:prstGeom prst="rect">
             <a:avLst/>
@@ -12810,16 +13026,16 @@
               <a:buSzPct val="90000"/>
             </a:pPr>
             <a:r>
-              <a:rPr lang="en-US" sz="3999" spc="-200" dirty="0" smtClean="0">
+              <a:rPr lang="en-US" sz="3600" spc="-200" dirty="0" smtClean="0">
                 <a:solidFill>
                   <a:srgbClr val="00B0F0"/>
                 </a:solidFill>
                 <a:latin typeface="Segoe UI Light" panose="020B0502040204020203" pitchFamily="34" charset="0"/>
                 <a:cs typeface="Segoe UI Light" panose="020B0502040204020203" pitchFamily="34" charset="0"/>
               </a:rPr>
-              <a:t>G/GS-Series</a:t>
-            </a:r>
-            <a:endParaRPr lang="en-US" sz="4799" spc="-294" dirty="0">
+              <a:t>F/G/H-Series</a:t>
+            </a:r>
+            <a:endParaRPr lang="en-US" sz="4400" spc="-294" dirty="0">
               <a:solidFill>
                 <a:srgbClr val="00B0F0"/>
               </a:solidFill>
@@ -12829,16 +13045,51 @@
           </a:p>
         </p:txBody>
       </p:sp>
+      <p:cxnSp>
+        <p:nvCxnSpPr>
+          <p:cNvPr id="30" name="Straight Connector 29"/>
+          <p:cNvCxnSpPr/>
+          <p:nvPr/>
+        </p:nvCxnSpPr>
+        <p:spPr>
+          <a:xfrm>
+            <a:off x="9196855" y="1493749"/>
+            <a:ext cx="3729" cy="5364251"/>
+          </a:xfrm>
+          <a:prstGeom prst="line">
+            <a:avLst/>
+          </a:prstGeom>
+          <a:ln>
+            <a:solidFill>
+              <a:srgbClr val="11C1FF"/>
+            </a:solidFill>
+          </a:ln>
+        </p:spPr>
+        <p:style>
+          <a:lnRef idx="1">
+            <a:schemeClr val="accent1"/>
+          </a:lnRef>
+          <a:fillRef idx="0">
+            <a:schemeClr val="accent1"/>
+          </a:fillRef>
+          <a:effectRef idx="0">
+            <a:schemeClr val="accent1"/>
+          </a:effectRef>
+          <a:fontRef idx="minor">
+            <a:schemeClr val="tx1"/>
+          </a:fontRef>
+        </p:style>
+      </p:cxnSp>
       <p:sp>
         <p:nvSpPr>
-          <p:cNvPr id="22" name="Rectangle 21"/>
+          <p:cNvPr id="31" name="Rectangle 30"/>
           <p:cNvSpPr/>
           <p:nvPr/>
         </p:nvSpPr>
         <p:spPr>
           <a:xfrm>
-            <a:off x="4049092" y="1744717"/>
-            <a:ext cx="4057441" cy="676980"/>
+            <a:off x="9208932" y="1493750"/>
+            <a:ext cx="2983068" cy="618631"/>
           </a:xfrm>
           <a:prstGeom prst="rect">
             <a:avLst/>
@@ -12857,16 +13108,16 @@
               <a:buSzPct val="90000"/>
             </a:pPr>
             <a:r>
-              <a:rPr lang="en-US" sz="3999" spc="-200" dirty="0" smtClean="0">
+              <a:rPr lang="en-US" sz="3600" spc="-200" dirty="0" smtClean="0">
                 <a:solidFill>
                   <a:srgbClr val="00B0F0"/>
                 </a:solidFill>
                 <a:latin typeface="Segoe UI Light" panose="020B0502040204020203" pitchFamily="34" charset="0"/>
                 <a:cs typeface="Segoe UI Light" panose="020B0502040204020203" pitchFamily="34" charset="0"/>
               </a:rPr>
-              <a:t>D/DS/Dv2-Series</a:t>
-            </a:r>
-            <a:endParaRPr lang="en-US" sz="4799" spc="-294" dirty="0">
+              <a:t>N-Series*</a:t>
+            </a:r>
+            <a:endParaRPr lang="en-US" sz="4400" spc="-294" dirty="0">
               <a:solidFill>
                 <a:srgbClr val="00B0F0"/>
               </a:solidFill>
@@ -12878,90 +13129,569 @@
       </p:sp>
       <p:sp>
         <p:nvSpPr>
-          <p:cNvPr id="20" name="Rectangle 19"/>
-          <p:cNvSpPr/>
-          <p:nvPr/>
-        </p:nvSpPr>
-        <p:spPr>
-          <a:xfrm>
-            <a:off x="346841" y="2527349"/>
-            <a:ext cx="3710600" cy="1144929"/>
-          </a:xfrm>
-          <a:prstGeom prst="rect">
-            <a:avLst/>
-          </a:prstGeom>
-        </p:spPr>
-        <p:txBody>
-          <a:bodyPr wrap="square" anchor="b">
-            <a:spAutoFit/>
-          </a:bodyPr>
-          <a:lstStyle/>
-          <a:p>
-            <a:pPr>
-              <a:lnSpc>
-                <a:spcPct val="95000"/>
-              </a:lnSpc>
-              <a:buSzPct val="90000"/>
-            </a:pPr>
-            <a:r>
-              <a:rPr lang="en-US" sz="2400" spc="-200" dirty="0" smtClean="0">
-                <a:solidFill>
-                  <a:srgbClr val="00B0F0"/>
-                </a:solidFill>
-                <a:latin typeface="Segoe UI Light" panose="020B0502040204020203" pitchFamily="34" charset="0"/>
-                <a:cs typeface="Segoe UI Light" panose="020B0502040204020203" pitchFamily="34" charset="0"/>
-              </a:rPr>
-              <a:t>A8-A11 for  HPC</a:t>
-            </a:r>
-          </a:p>
-          <a:p>
-            <a:pPr>
-              <a:lnSpc>
-                <a:spcPct val="95000"/>
-              </a:lnSpc>
-              <a:buSzPct val="90000"/>
-            </a:pPr>
-            <a:r>
-              <a:rPr lang="en-US" sz="2400" spc="-200" dirty="0" smtClean="0">
-                <a:solidFill>
-                  <a:srgbClr val="00B0F0"/>
-                </a:solidFill>
-                <a:latin typeface="Segoe UI Light" panose="020B0502040204020203" pitchFamily="34" charset="0"/>
-                <a:cs typeface="Segoe UI Light" panose="020B0502040204020203" pitchFamily="34" charset="0"/>
-              </a:rPr>
-              <a:t>Up to 112 GB RAM and 16 cores</a:t>
-            </a:r>
-          </a:p>
-          <a:p>
-            <a:pPr>
-              <a:lnSpc>
-                <a:spcPct val="95000"/>
-              </a:lnSpc>
-              <a:buSzPct val="90000"/>
-            </a:pPr>
-            <a:r>
-              <a:rPr lang="en-US" sz="2400" spc="-200" dirty="0" smtClean="0">
-                <a:solidFill>
-                  <a:srgbClr val="00B0F0"/>
-                </a:solidFill>
-                <a:latin typeface="Segoe UI Light" panose="020B0502040204020203" pitchFamily="34" charset="0"/>
-                <a:cs typeface="Segoe UI Light" panose="020B0502040204020203" pitchFamily="34" charset="0"/>
-              </a:rPr>
-              <a:t>Up to 16 data disks (1 TB each)</a:t>
-            </a:r>
-          </a:p>
-        </p:txBody>
-      </p:sp>
-      <p:sp>
-        <p:nvSpPr>
-          <p:cNvPr id="38" name="Rectangle 37"/>
+          <p:cNvPr id="40" name="Rectangle 39"/>
           <p:cNvSpPr/>
           <p:nvPr/>
         </p:nvSpPr>
         <p:spPr bwMode="auto">
           <a:xfrm>
-            <a:off x="429540" y="5329293"/>
-            <a:ext cx="710005" cy="430306"/>
+            <a:off x="286632" y="2508641"/>
+            <a:ext cx="600473" cy="430306"/>
+          </a:xfrm>
+          <a:prstGeom prst="rect">
+            <a:avLst/>
+          </a:prstGeom>
+          <a:noFill/>
+          <a:ln w="19050">
+            <a:solidFill>
+              <a:schemeClr val="accent2"/>
+            </a:solidFill>
+            <a:headEnd type="none" w="med" len="med"/>
+            <a:tailEnd type="none" w="med" len="med"/>
+          </a:ln>
+          <a:effectLst/>
+        </p:spPr>
+        <p:style>
+          <a:lnRef idx="1">
+            <a:schemeClr val="accent2"/>
+          </a:lnRef>
+          <a:fillRef idx="3">
+            <a:schemeClr val="accent2"/>
+          </a:fillRef>
+          <a:effectRef idx="2">
+            <a:schemeClr val="accent2"/>
+          </a:effectRef>
+          <a:fontRef idx="minor">
+            <a:schemeClr val="lt1"/>
+          </a:fontRef>
+        </p:style>
+        <p:txBody>
+          <a:bodyPr vert="horz" wrap="none" lIns="91436" tIns="45718" rIns="91436" bIns="45718" numCol="1" rtlCol="0" anchor="ctr" anchorCtr="0" compatLnSpc="1">
+            <a:prstTxWarp prst="textNoShape">
+              <a:avLst/>
+            </a:prstTxWarp>
+          </a:bodyPr>
+          <a:lstStyle/>
+          <a:p>
+            <a:pPr algn="ctr" defTabSz="914099" fontAlgn="base">
+              <a:spcBef>
+                <a:spcPct val="0"/>
+              </a:spcBef>
+              <a:spcAft>
+                <a:spcPct val="0"/>
+              </a:spcAft>
+            </a:pPr>
+            <a:r>
+              <a:rPr lang="en-US" sz="1600" dirty="0" smtClean="0">
+                <a:solidFill>
+                  <a:schemeClr val="accent2"/>
+                </a:solidFill>
+              </a:rPr>
+              <a:t>A0</a:t>
+            </a:r>
+          </a:p>
+        </p:txBody>
+      </p:sp>
+      <p:sp>
+        <p:nvSpPr>
+          <p:cNvPr id="44" name="Rectangle 43"/>
+          <p:cNvSpPr/>
+          <p:nvPr/>
+        </p:nvSpPr>
+        <p:spPr bwMode="auto">
+          <a:xfrm>
+            <a:off x="939813" y="2508641"/>
+            <a:ext cx="600474" cy="430306"/>
+          </a:xfrm>
+          <a:prstGeom prst="rect">
+            <a:avLst/>
+          </a:prstGeom>
+          <a:noFill/>
+          <a:ln w="19050">
+            <a:solidFill>
+              <a:schemeClr val="accent2"/>
+            </a:solidFill>
+            <a:headEnd type="none" w="med" len="med"/>
+            <a:tailEnd type="none" w="med" len="med"/>
+          </a:ln>
+          <a:effectLst/>
+        </p:spPr>
+        <p:style>
+          <a:lnRef idx="1">
+            <a:schemeClr val="accent2"/>
+          </a:lnRef>
+          <a:fillRef idx="3">
+            <a:schemeClr val="accent2"/>
+          </a:fillRef>
+          <a:effectRef idx="2">
+            <a:schemeClr val="accent2"/>
+          </a:effectRef>
+          <a:fontRef idx="minor">
+            <a:schemeClr val="lt1"/>
+          </a:fontRef>
+        </p:style>
+        <p:txBody>
+          <a:bodyPr vert="horz" wrap="none" lIns="91436" tIns="45718" rIns="91436" bIns="45718" numCol="1" rtlCol="0" anchor="ctr" anchorCtr="0" compatLnSpc="1">
+            <a:prstTxWarp prst="textNoShape">
+              <a:avLst/>
+            </a:prstTxWarp>
+          </a:bodyPr>
+          <a:lstStyle/>
+          <a:p>
+            <a:pPr algn="ctr" defTabSz="914099" fontAlgn="base">
+              <a:spcBef>
+                <a:spcPct val="0"/>
+              </a:spcBef>
+              <a:spcAft>
+                <a:spcPct val="0"/>
+              </a:spcAft>
+            </a:pPr>
+            <a:r>
+              <a:rPr lang="en-US" sz="1600" dirty="0" smtClean="0">
+                <a:solidFill>
+                  <a:schemeClr val="accent2"/>
+                </a:solidFill>
+              </a:rPr>
+              <a:t>A1</a:t>
+            </a:r>
+            <a:endParaRPr lang="en-US" sz="1600" dirty="0" smtClean="0">
+              <a:solidFill>
+                <a:schemeClr val="accent2"/>
+              </a:solidFill>
+            </a:endParaRPr>
+          </a:p>
+        </p:txBody>
+      </p:sp>
+      <p:sp>
+        <p:nvSpPr>
+          <p:cNvPr id="45" name="Rectangle 44"/>
+          <p:cNvSpPr/>
+          <p:nvPr/>
+        </p:nvSpPr>
+        <p:spPr bwMode="auto">
+          <a:xfrm>
+            <a:off x="1592994" y="2508641"/>
+            <a:ext cx="600474" cy="430306"/>
+          </a:xfrm>
+          <a:prstGeom prst="rect">
+            <a:avLst/>
+          </a:prstGeom>
+          <a:noFill/>
+          <a:ln w="19050">
+            <a:solidFill>
+              <a:schemeClr val="accent2"/>
+            </a:solidFill>
+            <a:headEnd type="none" w="med" len="med"/>
+            <a:tailEnd type="none" w="med" len="med"/>
+          </a:ln>
+          <a:effectLst/>
+        </p:spPr>
+        <p:style>
+          <a:lnRef idx="1">
+            <a:schemeClr val="accent2"/>
+          </a:lnRef>
+          <a:fillRef idx="3">
+            <a:schemeClr val="accent2"/>
+          </a:fillRef>
+          <a:effectRef idx="2">
+            <a:schemeClr val="accent2"/>
+          </a:effectRef>
+          <a:fontRef idx="minor">
+            <a:schemeClr val="lt1"/>
+          </a:fontRef>
+        </p:style>
+        <p:txBody>
+          <a:bodyPr vert="horz" wrap="none" lIns="91436" tIns="45718" rIns="91436" bIns="45718" numCol="1" rtlCol="0" anchor="ctr" anchorCtr="0" compatLnSpc="1">
+            <a:prstTxWarp prst="textNoShape">
+              <a:avLst/>
+            </a:prstTxWarp>
+          </a:bodyPr>
+          <a:lstStyle/>
+          <a:p>
+            <a:pPr algn="ctr" defTabSz="914099" fontAlgn="base">
+              <a:spcBef>
+                <a:spcPct val="0"/>
+              </a:spcBef>
+              <a:spcAft>
+                <a:spcPct val="0"/>
+              </a:spcAft>
+            </a:pPr>
+            <a:r>
+              <a:rPr lang="en-US" sz="1600" dirty="0" smtClean="0">
+                <a:solidFill>
+                  <a:schemeClr val="accent2"/>
+                </a:solidFill>
+              </a:rPr>
+              <a:t>A2</a:t>
+            </a:r>
+            <a:endParaRPr lang="en-US" sz="1600" dirty="0" smtClean="0">
+              <a:solidFill>
+                <a:schemeClr val="accent2"/>
+              </a:solidFill>
+            </a:endParaRPr>
+          </a:p>
+        </p:txBody>
+      </p:sp>
+      <p:sp>
+        <p:nvSpPr>
+          <p:cNvPr id="46" name="Rectangle 45"/>
+          <p:cNvSpPr/>
+          <p:nvPr/>
+        </p:nvSpPr>
+        <p:spPr bwMode="auto">
+          <a:xfrm>
+            <a:off x="2246175" y="2508641"/>
+            <a:ext cx="600474" cy="430306"/>
+          </a:xfrm>
+          <a:prstGeom prst="rect">
+            <a:avLst/>
+          </a:prstGeom>
+          <a:noFill/>
+          <a:ln w="19050">
+            <a:solidFill>
+              <a:schemeClr val="accent2"/>
+            </a:solidFill>
+            <a:headEnd type="none" w="med" len="med"/>
+            <a:tailEnd type="none" w="med" len="med"/>
+          </a:ln>
+          <a:effectLst/>
+        </p:spPr>
+        <p:style>
+          <a:lnRef idx="1">
+            <a:schemeClr val="accent2"/>
+          </a:lnRef>
+          <a:fillRef idx="3">
+            <a:schemeClr val="accent2"/>
+          </a:fillRef>
+          <a:effectRef idx="2">
+            <a:schemeClr val="accent2"/>
+          </a:effectRef>
+          <a:fontRef idx="minor">
+            <a:schemeClr val="lt1"/>
+          </a:fontRef>
+        </p:style>
+        <p:txBody>
+          <a:bodyPr vert="horz" wrap="none" lIns="91436" tIns="45718" rIns="91436" bIns="45718" numCol="1" rtlCol="0" anchor="ctr" anchorCtr="0" compatLnSpc="1">
+            <a:prstTxWarp prst="textNoShape">
+              <a:avLst/>
+            </a:prstTxWarp>
+          </a:bodyPr>
+          <a:lstStyle/>
+          <a:p>
+            <a:pPr algn="ctr" defTabSz="914099" fontAlgn="base">
+              <a:spcBef>
+                <a:spcPct val="0"/>
+              </a:spcBef>
+              <a:spcAft>
+                <a:spcPct val="0"/>
+              </a:spcAft>
+            </a:pPr>
+            <a:r>
+              <a:rPr lang="en-US" sz="1600" dirty="0" smtClean="0">
+                <a:solidFill>
+                  <a:schemeClr val="accent2"/>
+                </a:solidFill>
+              </a:rPr>
+              <a:t>A3</a:t>
+            </a:r>
+            <a:endParaRPr lang="en-US" sz="1600" dirty="0" smtClean="0">
+              <a:solidFill>
+                <a:schemeClr val="accent2"/>
+              </a:solidFill>
+            </a:endParaRPr>
+          </a:p>
+        </p:txBody>
+      </p:sp>
+      <p:sp>
+        <p:nvSpPr>
+          <p:cNvPr id="47" name="Rectangle 46"/>
+          <p:cNvSpPr/>
+          <p:nvPr/>
+        </p:nvSpPr>
+        <p:spPr bwMode="auto">
+          <a:xfrm>
+            <a:off x="286632" y="3023648"/>
+            <a:ext cx="600474" cy="430306"/>
+          </a:xfrm>
+          <a:prstGeom prst="rect">
+            <a:avLst/>
+          </a:prstGeom>
+          <a:noFill/>
+          <a:ln w="19050">
+            <a:solidFill>
+              <a:schemeClr val="accent2"/>
+            </a:solidFill>
+            <a:headEnd type="none" w="med" len="med"/>
+            <a:tailEnd type="none" w="med" len="med"/>
+          </a:ln>
+          <a:effectLst/>
+        </p:spPr>
+        <p:style>
+          <a:lnRef idx="1">
+            <a:schemeClr val="accent2"/>
+          </a:lnRef>
+          <a:fillRef idx="3">
+            <a:schemeClr val="accent2"/>
+          </a:fillRef>
+          <a:effectRef idx="2">
+            <a:schemeClr val="accent2"/>
+          </a:effectRef>
+          <a:fontRef idx="minor">
+            <a:schemeClr val="lt1"/>
+          </a:fontRef>
+        </p:style>
+        <p:txBody>
+          <a:bodyPr vert="horz" wrap="none" lIns="91436" tIns="45718" rIns="91436" bIns="45718" numCol="1" rtlCol="0" anchor="ctr" anchorCtr="0" compatLnSpc="1">
+            <a:prstTxWarp prst="textNoShape">
+              <a:avLst/>
+            </a:prstTxWarp>
+          </a:bodyPr>
+          <a:lstStyle/>
+          <a:p>
+            <a:pPr algn="ctr" defTabSz="914099" fontAlgn="base">
+              <a:spcBef>
+                <a:spcPct val="0"/>
+              </a:spcBef>
+              <a:spcAft>
+                <a:spcPct val="0"/>
+              </a:spcAft>
+            </a:pPr>
+            <a:r>
+              <a:rPr lang="en-US" sz="1600" dirty="0" smtClean="0">
+                <a:solidFill>
+                  <a:schemeClr val="accent2"/>
+                </a:solidFill>
+              </a:rPr>
+              <a:t>A4</a:t>
+            </a:r>
+            <a:endParaRPr lang="en-US" sz="1600" dirty="0" smtClean="0">
+              <a:solidFill>
+                <a:schemeClr val="accent2"/>
+              </a:solidFill>
+            </a:endParaRPr>
+          </a:p>
+        </p:txBody>
+      </p:sp>
+      <p:sp>
+        <p:nvSpPr>
+          <p:cNvPr id="48" name="Rectangle 47"/>
+          <p:cNvSpPr/>
+          <p:nvPr/>
+        </p:nvSpPr>
+        <p:spPr bwMode="auto">
+          <a:xfrm>
+            <a:off x="939813" y="3023648"/>
+            <a:ext cx="600474" cy="430306"/>
+          </a:xfrm>
+          <a:prstGeom prst="rect">
+            <a:avLst/>
+          </a:prstGeom>
+          <a:noFill/>
+          <a:ln w="19050">
+            <a:solidFill>
+              <a:schemeClr val="accent2"/>
+            </a:solidFill>
+            <a:headEnd type="none" w="med" len="med"/>
+            <a:tailEnd type="none" w="med" len="med"/>
+          </a:ln>
+          <a:effectLst/>
+        </p:spPr>
+        <p:style>
+          <a:lnRef idx="1">
+            <a:schemeClr val="accent2"/>
+          </a:lnRef>
+          <a:fillRef idx="3">
+            <a:schemeClr val="accent2"/>
+          </a:fillRef>
+          <a:effectRef idx="2">
+            <a:schemeClr val="accent2"/>
+          </a:effectRef>
+          <a:fontRef idx="minor">
+            <a:schemeClr val="lt1"/>
+          </a:fontRef>
+        </p:style>
+        <p:txBody>
+          <a:bodyPr vert="horz" wrap="none" lIns="91436" tIns="45718" rIns="91436" bIns="45718" numCol="1" rtlCol="0" anchor="ctr" anchorCtr="0" compatLnSpc="1">
+            <a:prstTxWarp prst="textNoShape">
+              <a:avLst/>
+            </a:prstTxWarp>
+          </a:bodyPr>
+          <a:lstStyle/>
+          <a:p>
+            <a:pPr algn="ctr" defTabSz="914099" fontAlgn="base">
+              <a:spcBef>
+                <a:spcPct val="0"/>
+              </a:spcBef>
+              <a:spcAft>
+                <a:spcPct val="0"/>
+              </a:spcAft>
+            </a:pPr>
+            <a:r>
+              <a:rPr lang="en-US" sz="1600" dirty="0" smtClean="0">
+                <a:solidFill>
+                  <a:schemeClr val="accent2"/>
+                </a:solidFill>
+              </a:rPr>
+              <a:t>A5</a:t>
+            </a:r>
+            <a:endParaRPr lang="en-US" sz="1600" dirty="0" smtClean="0">
+              <a:solidFill>
+                <a:schemeClr val="accent2"/>
+              </a:solidFill>
+            </a:endParaRPr>
+          </a:p>
+        </p:txBody>
+      </p:sp>
+      <p:sp>
+        <p:nvSpPr>
+          <p:cNvPr id="49" name="Rectangle 48"/>
+          <p:cNvSpPr/>
+          <p:nvPr/>
+        </p:nvSpPr>
+        <p:spPr bwMode="auto">
+          <a:xfrm>
+            <a:off x="1592994" y="3023648"/>
+            <a:ext cx="600474" cy="430306"/>
+          </a:xfrm>
+          <a:prstGeom prst="rect">
+            <a:avLst/>
+          </a:prstGeom>
+          <a:noFill/>
+          <a:ln w="19050">
+            <a:solidFill>
+              <a:schemeClr val="accent2"/>
+            </a:solidFill>
+            <a:headEnd type="none" w="med" len="med"/>
+            <a:tailEnd type="none" w="med" len="med"/>
+          </a:ln>
+          <a:effectLst/>
+        </p:spPr>
+        <p:style>
+          <a:lnRef idx="1">
+            <a:schemeClr val="accent2"/>
+          </a:lnRef>
+          <a:fillRef idx="3">
+            <a:schemeClr val="accent2"/>
+          </a:fillRef>
+          <a:effectRef idx="2">
+            <a:schemeClr val="accent2"/>
+          </a:effectRef>
+          <a:fontRef idx="minor">
+            <a:schemeClr val="lt1"/>
+          </a:fontRef>
+        </p:style>
+        <p:txBody>
+          <a:bodyPr vert="horz" wrap="none" lIns="91436" tIns="45718" rIns="91436" bIns="45718" numCol="1" rtlCol="0" anchor="ctr" anchorCtr="0" compatLnSpc="1">
+            <a:prstTxWarp prst="textNoShape">
+              <a:avLst/>
+            </a:prstTxWarp>
+          </a:bodyPr>
+          <a:lstStyle/>
+          <a:p>
+            <a:pPr algn="ctr" defTabSz="914099" fontAlgn="base">
+              <a:spcBef>
+                <a:spcPct val="0"/>
+              </a:spcBef>
+              <a:spcAft>
+                <a:spcPct val="0"/>
+              </a:spcAft>
+            </a:pPr>
+            <a:r>
+              <a:rPr lang="en-US" sz="1600" dirty="0" smtClean="0">
+                <a:solidFill>
+                  <a:schemeClr val="accent2"/>
+                </a:solidFill>
+              </a:rPr>
+              <a:t>A6</a:t>
+            </a:r>
+            <a:endParaRPr lang="en-US" sz="1600" dirty="0" smtClean="0">
+              <a:solidFill>
+                <a:schemeClr val="accent2"/>
+              </a:solidFill>
+            </a:endParaRPr>
+          </a:p>
+        </p:txBody>
+      </p:sp>
+      <p:sp>
+        <p:nvSpPr>
+          <p:cNvPr id="50" name="Rectangle 49"/>
+          <p:cNvSpPr/>
+          <p:nvPr/>
+        </p:nvSpPr>
+        <p:spPr bwMode="auto">
+          <a:xfrm>
+            <a:off x="2246175" y="3023648"/>
+            <a:ext cx="600474" cy="430306"/>
+          </a:xfrm>
+          <a:prstGeom prst="rect">
+            <a:avLst/>
+          </a:prstGeom>
+          <a:noFill/>
+          <a:ln w="19050">
+            <a:solidFill>
+              <a:schemeClr val="accent2"/>
+            </a:solidFill>
+            <a:headEnd type="none" w="med" len="med"/>
+            <a:tailEnd type="none" w="med" len="med"/>
+          </a:ln>
+          <a:effectLst/>
+        </p:spPr>
+        <p:style>
+          <a:lnRef idx="1">
+            <a:schemeClr val="accent2"/>
+          </a:lnRef>
+          <a:fillRef idx="3">
+            <a:schemeClr val="accent2"/>
+          </a:fillRef>
+          <a:effectRef idx="2">
+            <a:schemeClr val="accent2"/>
+          </a:effectRef>
+          <a:fontRef idx="minor">
+            <a:schemeClr val="lt1"/>
+          </a:fontRef>
+        </p:style>
+        <p:txBody>
+          <a:bodyPr vert="horz" wrap="none" lIns="91436" tIns="45718" rIns="91436" bIns="45718" numCol="1" rtlCol="0" anchor="ctr" anchorCtr="0" compatLnSpc="1">
+            <a:prstTxWarp prst="textNoShape">
+              <a:avLst/>
+            </a:prstTxWarp>
+          </a:bodyPr>
+          <a:lstStyle/>
+          <a:p>
+            <a:pPr algn="ctr" defTabSz="914099" fontAlgn="base">
+              <a:spcBef>
+                <a:spcPct val="0"/>
+              </a:spcBef>
+              <a:spcAft>
+                <a:spcPct val="0"/>
+              </a:spcAft>
+            </a:pPr>
+            <a:r>
+              <a:rPr lang="en-US" sz="1600" dirty="0" smtClean="0">
+                <a:solidFill>
+                  <a:schemeClr val="accent2"/>
+                </a:solidFill>
+              </a:rPr>
+              <a:t>A7</a:t>
+            </a:r>
+            <a:endParaRPr lang="en-US" sz="1600" dirty="0" smtClean="0">
+              <a:solidFill>
+                <a:schemeClr val="accent2"/>
+              </a:solidFill>
+            </a:endParaRPr>
+          </a:p>
+        </p:txBody>
+      </p:sp>
+      <p:sp>
+        <p:nvSpPr>
+          <p:cNvPr id="51" name="Rectangle 50"/>
+          <p:cNvSpPr/>
+          <p:nvPr/>
+        </p:nvSpPr>
+        <p:spPr bwMode="auto">
+          <a:xfrm>
+            <a:off x="286632" y="3926912"/>
+            <a:ext cx="600474" cy="430306"/>
           </a:xfrm>
           <a:prstGeom prst="rect">
             <a:avLst/>
@@ -12991,7 +13721,7 @@
           </a:fontRef>
         </p:style>
         <p:txBody>
-          <a:bodyPr vert="horz" wrap="square" lIns="91436" tIns="45718" rIns="91436" bIns="45718" numCol="1" rtlCol="0" anchor="ctr" anchorCtr="0" compatLnSpc="1">
+          <a:bodyPr vert="horz" wrap="none" lIns="91436" tIns="45718" rIns="91436" bIns="45718" numCol="1" rtlCol="0" anchor="ctr" anchorCtr="0" compatLnSpc="1">
             <a:prstTxWarp prst="textNoShape">
               <a:avLst/>
             </a:prstTxWarp>
@@ -13007,7 +13737,7 @@
               </a:spcAft>
             </a:pPr>
             <a:r>
-              <a:rPr lang="en-US" sz="2000" dirty="0" smtClean="0">
+              <a:rPr lang="en-US" sz="1600" dirty="0">
                 <a:gradFill>
                   <a:gsLst>
                     <a:gs pos="0">
@@ -13027,14 +13757,14 @@
       </p:sp>
       <p:sp>
         <p:nvSpPr>
-          <p:cNvPr id="39" name="Rectangle 38"/>
+          <p:cNvPr id="52" name="Rectangle 51"/>
           <p:cNvSpPr/>
           <p:nvPr/>
         </p:nvSpPr>
         <p:spPr bwMode="auto">
           <a:xfrm>
-            <a:off x="1246348" y="5329293"/>
-            <a:ext cx="710005" cy="430306"/>
+            <a:off x="939813" y="3926912"/>
+            <a:ext cx="600474" cy="430306"/>
           </a:xfrm>
           <a:prstGeom prst="rect">
             <a:avLst/>
@@ -13064,7 +13794,7 @@
           </a:fontRef>
         </p:style>
         <p:txBody>
-          <a:bodyPr vert="horz" wrap="square" lIns="91436" tIns="45718" rIns="91436" bIns="45718" numCol="1" rtlCol="0" anchor="ctr" anchorCtr="0" compatLnSpc="1">
+          <a:bodyPr vert="horz" wrap="none" lIns="91436" tIns="45718" rIns="91436" bIns="45718" numCol="1" rtlCol="0" anchor="ctr" anchorCtr="0" compatLnSpc="1">
             <a:prstTxWarp prst="textNoShape">
               <a:avLst/>
             </a:prstTxWarp>
@@ -13080,7 +13810,7 @@
               </a:spcAft>
             </a:pPr>
             <a:r>
-              <a:rPr lang="en-US" sz="2000" dirty="0" smtClean="0">
+              <a:rPr lang="en-US" sz="1600" dirty="0">
                 <a:gradFill>
                   <a:gsLst>
                     <a:gs pos="0">
@@ -13100,14 +13830,14 @@
       </p:sp>
       <p:sp>
         <p:nvSpPr>
-          <p:cNvPr id="40" name="Rectangle 39"/>
+          <p:cNvPr id="53" name="Rectangle 52"/>
           <p:cNvSpPr/>
           <p:nvPr/>
         </p:nvSpPr>
         <p:spPr bwMode="auto">
           <a:xfrm>
-            <a:off x="2059987" y="5329293"/>
-            <a:ext cx="710005" cy="430306"/>
+            <a:off x="1592994" y="3926912"/>
+            <a:ext cx="600474" cy="430306"/>
           </a:xfrm>
           <a:prstGeom prst="rect">
             <a:avLst/>
@@ -13137,7 +13867,7 @@
           </a:fontRef>
         </p:style>
         <p:txBody>
-          <a:bodyPr vert="horz" wrap="square" lIns="91436" tIns="45718" rIns="91436" bIns="45718" numCol="1" rtlCol="0" anchor="ctr" anchorCtr="0" compatLnSpc="1">
+          <a:bodyPr vert="horz" wrap="none" lIns="91436" tIns="45718" rIns="91436" bIns="45718" numCol="1" rtlCol="0" anchor="ctr" anchorCtr="0" compatLnSpc="1">
             <a:prstTxWarp prst="textNoShape">
               <a:avLst/>
             </a:prstTxWarp>
@@ -13153,7 +13883,7 @@
               </a:spcAft>
             </a:pPr>
             <a:r>
-              <a:rPr lang="en-US" sz="2000" dirty="0" smtClean="0">
+              <a:rPr lang="en-US" sz="1600" dirty="0">
                 <a:gradFill>
                   <a:gsLst>
                     <a:gs pos="0">
@@ -13173,14 +13903,14 @@
       </p:sp>
       <p:sp>
         <p:nvSpPr>
-          <p:cNvPr id="41" name="Rectangle 40"/>
+          <p:cNvPr id="55" name="Rectangle 54"/>
           <p:cNvSpPr/>
           <p:nvPr/>
         </p:nvSpPr>
         <p:spPr bwMode="auto">
           <a:xfrm>
-            <a:off x="2873626" y="5329293"/>
-            <a:ext cx="710005" cy="430306"/>
+            <a:off x="2246175" y="3926912"/>
+            <a:ext cx="600474" cy="430306"/>
           </a:xfrm>
           <a:prstGeom prst="rect">
             <a:avLst/>
@@ -13210,7 +13940,7 @@
           </a:fontRef>
         </p:style>
         <p:txBody>
-          <a:bodyPr vert="horz" wrap="square" lIns="91436" tIns="45718" rIns="91436" bIns="45718" numCol="1" rtlCol="0" anchor="ctr" anchorCtr="0" compatLnSpc="1">
+          <a:bodyPr vert="horz" wrap="none" lIns="91436" tIns="45718" rIns="91436" bIns="45718" numCol="1" rtlCol="0" anchor="ctr" anchorCtr="0" compatLnSpc="1">
             <a:prstTxWarp prst="textNoShape">
               <a:avLst/>
             </a:prstTxWarp>
@@ -13226,7 +13956,7 @@
               </a:spcAft>
             </a:pPr>
             <a:r>
-              <a:rPr lang="en-US" sz="2000" dirty="0" smtClean="0">
+              <a:rPr lang="en-US" sz="1600" dirty="0">
                 <a:gradFill>
                   <a:gsLst>
                     <a:gs pos="0">
@@ -13246,211 +13976,23 @@
       </p:sp>
       <p:sp>
         <p:nvSpPr>
-          <p:cNvPr id="42" name="Rectangle 41"/>
-          <p:cNvSpPr/>
-          <p:nvPr/>
-        </p:nvSpPr>
-        <p:spPr>
-          <a:xfrm>
-            <a:off x="4235669" y="2527349"/>
-            <a:ext cx="3870863" cy="1495794"/>
-          </a:xfrm>
-          <a:prstGeom prst="rect">
-            <a:avLst/>
-          </a:prstGeom>
-        </p:spPr>
-        <p:txBody>
-          <a:bodyPr wrap="square" anchor="b">
-            <a:spAutoFit/>
-          </a:bodyPr>
-          <a:lstStyle/>
-          <a:p>
-            <a:pPr>
-              <a:lnSpc>
-                <a:spcPct val="95000"/>
-              </a:lnSpc>
-              <a:buSzPct val="90000"/>
-            </a:pPr>
-            <a:r>
-              <a:rPr lang="en-US" sz="2400" spc="-200" dirty="0" smtClean="0">
-                <a:solidFill>
-                  <a:srgbClr val="00B0F0"/>
-                </a:solidFill>
-                <a:latin typeface="Segoe UI Light" panose="020B0502040204020203" pitchFamily="34" charset="0"/>
-                <a:cs typeface="Segoe UI Light" panose="020B0502040204020203" pitchFamily="34" charset="0"/>
-              </a:rPr>
-              <a:t>Up to 100% faster than A-series</a:t>
-            </a:r>
-          </a:p>
-          <a:p>
-            <a:pPr>
-              <a:lnSpc>
-                <a:spcPct val="95000"/>
-              </a:lnSpc>
-              <a:buSzPct val="90000"/>
-            </a:pPr>
-            <a:r>
-              <a:rPr lang="en-US" sz="2400" spc="-200" dirty="0" smtClean="0">
-                <a:solidFill>
-                  <a:srgbClr val="00B0F0"/>
-                </a:solidFill>
-                <a:latin typeface="Segoe UI Light" panose="020B0502040204020203" pitchFamily="34" charset="0"/>
-                <a:cs typeface="Segoe UI Light" panose="020B0502040204020203" pitchFamily="34" charset="0"/>
-              </a:rPr>
-              <a:t>Up to 112 GB RAM and 16 cores</a:t>
-            </a:r>
-          </a:p>
-          <a:p>
-            <a:pPr>
-              <a:lnSpc>
-                <a:spcPct val="95000"/>
-              </a:lnSpc>
-              <a:buSzPct val="90000"/>
-            </a:pPr>
-            <a:r>
-              <a:rPr lang="en-US" sz="2400" spc="-200" dirty="0" smtClean="0">
-                <a:solidFill>
-                  <a:srgbClr val="00B0F0"/>
-                </a:solidFill>
-                <a:latin typeface="Segoe UI Light" panose="020B0502040204020203" pitchFamily="34" charset="0"/>
-                <a:cs typeface="Segoe UI Light" panose="020B0502040204020203" pitchFamily="34" charset="0"/>
-              </a:rPr>
-              <a:t>Up to 32 data disks (1 TB each)</a:t>
-            </a:r>
-          </a:p>
-          <a:p>
-            <a:pPr>
-              <a:lnSpc>
-                <a:spcPct val="95000"/>
-              </a:lnSpc>
-              <a:buSzPct val="90000"/>
-            </a:pPr>
-            <a:r>
-              <a:rPr lang="en-US" sz="2400" spc="-200" dirty="0" smtClean="0">
-                <a:solidFill>
-                  <a:srgbClr val="00B0F0"/>
-                </a:solidFill>
-                <a:latin typeface="Segoe UI Light" panose="020B0502040204020203" pitchFamily="34" charset="0"/>
-                <a:cs typeface="Segoe UI Light" panose="020B0502040204020203" pitchFamily="34" charset="0"/>
-              </a:rPr>
-              <a:t>Solid-state drives</a:t>
-            </a:r>
-          </a:p>
-        </p:txBody>
-      </p:sp>
-      <p:sp>
-        <p:nvSpPr>
-          <p:cNvPr id="43" name="Rectangle 42"/>
-          <p:cNvSpPr/>
-          <p:nvPr/>
-        </p:nvSpPr>
-        <p:spPr>
-          <a:xfrm>
-            <a:off x="8321137" y="2527349"/>
-            <a:ext cx="3870863" cy="1495794"/>
-          </a:xfrm>
-          <a:prstGeom prst="rect">
-            <a:avLst/>
-          </a:prstGeom>
-        </p:spPr>
-        <p:txBody>
-          <a:bodyPr wrap="square" anchor="b">
-            <a:spAutoFit/>
-          </a:bodyPr>
-          <a:lstStyle/>
-          <a:p>
-            <a:pPr>
-              <a:lnSpc>
-                <a:spcPct val="95000"/>
-              </a:lnSpc>
-              <a:buSzPct val="90000"/>
-            </a:pPr>
-            <a:r>
-              <a:rPr lang="en-US" sz="2400" spc="-200" dirty="0" smtClean="0">
-                <a:solidFill>
-                  <a:srgbClr val="00B0F0"/>
-                </a:solidFill>
-                <a:latin typeface="Segoe UI Light" panose="020B0502040204020203" pitchFamily="34" charset="0"/>
-                <a:cs typeface="Segoe UI Light" panose="020B0502040204020203" pitchFamily="34" charset="0"/>
-              </a:rPr>
-              <a:t>35% faster than D-series</a:t>
-            </a:r>
-          </a:p>
-          <a:p>
-            <a:pPr>
-              <a:lnSpc>
-                <a:spcPct val="95000"/>
-              </a:lnSpc>
-              <a:buSzPct val="90000"/>
-            </a:pPr>
-            <a:r>
-              <a:rPr lang="en-US" sz="2400" spc="-200" dirty="0" smtClean="0">
-                <a:solidFill>
-                  <a:srgbClr val="00B0F0"/>
-                </a:solidFill>
-                <a:latin typeface="Segoe UI Light" panose="020B0502040204020203" pitchFamily="34" charset="0"/>
-                <a:cs typeface="Segoe UI Light" panose="020B0502040204020203" pitchFamily="34" charset="0"/>
-              </a:rPr>
-              <a:t>Up to 448 GB RAM and 32 cores</a:t>
-            </a:r>
-          </a:p>
-          <a:p>
-            <a:pPr>
-              <a:lnSpc>
-                <a:spcPct val="95000"/>
-              </a:lnSpc>
-              <a:buSzPct val="90000"/>
-            </a:pPr>
-            <a:r>
-              <a:rPr lang="en-US" sz="2400" spc="-200" dirty="0" smtClean="0">
-                <a:solidFill>
-                  <a:srgbClr val="00B0F0"/>
-                </a:solidFill>
-                <a:latin typeface="Segoe UI Light" panose="020B0502040204020203" pitchFamily="34" charset="0"/>
-                <a:cs typeface="Segoe UI Light" panose="020B0502040204020203" pitchFamily="34" charset="0"/>
-              </a:rPr>
-              <a:t>Up to 64 data disks (1 TB each)</a:t>
-            </a:r>
-          </a:p>
-          <a:p>
-            <a:pPr>
-              <a:lnSpc>
-                <a:spcPct val="95000"/>
-              </a:lnSpc>
-              <a:buSzPct val="90000"/>
-            </a:pPr>
-            <a:r>
-              <a:rPr lang="en-US" sz="2400" spc="-200" dirty="0" smtClean="0">
-                <a:solidFill>
-                  <a:srgbClr val="00B0F0"/>
-                </a:solidFill>
-                <a:latin typeface="Segoe UI Light" panose="020B0502040204020203" pitchFamily="34" charset="0"/>
-                <a:cs typeface="Segoe UI Light" panose="020B0502040204020203" pitchFamily="34" charset="0"/>
-              </a:rPr>
-              <a:t>Solid-state drives</a:t>
-            </a:r>
-          </a:p>
-        </p:txBody>
-      </p:sp>
-      <p:sp>
-        <p:nvSpPr>
-          <p:cNvPr id="44" name="Rectangle 43"/>
+          <p:cNvPr id="56" name="Rectangle 55"/>
           <p:cNvSpPr/>
           <p:nvPr/>
         </p:nvSpPr>
         <p:spPr bwMode="auto">
           <a:xfrm>
-            <a:off x="4374998" y="4255237"/>
-            <a:ext cx="710005" cy="430306"/>
+            <a:off x="3324306" y="2508641"/>
+            <a:ext cx="600473" cy="430306"/>
           </a:xfrm>
           <a:prstGeom prst="rect">
             <a:avLst/>
           </a:prstGeom>
-          <a:solidFill>
-            <a:schemeClr val="accent4"/>
-          </a:solidFill>
-          <a:ln>
-            <a:noFill/>
+          <a:noFill/>
+          <a:ln w="19050">
+            <a:solidFill>
+              <a:schemeClr val="accent4"/>
+            </a:solidFill>
             <a:headEnd type="none" w="med" len="med"/>
             <a:tailEnd type="none" w="med" len="med"/>
           </a:ln>
@@ -13471,7 +14013,7 @@
           </a:fontRef>
         </p:style>
         <p:txBody>
-          <a:bodyPr vert="horz" wrap="square" lIns="91436" tIns="45718" rIns="91436" bIns="45718" numCol="1" rtlCol="0" anchor="ctr" anchorCtr="0" compatLnSpc="1">
+          <a:bodyPr vert="horz" wrap="none" lIns="91436" tIns="45718" rIns="91436" bIns="45718" numCol="1" rtlCol="0" anchor="ctr" anchorCtr="0" compatLnSpc="1">
             <a:prstTxWarp prst="textNoShape">
               <a:avLst/>
             </a:prstTxWarp>
@@ -13487,18 +14029,10 @@
               </a:spcAft>
             </a:pPr>
             <a:r>
-              <a:rPr lang="en-US" sz="2000" dirty="0" smtClean="0">
-                <a:gradFill>
-                  <a:gsLst>
-                    <a:gs pos="0">
-                      <a:srgbClr val="FFFFFF"/>
-                    </a:gs>
-                    <a:gs pos="100000">
-                      <a:srgbClr val="FFFFFF"/>
-                    </a:gs>
-                  </a:gsLst>
-                  <a:lin ang="5400000" scaled="0"/>
-                </a:gradFill>
+              <a:rPr lang="en-US" sz="1600" dirty="0">
+                <a:solidFill>
+                  <a:schemeClr val="accent4"/>
+                </a:solidFill>
               </a:rPr>
               <a:t>D1</a:t>
             </a:r>
@@ -13507,23 +14041,23 @@
       </p:sp>
       <p:sp>
         <p:nvSpPr>
-          <p:cNvPr id="45" name="Rectangle 44"/>
+          <p:cNvPr id="57" name="Rectangle 56"/>
           <p:cNvSpPr/>
           <p:nvPr/>
         </p:nvSpPr>
         <p:spPr bwMode="auto">
           <a:xfrm>
-            <a:off x="5191806" y="4255237"/>
-            <a:ext cx="710005" cy="430306"/>
+            <a:off x="3977487" y="2508641"/>
+            <a:ext cx="600474" cy="430306"/>
           </a:xfrm>
           <a:prstGeom prst="rect">
             <a:avLst/>
           </a:prstGeom>
-          <a:solidFill>
-            <a:schemeClr val="accent4"/>
-          </a:solidFill>
-          <a:ln>
-            <a:noFill/>
+          <a:noFill/>
+          <a:ln w="19050">
+            <a:solidFill>
+              <a:schemeClr val="accent4"/>
+            </a:solidFill>
             <a:headEnd type="none" w="med" len="med"/>
             <a:tailEnd type="none" w="med" len="med"/>
           </a:ln>
@@ -13544,7 +14078,7 @@
           </a:fontRef>
         </p:style>
         <p:txBody>
-          <a:bodyPr vert="horz" wrap="square" lIns="91436" tIns="45718" rIns="91436" bIns="45718" numCol="1" rtlCol="0" anchor="ctr" anchorCtr="0" compatLnSpc="1">
+          <a:bodyPr vert="horz" wrap="none" lIns="91436" tIns="45718" rIns="91436" bIns="45718" numCol="1" rtlCol="0" anchor="ctr" anchorCtr="0" compatLnSpc="1">
             <a:prstTxWarp prst="textNoShape">
               <a:avLst/>
             </a:prstTxWarp>
@@ -13560,18 +14094,10 @@
               </a:spcAft>
             </a:pPr>
             <a:r>
-              <a:rPr lang="en-US" sz="2000" dirty="0" smtClean="0">
-                <a:gradFill>
-                  <a:gsLst>
-                    <a:gs pos="0">
-                      <a:srgbClr val="FFFFFF"/>
-                    </a:gs>
-                    <a:gs pos="100000">
-                      <a:srgbClr val="FFFFFF"/>
-                    </a:gs>
-                  </a:gsLst>
-                  <a:lin ang="5400000" scaled="0"/>
-                </a:gradFill>
+              <a:rPr lang="en-US" sz="1600" dirty="0">
+                <a:solidFill>
+                  <a:schemeClr val="accent4"/>
+                </a:solidFill>
               </a:rPr>
               <a:t>D2</a:t>
             </a:r>
@@ -13580,23 +14106,23 @@
       </p:sp>
       <p:sp>
         <p:nvSpPr>
-          <p:cNvPr id="46" name="Rectangle 45"/>
+          <p:cNvPr id="58" name="Rectangle 57"/>
           <p:cNvSpPr/>
           <p:nvPr/>
         </p:nvSpPr>
         <p:spPr bwMode="auto">
           <a:xfrm>
-            <a:off x="6005445" y="4255237"/>
-            <a:ext cx="710005" cy="430306"/>
+            <a:off x="4630668" y="2508641"/>
+            <a:ext cx="600474" cy="430306"/>
           </a:xfrm>
           <a:prstGeom prst="rect">
             <a:avLst/>
           </a:prstGeom>
-          <a:solidFill>
-            <a:schemeClr val="accent4"/>
-          </a:solidFill>
-          <a:ln>
-            <a:noFill/>
+          <a:noFill/>
+          <a:ln w="19050">
+            <a:solidFill>
+              <a:schemeClr val="accent4"/>
+            </a:solidFill>
             <a:headEnd type="none" w="med" len="med"/>
             <a:tailEnd type="none" w="med" len="med"/>
           </a:ln>
@@ -13617,7 +14143,7 @@
           </a:fontRef>
         </p:style>
         <p:txBody>
-          <a:bodyPr vert="horz" wrap="square" lIns="91436" tIns="45718" rIns="91436" bIns="45718" numCol="1" rtlCol="0" anchor="ctr" anchorCtr="0" compatLnSpc="1">
+          <a:bodyPr vert="horz" wrap="none" lIns="91436" tIns="45718" rIns="91436" bIns="45718" numCol="1" rtlCol="0" anchor="ctr" anchorCtr="0" compatLnSpc="1">
             <a:prstTxWarp prst="textNoShape">
               <a:avLst/>
             </a:prstTxWarp>
@@ -13633,18 +14159,10 @@
               </a:spcAft>
             </a:pPr>
             <a:r>
-              <a:rPr lang="en-US" sz="2000" dirty="0" smtClean="0">
-                <a:gradFill>
-                  <a:gsLst>
-                    <a:gs pos="0">
-                      <a:srgbClr val="FFFFFF"/>
-                    </a:gs>
-                    <a:gs pos="100000">
-                      <a:srgbClr val="FFFFFF"/>
-                    </a:gs>
-                  </a:gsLst>
-                  <a:lin ang="5400000" scaled="0"/>
-                </a:gradFill>
+              <a:rPr lang="en-US" sz="1600" dirty="0">
+                <a:solidFill>
+                  <a:schemeClr val="accent4"/>
+                </a:solidFill>
               </a:rPr>
               <a:t>D3</a:t>
             </a:r>
@@ -13653,23 +14171,23 @@
       </p:sp>
       <p:sp>
         <p:nvSpPr>
-          <p:cNvPr id="47" name="Rectangle 46"/>
+          <p:cNvPr id="59" name="Rectangle 58"/>
           <p:cNvSpPr/>
           <p:nvPr/>
         </p:nvSpPr>
         <p:spPr bwMode="auto">
           <a:xfrm>
-            <a:off x="6819084" y="4255237"/>
-            <a:ext cx="710005" cy="430306"/>
+            <a:off x="5283849" y="2508641"/>
+            <a:ext cx="600474" cy="430306"/>
           </a:xfrm>
           <a:prstGeom prst="rect">
             <a:avLst/>
           </a:prstGeom>
-          <a:solidFill>
-            <a:schemeClr val="accent4"/>
-          </a:solidFill>
-          <a:ln>
-            <a:noFill/>
+          <a:noFill/>
+          <a:ln w="19050">
+            <a:solidFill>
+              <a:schemeClr val="accent4"/>
+            </a:solidFill>
             <a:headEnd type="none" w="med" len="med"/>
             <a:tailEnd type="none" w="med" len="med"/>
           </a:ln>
@@ -13690,7 +14208,7 @@
           </a:fontRef>
         </p:style>
         <p:txBody>
-          <a:bodyPr vert="horz" wrap="square" lIns="91436" tIns="45718" rIns="91436" bIns="45718" numCol="1" rtlCol="0" anchor="ctr" anchorCtr="0" compatLnSpc="1">
+          <a:bodyPr vert="horz" wrap="none" lIns="91436" tIns="45718" rIns="91436" bIns="45718" numCol="1" rtlCol="0" anchor="ctr" anchorCtr="0" compatLnSpc="1">
             <a:prstTxWarp prst="textNoShape">
               <a:avLst/>
             </a:prstTxWarp>
@@ -13706,312 +14224,12 @@
               </a:spcAft>
             </a:pPr>
             <a:r>
-              <a:rPr lang="en-US" sz="2000" dirty="0" smtClean="0">
-                <a:gradFill>
-                  <a:gsLst>
-                    <a:gs pos="0">
-                      <a:srgbClr val="FFFFFF"/>
-                    </a:gs>
-                    <a:gs pos="100000">
-                      <a:srgbClr val="FFFFFF"/>
-                    </a:gs>
-                  </a:gsLst>
-                  <a:lin ang="5400000" scaled="0"/>
-                </a:gradFill>
+              <a:rPr lang="en-US" sz="1600" dirty="0">
+                <a:solidFill>
+                  <a:schemeClr val="accent4"/>
+                </a:solidFill>
               </a:rPr>
               <a:t>D4</a:t>
-            </a:r>
-          </a:p>
-        </p:txBody>
-      </p:sp>
-      <p:sp>
-        <p:nvSpPr>
-          <p:cNvPr id="48" name="Rectangle 47"/>
-          <p:cNvSpPr/>
-          <p:nvPr/>
-        </p:nvSpPr>
-        <p:spPr bwMode="auto">
-          <a:xfrm>
-            <a:off x="4374998" y="4801775"/>
-            <a:ext cx="710005" cy="430306"/>
-          </a:xfrm>
-          <a:prstGeom prst="rect">
-            <a:avLst/>
-          </a:prstGeom>
-          <a:solidFill>
-            <a:schemeClr val="accent4"/>
-          </a:solidFill>
-          <a:ln>
-            <a:noFill/>
-            <a:headEnd type="none" w="med" len="med"/>
-            <a:tailEnd type="none" w="med" len="med"/>
-          </a:ln>
-          <a:effectLst/>
-        </p:spPr>
-        <p:style>
-          <a:lnRef idx="1">
-            <a:schemeClr val="accent2"/>
-          </a:lnRef>
-          <a:fillRef idx="3">
-            <a:schemeClr val="accent2"/>
-          </a:fillRef>
-          <a:effectRef idx="2">
-            <a:schemeClr val="accent2"/>
-          </a:effectRef>
-          <a:fontRef idx="minor">
-            <a:schemeClr val="lt1"/>
-          </a:fontRef>
-        </p:style>
-        <p:txBody>
-          <a:bodyPr vert="horz" wrap="square" lIns="91436" tIns="45718" rIns="91436" bIns="45718" numCol="1" rtlCol="0" anchor="ctr" anchorCtr="0" compatLnSpc="1">
-            <a:prstTxWarp prst="textNoShape">
-              <a:avLst/>
-            </a:prstTxWarp>
-          </a:bodyPr>
-          <a:lstStyle/>
-          <a:p>
-            <a:pPr algn="ctr" defTabSz="914099" fontAlgn="base">
-              <a:spcBef>
-                <a:spcPct val="0"/>
-              </a:spcBef>
-              <a:spcAft>
-                <a:spcPct val="0"/>
-              </a:spcAft>
-            </a:pPr>
-            <a:r>
-              <a:rPr lang="en-US" sz="2000" dirty="0" smtClean="0">
-                <a:gradFill>
-                  <a:gsLst>
-                    <a:gs pos="0">
-                      <a:srgbClr val="FFFFFF"/>
-                    </a:gs>
-                    <a:gs pos="100000">
-                      <a:srgbClr val="FFFFFF"/>
-                    </a:gs>
-                  </a:gsLst>
-                  <a:lin ang="5400000" scaled="0"/>
-                </a:gradFill>
-              </a:rPr>
-              <a:t>D11</a:t>
-            </a:r>
-          </a:p>
-        </p:txBody>
-      </p:sp>
-      <p:sp>
-        <p:nvSpPr>
-          <p:cNvPr id="49" name="Rectangle 48"/>
-          <p:cNvSpPr/>
-          <p:nvPr/>
-        </p:nvSpPr>
-        <p:spPr bwMode="auto">
-          <a:xfrm>
-            <a:off x="5191806" y="4801775"/>
-            <a:ext cx="710005" cy="430306"/>
-          </a:xfrm>
-          <a:prstGeom prst="rect">
-            <a:avLst/>
-          </a:prstGeom>
-          <a:solidFill>
-            <a:schemeClr val="accent4"/>
-          </a:solidFill>
-          <a:ln>
-            <a:noFill/>
-            <a:headEnd type="none" w="med" len="med"/>
-            <a:tailEnd type="none" w="med" len="med"/>
-          </a:ln>
-          <a:effectLst/>
-        </p:spPr>
-        <p:style>
-          <a:lnRef idx="1">
-            <a:schemeClr val="accent2"/>
-          </a:lnRef>
-          <a:fillRef idx="3">
-            <a:schemeClr val="accent2"/>
-          </a:fillRef>
-          <a:effectRef idx="2">
-            <a:schemeClr val="accent2"/>
-          </a:effectRef>
-          <a:fontRef idx="minor">
-            <a:schemeClr val="lt1"/>
-          </a:fontRef>
-        </p:style>
-        <p:txBody>
-          <a:bodyPr vert="horz" wrap="square" lIns="91436" tIns="45718" rIns="91436" bIns="45718" numCol="1" rtlCol="0" anchor="ctr" anchorCtr="0" compatLnSpc="1">
-            <a:prstTxWarp prst="textNoShape">
-              <a:avLst/>
-            </a:prstTxWarp>
-          </a:bodyPr>
-          <a:lstStyle/>
-          <a:p>
-            <a:pPr algn="ctr" defTabSz="914099" fontAlgn="base">
-              <a:spcBef>
-                <a:spcPct val="0"/>
-              </a:spcBef>
-              <a:spcAft>
-                <a:spcPct val="0"/>
-              </a:spcAft>
-            </a:pPr>
-            <a:r>
-              <a:rPr lang="en-US" sz="2000" dirty="0" smtClean="0">
-                <a:gradFill>
-                  <a:gsLst>
-                    <a:gs pos="0">
-                      <a:srgbClr val="FFFFFF"/>
-                    </a:gs>
-                    <a:gs pos="100000">
-                      <a:srgbClr val="FFFFFF"/>
-                    </a:gs>
-                  </a:gsLst>
-                  <a:lin ang="5400000" scaled="0"/>
-                </a:gradFill>
-              </a:rPr>
-              <a:t>D12</a:t>
-            </a:r>
-          </a:p>
-        </p:txBody>
-      </p:sp>
-      <p:sp>
-        <p:nvSpPr>
-          <p:cNvPr id="50" name="Rectangle 49"/>
-          <p:cNvSpPr/>
-          <p:nvPr/>
-        </p:nvSpPr>
-        <p:spPr bwMode="auto">
-          <a:xfrm>
-            <a:off x="6005445" y="4801775"/>
-            <a:ext cx="710005" cy="430306"/>
-          </a:xfrm>
-          <a:prstGeom prst="rect">
-            <a:avLst/>
-          </a:prstGeom>
-          <a:solidFill>
-            <a:schemeClr val="accent4"/>
-          </a:solidFill>
-          <a:ln>
-            <a:noFill/>
-            <a:headEnd type="none" w="med" len="med"/>
-            <a:tailEnd type="none" w="med" len="med"/>
-          </a:ln>
-          <a:effectLst/>
-        </p:spPr>
-        <p:style>
-          <a:lnRef idx="1">
-            <a:schemeClr val="accent2"/>
-          </a:lnRef>
-          <a:fillRef idx="3">
-            <a:schemeClr val="accent2"/>
-          </a:fillRef>
-          <a:effectRef idx="2">
-            <a:schemeClr val="accent2"/>
-          </a:effectRef>
-          <a:fontRef idx="minor">
-            <a:schemeClr val="lt1"/>
-          </a:fontRef>
-        </p:style>
-        <p:txBody>
-          <a:bodyPr vert="horz" wrap="square" lIns="91436" tIns="45718" rIns="91436" bIns="45718" numCol="1" rtlCol="0" anchor="ctr" anchorCtr="0" compatLnSpc="1">
-            <a:prstTxWarp prst="textNoShape">
-              <a:avLst/>
-            </a:prstTxWarp>
-          </a:bodyPr>
-          <a:lstStyle/>
-          <a:p>
-            <a:pPr algn="ctr" defTabSz="914099" fontAlgn="base">
-              <a:spcBef>
-                <a:spcPct val="0"/>
-              </a:spcBef>
-              <a:spcAft>
-                <a:spcPct val="0"/>
-              </a:spcAft>
-            </a:pPr>
-            <a:r>
-              <a:rPr lang="en-US" sz="2000" dirty="0" smtClean="0">
-                <a:gradFill>
-                  <a:gsLst>
-                    <a:gs pos="0">
-                      <a:srgbClr val="FFFFFF"/>
-                    </a:gs>
-                    <a:gs pos="100000">
-                      <a:srgbClr val="FFFFFF"/>
-                    </a:gs>
-                  </a:gsLst>
-                  <a:lin ang="5400000" scaled="0"/>
-                </a:gradFill>
-              </a:rPr>
-              <a:t>D13</a:t>
-            </a:r>
-          </a:p>
-        </p:txBody>
-      </p:sp>
-      <p:sp>
-        <p:nvSpPr>
-          <p:cNvPr id="51" name="Rectangle 50"/>
-          <p:cNvSpPr/>
-          <p:nvPr/>
-        </p:nvSpPr>
-        <p:spPr bwMode="auto">
-          <a:xfrm>
-            <a:off x="6819084" y="4801775"/>
-            <a:ext cx="710005" cy="430306"/>
-          </a:xfrm>
-          <a:prstGeom prst="rect">
-            <a:avLst/>
-          </a:prstGeom>
-          <a:solidFill>
-            <a:schemeClr val="accent4"/>
-          </a:solidFill>
-          <a:ln>
-            <a:noFill/>
-            <a:headEnd type="none" w="med" len="med"/>
-            <a:tailEnd type="none" w="med" len="med"/>
-          </a:ln>
-          <a:effectLst/>
-        </p:spPr>
-        <p:style>
-          <a:lnRef idx="1">
-            <a:schemeClr val="accent2"/>
-          </a:lnRef>
-          <a:fillRef idx="3">
-            <a:schemeClr val="accent2"/>
-          </a:fillRef>
-          <a:effectRef idx="2">
-            <a:schemeClr val="accent2"/>
-          </a:effectRef>
-          <a:fontRef idx="minor">
-            <a:schemeClr val="lt1"/>
-          </a:fontRef>
-        </p:style>
-        <p:txBody>
-          <a:bodyPr vert="horz" wrap="square" lIns="91436" tIns="45718" rIns="91436" bIns="45718" numCol="1" rtlCol="0" anchor="ctr" anchorCtr="0" compatLnSpc="1">
-            <a:prstTxWarp prst="textNoShape">
-              <a:avLst/>
-            </a:prstTxWarp>
-          </a:bodyPr>
-          <a:lstStyle/>
-          <a:p>
-            <a:pPr algn="ctr" defTabSz="914099" fontAlgn="base">
-              <a:spcBef>
-                <a:spcPct val="0"/>
-              </a:spcBef>
-              <a:spcAft>
-                <a:spcPct val="0"/>
-              </a:spcAft>
-            </a:pPr>
-            <a:r>
-              <a:rPr lang="en-US" sz="2000" dirty="0" smtClean="0">
-                <a:gradFill>
-                  <a:gsLst>
-                    <a:gs pos="0">
-                      <a:srgbClr val="FFFFFF"/>
-                    </a:gs>
-                    <a:gs pos="100000">
-                      <a:srgbClr val="FFFFFF"/>
-                    </a:gs>
-                  </a:gsLst>
-                  <a:lin ang="5400000" scaled="0"/>
-                </a:gradFill>
-              </a:rPr>
-              <a:t>D14</a:t>
             </a:r>
           </a:p>
         </p:txBody>
@@ -14024,8 +14242,493 @@
         </p:nvSpPr>
         <p:spPr bwMode="auto">
           <a:xfrm>
-            <a:off x="8438991" y="4255237"/>
-            <a:ext cx="710005" cy="430306"/>
+            <a:off x="3324306" y="3023648"/>
+            <a:ext cx="600474" cy="430306"/>
+          </a:xfrm>
+          <a:prstGeom prst="rect">
+            <a:avLst/>
+          </a:prstGeom>
+          <a:noFill/>
+          <a:ln w="19050">
+            <a:solidFill>
+              <a:schemeClr val="accent4"/>
+            </a:solidFill>
+            <a:headEnd type="none" w="med" len="med"/>
+            <a:tailEnd type="none" w="med" len="med"/>
+          </a:ln>
+          <a:effectLst/>
+        </p:spPr>
+        <p:style>
+          <a:lnRef idx="1">
+            <a:schemeClr val="accent2"/>
+          </a:lnRef>
+          <a:fillRef idx="3">
+            <a:schemeClr val="accent2"/>
+          </a:fillRef>
+          <a:effectRef idx="2">
+            <a:schemeClr val="accent2"/>
+          </a:effectRef>
+          <a:fontRef idx="minor">
+            <a:schemeClr val="lt1"/>
+          </a:fontRef>
+        </p:style>
+        <p:txBody>
+          <a:bodyPr vert="horz" wrap="none" lIns="91436" tIns="45718" rIns="91436" bIns="45718" numCol="1" rtlCol="0" anchor="ctr" anchorCtr="0" compatLnSpc="1">
+            <a:prstTxWarp prst="textNoShape">
+              <a:avLst/>
+            </a:prstTxWarp>
+          </a:bodyPr>
+          <a:lstStyle/>
+          <a:p>
+            <a:pPr algn="ctr" defTabSz="914099" fontAlgn="base">
+              <a:spcBef>
+                <a:spcPct val="0"/>
+              </a:spcBef>
+              <a:spcAft>
+                <a:spcPct val="0"/>
+              </a:spcAft>
+            </a:pPr>
+            <a:r>
+              <a:rPr lang="en-US" sz="1600" dirty="0">
+                <a:solidFill>
+                  <a:schemeClr val="accent4"/>
+                </a:solidFill>
+              </a:rPr>
+              <a:t>D11</a:t>
+            </a:r>
+          </a:p>
+        </p:txBody>
+      </p:sp>
+      <p:sp>
+        <p:nvSpPr>
+          <p:cNvPr id="61" name="Rectangle 60"/>
+          <p:cNvSpPr/>
+          <p:nvPr/>
+        </p:nvSpPr>
+        <p:spPr bwMode="auto">
+          <a:xfrm>
+            <a:off x="3977487" y="3023648"/>
+            <a:ext cx="600474" cy="430306"/>
+          </a:xfrm>
+          <a:prstGeom prst="rect">
+            <a:avLst/>
+          </a:prstGeom>
+          <a:noFill/>
+          <a:ln w="19050">
+            <a:solidFill>
+              <a:schemeClr val="accent4"/>
+            </a:solidFill>
+            <a:headEnd type="none" w="med" len="med"/>
+            <a:tailEnd type="none" w="med" len="med"/>
+          </a:ln>
+          <a:effectLst/>
+        </p:spPr>
+        <p:style>
+          <a:lnRef idx="1">
+            <a:schemeClr val="accent2"/>
+          </a:lnRef>
+          <a:fillRef idx="3">
+            <a:schemeClr val="accent2"/>
+          </a:fillRef>
+          <a:effectRef idx="2">
+            <a:schemeClr val="accent2"/>
+          </a:effectRef>
+          <a:fontRef idx="minor">
+            <a:schemeClr val="lt1"/>
+          </a:fontRef>
+        </p:style>
+        <p:txBody>
+          <a:bodyPr vert="horz" wrap="none" lIns="91436" tIns="45718" rIns="91436" bIns="45718" numCol="1" rtlCol="0" anchor="ctr" anchorCtr="0" compatLnSpc="1">
+            <a:prstTxWarp prst="textNoShape">
+              <a:avLst/>
+            </a:prstTxWarp>
+          </a:bodyPr>
+          <a:lstStyle/>
+          <a:p>
+            <a:pPr algn="ctr" defTabSz="914099" fontAlgn="base">
+              <a:spcBef>
+                <a:spcPct val="0"/>
+              </a:spcBef>
+              <a:spcAft>
+                <a:spcPct val="0"/>
+              </a:spcAft>
+            </a:pPr>
+            <a:r>
+              <a:rPr lang="en-US" sz="1600" dirty="0">
+                <a:solidFill>
+                  <a:schemeClr val="accent4"/>
+                </a:solidFill>
+              </a:rPr>
+              <a:t>D12</a:t>
+            </a:r>
+          </a:p>
+        </p:txBody>
+      </p:sp>
+      <p:sp>
+        <p:nvSpPr>
+          <p:cNvPr id="62" name="Rectangle 61"/>
+          <p:cNvSpPr/>
+          <p:nvPr/>
+        </p:nvSpPr>
+        <p:spPr bwMode="auto">
+          <a:xfrm>
+            <a:off x="4630668" y="3023648"/>
+            <a:ext cx="600474" cy="430306"/>
+          </a:xfrm>
+          <a:prstGeom prst="rect">
+            <a:avLst/>
+          </a:prstGeom>
+          <a:noFill/>
+          <a:ln w="19050">
+            <a:solidFill>
+              <a:schemeClr val="accent4"/>
+            </a:solidFill>
+            <a:headEnd type="none" w="med" len="med"/>
+            <a:tailEnd type="none" w="med" len="med"/>
+          </a:ln>
+          <a:effectLst/>
+        </p:spPr>
+        <p:style>
+          <a:lnRef idx="1">
+            <a:schemeClr val="accent2"/>
+          </a:lnRef>
+          <a:fillRef idx="3">
+            <a:schemeClr val="accent2"/>
+          </a:fillRef>
+          <a:effectRef idx="2">
+            <a:schemeClr val="accent2"/>
+          </a:effectRef>
+          <a:fontRef idx="minor">
+            <a:schemeClr val="lt1"/>
+          </a:fontRef>
+        </p:style>
+        <p:txBody>
+          <a:bodyPr vert="horz" wrap="none" lIns="91436" tIns="45718" rIns="91436" bIns="45718" numCol="1" rtlCol="0" anchor="ctr" anchorCtr="0" compatLnSpc="1">
+            <a:prstTxWarp prst="textNoShape">
+              <a:avLst/>
+            </a:prstTxWarp>
+          </a:bodyPr>
+          <a:lstStyle/>
+          <a:p>
+            <a:pPr algn="ctr" defTabSz="914099" fontAlgn="base">
+              <a:spcBef>
+                <a:spcPct val="0"/>
+              </a:spcBef>
+              <a:spcAft>
+                <a:spcPct val="0"/>
+              </a:spcAft>
+            </a:pPr>
+            <a:r>
+              <a:rPr lang="en-US" sz="1600" dirty="0">
+                <a:solidFill>
+                  <a:schemeClr val="accent4"/>
+                </a:solidFill>
+              </a:rPr>
+              <a:t>D13</a:t>
+            </a:r>
+          </a:p>
+        </p:txBody>
+      </p:sp>
+      <p:sp>
+        <p:nvSpPr>
+          <p:cNvPr id="63" name="Rectangle 62"/>
+          <p:cNvSpPr/>
+          <p:nvPr/>
+        </p:nvSpPr>
+        <p:spPr bwMode="auto">
+          <a:xfrm>
+            <a:off x="5283849" y="3023648"/>
+            <a:ext cx="600474" cy="430306"/>
+          </a:xfrm>
+          <a:prstGeom prst="rect">
+            <a:avLst/>
+          </a:prstGeom>
+          <a:noFill/>
+          <a:ln w="19050">
+            <a:solidFill>
+              <a:schemeClr val="accent4"/>
+            </a:solidFill>
+            <a:headEnd type="none" w="med" len="med"/>
+            <a:tailEnd type="none" w="med" len="med"/>
+          </a:ln>
+          <a:effectLst/>
+        </p:spPr>
+        <p:style>
+          <a:lnRef idx="1">
+            <a:schemeClr val="accent2"/>
+          </a:lnRef>
+          <a:fillRef idx="3">
+            <a:schemeClr val="accent2"/>
+          </a:fillRef>
+          <a:effectRef idx="2">
+            <a:schemeClr val="accent2"/>
+          </a:effectRef>
+          <a:fontRef idx="minor">
+            <a:schemeClr val="lt1"/>
+          </a:fontRef>
+        </p:style>
+        <p:txBody>
+          <a:bodyPr vert="horz" wrap="none" lIns="91436" tIns="45718" rIns="91436" bIns="45718" numCol="1" rtlCol="0" anchor="ctr" anchorCtr="0" compatLnSpc="1">
+            <a:prstTxWarp prst="textNoShape">
+              <a:avLst/>
+            </a:prstTxWarp>
+          </a:bodyPr>
+          <a:lstStyle/>
+          <a:p>
+            <a:pPr algn="ctr" defTabSz="914099" fontAlgn="base">
+              <a:spcBef>
+                <a:spcPct val="0"/>
+              </a:spcBef>
+              <a:spcAft>
+                <a:spcPct val="0"/>
+              </a:spcAft>
+            </a:pPr>
+            <a:r>
+              <a:rPr lang="en-US" sz="1600" dirty="0">
+                <a:solidFill>
+                  <a:schemeClr val="accent4"/>
+                </a:solidFill>
+              </a:rPr>
+              <a:t>D14</a:t>
+            </a:r>
+          </a:p>
+        </p:txBody>
+      </p:sp>
+      <p:sp>
+        <p:nvSpPr>
+          <p:cNvPr id="73" name="TextBox 72"/>
+          <p:cNvSpPr txBox="1"/>
+          <p:nvPr/>
+        </p:nvSpPr>
+        <p:spPr>
+          <a:xfrm>
+            <a:off x="9414995" y="2261401"/>
+            <a:ext cx="1829027" cy="221599"/>
+          </a:xfrm>
+          <a:prstGeom prst="rect">
+            <a:avLst/>
+          </a:prstGeom>
+          <a:noFill/>
+        </p:spPr>
+        <p:txBody>
+          <a:bodyPr wrap="none" lIns="0" tIns="0" rIns="0" bIns="0" rtlCol="0">
+            <a:spAutoFit/>
+          </a:bodyPr>
+          <a:lstStyle/>
+          <a:p>
+            <a:pPr>
+              <a:lnSpc>
+                <a:spcPct val="90000"/>
+              </a:lnSpc>
+              <a:spcBef>
+                <a:spcPct val="20000"/>
+              </a:spcBef>
+              <a:buSzPct val="80000"/>
+            </a:pPr>
+            <a:r>
+              <a:rPr lang="en-US" sz="1600" dirty="0" smtClean="0">
+                <a:gradFill>
+                  <a:gsLst>
+                    <a:gs pos="0">
+                      <a:srgbClr val="292929">
+                        <a:lumMod val="90000"/>
+                        <a:lumOff val="10000"/>
+                      </a:srgbClr>
+                    </a:gs>
+                    <a:gs pos="86000">
+                      <a:srgbClr val="292929">
+                        <a:lumMod val="90000"/>
+                        <a:lumOff val="10000"/>
+                      </a:srgbClr>
+                    </a:gs>
+                  </a:gsLst>
+                  <a:lin ang="5400000" scaled="0"/>
+                </a:gradFill>
+              </a:rPr>
+              <a:t>NVIDIA M60 x 1/2/4</a:t>
+            </a:r>
+            <a:endParaRPr lang="en-US" sz="1600" dirty="0">
+              <a:gradFill>
+                <a:gsLst>
+                  <a:gs pos="0">
+                    <a:srgbClr val="292929">
+                      <a:lumMod val="90000"/>
+                      <a:lumOff val="10000"/>
+                    </a:srgbClr>
+                  </a:gs>
+                  <a:gs pos="86000">
+                    <a:srgbClr val="292929">
+                      <a:lumMod val="90000"/>
+                      <a:lumOff val="10000"/>
+                    </a:srgbClr>
+                  </a:gs>
+                </a:gsLst>
+                <a:lin ang="5400000" scaled="0"/>
+              </a:gradFill>
+            </a:endParaRPr>
+          </a:p>
+        </p:txBody>
+      </p:sp>
+      <p:sp>
+        <p:nvSpPr>
+          <p:cNvPr id="74" name="TextBox 73"/>
+          <p:cNvSpPr txBox="1"/>
+          <p:nvPr/>
+        </p:nvSpPr>
+        <p:spPr>
+          <a:xfrm>
+            <a:off x="9414995" y="3347772"/>
+            <a:ext cx="1763303" cy="221599"/>
+          </a:xfrm>
+          <a:prstGeom prst="rect">
+            <a:avLst/>
+          </a:prstGeom>
+          <a:noFill/>
+        </p:spPr>
+        <p:txBody>
+          <a:bodyPr wrap="none" lIns="0" tIns="0" rIns="0" bIns="0" rtlCol="0">
+            <a:spAutoFit/>
+          </a:bodyPr>
+          <a:lstStyle/>
+          <a:p>
+            <a:pPr>
+              <a:lnSpc>
+                <a:spcPct val="90000"/>
+              </a:lnSpc>
+              <a:spcBef>
+                <a:spcPct val="20000"/>
+              </a:spcBef>
+              <a:buSzPct val="80000"/>
+            </a:pPr>
+            <a:r>
+              <a:rPr lang="en-US" sz="1600" dirty="0" smtClean="0">
+                <a:gradFill>
+                  <a:gsLst>
+                    <a:gs pos="0">
+                      <a:srgbClr val="292929">
+                        <a:lumMod val="90000"/>
+                        <a:lumOff val="10000"/>
+                      </a:srgbClr>
+                    </a:gs>
+                    <a:gs pos="86000">
+                      <a:srgbClr val="292929">
+                        <a:lumMod val="90000"/>
+                        <a:lumOff val="10000"/>
+                      </a:srgbClr>
+                    </a:gs>
+                  </a:gsLst>
+                  <a:lin ang="5400000" scaled="0"/>
+                </a:gradFill>
+              </a:rPr>
+              <a:t>NVIDIA K80 x 1/2/4</a:t>
+            </a:r>
+            <a:endParaRPr lang="en-US" sz="1600" dirty="0">
+              <a:gradFill>
+                <a:gsLst>
+                  <a:gs pos="0">
+                    <a:srgbClr val="292929">
+                      <a:lumMod val="90000"/>
+                      <a:lumOff val="10000"/>
+                    </a:srgbClr>
+                  </a:gs>
+                  <a:gs pos="86000">
+                    <a:srgbClr val="292929">
+                      <a:lumMod val="90000"/>
+                      <a:lumOff val="10000"/>
+                    </a:srgbClr>
+                  </a:gs>
+                </a:gsLst>
+                <a:lin ang="5400000" scaled="0"/>
+              </a:gradFill>
+            </a:endParaRPr>
+          </a:p>
+        </p:txBody>
+      </p:sp>
+      <p:sp>
+        <p:nvSpPr>
+          <p:cNvPr id="75" name="TextBox 74"/>
+          <p:cNvSpPr txBox="1"/>
+          <p:nvPr/>
+        </p:nvSpPr>
+        <p:spPr>
+          <a:xfrm>
+            <a:off x="286632" y="3690505"/>
+            <a:ext cx="1710789" cy="221599"/>
+          </a:xfrm>
+          <a:prstGeom prst="rect">
+            <a:avLst/>
+          </a:prstGeom>
+          <a:noFill/>
+        </p:spPr>
+        <p:txBody>
+          <a:bodyPr wrap="none" lIns="0" tIns="0" rIns="0" bIns="0" rtlCol="0">
+            <a:spAutoFit/>
+          </a:bodyPr>
+          <a:lstStyle/>
+          <a:p>
+            <a:pPr>
+              <a:lnSpc>
+                <a:spcPct val="90000"/>
+              </a:lnSpc>
+              <a:spcBef>
+                <a:spcPct val="20000"/>
+              </a:spcBef>
+              <a:buSzPct val="80000"/>
+            </a:pPr>
+            <a:r>
+              <a:rPr lang="en-US" sz="1600" dirty="0" smtClean="0">
+                <a:gradFill>
+                  <a:gsLst>
+                    <a:gs pos="0">
+                      <a:srgbClr val="292929">
+                        <a:lumMod val="90000"/>
+                        <a:lumOff val="10000"/>
+                      </a:srgbClr>
+                    </a:gs>
+                    <a:gs pos="86000">
+                      <a:srgbClr val="292929">
+                        <a:lumMod val="90000"/>
+                        <a:lumOff val="10000"/>
+                      </a:srgbClr>
+                    </a:gs>
+                  </a:gsLst>
+                  <a:lin ang="5400000" scaled="0"/>
+                </a:gradFill>
+              </a:rPr>
+              <a:t>Compute-intensive</a:t>
+            </a:r>
+            <a:endParaRPr lang="en-US" sz="1600" dirty="0">
+              <a:gradFill>
+                <a:gsLst>
+                  <a:gs pos="0">
+                    <a:srgbClr val="292929">
+                      <a:lumMod val="90000"/>
+                      <a:lumOff val="10000"/>
+                    </a:srgbClr>
+                  </a:gs>
+                  <a:gs pos="86000">
+                    <a:srgbClr val="292929">
+                      <a:lumMod val="90000"/>
+                      <a:lumOff val="10000"/>
+                    </a:srgbClr>
+                  </a:gs>
+                </a:gsLst>
+                <a:lin ang="5400000" scaled="0"/>
+              </a:gradFill>
+            </a:endParaRPr>
+          </a:p>
+        </p:txBody>
+      </p:sp>
+      <p:sp>
+        <p:nvSpPr>
+          <p:cNvPr id="76" name="Rectangle 75"/>
+          <p:cNvSpPr/>
+          <p:nvPr/>
+        </p:nvSpPr>
+        <p:spPr bwMode="auto">
+          <a:xfrm>
+            <a:off x="6399558" y="5357837"/>
+            <a:ext cx="600473" cy="430306"/>
           </a:xfrm>
           <a:prstGeom prst="rect">
             <a:avLst/>
@@ -14055,7 +14758,7 @@
           </a:fontRef>
         </p:style>
         <p:txBody>
-          <a:bodyPr vert="horz" wrap="square" lIns="91436" tIns="45718" rIns="91436" bIns="45718" numCol="1" rtlCol="0" anchor="ctr" anchorCtr="0" compatLnSpc="1">
+          <a:bodyPr vert="horz" wrap="none" lIns="91436" tIns="45718" rIns="91436" bIns="45718" numCol="1" rtlCol="0" anchor="ctr" anchorCtr="0" compatLnSpc="1">
             <a:prstTxWarp prst="textNoShape">
               <a:avLst/>
             </a:prstTxWarp>
@@ -14071,7 +14774,7 @@
               </a:spcAft>
             </a:pPr>
             <a:r>
-              <a:rPr lang="en-US" sz="2000" dirty="0">
+              <a:rPr lang="en-US" sz="1600" dirty="0" smtClean="0">
                 <a:gradFill>
                   <a:gsLst>
                     <a:gs pos="0">
@@ -14084,37 +14787,34 @@
                   <a:lin ang="5400000" scaled="0"/>
                 </a:gradFill>
               </a:rPr>
-              <a:t>G</a:t>
-            </a:r>
-            <a:r>
-              <a:rPr lang="en-US" sz="2000" dirty="0" smtClean="0">
-                <a:gradFill>
-                  <a:gsLst>
-                    <a:gs pos="0">
-                      <a:srgbClr val="FFFFFF"/>
-                    </a:gs>
-                    <a:gs pos="100000">
-                      <a:srgbClr val="FFFFFF"/>
-                    </a:gs>
-                  </a:gsLst>
-                  <a:lin ang="5400000" scaled="0"/>
-                </a:gradFill>
-              </a:rPr>
-              <a:t>1</a:t>
-            </a:r>
+              <a:t>H8</a:t>
+            </a:r>
+            <a:endParaRPr lang="en-US" sz="1600" dirty="0">
+              <a:gradFill>
+                <a:gsLst>
+                  <a:gs pos="0">
+                    <a:srgbClr val="FFFFFF"/>
+                  </a:gs>
+                  <a:gs pos="100000">
+                    <a:srgbClr val="FFFFFF"/>
+                  </a:gs>
+                </a:gsLst>
+                <a:lin ang="5400000" scaled="0"/>
+              </a:gradFill>
+            </a:endParaRPr>
           </a:p>
         </p:txBody>
       </p:sp>
       <p:sp>
         <p:nvSpPr>
-          <p:cNvPr id="61" name="Rectangle 60"/>
+          <p:cNvPr id="77" name="Rectangle 76"/>
           <p:cNvSpPr/>
           <p:nvPr/>
         </p:nvSpPr>
         <p:spPr bwMode="auto">
           <a:xfrm>
-            <a:off x="9255799" y="4255237"/>
-            <a:ext cx="710005" cy="430306"/>
+            <a:off x="7052739" y="5357837"/>
+            <a:ext cx="600474" cy="430306"/>
           </a:xfrm>
           <a:prstGeom prst="rect">
             <a:avLst/>
@@ -14144,7 +14844,7 @@
           </a:fontRef>
         </p:style>
         <p:txBody>
-          <a:bodyPr vert="horz" wrap="square" lIns="91436" tIns="45718" rIns="91436" bIns="45718" numCol="1" rtlCol="0" anchor="ctr" anchorCtr="0" compatLnSpc="1">
+          <a:bodyPr vert="horz" wrap="none" lIns="91436" tIns="45718" rIns="91436" bIns="45718" numCol="1" rtlCol="0" anchor="ctr" anchorCtr="0" compatLnSpc="1">
             <a:prstTxWarp prst="textNoShape">
               <a:avLst/>
             </a:prstTxWarp>
@@ -14160,7 +14860,7 @@
               </a:spcAft>
             </a:pPr>
             <a:r>
-              <a:rPr lang="en-US" sz="2000" dirty="0">
+              <a:rPr lang="en-US" sz="1600" dirty="0" smtClean="0">
                 <a:gradFill>
                   <a:gsLst>
                     <a:gs pos="0">
@@ -14173,37 +14873,34 @@
                   <a:lin ang="5400000" scaled="0"/>
                 </a:gradFill>
               </a:rPr>
-              <a:t>G</a:t>
-            </a:r>
-            <a:r>
-              <a:rPr lang="en-US" sz="2000" dirty="0" smtClean="0">
-                <a:gradFill>
-                  <a:gsLst>
-                    <a:gs pos="0">
-                      <a:srgbClr val="FFFFFF"/>
-                    </a:gs>
-                    <a:gs pos="100000">
-                      <a:srgbClr val="FFFFFF"/>
-                    </a:gs>
-                  </a:gsLst>
-                  <a:lin ang="5400000" scaled="0"/>
-                </a:gradFill>
-              </a:rPr>
-              <a:t>2</a:t>
-            </a:r>
+              <a:t>H16</a:t>
+            </a:r>
+            <a:endParaRPr lang="en-US" sz="1600" dirty="0">
+              <a:gradFill>
+                <a:gsLst>
+                  <a:gs pos="0">
+                    <a:srgbClr val="FFFFFF"/>
+                  </a:gs>
+                  <a:gs pos="100000">
+                    <a:srgbClr val="FFFFFF"/>
+                  </a:gs>
+                </a:gsLst>
+                <a:lin ang="5400000" scaled="0"/>
+              </a:gradFill>
+            </a:endParaRPr>
           </a:p>
         </p:txBody>
       </p:sp>
       <p:sp>
         <p:nvSpPr>
-          <p:cNvPr id="62" name="Rectangle 61"/>
+          <p:cNvPr id="78" name="Rectangle 77"/>
           <p:cNvSpPr/>
           <p:nvPr/>
         </p:nvSpPr>
         <p:spPr bwMode="auto">
           <a:xfrm>
-            <a:off x="10069438" y="4255237"/>
-            <a:ext cx="710005" cy="430306"/>
+            <a:off x="7705920" y="5357837"/>
+            <a:ext cx="600474" cy="430306"/>
           </a:xfrm>
           <a:prstGeom prst="rect">
             <a:avLst/>
@@ -14233,7 +14930,7 @@
           </a:fontRef>
         </p:style>
         <p:txBody>
-          <a:bodyPr vert="horz" wrap="square" lIns="91436" tIns="45718" rIns="91436" bIns="45718" numCol="1" rtlCol="0" anchor="ctr" anchorCtr="0" compatLnSpc="1">
+          <a:bodyPr vert="horz" wrap="none" lIns="91436" tIns="45718" rIns="91436" bIns="45718" numCol="1" rtlCol="0" anchor="ctr" anchorCtr="0" compatLnSpc="1">
             <a:prstTxWarp prst="textNoShape">
               <a:avLst/>
             </a:prstTxWarp>
@@ -14249,7 +14946,7 @@
               </a:spcAft>
             </a:pPr>
             <a:r>
-              <a:rPr lang="en-US" sz="2000" dirty="0">
+              <a:rPr lang="en-US" sz="1600" dirty="0" smtClean="0">
                 <a:gradFill>
                   <a:gsLst>
                     <a:gs pos="0">
@@ -14262,37 +14959,34 @@
                   <a:lin ang="5400000" scaled="0"/>
                 </a:gradFill>
               </a:rPr>
-              <a:t>G</a:t>
-            </a:r>
-            <a:r>
-              <a:rPr lang="en-US" sz="2000" dirty="0" smtClean="0">
-                <a:gradFill>
-                  <a:gsLst>
-                    <a:gs pos="0">
-                      <a:srgbClr val="FFFFFF"/>
-                    </a:gs>
-                    <a:gs pos="100000">
-                      <a:srgbClr val="FFFFFF"/>
-                    </a:gs>
-                  </a:gsLst>
-                  <a:lin ang="5400000" scaled="0"/>
-                </a:gradFill>
-              </a:rPr>
-              <a:t>3</a:t>
-            </a:r>
+              <a:t>H8m</a:t>
+            </a:r>
+            <a:endParaRPr lang="en-US" sz="1600" dirty="0">
+              <a:gradFill>
+                <a:gsLst>
+                  <a:gs pos="0">
+                    <a:srgbClr val="FFFFFF"/>
+                  </a:gs>
+                  <a:gs pos="100000">
+                    <a:srgbClr val="FFFFFF"/>
+                  </a:gs>
+                </a:gsLst>
+                <a:lin ang="5400000" scaled="0"/>
+              </a:gradFill>
+            </a:endParaRPr>
           </a:p>
         </p:txBody>
       </p:sp>
       <p:sp>
         <p:nvSpPr>
-          <p:cNvPr id="63" name="Rectangle 62"/>
+          <p:cNvPr id="79" name="Rectangle 78"/>
           <p:cNvSpPr/>
           <p:nvPr/>
         </p:nvSpPr>
         <p:spPr bwMode="auto">
           <a:xfrm>
-            <a:off x="10883077" y="4255237"/>
-            <a:ext cx="710005" cy="430306"/>
+            <a:off x="8359100" y="5357837"/>
+            <a:ext cx="604425" cy="430306"/>
           </a:xfrm>
           <a:prstGeom prst="rect">
             <a:avLst/>
@@ -14322,7 +15016,7 @@
           </a:fontRef>
         </p:style>
         <p:txBody>
-          <a:bodyPr vert="horz" wrap="square" lIns="91436" tIns="45718" rIns="91436" bIns="45718" numCol="1" rtlCol="0" anchor="ctr" anchorCtr="0" compatLnSpc="1">
+          <a:bodyPr vert="horz" wrap="none" lIns="91436" tIns="45718" rIns="91436" bIns="45718" numCol="1" rtlCol="0" anchor="ctr" anchorCtr="0" compatLnSpc="1">
             <a:prstTxWarp prst="textNoShape">
               <a:avLst/>
             </a:prstTxWarp>
@@ -14338,7 +15032,7 @@
               </a:spcAft>
             </a:pPr>
             <a:r>
-              <a:rPr lang="en-US" sz="2000" dirty="0">
+              <a:rPr lang="en-US" sz="1600" dirty="0" smtClean="0">
                 <a:gradFill>
                   <a:gsLst>
                     <a:gs pos="0">
@@ -14351,37 +15045,34 @@
                   <a:lin ang="5400000" scaled="0"/>
                 </a:gradFill>
               </a:rPr>
-              <a:t>G</a:t>
-            </a:r>
-            <a:r>
-              <a:rPr lang="en-US" sz="2000" dirty="0" smtClean="0">
-                <a:gradFill>
-                  <a:gsLst>
-                    <a:gs pos="0">
-                      <a:srgbClr val="FFFFFF"/>
-                    </a:gs>
-                    <a:gs pos="100000">
-                      <a:srgbClr val="FFFFFF"/>
-                    </a:gs>
-                  </a:gsLst>
-                  <a:lin ang="5400000" scaled="0"/>
-                </a:gradFill>
-              </a:rPr>
-              <a:t>4</a:t>
-            </a:r>
+              <a:t>H16m</a:t>
+            </a:r>
+            <a:endParaRPr lang="en-US" sz="1600" dirty="0">
+              <a:gradFill>
+                <a:gsLst>
+                  <a:gs pos="0">
+                    <a:srgbClr val="FFFFFF"/>
+                  </a:gs>
+                  <a:gs pos="100000">
+                    <a:srgbClr val="FFFFFF"/>
+                  </a:gs>
+                </a:gsLst>
+                <a:lin ang="5400000" scaled="0"/>
+              </a:gradFill>
+            </a:endParaRPr>
           </a:p>
         </p:txBody>
       </p:sp>
       <p:sp>
         <p:nvSpPr>
-          <p:cNvPr id="64" name="Rectangle 63"/>
+          <p:cNvPr id="80" name="Rectangle 79"/>
           <p:cNvSpPr/>
           <p:nvPr/>
         </p:nvSpPr>
         <p:spPr bwMode="auto">
           <a:xfrm>
-            <a:off x="8438991" y="4801775"/>
-            <a:ext cx="710005" cy="430306"/>
+            <a:off x="6399557" y="5872844"/>
+            <a:ext cx="1253655" cy="430306"/>
           </a:xfrm>
           <a:prstGeom prst="rect">
             <a:avLst/>
@@ -14411,7 +15102,7 @@
           </a:fontRef>
         </p:style>
         <p:txBody>
-          <a:bodyPr vert="horz" wrap="square" lIns="91436" tIns="45718" rIns="91436" bIns="45718" numCol="1" rtlCol="0" anchor="ctr" anchorCtr="0" compatLnSpc="1">
+          <a:bodyPr vert="horz" wrap="none" lIns="91436" tIns="45718" rIns="91436" bIns="45718" numCol="1" rtlCol="0" anchor="ctr" anchorCtr="0" compatLnSpc="1">
             <a:prstTxWarp prst="textNoShape">
               <a:avLst/>
             </a:prstTxWarp>
@@ -14427,7 +15118,7 @@
               </a:spcAft>
             </a:pPr>
             <a:r>
-              <a:rPr lang="en-US" sz="2000" dirty="0" smtClean="0">
+              <a:rPr lang="en-US" sz="1600" dirty="0" smtClean="0">
                 <a:gradFill>
                   <a:gsLst>
                     <a:gs pos="0">
@@ -14440,27 +15131,2719 @@
                   <a:lin ang="5400000" scaled="0"/>
                 </a:gradFill>
               </a:rPr>
-              <a:t>G5</a:t>
-            </a:r>
+              <a:t>H16r</a:t>
+            </a:r>
+            <a:endParaRPr lang="en-US" sz="1600" dirty="0">
+              <a:gradFill>
+                <a:gsLst>
+                  <a:gs pos="0">
+                    <a:srgbClr val="FFFFFF"/>
+                  </a:gs>
+                  <a:gs pos="100000">
+                    <a:srgbClr val="FFFFFF"/>
+                  </a:gs>
+                </a:gsLst>
+                <a:lin ang="5400000" scaled="0"/>
+              </a:gradFill>
+            </a:endParaRPr>
           </a:p>
         </p:txBody>
       </p:sp>
       <p:sp>
         <p:nvSpPr>
-          <p:cNvPr id="68" name="Rectangle 67"/>
+          <p:cNvPr id="81" name="Rectangle 80"/>
           <p:cNvSpPr/>
           <p:nvPr/>
         </p:nvSpPr>
         <p:spPr bwMode="auto">
           <a:xfrm>
-            <a:off x="4374998" y="5348313"/>
-            <a:ext cx="710005" cy="430306"/>
+            <a:off x="7709049" y="5872844"/>
+            <a:ext cx="1254477" cy="430306"/>
+          </a:xfrm>
+          <a:prstGeom prst="rect">
+            <a:avLst/>
+          </a:prstGeom>
+          <a:solidFill>
+            <a:schemeClr val="accent1"/>
+          </a:solidFill>
+          <a:ln>
+            <a:noFill/>
+            <a:headEnd type="none" w="med" len="med"/>
+            <a:tailEnd type="none" w="med" len="med"/>
+          </a:ln>
+          <a:effectLst/>
+        </p:spPr>
+        <p:style>
+          <a:lnRef idx="1">
+            <a:schemeClr val="accent2"/>
+          </a:lnRef>
+          <a:fillRef idx="3">
+            <a:schemeClr val="accent2"/>
+          </a:fillRef>
+          <a:effectRef idx="2">
+            <a:schemeClr val="accent2"/>
+          </a:effectRef>
+          <a:fontRef idx="minor">
+            <a:schemeClr val="lt1"/>
+          </a:fontRef>
+        </p:style>
+        <p:txBody>
+          <a:bodyPr vert="horz" wrap="none" lIns="91436" tIns="45718" rIns="91436" bIns="45718" numCol="1" rtlCol="0" anchor="ctr" anchorCtr="0" compatLnSpc="1">
+            <a:prstTxWarp prst="textNoShape">
+              <a:avLst/>
+            </a:prstTxWarp>
+          </a:bodyPr>
+          <a:lstStyle/>
+          <a:p>
+            <a:pPr algn="ctr" defTabSz="914099" fontAlgn="base">
+              <a:spcBef>
+                <a:spcPct val="0"/>
+              </a:spcBef>
+              <a:spcAft>
+                <a:spcPct val="0"/>
+              </a:spcAft>
+            </a:pPr>
+            <a:r>
+              <a:rPr lang="en-US" sz="1600" dirty="0" smtClean="0">
+                <a:gradFill>
+                  <a:gsLst>
+                    <a:gs pos="0">
+                      <a:srgbClr val="FFFFFF"/>
+                    </a:gs>
+                    <a:gs pos="100000">
+                      <a:srgbClr val="FFFFFF"/>
+                    </a:gs>
+                  </a:gsLst>
+                  <a:lin ang="5400000" scaled="0"/>
+                </a:gradFill>
+              </a:rPr>
+              <a:t>H16mr</a:t>
+            </a:r>
+            <a:endParaRPr lang="en-US" sz="1600" dirty="0">
+              <a:gradFill>
+                <a:gsLst>
+                  <a:gs pos="0">
+                    <a:srgbClr val="FFFFFF"/>
+                  </a:gs>
+                  <a:gs pos="100000">
+                    <a:srgbClr val="FFFFFF"/>
+                  </a:gs>
+                </a:gsLst>
+                <a:lin ang="5400000" scaled="0"/>
+              </a:gradFill>
+            </a:endParaRPr>
+          </a:p>
+        </p:txBody>
+      </p:sp>
+      <p:sp>
+        <p:nvSpPr>
+          <p:cNvPr id="84" name="TextBox 83"/>
+          <p:cNvSpPr txBox="1"/>
+          <p:nvPr/>
+        </p:nvSpPr>
+        <p:spPr>
+          <a:xfrm>
+            <a:off x="3324306" y="2261401"/>
+            <a:ext cx="2238883" cy="221599"/>
+          </a:xfrm>
+          <a:prstGeom prst="rect">
+            <a:avLst/>
+          </a:prstGeom>
+          <a:noFill/>
+        </p:spPr>
+        <p:txBody>
+          <a:bodyPr wrap="none" lIns="0" tIns="0" rIns="0" bIns="0" rtlCol="0">
+            <a:spAutoFit/>
+          </a:bodyPr>
+          <a:lstStyle/>
+          <a:p>
+            <a:pPr>
+              <a:lnSpc>
+                <a:spcPct val="90000"/>
+              </a:lnSpc>
+              <a:spcBef>
+                <a:spcPct val="20000"/>
+              </a:spcBef>
+              <a:buSzPct val="80000"/>
+            </a:pPr>
+            <a:r>
+              <a:rPr lang="en-US" sz="1600" dirty="0" smtClean="0">
+                <a:gradFill>
+                  <a:gsLst>
+                    <a:gs pos="0">
+                      <a:srgbClr val="292929">
+                        <a:lumMod val="90000"/>
+                        <a:lumOff val="10000"/>
+                      </a:srgbClr>
+                    </a:gs>
+                    <a:gs pos="86000">
+                      <a:srgbClr val="292929">
+                        <a:lumMod val="90000"/>
+                        <a:lumOff val="10000"/>
+                      </a:srgbClr>
+                    </a:gs>
+                  </a:gsLst>
+                  <a:lin ang="5400000" scaled="0"/>
+                </a:gradFill>
+              </a:rPr>
+              <a:t>Also available in DS sizes</a:t>
+            </a:r>
+            <a:endParaRPr lang="en-US" sz="1600" dirty="0">
+              <a:gradFill>
+                <a:gsLst>
+                  <a:gs pos="0">
+                    <a:srgbClr val="292929">
+                      <a:lumMod val="90000"/>
+                      <a:lumOff val="10000"/>
+                    </a:srgbClr>
+                  </a:gs>
+                  <a:gs pos="86000">
+                    <a:srgbClr val="292929">
+                      <a:lumMod val="90000"/>
+                      <a:lumOff val="10000"/>
+                    </a:srgbClr>
+                  </a:gs>
+                </a:gsLst>
+                <a:lin ang="5400000" scaled="0"/>
+              </a:gradFill>
+            </a:endParaRPr>
+          </a:p>
+        </p:txBody>
+      </p:sp>
+      <p:sp>
+        <p:nvSpPr>
+          <p:cNvPr id="85" name="Rectangle 84"/>
+          <p:cNvSpPr/>
+          <p:nvPr/>
+        </p:nvSpPr>
+        <p:spPr bwMode="auto">
+          <a:xfrm>
+            <a:off x="3324305" y="5357837"/>
+            <a:ext cx="1239428" cy="430306"/>
           </a:xfrm>
           <a:prstGeom prst="rect">
             <a:avLst/>
           </a:prstGeom>
           <a:solidFill>
             <a:schemeClr val="accent4"/>
+          </a:solidFill>
+          <a:ln w="19050">
+            <a:noFill/>
+            <a:headEnd type="none" w="med" len="med"/>
+            <a:tailEnd type="none" w="med" len="med"/>
+          </a:ln>
+          <a:effectLst/>
+        </p:spPr>
+        <p:style>
+          <a:lnRef idx="1">
+            <a:schemeClr val="accent2"/>
+          </a:lnRef>
+          <a:fillRef idx="3">
+            <a:schemeClr val="accent2"/>
+          </a:fillRef>
+          <a:effectRef idx="2">
+            <a:schemeClr val="accent2"/>
+          </a:effectRef>
+          <a:fontRef idx="minor">
+            <a:schemeClr val="lt1"/>
+          </a:fontRef>
+        </p:style>
+        <p:txBody>
+          <a:bodyPr vert="horz" wrap="none" lIns="91436" tIns="45718" rIns="91436" bIns="45718" numCol="1" rtlCol="0" anchor="ctr" anchorCtr="0" compatLnSpc="1">
+            <a:prstTxWarp prst="textNoShape">
+              <a:avLst/>
+            </a:prstTxWarp>
+          </a:bodyPr>
+          <a:lstStyle/>
+          <a:p>
+            <a:pPr algn="ctr" defTabSz="914099" fontAlgn="base">
+              <a:spcBef>
+                <a:spcPct val="0"/>
+              </a:spcBef>
+              <a:spcAft>
+                <a:spcPct val="0"/>
+              </a:spcAft>
+            </a:pPr>
+            <a:r>
+              <a:rPr lang="en-US" sz="1600" dirty="0" smtClean="0">
+                <a:solidFill>
+                  <a:schemeClr val="bg1"/>
+                </a:solidFill>
+              </a:rPr>
+              <a:t>D15v2</a:t>
+            </a:r>
+            <a:endParaRPr lang="en-US" sz="1600" dirty="0">
+              <a:solidFill>
+                <a:schemeClr val="bg1"/>
+              </a:solidFill>
+            </a:endParaRPr>
+          </a:p>
+        </p:txBody>
+      </p:sp>
+      <p:sp>
+        <p:nvSpPr>
+          <p:cNvPr id="96" name="Rectangle 95"/>
+          <p:cNvSpPr/>
+          <p:nvPr/>
+        </p:nvSpPr>
+        <p:spPr bwMode="auto">
+          <a:xfrm>
+            <a:off x="9420456" y="2504254"/>
+            <a:ext cx="813307" cy="430306"/>
+          </a:xfrm>
+          <a:prstGeom prst="rect">
+            <a:avLst/>
+          </a:prstGeom>
+          <a:solidFill>
+            <a:srgbClr val="00B0F0"/>
+          </a:solidFill>
+          <a:ln>
+            <a:noFill/>
+            <a:headEnd type="none" w="med" len="med"/>
+            <a:tailEnd type="none" w="med" len="med"/>
+          </a:ln>
+          <a:effectLst/>
+        </p:spPr>
+        <p:style>
+          <a:lnRef idx="1">
+            <a:schemeClr val="accent2"/>
+          </a:lnRef>
+          <a:fillRef idx="3">
+            <a:schemeClr val="accent2"/>
+          </a:fillRef>
+          <a:effectRef idx="2">
+            <a:schemeClr val="accent2"/>
+          </a:effectRef>
+          <a:fontRef idx="minor">
+            <a:schemeClr val="lt1"/>
+          </a:fontRef>
+        </p:style>
+        <p:txBody>
+          <a:bodyPr vert="horz" wrap="none" lIns="91436" tIns="45718" rIns="91436" bIns="45718" numCol="1" rtlCol="0" anchor="ctr" anchorCtr="0" compatLnSpc="1">
+            <a:prstTxWarp prst="textNoShape">
+              <a:avLst/>
+            </a:prstTxWarp>
+          </a:bodyPr>
+          <a:lstStyle/>
+          <a:p>
+            <a:pPr algn="ctr" defTabSz="914099" fontAlgn="base">
+              <a:spcBef>
+                <a:spcPct val="0"/>
+              </a:spcBef>
+              <a:spcAft>
+                <a:spcPct val="0"/>
+              </a:spcAft>
+            </a:pPr>
+            <a:r>
+              <a:rPr lang="en-US" sz="1600" dirty="0" smtClean="0">
+                <a:gradFill>
+                  <a:gsLst>
+                    <a:gs pos="0">
+                      <a:srgbClr val="FFFFFF"/>
+                    </a:gs>
+                    <a:gs pos="100000">
+                      <a:srgbClr val="FFFFFF"/>
+                    </a:gs>
+                  </a:gsLst>
+                  <a:lin ang="5400000" scaled="0"/>
+                </a:gradFill>
+              </a:rPr>
+              <a:t>NV6</a:t>
+            </a:r>
+            <a:endParaRPr lang="en-US" sz="1600" dirty="0">
+              <a:gradFill>
+                <a:gsLst>
+                  <a:gs pos="0">
+                    <a:srgbClr val="FFFFFF"/>
+                  </a:gs>
+                  <a:gs pos="100000">
+                    <a:srgbClr val="FFFFFF"/>
+                  </a:gs>
+                </a:gsLst>
+                <a:lin ang="5400000" scaled="0"/>
+              </a:gradFill>
+            </a:endParaRPr>
+          </a:p>
+        </p:txBody>
+      </p:sp>
+      <p:sp>
+        <p:nvSpPr>
+          <p:cNvPr id="97" name="Rectangle 96"/>
+          <p:cNvSpPr/>
+          <p:nvPr/>
+        </p:nvSpPr>
+        <p:spPr bwMode="auto">
+          <a:xfrm>
+            <a:off x="10293920" y="2504254"/>
+            <a:ext cx="813307" cy="430306"/>
+          </a:xfrm>
+          <a:prstGeom prst="rect">
+            <a:avLst/>
+          </a:prstGeom>
+          <a:solidFill>
+            <a:srgbClr val="00B0F0"/>
+          </a:solidFill>
+          <a:ln>
+            <a:noFill/>
+            <a:headEnd type="none" w="med" len="med"/>
+            <a:tailEnd type="none" w="med" len="med"/>
+          </a:ln>
+          <a:effectLst/>
+        </p:spPr>
+        <p:style>
+          <a:lnRef idx="1">
+            <a:schemeClr val="accent2"/>
+          </a:lnRef>
+          <a:fillRef idx="3">
+            <a:schemeClr val="accent2"/>
+          </a:fillRef>
+          <a:effectRef idx="2">
+            <a:schemeClr val="accent2"/>
+          </a:effectRef>
+          <a:fontRef idx="minor">
+            <a:schemeClr val="lt1"/>
+          </a:fontRef>
+        </p:style>
+        <p:txBody>
+          <a:bodyPr vert="horz" wrap="none" lIns="91436" tIns="45718" rIns="91436" bIns="45718" numCol="1" rtlCol="0" anchor="ctr" anchorCtr="0" compatLnSpc="1">
+            <a:prstTxWarp prst="textNoShape">
+              <a:avLst/>
+            </a:prstTxWarp>
+          </a:bodyPr>
+          <a:lstStyle/>
+          <a:p>
+            <a:pPr algn="ctr" defTabSz="914099" fontAlgn="base">
+              <a:spcBef>
+                <a:spcPct val="0"/>
+              </a:spcBef>
+              <a:spcAft>
+                <a:spcPct val="0"/>
+              </a:spcAft>
+            </a:pPr>
+            <a:r>
+              <a:rPr lang="en-US" sz="1600" dirty="0" smtClean="0">
+                <a:gradFill>
+                  <a:gsLst>
+                    <a:gs pos="0">
+                      <a:srgbClr val="FFFFFF"/>
+                    </a:gs>
+                    <a:gs pos="100000">
+                      <a:srgbClr val="FFFFFF"/>
+                    </a:gs>
+                  </a:gsLst>
+                  <a:lin ang="5400000" scaled="0"/>
+                </a:gradFill>
+              </a:rPr>
+              <a:t>NV12</a:t>
+            </a:r>
+            <a:endParaRPr lang="en-US" sz="1600" dirty="0">
+              <a:gradFill>
+                <a:gsLst>
+                  <a:gs pos="0">
+                    <a:srgbClr val="FFFFFF"/>
+                  </a:gs>
+                  <a:gs pos="100000">
+                    <a:srgbClr val="FFFFFF"/>
+                  </a:gs>
+                </a:gsLst>
+                <a:lin ang="5400000" scaled="0"/>
+              </a:gradFill>
+            </a:endParaRPr>
+          </a:p>
+        </p:txBody>
+      </p:sp>
+      <p:sp>
+        <p:nvSpPr>
+          <p:cNvPr id="98" name="Rectangle 97"/>
+          <p:cNvSpPr/>
+          <p:nvPr/>
+        </p:nvSpPr>
+        <p:spPr bwMode="auto">
+          <a:xfrm>
+            <a:off x="11167384" y="2504254"/>
+            <a:ext cx="813307" cy="430306"/>
+          </a:xfrm>
+          <a:prstGeom prst="rect">
+            <a:avLst/>
+          </a:prstGeom>
+          <a:solidFill>
+            <a:srgbClr val="00B0F0"/>
+          </a:solidFill>
+          <a:ln>
+            <a:noFill/>
+            <a:headEnd type="none" w="med" len="med"/>
+            <a:tailEnd type="none" w="med" len="med"/>
+          </a:ln>
+          <a:effectLst/>
+        </p:spPr>
+        <p:style>
+          <a:lnRef idx="1">
+            <a:schemeClr val="accent2"/>
+          </a:lnRef>
+          <a:fillRef idx="3">
+            <a:schemeClr val="accent2"/>
+          </a:fillRef>
+          <a:effectRef idx="2">
+            <a:schemeClr val="accent2"/>
+          </a:effectRef>
+          <a:fontRef idx="minor">
+            <a:schemeClr val="lt1"/>
+          </a:fontRef>
+        </p:style>
+        <p:txBody>
+          <a:bodyPr vert="horz" wrap="none" lIns="91436" tIns="45718" rIns="91436" bIns="45718" numCol="1" rtlCol="0" anchor="ctr" anchorCtr="0" compatLnSpc="1">
+            <a:prstTxWarp prst="textNoShape">
+              <a:avLst/>
+            </a:prstTxWarp>
+          </a:bodyPr>
+          <a:lstStyle/>
+          <a:p>
+            <a:pPr algn="ctr" defTabSz="914099" fontAlgn="base">
+              <a:spcBef>
+                <a:spcPct val="0"/>
+              </a:spcBef>
+              <a:spcAft>
+                <a:spcPct val="0"/>
+              </a:spcAft>
+            </a:pPr>
+            <a:r>
+              <a:rPr lang="en-US" sz="1600" dirty="0" smtClean="0">
+                <a:gradFill>
+                  <a:gsLst>
+                    <a:gs pos="0">
+                      <a:srgbClr val="FFFFFF"/>
+                    </a:gs>
+                    <a:gs pos="100000">
+                      <a:srgbClr val="FFFFFF"/>
+                    </a:gs>
+                  </a:gsLst>
+                  <a:lin ang="5400000" scaled="0"/>
+                </a:gradFill>
+              </a:rPr>
+              <a:t>NV24</a:t>
+            </a:r>
+            <a:endParaRPr lang="en-US" sz="1600" dirty="0">
+              <a:gradFill>
+                <a:gsLst>
+                  <a:gs pos="0">
+                    <a:srgbClr val="FFFFFF"/>
+                  </a:gs>
+                  <a:gs pos="100000">
+                    <a:srgbClr val="FFFFFF"/>
+                  </a:gs>
+                </a:gsLst>
+                <a:lin ang="5400000" scaled="0"/>
+              </a:gradFill>
+            </a:endParaRPr>
+          </a:p>
+        </p:txBody>
+      </p:sp>
+      <p:sp>
+        <p:nvSpPr>
+          <p:cNvPr id="99" name="Rectangle 98"/>
+          <p:cNvSpPr/>
+          <p:nvPr/>
+        </p:nvSpPr>
+        <p:spPr bwMode="auto">
+          <a:xfrm>
+            <a:off x="9420456" y="3589128"/>
+            <a:ext cx="813307" cy="430306"/>
+          </a:xfrm>
+          <a:prstGeom prst="rect">
+            <a:avLst/>
+          </a:prstGeom>
+          <a:solidFill>
+            <a:srgbClr val="00B0F0"/>
+          </a:solidFill>
+          <a:ln>
+            <a:noFill/>
+            <a:headEnd type="none" w="med" len="med"/>
+            <a:tailEnd type="none" w="med" len="med"/>
+          </a:ln>
+          <a:effectLst/>
+        </p:spPr>
+        <p:style>
+          <a:lnRef idx="1">
+            <a:schemeClr val="accent2"/>
+          </a:lnRef>
+          <a:fillRef idx="3">
+            <a:schemeClr val="accent2"/>
+          </a:fillRef>
+          <a:effectRef idx="2">
+            <a:schemeClr val="accent2"/>
+          </a:effectRef>
+          <a:fontRef idx="minor">
+            <a:schemeClr val="lt1"/>
+          </a:fontRef>
+        </p:style>
+        <p:txBody>
+          <a:bodyPr vert="horz" wrap="none" lIns="91436" tIns="45718" rIns="91436" bIns="45718" numCol="1" rtlCol="0" anchor="ctr" anchorCtr="0" compatLnSpc="1">
+            <a:prstTxWarp prst="textNoShape">
+              <a:avLst/>
+            </a:prstTxWarp>
+          </a:bodyPr>
+          <a:lstStyle/>
+          <a:p>
+            <a:pPr algn="ctr" defTabSz="914099" fontAlgn="base">
+              <a:spcBef>
+                <a:spcPct val="0"/>
+              </a:spcBef>
+              <a:spcAft>
+                <a:spcPct val="0"/>
+              </a:spcAft>
+            </a:pPr>
+            <a:r>
+              <a:rPr lang="en-US" sz="1600" dirty="0" smtClean="0">
+                <a:gradFill>
+                  <a:gsLst>
+                    <a:gs pos="0">
+                      <a:srgbClr val="FFFFFF"/>
+                    </a:gs>
+                    <a:gs pos="100000">
+                      <a:srgbClr val="FFFFFF"/>
+                    </a:gs>
+                  </a:gsLst>
+                  <a:lin ang="5400000" scaled="0"/>
+                </a:gradFill>
+              </a:rPr>
+              <a:t>NC6</a:t>
+            </a:r>
+            <a:endParaRPr lang="en-US" sz="1600" dirty="0">
+              <a:gradFill>
+                <a:gsLst>
+                  <a:gs pos="0">
+                    <a:srgbClr val="FFFFFF"/>
+                  </a:gs>
+                  <a:gs pos="100000">
+                    <a:srgbClr val="FFFFFF"/>
+                  </a:gs>
+                </a:gsLst>
+                <a:lin ang="5400000" scaled="0"/>
+              </a:gradFill>
+            </a:endParaRPr>
+          </a:p>
+        </p:txBody>
+      </p:sp>
+      <p:sp>
+        <p:nvSpPr>
+          <p:cNvPr id="100" name="Rectangle 99"/>
+          <p:cNvSpPr/>
+          <p:nvPr/>
+        </p:nvSpPr>
+        <p:spPr bwMode="auto">
+          <a:xfrm>
+            <a:off x="10293920" y="3589128"/>
+            <a:ext cx="813307" cy="430306"/>
+          </a:xfrm>
+          <a:prstGeom prst="rect">
+            <a:avLst/>
+          </a:prstGeom>
+          <a:solidFill>
+            <a:srgbClr val="00B0F0"/>
+          </a:solidFill>
+          <a:ln>
+            <a:noFill/>
+            <a:headEnd type="none" w="med" len="med"/>
+            <a:tailEnd type="none" w="med" len="med"/>
+          </a:ln>
+          <a:effectLst/>
+        </p:spPr>
+        <p:style>
+          <a:lnRef idx="1">
+            <a:schemeClr val="accent2"/>
+          </a:lnRef>
+          <a:fillRef idx="3">
+            <a:schemeClr val="accent2"/>
+          </a:fillRef>
+          <a:effectRef idx="2">
+            <a:schemeClr val="accent2"/>
+          </a:effectRef>
+          <a:fontRef idx="minor">
+            <a:schemeClr val="lt1"/>
+          </a:fontRef>
+        </p:style>
+        <p:txBody>
+          <a:bodyPr vert="horz" wrap="none" lIns="91436" tIns="45718" rIns="91436" bIns="45718" numCol="1" rtlCol="0" anchor="ctr" anchorCtr="0" compatLnSpc="1">
+            <a:prstTxWarp prst="textNoShape">
+              <a:avLst/>
+            </a:prstTxWarp>
+          </a:bodyPr>
+          <a:lstStyle/>
+          <a:p>
+            <a:pPr algn="ctr" defTabSz="914099" fontAlgn="base">
+              <a:spcBef>
+                <a:spcPct val="0"/>
+              </a:spcBef>
+              <a:spcAft>
+                <a:spcPct val="0"/>
+              </a:spcAft>
+            </a:pPr>
+            <a:r>
+              <a:rPr lang="en-US" sz="1600" dirty="0" smtClean="0">
+                <a:gradFill>
+                  <a:gsLst>
+                    <a:gs pos="0">
+                      <a:srgbClr val="FFFFFF"/>
+                    </a:gs>
+                    <a:gs pos="100000">
+                      <a:srgbClr val="FFFFFF"/>
+                    </a:gs>
+                  </a:gsLst>
+                  <a:lin ang="5400000" scaled="0"/>
+                </a:gradFill>
+              </a:rPr>
+              <a:t>NC12</a:t>
+            </a:r>
+            <a:endParaRPr lang="en-US" sz="1600" dirty="0">
+              <a:gradFill>
+                <a:gsLst>
+                  <a:gs pos="0">
+                    <a:srgbClr val="FFFFFF"/>
+                  </a:gs>
+                  <a:gs pos="100000">
+                    <a:srgbClr val="FFFFFF"/>
+                  </a:gs>
+                </a:gsLst>
+                <a:lin ang="5400000" scaled="0"/>
+              </a:gradFill>
+            </a:endParaRPr>
+          </a:p>
+        </p:txBody>
+      </p:sp>
+      <p:sp>
+        <p:nvSpPr>
+          <p:cNvPr id="101" name="Rectangle 100"/>
+          <p:cNvSpPr/>
+          <p:nvPr/>
+        </p:nvSpPr>
+        <p:spPr bwMode="auto">
+          <a:xfrm>
+            <a:off x="11167384" y="3589128"/>
+            <a:ext cx="813307" cy="430306"/>
+          </a:xfrm>
+          <a:prstGeom prst="rect">
+            <a:avLst/>
+          </a:prstGeom>
+          <a:solidFill>
+            <a:srgbClr val="00B0F0"/>
+          </a:solidFill>
+          <a:ln>
+            <a:noFill/>
+            <a:headEnd type="none" w="med" len="med"/>
+            <a:tailEnd type="none" w="med" len="med"/>
+          </a:ln>
+          <a:effectLst/>
+        </p:spPr>
+        <p:style>
+          <a:lnRef idx="1">
+            <a:schemeClr val="accent2"/>
+          </a:lnRef>
+          <a:fillRef idx="3">
+            <a:schemeClr val="accent2"/>
+          </a:fillRef>
+          <a:effectRef idx="2">
+            <a:schemeClr val="accent2"/>
+          </a:effectRef>
+          <a:fontRef idx="minor">
+            <a:schemeClr val="lt1"/>
+          </a:fontRef>
+        </p:style>
+        <p:txBody>
+          <a:bodyPr vert="horz" wrap="none" lIns="91436" tIns="45718" rIns="91436" bIns="45718" numCol="1" rtlCol="0" anchor="ctr" anchorCtr="0" compatLnSpc="1">
+            <a:prstTxWarp prst="textNoShape">
+              <a:avLst/>
+            </a:prstTxWarp>
+          </a:bodyPr>
+          <a:lstStyle/>
+          <a:p>
+            <a:pPr algn="ctr" defTabSz="914099" fontAlgn="base">
+              <a:spcBef>
+                <a:spcPct val="0"/>
+              </a:spcBef>
+              <a:spcAft>
+                <a:spcPct val="0"/>
+              </a:spcAft>
+            </a:pPr>
+            <a:r>
+              <a:rPr lang="en-US" sz="1600" dirty="0" smtClean="0">
+                <a:gradFill>
+                  <a:gsLst>
+                    <a:gs pos="0">
+                      <a:srgbClr val="FFFFFF"/>
+                    </a:gs>
+                    <a:gs pos="100000">
+                      <a:srgbClr val="FFFFFF"/>
+                    </a:gs>
+                  </a:gsLst>
+                  <a:lin ang="5400000" scaled="0"/>
+                </a:gradFill>
+              </a:rPr>
+              <a:t>NC24</a:t>
+            </a:r>
+            <a:endParaRPr lang="en-US" sz="1600" dirty="0">
+              <a:gradFill>
+                <a:gsLst>
+                  <a:gs pos="0">
+                    <a:srgbClr val="FFFFFF"/>
+                  </a:gs>
+                  <a:gs pos="100000">
+                    <a:srgbClr val="FFFFFF"/>
+                  </a:gs>
+                </a:gsLst>
+                <a:lin ang="5400000" scaled="0"/>
+              </a:gradFill>
+            </a:endParaRPr>
+          </a:p>
+        </p:txBody>
+      </p:sp>
+      <p:sp>
+        <p:nvSpPr>
+          <p:cNvPr id="102" name="Rectangle 101"/>
+          <p:cNvSpPr/>
+          <p:nvPr/>
+        </p:nvSpPr>
+        <p:spPr bwMode="auto">
+          <a:xfrm>
+            <a:off x="6406290" y="2508641"/>
+            <a:ext cx="600473" cy="430306"/>
+          </a:xfrm>
+          <a:prstGeom prst="rect">
+            <a:avLst/>
+          </a:prstGeom>
+          <a:noFill/>
+          <a:ln w="19050">
+            <a:solidFill>
+              <a:schemeClr val="accent1"/>
+            </a:solidFill>
+            <a:headEnd type="none" w="med" len="med"/>
+            <a:tailEnd type="none" w="med" len="med"/>
+          </a:ln>
+          <a:effectLst/>
+        </p:spPr>
+        <p:style>
+          <a:lnRef idx="1">
+            <a:schemeClr val="accent2"/>
+          </a:lnRef>
+          <a:fillRef idx="3">
+            <a:schemeClr val="accent2"/>
+          </a:fillRef>
+          <a:effectRef idx="2">
+            <a:schemeClr val="accent2"/>
+          </a:effectRef>
+          <a:fontRef idx="minor">
+            <a:schemeClr val="lt1"/>
+          </a:fontRef>
+        </p:style>
+        <p:txBody>
+          <a:bodyPr vert="horz" wrap="none" lIns="91436" tIns="45718" rIns="91436" bIns="45718" numCol="1" rtlCol="0" anchor="ctr" anchorCtr="0" compatLnSpc="1">
+            <a:prstTxWarp prst="textNoShape">
+              <a:avLst/>
+            </a:prstTxWarp>
+          </a:bodyPr>
+          <a:lstStyle/>
+          <a:p>
+            <a:pPr algn="ctr" defTabSz="914099" fontAlgn="base">
+              <a:spcBef>
+                <a:spcPct val="0"/>
+              </a:spcBef>
+              <a:spcAft>
+                <a:spcPct val="0"/>
+              </a:spcAft>
+            </a:pPr>
+            <a:r>
+              <a:rPr lang="en-US" sz="1600" dirty="0" smtClean="0">
+                <a:solidFill>
+                  <a:schemeClr val="accent1"/>
+                </a:solidFill>
+              </a:rPr>
+              <a:t>F1</a:t>
+            </a:r>
+            <a:endParaRPr lang="en-US" sz="1600" dirty="0">
+              <a:solidFill>
+                <a:schemeClr val="accent1"/>
+              </a:solidFill>
+            </a:endParaRPr>
+          </a:p>
+        </p:txBody>
+      </p:sp>
+      <p:sp>
+        <p:nvSpPr>
+          <p:cNvPr id="103" name="Rectangle 102"/>
+          <p:cNvSpPr/>
+          <p:nvPr/>
+        </p:nvSpPr>
+        <p:spPr bwMode="auto">
+          <a:xfrm>
+            <a:off x="7059471" y="2508641"/>
+            <a:ext cx="600474" cy="430306"/>
+          </a:xfrm>
+          <a:prstGeom prst="rect">
+            <a:avLst/>
+          </a:prstGeom>
+          <a:noFill/>
+          <a:ln w="19050">
+            <a:solidFill>
+              <a:schemeClr val="accent1"/>
+            </a:solidFill>
+            <a:headEnd type="none" w="med" len="med"/>
+            <a:tailEnd type="none" w="med" len="med"/>
+          </a:ln>
+          <a:effectLst/>
+        </p:spPr>
+        <p:style>
+          <a:lnRef idx="1">
+            <a:schemeClr val="accent2"/>
+          </a:lnRef>
+          <a:fillRef idx="3">
+            <a:schemeClr val="accent2"/>
+          </a:fillRef>
+          <a:effectRef idx="2">
+            <a:schemeClr val="accent2"/>
+          </a:effectRef>
+          <a:fontRef idx="minor">
+            <a:schemeClr val="lt1"/>
+          </a:fontRef>
+        </p:style>
+        <p:txBody>
+          <a:bodyPr vert="horz" wrap="none" lIns="91436" tIns="45718" rIns="91436" bIns="45718" numCol="1" rtlCol="0" anchor="ctr" anchorCtr="0" compatLnSpc="1">
+            <a:prstTxWarp prst="textNoShape">
+              <a:avLst/>
+            </a:prstTxWarp>
+          </a:bodyPr>
+          <a:lstStyle/>
+          <a:p>
+            <a:pPr algn="ctr" defTabSz="914099" fontAlgn="base">
+              <a:spcBef>
+                <a:spcPct val="0"/>
+              </a:spcBef>
+              <a:spcAft>
+                <a:spcPct val="0"/>
+              </a:spcAft>
+            </a:pPr>
+            <a:r>
+              <a:rPr lang="en-US" sz="1600" dirty="0" smtClean="0">
+                <a:solidFill>
+                  <a:schemeClr val="accent1"/>
+                </a:solidFill>
+              </a:rPr>
+              <a:t>F2</a:t>
+            </a:r>
+            <a:endParaRPr lang="en-US" sz="1600" dirty="0">
+              <a:solidFill>
+                <a:schemeClr val="accent1"/>
+              </a:solidFill>
+            </a:endParaRPr>
+          </a:p>
+        </p:txBody>
+      </p:sp>
+      <p:sp>
+        <p:nvSpPr>
+          <p:cNvPr id="104" name="Rectangle 103"/>
+          <p:cNvSpPr/>
+          <p:nvPr/>
+        </p:nvSpPr>
+        <p:spPr bwMode="auto">
+          <a:xfrm>
+            <a:off x="7712652" y="2508641"/>
+            <a:ext cx="600474" cy="430306"/>
+          </a:xfrm>
+          <a:prstGeom prst="rect">
+            <a:avLst/>
+          </a:prstGeom>
+          <a:noFill/>
+          <a:ln w="19050">
+            <a:solidFill>
+              <a:schemeClr val="accent1"/>
+            </a:solidFill>
+            <a:headEnd type="none" w="med" len="med"/>
+            <a:tailEnd type="none" w="med" len="med"/>
+          </a:ln>
+          <a:effectLst/>
+        </p:spPr>
+        <p:style>
+          <a:lnRef idx="1">
+            <a:schemeClr val="accent2"/>
+          </a:lnRef>
+          <a:fillRef idx="3">
+            <a:schemeClr val="accent2"/>
+          </a:fillRef>
+          <a:effectRef idx="2">
+            <a:schemeClr val="accent2"/>
+          </a:effectRef>
+          <a:fontRef idx="minor">
+            <a:schemeClr val="lt1"/>
+          </a:fontRef>
+        </p:style>
+        <p:txBody>
+          <a:bodyPr vert="horz" wrap="none" lIns="91436" tIns="45718" rIns="91436" bIns="45718" numCol="1" rtlCol="0" anchor="ctr" anchorCtr="0" compatLnSpc="1">
+            <a:prstTxWarp prst="textNoShape">
+              <a:avLst/>
+            </a:prstTxWarp>
+          </a:bodyPr>
+          <a:lstStyle/>
+          <a:p>
+            <a:pPr algn="ctr" defTabSz="914099" fontAlgn="base">
+              <a:spcBef>
+                <a:spcPct val="0"/>
+              </a:spcBef>
+              <a:spcAft>
+                <a:spcPct val="0"/>
+              </a:spcAft>
+            </a:pPr>
+            <a:r>
+              <a:rPr lang="en-US" sz="1600" dirty="0" smtClean="0">
+                <a:solidFill>
+                  <a:schemeClr val="accent1"/>
+                </a:solidFill>
+              </a:rPr>
+              <a:t>F4</a:t>
+            </a:r>
+            <a:endParaRPr lang="en-US" sz="1600" dirty="0">
+              <a:solidFill>
+                <a:schemeClr val="accent1"/>
+              </a:solidFill>
+            </a:endParaRPr>
+          </a:p>
+        </p:txBody>
+      </p:sp>
+      <p:sp>
+        <p:nvSpPr>
+          <p:cNvPr id="105" name="Rectangle 104"/>
+          <p:cNvSpPr/>
+          <p:nvPr/>
+        </p:nvSpPr>
+        <p:spPr bwMode="auto">
+          <a:xfrm>
+            <a:off x="8365833" y="2508641"/>
+            <a:ext cx="600474" cy="430306"/>
+          </a:xfrm>
+          <a:prstGeom prst="rect">
+            <a:avLst/>
+          </a:prstGeom>
+          <a:noFill/>
+          <a:ln w="19050">
+            <a:solidFill>
+              <a:schemeClr val="accent1"/>
+            </a:solidFill>
+            <a:headEnd type="none" w="med" len="med"/>
+            <a:tailEnd type="none" w="med" len="med"/>
+          </a:ln>
+          <a:effectLst/>
+        </p:spPr>
+        <p:style>
+          <a:lnRef idx="1">
+            <a:schemeClr val="accent2"/>
+          </a:lnRef>
+          <a:fillRef idx="3">
+            <a:schemeClr val="accent2"/>
+          </a:fillRef>
+          <a:effectRef idx="2">
+            <a:schemeClr val="accent2"/>
+          </a:effectRef>
+          <a:fontRef idx="minor">
+            <a:schemeClr val="lt1"/>
+          </a:fontRef>
+        </p:style>
+        <p:txBody>
+          <a:bodyPr vert="horz" wrap="none" lIns="91436" tIns="45718" rIns="91436" bIns="45718" numCol="1" rtlCol="0" anchor="ctr" anchorCtr="0" compatLnSpc="1">
+            <a:prstTxWarp prst="textNoShape">
+              <a:avLst/>
+            </a:prstTxWarp>
+          </a:bodyPr>
+          <a:lstStyle/>
+          <a:p>
+            <a:pPr algn="ctr" defTabSz="914099" fontAlgn="base">
+              <a:spcBef>
+                <a:spcPct val="0"/>
+              </a:spcBef>
+              <a:spcAft>
+                <a:spcPct val="0"/>
+              </a:spcAft>
+            </a:pPr>
+            <a:r>
+              <a:rPr lang="en-US" sz="1600" dirty="0" smtClean="0">
+                <a:solidFill>
+                  <a:schemeClr val="accent1"/>
+                </a:solidFill>
+              </a:rPr>
+              <a:t>F8</a:t>
+            </a:r>
+            <a:endParaRPr lang="en-US" sz="1600" dirty="0">
+              <a:solidFill>
+                <a:schemeClr val="accent1"/>
+              </a:solidFill>
+            </a:endParaRPr>
+          </a:p>
+        </p:txBody>
+      </p:sp>
+      <p:sp>
+        <p:nvSpPr>
+          <p:cNvPr id="106" name="Rectangle 105"/>
+          <p:cNvSpPr/>
+          <p:nvPr/>
+        </p:nvSpPr>
+        <p:spPr bwMode="auto">
+          <a:xfrm>
+            <a:off x="6406290" y="3023648"/>
+            <a:ext cx="600473" cy="430306"/>
+          </a:xfrm>
+          <a:prstGeom prst="rect">
+            <a:avLst/>
+          </a:prstGeom>
+          <a:noFill/>
+          <a:ln w="19050">
+            <a:solidFill>
+              <a:schemeClr val="accent1"/>
+            </a:solidFill>
+            <a:headEnd type="none" w="med" len="med"/>
+            <a:tailEnd type="none" w="med" len="med"/>
+          </a:ln>
+          <a:effectLst/>
+        </p:spPr>
+        <p:style>
+          <a:lnRef idx="1">
+            <a:schemeClr val="accent2"/>
+          </a:lnRef>
+          <a:fillRef idx="3">
+            <a:schemeClr val="accent2"/>
+          </a:fillRef>
+          <a:effectRef idx="2">
+            <a:schemeClr val="accent2"/>
+          </a:effectRef>
+          <a:fontRef idx="minor">
+            <a:schemeClr val="lt1"/>
+          </a:fontRef>
+        </p:style>
+        <p:txBody>
+          <a:bodyPr vert="horz" wrap="none" lIns="91436" tIns="45718" rIns="91436" bIns="45718" numCol="1" rtlCol="0" anchor="ctr" anchorCtr="0" compatLnSpc="1">
+            <a:prstTxWarp prst="textNoShape">
+              <a:avLst/>
+            </a:prstTxWarp>
+          </a:bodyPr>
+          <a:lstStyle/>
+          <a:p>
+            <a:pPr algn="ctr" defTabSz="914099" fontAlgn="base">
+              <a:spcBef>
+                <a:spcPct val="0"/>
+              </a:spcBef>
+              <a:spcAft>
+                <a:spcPct val="0"/>
+              </a:spcAft>
+            </a:pPr>
+            <a:r>
+              <a:rPr lang="en-US" sz="1600" dirty="0" smtClean="0">
+                <a:solidFill>
+                  <a:schemeClr val="accent1"/>
+                </a:solidFill>
+              </a:rPr>
+              <a:t>F16</a:t>
+            </a:r>
+            <a:endParaRPr lang="en-US" sz="1600" dirty="0">
+              <a:solidFill>
+                <a:schemeClr val="accent1"/>
+              </a:solidFill>
+            </a:endParaRPr>
+          </a:p>
+        </p:txBody>
+      </p:sp>
+      <p:sp>
+        <p:nvSpPr>
+          <p:cNvPr id="107" name="TextBox 106"/>
+          <p:cNvSpPr txBox="1"/>
+          <p:nvPr/>
+        </p:nvSpPr>
+        <p:spPr>
+          <a:xfrm>
+            <a:off x="6406290" y="2261401"/>
+            <a:ext cx="2173159" cy="221599"/>
+          </a:xfrm>
+          <a:prstGeom prst="rect">
+            <a:avLst/>
+          </a:prstGeom>
+          <a:noFill/>
+        </p:spPr>
+        <p:txBody>
+          <a:bodyPr wrap="none" lIns="0" tIns="0" rIns="0" bIns="0" rtlCol="0">
+            <a:spAutoFit/>
+          </a:bodyPr>
+          <a:lstStyle/>
+          <a:p>
+            <a:pPr>
+              <a:lnSpc>
+                <a:spcPct val="90000"/>
+              </a:lnSpc>
+              <a:spcBef>
+                <a:spcPct val="20000"/>
+              </a:spcBef>
+              <a:buSzPct val="80000"/>
+            </a:pPr>
+            <a:r>
+              <a:rPr lang="en-US" sz="1600" dirty="0" smtClean="0">
+                <a:gradFill>
+                  <a:gsLst>
+                    <a:gs pos="0">
+                      <a:srgbClr val="292929">
+                        <a:lumMod val="90000"/>
+                        <a:lumOff val="10000"/>
+                      </a:srgbClr>
+                    </a:gs>
+                    <a:gs pos="86000">
+                      <a:srgbClr val="292929">
+                        <a:lumMod val="90000"/>
+                        <a:lumOff val="10000"/>
+                      </a:srgbClr>
+                    </a:gs>
+                  </a:gsLst>
+                  <a:lin ang="5400000" scaled="0"/>
+                </a:gradFill>
+              </a:rPr>
+              <a:t>Also available in Fs sizes</a:t>
+            </a:r>
+            <a:endParaRPr lang="en-US" sz="1600" dirty="0">
+              <a:gradFill>
+                <a:gsLst>
+                  <a:gs pos="0">
+                    <a:srgbClr val="292929">
+                      <a:lumMod val="90000"/>
+                      <a:lumOff val="10000"/>
+                    </a:srgbClr>
+                  </a:gs>
+                  <a:gs pos="86000">
+                    <a:srgbClr val="292929">
+                      <a:lumMod val="90000"/>
+                      <a:lumOff val="10000"/>
+                    </a:srgbClr>
+                  </a:gs>
+                </a:gsLst>
+                <a:lin ang="5400000" scaled="0"/>
+              </a:gradFill>
+            </a:endParaRPr>
+          </a:p>
+        </p:txBody>
+      </p:sp>
+      <p:sp>
+        <p:nvSpPr>
+          <p:cNvPr id="108" name="Rectangle 107"/>
+          <p:cNvSpPr/>
+          <p:nvPr/>
+        </p:nvSpPr>
+        <p:spPr bwMode="auto">
+          <a:xfrm>
+            <a:off x="6406290" y="3933239"/>
+            <a:ext cx="600473" cy="430306"/>
+          </a:xfrm>
+          <a:prstGeom prst="rect">
+            <a:avLst/>
+          </a:prstGeom>
+          <a:solidFill>
+            <a:schemeClr val="accent1">
+              <a:lumMod val="20000"/>
+              <a:lumOff val="80000"/>
+            </a:schemeClr>
+          </a:solidFill>
+          <a:ln w="19050">
+            <a:solidFill>
+              <a:schemeClr val="accent1"/>
+            </a:solidFill>
+            <a:headEnd type="none" w="med" len="med"/>
+            <a:tailEnd type="none" w="med" len="med"/>
+          </a:ln>
+          <a:effectLst/>
+        </p:spPr>
+        <p:style>
+          <a:lnRef idx="1">
+            <a:schemeClr val="accent2"/>
+          </a:lnRef>
+          <a:fillRef idx="3">
+            <a:schemeClr val="accent2"/>
+          </a:fillRef>
+          <a:effectRef idx="2">
+            <a:schemeClr val="accent2"/>
+          </a:effectRef>
+          <a:fontRef idx="minor">
+            <a:schemeClr val="lt1"/>
+          </a:fontRef>
+        </p:style>
+        <p:txBody>
+          <a:bodyPr vert="horz" wrap="none" lIns="91436" tIns="45718" rIns="91436" bIns="45718" numCol="1" rtlCol="0" anchor="ctr" anchorCtr="0" compatLnSpc="1">
+            <a:prstTxWarp prst="textNoShape">
+              <a:avLst/>
+            </a:prstTxWarp>
+          </a:bodyPr>
+          <a:lstStyle/>
+          <a:p>
+            <a:pPr algn="ctr" defTabSz="914099" fontAlgn="base">
+              <a:spcBef>
+                <a:spcPct val="0"/>
+              </a:spcBef>
+              <a:spcAft>
+                <a:spcPct val="0"/>
+              </a:spcAft>
+            </a:pPr>
+            <a:r>
+              <a:rPr lang="en-US" sz="1600" dirty="0">
+                <a:solidFill>
+                  <a:schemeClr val="accent1"/>
+                </a:solidFill>
+              </a:rPr>
+              <a:t>G</a:t>
+            </a:r>
+            <a:r>
+              <a:rPr lang="en-US" sz="1600" dirty="0" smtClean="0">
+                <a:solidFill>
+                  <a:schemeClr val="accent1"/>
+                </a:solidFill>
+              </a:rPr>
+              <a:t>1</a:t>
+            </a:r>
+            <a:endParaRPr lang="en-US" sz="1600" dirty="0">
+              <a:solidFill>
+                <a:schemeClr val="accent1"/>
+              </a:solidFill>
+            </a:endParaRPr>
+          </a:p>
+        </p:txBody>
+      </p:sp>
+      <p:sp>
+        <p:nvSpPr>
+          <p:cNvPr id="109" name="Rectangle 108"/>
+          <p:cNvSpPr/>
+          <p:nvPr/>
+        </p:nvSpPr>
+        <p:spPr bwMode="auto">
+          <a:xfrm>
+            <a:off x="7059471" y="3933239"/>
+            <a:ext cx="600474" cy="430306"/>
+          </a:xfrm>
+          <a:prstGeom prst="rect">
+            <a:avLst/>
+          </a:prstGeom>
+          <a:solidFill>
+            <a:schemeClr val="accent1">
+              <a:lumMod val="20000"/>
+              <a:lumOff val="80000"/>
+            </a:schemeClr>
+          </a:solidFill>
+          <a:ln w="19050">
+            <a:solidFill>
+              <a:schemeClr val="accent1"/>
+            </a:solidFill>
+            <a:headEnd type="none" w="med" len="med"/>
+            <a:tailEnd type="none" w="med" len="med"/>
+          </a:ln>
+          <a:effectLst/>
+        </p:spPr>
+        <p:style>
+          <a:lnRef idx="1">
+            <a:schemeClr val="accent2"/>
+          </a:lnRef>
+          <a:fillRef idx="3">
+            <a:schemeClr val="accent2"/>
+          </a:fillRef>
+          <a:effectRef idx="2">
+            <a:schemeClr val="accent2"/>
+          </a:effectRef>
+          <a:fontRef idx="minor">
+            <a:schemeClr val="lt1"/>
+          </a:fontRef>
+        </p:style>
+        <p:txBody>
+          <a:bodyPr vert="horz" wrap="none" lIns="91436" tIns="45718" rIns="91436" bIns="45718" numCol="1" rtlCol="0" anchor="ctr" anchorCtr="0" compatLnSpc="1">
+            <a:prstTxWarp prst="textNoShape">
+              <a:avLst/>
+            </a:prstTxWarp>
+          </a:bodyPr>
+          <a:lstStyle/>
+          <a:p>
+            <a:pPr algn="ctr" defTabSz="914099" fontAlgn="base">
+              <a:spcBef>
+                <a:spcPct val="0"/>
+              </a:spcBef>
+              <a:spcAft>
+                <a:spcPct val="0"/>
+              </a:spcAft>
+            </a:pPr>
+            <a:r>
+              <a:rPr lang="en-US" sz="1600" dirty="0">
+                <a:solidFill>
+                  <a:schemeClr val="accent1"/>
+                </a:solidFill>
+              </a:rPr>
+              <a:t>G</a:t>
+            </a:r>
+            <a:r>
+              <a:rPr lang="en-US" sz="1600" dirty="0" smtClean="0">
+                <a:solidFill>
+                  <a:schemeClr val="accent1"/>
+                </a:solidFill>
+              </a:rPr>
+              <a:t>2</a:t>
+            </a:r>
+            <a:endParaRPr lang="en-US" sz="1600" dirty="0">
+              <a:solidFill>
+                <a:schemeClr val="accent1"/>
+              </a:solidFill>
+            </a:endParaRPr>
+          </a:p>
+        </p:txBody>
+      </p:sp>
+      <p:sp>
+        <p:nvSpPr>
+          <p:cNvPr id="110" name="Rectangle 109"/>
+          <p:cNvSpPr/>
+          <p:nvPr/>
+        </p:nvSpPr>
+        <p:spPr bwMode="auto">
+          <a:xfrm>
+            <a:off x="7712652" y="3933239"/>
+            <a:ext cx="600474" cy="430306"/>
+          </a:xfrm>
+          <a:prstGeom prst="rect">
+            <a:avLst/>
+          </a:prstGeom>
+          <a:solidFill>
+            <a:schemeClr val="accent1">
+              <a:lumMod val="20000"/>
+              <a:lumOff val="80000"/>
+            </a:schemeClr>
+          </a:solidFill>
+          <a:ln w="19050">
+            <a:solidFill>
+              <a:schemeClr val="accent1"/>
+            </a:solidFill>
+            <a:headEnd type="none" w="med" len="med"/>
+            <a:tailEnd type="none" w="med" len="med"/>
+          </a:ln>
+          <a:effectLst/>
+        </p:spPr>
+        <p:style>
+          <a:lnRef idx="1">
+            <a:schemeClr val="accent2"/>
+          </a:lnRef>
+          <a:fillRef idx="3">
+            <a:schemeClr val="accent2"/>
+          </a:fillRef>
+          <a:effectRef idx="2">
+            <a:schemeClr val="accent2"/>
+          </a:effectRef>
+          <a:fontRef idx="minor">
+            <a:schemeClr val="lt1"/>
+          </a:fontRef>
+        </p:style>
+        <p:txBody>
+          <a:bodyPr vert="horz" wrap="none" lIns="91436" tIns="45718" rIns="91436" bIns="45718" numCol="1" rtlCol="0" anchor="ctr" anchorCtr="0" compatLnSpc="1">
+            <a:prstTxWarp prst="textNoShape">
+              <a:avLst/>
+            </a:prstTxWarp>
+          </a:bodyPr>
+          <a:lstStyle/>
+          <a:p>
+            <a:pPr algn="ctr" defTabSz="914099" fontAlgn="base">
+              <a:spcBef>
+                <a:spcPct val="0"/>
+              </a:spcBef>
+              <a:spcAft>
+                <a:spcPct val="0"/>
+              </a:spcAft>
+            </a:pPr>
+            <a:r>
+              <a:rPr lang="en-US" sz="1600" dirty="0" smtClean="0">
+                <a:solidFill>
+                  <a:schemeClr val="accent1"/>
+                </a:solidFill>
+              </a:rPr>
+              <a:t>G3</a:t>
+            </a:r>
+            <a:endParaRPr lang="en-US" sz="1600" dirty="0">
+              <a:solidFill>
+                <a:schemeClr val="accent1"/>
+              </a:solidFill>
+            </a:endParaRPr>
+          </a:p>
+        </p:txBody>
+      </p:sp>
+      <p:sp>
+        <p:nvSpPr>
+          <p:cNvPr id="111" name="Rectangle 110"/>
+          <p:cNvSpPr/>
+          <p:nvPr/>
+        </p:nvSpPr>
+        <p:spPr bwMode="auto">
+          <a:xfrm>
+            <a:off x="8365833" y="3933239"/>
+            <a:ext cx="600474" cy="430306"/>
+          </a:xfrm>
+          <a:prstGeom prst="rect">
+            <a:avLst/>
+          </a:prstGeom>
+          <a:solidFill>
+            <a:schemeClr val="accent1">
+              <a:lumMod val="20000"/>
+              <a:lumOff val="80000"/>
+            </a:schemeClr>
+          </a:solidFill>
+          <a:ln w="19050">
+            <a:solidFill>
+              <a:schemeClr val="accent1"/>
+            </a:solidFill>
+            <a:headEnd type="none" w="med" len="med"/>
+            <a:tailEnd type="none" w="med" len="med"/>
+          </a:ln>
+          <a:effectLst/>
+        </p:spPr>
+        <p:style>
+          <a:lnRef idx="1">
+            <a:schemeClr val="accent2"/>
+          </a:lnRef>
+          <a:fillRef idx="3">
+            <a:schemeClr val="accent2"/>
+          </a:fillRef>
+          <a:effectRef idx="2">
+            <a:schemeClr val="accent2"/>
+          </a:effectRef>
+          <a:fontRef idx="minor">
+            <a:schemeClr val="lt1"/>
+          </a:fontRef>
+        </p:style>
+        <p:txBody>
+          <a:bodyPr vert="horz" wrap="none" lIns="91436" tIns="45718" rIns="91436" bIns="45718" numCol="1" rtlCol="0" anchor="ctr" anchorCtr="0" compatLnSpc="1">
+            <a:prstTxWarp prst="textNoShape">
+              <a:avLst/>
+            </a:prstTxWarp>
+          </a:bodyPr>
+          <a:lstStyle/>
+          <a:p>
+            <a:pPr algn="ctr" defTabSz="914099" fontAlgn="base">
+              <a:spcBef>
+                <a:spcPct val="0"/>
+              </a:spcBef>
+              <a:spcAft>
+                <a:spcPct val="0"/>
+              </a:spcAft>
+            </a:pPr>
+            <a:r>
+              <a:rPr lang="en-US" sz="1600" dirty="0" smtClean="0">
+                <a:solidFill>
+                  <a:schemeClr val="accent1"/>
+                </a:solidFill>
+              </a:rPr>
+              <a:t>G4</a:t>
+            </a:r>
+            <a:endParaRPr lang="en-US" sz="1600" dirty="0">
+              <a:solidFill>
+                <a:schemeClr val="accent1"/>
+              </a:solidFill>
+            </a:endParaRPr>
+          </a:p>
+        </p:txBody>
+      </p:sp>
+      <p:sp>
+        <p:nvSpPr>
+          <p:cNvPr id="112" name="Rectangle 111"/>
+          <p:cNvSpPr/>
+          <p:nvPr/>
+        </p:nvSpPr>
+        <p:spPr bwMode="auto">
+          <a:xfrm>
+            <a:off x="6406290" y="4448246"/>
+            <a:ext cx="600473" cy="430306"/>
+          </a:xfrm>
+          <a:prstGeom prst="rect">
+            <a:avLst/>
+          </a:prstGeom>
+          <a:solidFill>
+            <a:schemeClr val="accent1">
+              <a:lumMod val="20000"/>
+              <a:lumOff val="80000"/>
+            </a:schemeClr>
+          </a:solidFill>
+          <a:ln w="19050">
+            <a:solidFill>
+              <a:schemeClr val="accent1"/>
+            </a:solidFill>
+            <a:headEnd type="none" w="med" len="med"/>
+            <a:tailEnd type="none" w="med" len="med"/>
+          </a:ln>
+          <a:effectLst/>
+        </p:spPr>
+        <p:style>
+          <a:lnRef idx="1">
+            <a:schemeClr val="accent2"/>
+          </a:lnRef>
+          <a:fillRef idx="3">
+            <a:schemeClr val="accent2"/>
+          </a:fillRef>
+          <a:effectRef idx="2">
+            <a:schemeClr val="accent2"/>
+          </a:effectRef>
+          <a:fontRef idx="minor">
+            <a:schemeClr val="lt1"/>
+          </a:fontRef>
+        </p:style>
+        <p:txBody>
+          <a:bodyPr vert="horz" wrap="none" lIns="91436" tIns="45718" rIns="91436" bIns="45718" numCol="1" rtlCol="0" anchor="ctr" anchorCtr="0" compatLnSpc="1">
+            <a:prstTxWarp prst="textNoShape">
+              <a:avLst/>
+            </a:prstTxWarp>
+          </a:bodyPr>
+          <a:lstStyle/>
+          <a:p>
+            <a:pPr algn="ctr" defTabSz="914099" fontAlgn="base">
+              <a:spcBef>
+                <a:spcPct val="0"/>
+              </a:spcBef>
+              <a:spcAft>
+                <a:spcPct val="0"/>
+              </a:spcAft>
+            </a:pPr>
+            <a:r>
+              <a:rPr lang="en-US" sz="1600" dirty="0" smtClean="0">
+                <a:solidFill>
+                  <a:schemeClr val="accent1"/>
+                </a:solidFill>
+              </a:rPr>
+              <a:t>G5</a:t>
+            </a:r>
+            <a:endParaRPr lang="en-US" sz="1600" dirty="0">
+              <a:solidFill>
+                <a:schemeClr val="accent1"/>
+              </a:solidFill>
+            </a:endParaRPr>
+          </a:p>
+        </p:txBody>
+      </p:sp>
+      <p:sp>
+        <p:nvSpPr>
+          <p:cNvPr id="113" name="TextBox 112"/>
+          <p:cNvSpPr txBox="1"/>
+          <p:nvPr/>
+        </p:nvSpPr>
+        <p:spPr>
+          <a:xfrm>
+            <a:off x="6406290" y="3685999"/>
+            <a:ext cx="2235677" cy="221599"/>
+          </a:xfrm>
+          <a:prstGeom prst="rect">
+            <a:avLst/>
+          </a:prstGeom>
+          <a:noFill/>
+        </p:spPr>
+        <p:txBody>
+          <a:bodyPr wrap="none" lIns="0" tIns="0" rIns="0" bIns="0" rtlCol="0">
+            <a:spAutoFit/>
+          </a:bodyPr>
+          <a:lstStyle/>
+          <a:p>
+            <a:pPr>
+              <a:lnSpc>
+                <a:spcPct val="90000"/>
+              </a:lnSpc>
+              <a:spcBef>
+                <a:spcPct val="20000"/>
+              </a:spcBef>
+              <a:buSzPct val="80000"/>
+            </a:pPr>
+            <a:r>
+              <a:rPr lang="en-US" sz="1600" dirty="0" smtClean="0">
+                <a:gradFill>
+                  <a:gsLst>
+                    <a:gs pos="0">
+                      <a:srgbClr val="292929">
+                        <a:lumMod val="90000"/>
+                        <a:lumOff val="10000"/>
+                      </a:srgbClr>
+                    </a:gs>
+                    <a:gs pos="86000">
+                      <a:srgbClr val="292929">
+                        <a:lumMod val="90000"/>
+                        <a:lumOff val="10000"/>
+                      </a:srgbClr>
+                    </a:gs>
+                  </a:gsLst>
+                  <a:lin ang="5400000" scaled="0"/>
+                </a:gradFill>
+              </a:rPr>
+              <a:t>Also available in GS sizes</a:t>
+            </a:r>
+            <a:endParaRPr lang="en-US" sz="1600" dirty="0">
+              <a:gradFill>
+                <a:gsLst>
+                  <a:gs pos="0">
+                    <a:srgbClr val="292929">
+                      <a:lumMod val="90000"/>
+                      <a:lumOff val="10000"/>
+                    </a:srgbClr>
+                  </a:gs>
+                  <a:gs pos="86000">
+                    <a:srgbClr val="292929">
+                      <a:lumMod val="90000"/>
+                      <a:lumOff val="10000"/>
+                    </a:srgbClr>
+                  </a:gs>
+                </a:gsLst>
+                <a:lin ang="5400000" scaled="0"/>
+              </a:gradFill>
+            </a:endParaRPr>
+          </a:p>
+        </p:txBody>
+      </p:sp>
+      <p:sp>
+        <p:nvSpPr>
+          <p:cNvPr id="114" name="Rectangle 113"/>
+          <p:cNvSpPr/>
+          <p:nvPr/>
+        </p:nvSpPr>
+        <p:spPr bwMode="auto">
+          <a:xfrm>
+            <a:off x="3324306" y="3926912"/>
+            <a:ext cx="600473" cy="430306"/>
+          </a:xfrm>
+          <a:prstGeom prst="rect">
+            <a:avLst/>
+          </a:prstGeom>
+          <a:solidFill>
+            <a:schemeClr val="accent4"/>
+          </a:solidFill>
+          <a:ln w="19050">
+            <a:noFill/>
+            <a:headEnd type="none" w="med" len="med"/>
+            <a:tailEnd type="none" w="med" len="med"/>
+          </a:ln>
+          <a:effectLst/>
+        </p:spPr>
+        <p:style>
+          <a:lnRef idx="1">
+            <a:schemeClr val="accent2"/>
+          </a:lnRef>
+          <a:fillRef idx="3">
+            <a:schemeClr val="accent2"/>
+          </a:fillRef>
+          <a:effectRef idx="2">
+            <a:schemeClr val="accent2"/>
+          </a:effectRef>
+          <a:fontRef idx="minor">
+            <a:schemeClr val="lt1"/>
+          </a:fontRef>
+        </p:style>
+        <p:txBody>
+          <a:bodyPr vert="horz" wrap="none" lIns="91436" tIns="45718" rIns="91436" bIns="45718" numCol="1" rtlCol="0" anchor="ctr" anchorCtr="0" compatLnSpc="1">
+            <a:prstTxWarp prst="textNoShape">
+              <a:avLst/>
+            </a:prstTxWarp>
+          </a:bodyPr>
+          <a:lstStyle/>
+          <a:p>
+            <a:pPr algn="ctr" defTabSz="914099" fontAlgn="base">
+              <a:spcBef>
+                <a:spcPct val="0"/>
+              </a:spcBef>
+              <a:spcAft>
+                <a:spcPct val="0"/>
+              </a:spcAft>
+            </a:pPr>
+            <a:r>
+              <a:rPr lang="en-US" sz="1600" dirty="0" smtClean="0">
+                <a:solidFill>
+                  <a:schemeClr val="bg1"/>
+                </a:solidFill>
+              </a:rPr>
+              <a:t>D1v2</a:t>
+            </a:r>
+            <a:endParaRPr lang="en-US" sz="1600" dirty="0">
+              <a:solidFill>
+                <a:schemeClr val="bg1"/>
+              </a:solidFill>
+            </a:endParaRPr>
+          </a:p>
+        </p:txBody>
+      </p:sp>
+      <p:sp>
+        <p:nvSpPr>
+          <p:cNvPr id="115" name="Rectangle 114"/>
+          <p:cNvSpPr/>
+          <p:nvPr/>
+        </p:nvSpPr>
+        <p:spPr bwMode="auto">
+          <a:xfrm>
+            <a:off x="3977487" y="3926912"/>
+            <a:ext cx="600474" cy="430306"/>
+          </a:xfrm>
+          <a:prstGeom prst="rect">
+            <a:avLst/>
+          </a:prstGeom>
+          <a:solidFill>
+            <a:schemeClr val="accent4"/>
+          </a:solidFill>
+          <a:ln w="19050">
+            <a:noFill/>
+            <a:headEnd type="none" w="med" len="med"/>
+            <a:tailEnd type="none" w="med" len="med"/>
+          </a:ln>
+          <a:effectLst/>
+        </p:spPr>
+        <p:style>
+          <a:lnRef idx="1">
+            <a:schemeClr val="accent2"/>
+          </a:lnRef>
+          <a:fillRef idx="3">
+            <a:schemeClr val="accent2"/>
+          </a:fillRef>
+          <a:effectRef idx="2">
+            <a:schemeClr val="accent2"/>
+          </a:effectRef>
+          <a:fontRef idx="minor">
+            <a:schemeClr val="lt1"/>
+          </a:fontRef>
+        </p:style>
+        <p:txBody>
+          <a:bodyPr vert="horz" wrap="none" lIns="91436" tIns="45718" rIns="91436" bIns="45718" numCol="1" rtlCol="0" anchor="ctr" anchorCtr="0" compatLnSpc="1">
+            <a:prstTxWarp prst="textNoShape">
+              <a:avLst/>
+            </a:prstTxWarp>
+          </a:bodyPr>
+          <a:lstStyle/>
+          <a:p>
+            <a:pPr algn="ctr" defTabSz="914099" fontAlgn="base">
+              <a:spcBef>
+                <a:spcPct val="0"/>
+              </a:spcBef>
+              <a:spcAft>
+                <a:spcPct val="0"/>
+              </a:spcAft>
+            </a:pPr>
+            <a:r>
+              <a:rPr lang="en-US" sz="1600" dirty="0" smtClean="0">
+                <a:solidFill>
+                  <a:schemeClr val="bg1"/>
+                </a:solidFill>
+              </a:rPr>
+              <a:t>D2v2</a:t>
+            </a:r>
+            <a:endParaRPr lang="en-US" sz="1600" dirty="0">
+              <a:solidFill>
+                <a:schemeClr val="bg1"/>
+              </a:solidFill>
+            </a:endParaRPr>
+          </a:p>
+        </p:txBody>
+      </p:sp>
+      <p:sp>
+        <p:nvSpPr>
+          <p:cNvPr id="116" name="Rectangle 115"/>
+          <p:cNvSpPr/>
+          <p:nvPr/>
+        </p:nvSpPr>
+        <p:spPr bwMode="auto">
+          <a:xfrm>
+            <a:off x="4630668" y="3926912"/>
+            <a:ext cx="600474" cy="430306"/>
+          </a:xfrm>
+          <a:prstGeom prst="rect">
+            <a:avLst/>
+          </a:prstGeom>
+          <a:solidFill>
+            <a:schemeClr val="accent4"/>
+          </a:solidFill>
+          <a:ln w="19050">
+            <a:noFill/>
+            <a:headEnd type="none" w="med" len="med"/>
+            <a:tailEnd type="none" w="med" len="med"/>
+          </a:ln>
+          <a:effectLst/>
+        </p:spPr>
+        <p:style>
+          <a:lnRef idx="1">
+            <a:schemeClr val="accent2"/>
+          </a:lnRef>
+          <a:fillRef idx="3">
+            <a:schemeClr val="accent2"/>
+          </a:fillRef>
+          <a:effectRef idx="2">
+            <a:schemeClr val="accent2"/>
+          </a:effectRef>
+          <a:fontRef idx="minor">
+            <a:schemeClr val="lt1"/>
+          </a:fontRef>
+        </p:style>
+        <p:txBody>
+          <a:bodyPr vert="horz" wrap="none" lIns="91436" tIns="45718" rIns="91436" bIns="45718" numCol="1" rtlCol="0" anchor="ctr" anchorCtr="0" compatLnSpc="1">
+            <a:prstTxWarp prst="textNoShape">
+              <a:avLst/>
+            </a:prstTxWarp>
+          </a:bodyPr>
+          <a:lstStyle/>
+          <a:p>
+            <a:pPr algn="ctr" defTabSz="914099" fontAlgn="base">
+              <a:spcBef>
+                <a:spcPct val="0"/>
+              </a:spcBef>
+              <a:spcAft>
+                <a:spcPct val="0"/>
+              </a:spcAft>
+            </a:pPr>
+            <a:r>
+              <a:rPr lang="en-US" sz="1600" dirty="0" smtClean="0">
+                <a:solidFill>
+                  <a:schemeClr val="bg1"/>
+                </a:solidFill>
+              </a:rPr>
+              <a:t>D3v2</a:t>
+            </a:r>
+            <a:endParaRPr lang="en-US" sz="1600" dirty="0">
+              <a:solidFill>
+                <a:schemeClr val="bg1"/>
+              </a:solidFill>
+            </a:endParaRPr>
+          </a:p>
+        </p:txBody>
+      </p:sp>
+      <p:sp>
+        <p:nvSpPr>
+          <p:cNvPr id="117" name="Rectangle 116"/>
+          <p:cNvSpPr/>
+          <p:nvPr/>
+        </p:nvSpPr>
+        <p:spPr bwMode="auto">
+          <a:xfrm>
+            <a:off x="5283849" y="3926912"/>
+            <a:ext cx="600474" cy="430306"/>
+          </a:xfrm>
+          <a:prstGeom prst="rect">
+            <a:avLst/>
+          </a:prstGeom>
+          <a:solidFill>
+            <a:schemeClr val="accent4"/>
+          </a:solidFill>
+          <a:ln w="19050">
+            <a:noFill/>
+            <a:headEnd type="none" w="med" len="med"/>
+            <a:tailEnd type="none" w="med" len="med"/>
+          </a:ln>
+          <a:effectLst/>
+        </p:spPr>
+        <p:style>
+          <a:lnRef idx="1">
+            <a:schemeClr val="accent2"/>
+          </a:lnRef>
+          <a:fillRef idx="3">
+            <a:schemeClr val="accent2"/>
+          </a:fillRef>
+          <a:effectRef idx="2">
+            <a:schemeClr val="accent2"/>
+          </a:effectRef>
+          <a:fontRef idx="minor">
+            <a:schemeClr val="lt1"/>
+          </a:fontRef>
+        </p:style>
+        <p:txBody>
+          <a:bodyPr vert="horz" wrap="none" lIns="91436" tIns="45718" rIns="91436" bIns="45718" numCol="1" rtlCol="0" anchor="ctr" anchorCtr="0" compatLnSpc="1">
+            <a:prstTxWarp prst="textNoShape">
+              <a:avLst/>
+            </a:prstTxWarp>
+          </a:bodyPr>
+          <a:lstStyle/>
+          <a:p>
+            <a:pPr algn="ctr" defTabSz="914099" fontAlgn="base">
+              <a:spcBef>
+                <a:spcPct val="0"/>
+              </a:spcBef>
+              <a:spcAft>
+                <a:spcPct val="0"/>
+              </a:spcAft>
+            </a:pPr>
+            <a:r>
+              <a:rPr lang="en-US" sz="1600" dirty="0" smtClean="0">
+                <a:solidFill>
+                  <a:schemeClr val="bg1"/>
+                </a:solidFill>
+              </a:rPr>
+              <a:t>D4v2</a:t>
+            </a:r>
+            <a:endParaRPr lang="en-US" sz="1600" dirty="0">
+              <a:solidFill>
+                <a:schemeClr val="bg1"/>
+              </a:solidFill>
+            </a:endParaRPr>
+          </a:p>
+        </p:txBody>
+      </p:sp>
+      <p:sp>
+        <p:nvSpPr>
+          <p:cNvPr id="118" name="Rectangle 117"/>
+          <p:cNvSpPr/>
+          <p:nvPr/>
+        </p:nvSpPr>
+        <p:spPr bwMode="auto">
+          <a:xfrm>
+            <a:off x="3324306" y="4441919"/>
+            <a:ext cx="600474" cy="430306"/>
+          </a:xfrm>
+          <a:prstGeom prst="rect">
+            <a:avLst/>
+          </a:prstGeom>
+          <a:solidFill>
+            <a:schemeClr val="accent4"/>
+          </a:solidFill>
+          <a:ln w="19050">
+            <a:noFill/>
+            <a:headEnd type="none" w="med" len="med"/>
+            <a:tailEnd type="none" w="med" len="med"/>
+          </a:ln>
+          <a:effectLst/>
+        </p:spPr>
+        <p:style>
+          <a:lnRef idx="1">
+            <a:schemeClr val="accent2"/>
+          </a:lnRef>
+          <a:fillRef idx="3">
+            <a:schemeClr val="accent2"/>
+          </a:fillRef>
+          <a:effectRef idx="2">
+            <a:schemeClr val="accent2"/>
+          </a:effectRef>
+          <a:fontRef idx="minor">
+            <a:schemeClr val="lt1"/>
+          </a:fontRef>
+        </p:style>
+        <p:txBody>
+          <a:bodyPr vert="horz" wrap="none" lIns="91436" tIns="45718" rIns="91436" bIns="45718" numCol="1" rtlCol="0" anchor="ctr" anchorCtr="0" compatLnSpc="1">
+            <a:prstTxWarp prst="textNoShape">
+              <a:avLst/>
+            </a:prstTxWarp>
+          </a:bodyPr>
+          <a:lstStyle/>
+          <a:p>
+            <a:pPr algn="ctr" defTabSz="914099" fontAlgn="base">
+              <a:spcBef>
+                <a:spcPct val="0"/>
+              </a:spcBef>
+              <a:spcAft>
+                <a:spcPct val="0"/>
+              </a:spcAft>
+            </a:pPr>
+            <a:r>
+              <a:rPr lang="en-US" sz="1500" dirty="0" smtClean="0">
+                <a:solidFill>
+                  <a:schemeClr val="bg1"/>
+                </a:solidFill>
+              </a:rPr>
+              <a:t>D11v2</a:t>
+            </a:r>
+            <a:endParaRPr lang="en-US" sz="1500" dirty="0">
+              <a:solidFill>
+                <a:schemeClr val="bg1"/>
+              </a:solidFill>
+            </a:endParaRPr>
+          </a:p>
+        </p:txBody>
+      </p:sp>
+      <p:sp>
+        <p:nvSpPr>
+          <p:cNvPr id="119" name="Rectangle 118"/>
+          <p:cNvSpPr/>
+          <p:nvPr/>
+        </p:nvSpPr>
+        <p:spPr bwMode="auto">
+          <a:xfrm>
+            <a:off x="3977487" y="4441919"/>
+            <a:ext cx="600474" cy="430306"/>
+          </a:xfrm>
+          <a:prstGeom prst="rect">
+            <a:avLst/>
+          </a:prstGeom>
+          <a:solidFill>
+            <a:schemeClr val="accent4"/>
+          </a:solidFill>
+          <a:ln w="19050">
+            <a:noFill/>
+            <a:headEnd type="none" w="med" len="med"/>
+            <a:tailEnd type="none" w="med" len="med"/>
+          </a:ln>
+          <a:effectLst/>
+        </p:spPr>
+        <p:style>
+          <a:lnRef idx="1">
+            <a:schemeClr val="accent2"/>
+          </a:lnRef>
+          <a:fillRef idx="3">
+            <a:schemeClr val="accent2"/>
+          </a:fillRef>
+          <a:effectRef idx="2">
+            <a:schemeClr val="accent2"/>
+          </a:effectRef>
+          <a:fontRef idx="minor">
+            <a:schemeClr val="lt1"/>
+          </a:fontRef>
+        </p:style>
+        <p:txBody>
+          <a:bodyPr vert="horz" wrap="none" lIns="91436" tIns="45718" rIns="91436" bIns="45718" numCol="1" rtlCol="0" anchor="ctr" anchorCtr="0" compatLnSpc="1">
+            <a:prstTxWarp prst="textNoShape">
+              <a:avLst/>
+            </a:prstTxWarp>
+          </a:bodyPr>
+          <a:lstStyle/>
+          <a:p>
+            <a:pPr algn="ctr" defTabSz="914099" fontAlgn="base">
+              <a:spcBef>
+                <a:spcPct val="0"/>
+              </a:spcBef>
+              <a:spcAft>
+                <a:spcPct val="0"/>
+              </a:spcAft>
+            </a:pPr>
+            <a:r>
+              <a:rPr lang="en-US" sz="1500" dirty="0" smtClean="0">
+                <a:solidFill>
+                  <a:schemeClr val="bg1"/>
+                </a:solidFill>
+              </a:rPr>
+              <a:t>D12v2</a:t>
+            </a:r>
+            <a:endParaRPr lang="en-US" sz="1500" dirty="0">
+              <a:solidFill>
+                <a:schemeClr val="bg1"/>
+              </a:solidFill>
+            </a:endParaRPr>
+          </a:p>
+        </p:txBody>
+      </p:sp>
+      <p:sp>
+        <p:nvSpPr>
+          <p:cNvPr id="120" name="Rectangle 119"/>
+          <p:cNvSpPr/>
+          <p:nvPr/>
+        </p:nvSpPr>
+        <p:spPr bwMode="auto">
+          <a:xfrm>
+            <a:off x="4630668" y="4441919"/>
+            <a:ext cx="600474" cy="430306"/>
+          </a:xfrm>
+          <a:prstGeom prst="rect">
+            <a:avLst/>
+          </a:prstGeom>
+          <a:solidFill>
+            <a:schemeClr val="accent4"/>
+          </a:solidFill>
+          <a:ln w="19050">
+            <a:noFill/>
+            <a:headEnd type="none" w="med" len="med"/>
+            <a:tailEnd type="none" w="med" len="med"/>
+          </a:ln>
+          <a:effectLst/>
+        </p:spPr>
+        <p:style>
+          <a:lnRef idx="1">
+            <a:schemeClr val="accent2"/>
+          </a:lnRef>
+          <a:fillRef idx="3">
+            <a:schemeClr val="accent2"/>
+          </a:fillRef>
+          <a:effectRef idx="2">
+            <a:schemeClr val="accent2"/>
+          </a:effectRef>
+          <a:fontRef idx="minor">
+            <a:schemeClr val="lt1"/>
+          </a:fontRef>
+        </p:style>
+        <p:txBody>
+          <a:bodyPr vert="horz" wrap="none" lIns="91436" tIns="45718" rIns="91436" bIns="45718" numCol="1" rtlCol="0" anchor="ctr" anchorCtr="0" compatLnSpc="1">
+            <a:prstTxWarp prst="textNoShape">
+              <a:avLst/>
+            </a:prstTxWarp>
+          </a:bodyPr>
+          <a:lstStyle/>
+          <a:p>
+            <a:pPr algn="ctr" defTabSz="914099" fontAlgn="base">
+              <a:spcBef>
+                <a:spcPct val="0"/>
+              </a:spcBef>
+              <a:spcAft>
+                <a:spcPct val="0"/>
+              </a:spcAft>
+            </a:pPr>
+            <a:r>
+              <a:rPr lang="en-US" sz="1500" dirty="0" smtClean="0">
+                <a:solidFill>
+                  <a:schemeClr val="bg1"/>
+                </a:solidFill>
+              </a:rPr>
+              <a:t>D13v2</a:t>
+            </a:r>
+            <a:endParaRPr lang="en-US" sz="1500" dirty="0">
+              <a:solidFill>
+                <a:schemeClr val="bg1"/>
+              </a:solidFill>
+            </a:endParaRPr>
+          </a:p>
+        </p:txBody>
+      </p:sp>
+      <p:sp>
+        <p:nvSpPr>
+          <p:cNvPr id="121" name="Rectangle 120"/>
+          <p:cNvSpPr/>
+          <p:nvPr/>
+        </p:nvSpPr>
+        <p:spPr bwMode="auto">
+          <a:xfrm>
+            <a:off x="5283849" y="4441919"/>
+            <a:ext cx="600474" cy="430306"/>
+          </a:xfrm>
+          <a:prstGeom prst="rect">
+            <a:avLst/>
+          </a:prstGeom>
+          <a:solidFill>
+            <a:schemeClr val="accent4"/>
+          </a:solidFill>
+          <a:ln w="19050">
+            <a:noFill/>
+            <a:headEnd type="none" w="med" len="med"/>
+            <a:tailEnd type="none" w="med" len="med"/>
+          </a:ln>
+          <a:effectLst/>
+        </p:spPr>
+        <p:style>
+          <a:lnRef idx="1">
+            <a:schemeClr val="accent2"/>
+          </a:lnRef>
+          <a:fillRef idx="3">
+            <a:schemeClr val="accent2"/>
+          </a:fillRef>
+          <a:effectRef idx="2">
+            <a:schemeClr val="accent2"/>
+          </a:effectRef>
+          <a:fontRef idx="minor">
+            <a:schemeClr val="lt1"/>
+          </a:fontRef>
+        </p:style>
+        <p:txBody>
+          <a:bodyPr vert="horz" wrap="none" lIns="91436" tIns="45718" rIns="91436" bIns="45718" numCol="1" rtlCol="0" anchor="ctr" anchorCtr="0" compatLnSpc="1">
+            <a:prstTxWarp prst="textNoShape">
+              <a:avLst/>
+            </a:prstTxWarp>
+          </a:bodyPr>
+          <a:lstStyle/>
+          <a:p>
+            <a:pPr algn="ctr" defTabSz="914099" fontAlgn="base">
+              <a:spcBef>
+                <a:spcPct val="0"/>
+              </a:spcBef>
+              <a:spcAft>
+                <a:spcPct val="0"/>
+              </a:spcAft>
+            </a:pPr>
+            <a:r>
+              <a:rPr lang="en-US" sz="1500" dirty="0" smtClean="0">
+                <a:solidFill>
+                  <a:schemeClr val="bg1"/>
+                </a:solidFill>
+              </a:rPr>
+              <a:t>D14v2</a:t>
+            </a:r>
+            <a:endParaRPr lang="en-US" sz="1500" dirty="0">
+              <a:solidFill>
+                <a:schemeClr val="bg1"/>
+              </a:solidFill>
+            </a:endParaRPr>
+          </a:p>
+        </p:txBody>
+      </p:sp>
+      <p:sp>
+        <p:nvSpPr>
+          <p:cNvPr id="122" name="TextBox 121"/>
+          <p:cNvSpPr txBox="1"/>
+          <p:nvPr/>
+        </p:nvSpPr>
+        <p:spPr>
+          <a:xfrm>
+            <a:off x="3324306" y="3691417"/>
+            <a:ext cx="2238883" cy="221599"/>
+          </a:xfrm>
+          <a:prstGeom prst="rect">
+            <a:avLst/>
+          </a:prstGeom>
+          <a:noFill/>
+        </p:spPr>
+        <p:txBody>
+          <a:bodyPr wrap="none" lIns="0" tIns="0" rIns="0" bIns="0" rtlCol="0">
+            <a:spAutoFit/>
+          </a:bodyPr>
+          <a:lstStyle/>
+          <a:p>
+            <a:pPr>
+              <a:lnSpc>
+                <a:spcPct val="90000"/>
+              </a:lnSpc>
+              <a:spcBef>
+                <a:spcPct val="20000"/>
+              </a:spcBef>
+              <a:buSzPct val="80000"/>
+            </a:pPr>
+            <a:r>
+              <a:rPr lang="en-US" sz="1600" dirty="0" smtClean="0">
+                <a:gradFill>
+                  <a:gsLst>
+                    <a:gs pos="0">
+                      <a:srgbClr val="292929">
+                        <a:lumMod val="90000"/>
+                        <a:lumOff val="10000"/>
+                      </a:srgbClr>
+                    </a:gs>
+                    <a:gs pos="86000">
+                      <a:srgbClr val="292929">
+                        <a:lumMod val="90000"/>
+                        <a:lumOff val="10000"/>
+                      </a:srgbClr>
+                    </a:gs>
+                  </a:gsLst>
+                  <a:lin ang="5400000" scaled="0"/>
+                </a:gradFill>
+              </a:rPr>
+              <a:t>Also available in DS sizes</a:t>
+            </a:r>
+            <a:endParaRPr lang="en-US" sz="1600" dirty="0">
+              <a:gradFill>
+                <a:gsLst>
+                  <a:gs pos="0">
+                    <a:srgbClr val="292929">
+                      <a:lumMod val="90000"/>
+                      <a:lumOff val="10000"/>
+                    </a:srgbClr>
+                  </a:gs>
+                  <a:gs pos="86000">
+                    <a:srgbClr val="292929">
+                      <a:lumMod val="90000"/>
+                      <a:lumOff val="10000"/>
+                    </a:srgbClr>
+                  </a:gs>
+                </a:gsLst>
+                <a:lin ang="5400000" scaled="0"/>
+              </a:gradFill>
+            </a:endParaRPr>
+          </a:p>
+        </p:txBody>
+      </p:sp>
+      <p:sp>
+        <p:nvSpPr>
+          <p:cNvPr id="123" name="Rectangle 122"/>
+          <p:cNvSpPr/>
+          <p:nvPr/>
+        </p:nvSpPr>
+        <p:spPr bwMode="auto">
+          <a:xfrm>
+            <a:off x="4624517" y="5357837"/>
+            <a:ext cx="1242773" cy="430306"/>
+          </a:xfrm>
+          <a:prstGeom prst="rect">
+            <a:avLst/>
+          </a:prstGeom>
+          <a:solidFill>
+            <a:schemeClr val="accent4"/>
+          </a:solidFill>
+          <a:ln w="19050">
+            <a:noFill/>
+            <a:headEnd type="none" w="med" len="med"/>
+            <a:tailEnd type="none" w="med" len="med"/>
+          </a:ln>
+          <a:effectLst/>
+        </p:spPr>
+        <p:style>
+          <a:lnRef idx="1">
+            <a:schemeClr val="accent2"/>
+          </a:lnRef>
+          <a:fillRef idx="3">
+            <a:schemeClr val="accent2"/>
+          </a:fillRef>
+          <a:effectRef idx="2">
+            <a:schemeClr val="accent2"/>
+          </a:effectRef>
+          <a:fontRef idx="minor">
+            <a:schemeClr val="lt1"/>
+          </a:fontRef>
+        </p:style>
+        <p:txBody>
+          <a:bodyPr vert="horz" wrap="none" lIns="91436" tIns="45718" rIns="91436" bIns="45718" numCol="1" rtlCol="0" anchor="ctr" anchorCtr="0" compatLnSpc="1">
+            <a:prstTxWarp prst="textNoShape">
+              <a:avLst/>
+            </a:prstTxWarp>
+          </a:bodyPr>
+          <a:lstStyle/>
+          <a:p>
+            <a:pPr algn="ctr" defTabSz="914099" fontAlgn="base">
+              <a:spcBef>
+                <a:spcPct val="0"/>
+              </a:spcBef>
+              <a:spcAft>
+                <a:spcPct val="0"/>
+              </a:spcAft>
+            </a:pPr>
+            <a:r>
+              <a:rPr lang="en-US" sz="1600" dirty="0" smtClean="0">
+                <a:solidFill>
+                  <a:schemeClr val="bg1"/>
+                </a:solidFill>
+              </a:rPr>
+              <a:t>DS15v2</a:t>
+            </a:r>
+            <a:endParaRPr lang="en-US" sz="1600" dirty="0">
+              <a:solidFill>
+                <a:schemeClr val="bg1"/>
+              </a:solidFill>
+            </a:endParaRPr>
+          </a:p>
+        </p:txBody>
+      </p:sp>
+      <p:sp>
+        <p:nvSpPr>
+          <p:cNvPr id="124" name="TextBox 123"/>
+          <p:cNvSpPr txBox="1"/>
+          <p:nvPr/>
+        </p:nvSpPr>
+        <p:spPr>
+          <a:xfrm>
+            <a:off x="6406290" y="5127141"/>
+            <a:ext cx="2182200" cy="221599"/>
+          </a:xfrm>
+          <a:prstGeom prst="rect">
+            <a:avLst/>
+          </a:prstGeom>
+          <a:noFill/>
+        </p:spPr>
+        <p:txBody>
+          <a:bodyPr wrap="none" lIns="0" tIns="0" rIns="0" bIns="0" rtlCol="0">
+            <a:spAutoFit/>
+          </a:bodyPr>
+          <a:lstStyle/>
+          <a:p>
+            <a:pPr>
+              <a:lnSpc>
+                <a:spcPct val="90000"/>
+              </a:lnSpc>
+              <a:spcBef>
+                <a:spcPct val="20000"/>
+              </a:spcBef>
+              <a:buSzPct val="80000"/>
+            </a:pPr>
+            <a:r>
+              <a:rPr lang="en-US" sz="1600" dirty="0" smtClean="0">
+                <a:gradFill>
+                  <a:gsLst>
+                    <a:gs pos="0">
+                      <a:srgbClr val="292929">
+                        <a:lumMod val="90000"/>
+                        <a:lumOff val="10000"/>
+                      </a:srgbClr>
+                    </a:gs>
+                    <a:gs pos="86000">
+                      <a:srgbClr val="292929">
+                        <a:lumMod val="90000"/>
+                        <a:lumOff val="10000"/>
+                      </a:srgbClr>
+                    </a:gs>
+                  </a:gsLst>
+                  <a:lin ang="5400000" scaled="0"/>
+                </a:gradFill>
+              </a:rPr>
+              <a:t>Molecular modeling etc.</a:t>
+            </a:r>
+            <a:endParaRPr lang="en-US" sz="1600" dirty="0">
+              <a:gradFill>
+                <a:gsLst>
+                  <a:gs pos="0">
+                    <a:srgbClr val="292929">
+                      <a:lumMod val="90000"/>
+                      <a:lumOff val="10000"/>
+                    </a:srgbClr>
+                  </a:gs>
+                  <a:gs pos="86000">
+                    <a:srgbClr val="292929">
+                      <a:lumMod val="90000"/>
+                      <a:lumOff val="10000"/>
+                    </a:srgbClr>
+                  </a:gs>
+                </a:gsLst>
+                <a:lin ang="5400000" scaled="0"/>
+              </a:gradFill>
+            </a:endParaRPr>
+          </a:p>
+        </p:txBody>
+      </p:sp>
+      <p:sp>
+        <p:nvSpPr>
+          <p:cNvPr id="125" name="TextBox 124"/>
+          <p:cNvSpPr txBox="1"/>
+          <p:nvPr/>
+        </p:nvSpPr>
+        <p:spPr>
+          <a:xfrm>
+            <a:off x="3324305" y="5127141"/>
+            <a:ext cx="2007473" cy="221599"/>
+          </a:xfrm>
+          <a:prstGeom prst="rect">
+            <a:avLst/>
+          </a:prstGeom>
+          <a:noFill/>
+        </p:spPr>
+        <p:txBody>
+          <a:bodyPr wrap="none" lIns="0" tIns="0" rIns="0" bIns="0" rtlCol="0">
+            <a:spAutoFit/>
+          </a:bodyPr>
+          <a:lstStyle/>
+          <a:p>
+            <a:pPr>
+              <a:lnSpc>
+                <a:spcPct val="90000"/>
+              </a:lnSpc>
+              <a:spcBef>
+                <a:spcPct val="20000"/>
+              </a:spcBef>
+              <a:buSzPct val="80000"/>
+            </a:pPr>
+            <a:r>
+              <a:rPr lang="en-US" sz="1600" dirty="0" smtClean="0">
+                <a:gradFill>
+                  <a:gsLst>
+                    <a:gs pos="0">
+                      <a:srgbClr val="292929">
+                        <a:lumMod val="90000"/>
+                        <a:lumOff val="10000"/>
+                      </a:srgbClr>
+                    </a:gs>
+                    <a:gs pos="86000">
+                      <a:srgbClr val="292929">
+                        <a:lumMod val="90000"/>
+                        <a:lumOff val="10000"/>
+                      </a:srgbClr>
+                    </a:gs>
+                  </a:gsLst>
+                  <a:lin ang="5400000" scaled="0"/>
+                </a:gradFill>
+              </a:rPr>
+              <a:t>20 cores, 140 GB Ram</a:t>
+            </a:r>
+            <a:endParaRPr lang="en-US" sz="1600" dirty="0">
+              <a:gradFill>
+                <a:gsLst>
+                  <a:gs pos="0">
+                    <a:srgbClr val="292929">
+                      <a:lumMod val="90000"/>
+                      <a:lumOff val="10000"/>
+                    </a:srgbClr>
+                  </a:gs>
+                  <a:gs pos="86000">
+                    <a:srgbClr val="292929">
+                      <a:lumMod val="90000"/>
+                      <a:lumOff val="10000"/>
+                    </a:srgbClr>
+                  </a:gs>
+                </a:gsLst>
+                <a:lin ang="5400000" scaled="0"/>
+              </a:gradFill>
+            </a:endParaRPr>
+          </a:p>
+        </p:txBody>
+      </p:sp>
+      <p:sp>
+        <p:nvSpPr>
+          <p:cNvPr id="126" name="TextBox 125"/>
+          <p:cNvSpPr txBox="1"/>
+          <p:nvPr/>
+        </p:nvSpPr>
+        <p:spPr>
+          <a:xfrm>
+            <a:off x="280724" y="2261401"/>
+            <a:ext cx="2690352" cy="221599"/>
+          </a:xfrm>
+          <a:prstGeom prst="rect">
+            <a:avLst/>
+          </a:prstGeom>
+          <a:noFill/>
+        </p:spPr>
+        <p:txBody>
+          <a:bodyPr wrap="none" lIns="0" tIns="0" rIns="0" bIns="0" rtlCol="0">
+            <a:spAutoFit/>
+          </a:bodyPr>
+          <a:lstStyle/>
+          <a:p>
+            <a:pPr>
+              <a:lnSpc>
+                <a:spcPct val="90000"/>
+              </a:lnSpc>
+              <a:spcBef>
+                <a:spcPct val="20000"/>
+              </a:spcBef>
+              <a:buSzPct val="80000"/>
+            </a:pPr>
+            <a:r>
+              <a:rPr lang="en-US" sz="1600" dirty="0" smtClean="0">
+                <a:gradFill>
+                  <a:gsLst>
+                    <a:gs pos="0">
+                      <a:srgbClr val="292929">
+                        <a:lumMod val="90000"/>
+                        <a:lumOff val="10000"/>
+                      </a:srgbClr>
+                    </a:gs>
+                    <a:gs pos="86000">
+                      <a:srgbClr val="292929">
+                        <a:lumMod val="90000"/>
+                        <a:lumOff val="10000"/>
+                      </a:srgbClr>
+                    </a:gs>
+                  </a:gsLst>
+                  <a:lin ang="5400000" scaled="0"/>
+                </a:gradFill>
+              </a:rPr>
+              <a:t>Up to 8 cores and 56 GB RAM</a:t>
+            </a:r>
+            <a:endParaRPr lang="en-US" sz="1600" dirty="0">
+              <a:gradFill>
+                <a:gsLst>
+                  <a:gs pos="0">
+                    <a:srgbClr val="292929">
+                      <a:lumMod val="90000"/>
+                      <a:lumOff val="10000"/>
+                    </a:srgbClr>
+                  </a:gs>
+                  <a:gs pos="86000">
+                    <a:srgbClr val="292929">
+                      <a:lumMod val="90000"/>
+                      <a:lumOff val="10000"/>
+                    </a:srgbClr>
+                  </a:gs>
+                </a:gsLst>
+                <a:lin ang="5400000" scaled="0"/>
+              </a:gradFill>
+            </a:endParaRPr>
+          </a:p>
+        </p:txBody>
+      </p:sp>
+      <p:sp>
+        <p:nvSpPr>
+          <p:cNvPr id="133" name="TextBox 132"/>
+          <p:cNvSpPr txBox="1"/>
+          <p:nvPr/>
+        </p:nvSpPr>
+        <p:spPr>
+          <a:xfrm>
+            <a:off x="9414995" y="6076061"/>
+            <a:ext cx="1943865" cy="221599"/>
+          </a:xfrm>
+          <a:prstGeom prst="rect">
+            <a:avLst/>
+          </a:prstGeom>
+          <a:noFill/>
+        </p:spPr>
+        <p:txBody>
+          <a:bodyPr wrap="none" lIns="0" tIns="0" rIns="0" bIns="0" rtlCol="0">
+            <a:spAutoFit/>
+          </a:bodyPr>
+          <a:lstStyle/>
+          <a:p>
+            <a:pPr>
+              <a:lnSpc>
+                <a:spcPct val="90000"/>
+              </a:lnSpc>
+              <a:spcBef>
+                <a:spcPct val="20000"/>
+              </a:spcBef>
+              <a:buSzPct val="80000"/>
+            </a:pPr>
+            <a:r>
+              <a:rPr lang="en-US" sz="1600" dirty="0" smtClean="0">
+                <a:solidFill>
+                  <a:schemeClr val="accent2"/>
+                </a:solidFill>
+              </a:rPr>
+              <a:t>* </a:t>
+            </a:r>
+            <a:r>
+              <a:rPr lang="en-US" sz="1600" i="1" dirty="0" smtClean="0">
+                <a:solidFill>
+                  <a:schemeClr val="accent2"/>
+                </a:solidFill>
+              </a:rPr>
+              <a:t>Currently in preview</a:t>
+            </a:r>
+            <a:endParaRPr lang="en-US" sz="1600" i="1" dirty="0">
+              <a:solidFill>
+                <a:schemeClr val="accent2"/>
+              </a:solidFill>
+            </a:endParaRPr>
+          </a:p>
+        </p:txBody>
+      </p:sp>
+    </p:spTree>
+    <p:extLst>
+      <p:ext uri="{BB962C8B-B14F-4D97-AF65-F5344CB8AC3E}">
+        <p14:creationId xmlns:p14="http://schemas.microsoft.com/office/powerpoint/2010/main" val="2231020130"/>
+      </p:ext>
+    </p:extLst>
+  </p:cSld>
+  <p:clrMapOvr>
+    <a:masterClrMapping/>
+  </p:clrMapOvr>
+  <p:transition>
+    <p:fade/>
+  </p:transition>
+</p:sld>
+</file>
+
+<file path=ppt/slides/slide4.xml><?xml version="1.0" encoding="utf-8"?>
+<p:sld xmlns:a="http://schemas.openxmlformats.org/drawingml/2006/main" xmlns:r="http://schemas.openxmlformats.org/officeDocument/2006/relationships" xmlns:p="http://schemas.openxmlformats.org/presentationml/2006/main">
+  <p:cSld>
+    <p:spTree>
+      <p:nvGrpSpPr>
+        <p:cNvPr id="1" name=""/>
+        <p:cNvGrpSpPr/>
+        <p:nvPr/>
+      </p:nvGrpSpPr>
+      <p:grpSpPr>
+        <a:xfrm>
+          <a:off x="0" y="0"/>
+          <a:ext cx="0" cy="0"/>
+          <a:chOff x="0" y="0"/>
+          <a:chExt cx="0" cy="0"/>
+        </a:xfrm>
+      </p:grpSpPr>
+      <p:sp>
+        <p:nvSpPr>
+          <p:cNvPr id="2" name="Title 1"/>
+          <p:cNvSpPr>
+            <a:spLocks noGrp="1"/>
+          </p:cNvSpPr>
+          <p:nvPr>
+            <p:ph type="title"/>
+          </p:nvPr>
+        </p:nvSpPr>
+        <p:spPr/>
+        <p:txBody>
+          <a:bodyPr/>
+          <a:lstStyle/>
+          <a:p>
+            <a:r>
+              <a:rPr lang="en-US" dirty="0" smtClean="0"/>
+              <a:t>Choosing a VM Size</a:t>
+            </a:r>
+            <a:endParaRPr lang="en-US" dirty="0"/>
+          </a:p>
+        </p:txBody>
+      </p:sp>
+      <p:sp>
+        <p:nvSpPr>
+          <p:cNvPr id="4" name="Rectangle 3"/>
+          <p:cNvSpPr/>
+          <p:nvPr/>
+        </p:nvSpPr>
+        <p:spPr bwMode="auto">
+          <a:xfrm>
+            <a:off x="519249" y="1451960"/>
+            <a:ext cx="3383328" cy="527156"/>
+          </a:xfrm>
+          <a:prstGeom prst="rect">
+            <a:avLst/>
+          </a:prstGeom>
+          <a:solidFill>
+            <a:schemeClr val="accent6"/>
           </a:solidFill>
           <a:ln>
             <a:noFill/>
@@ -14500,7 +17883,7 @@
               </a:spcAft>
             </a:pPr>
             <a:r>
-              <a:rPr lang="en-US" dirty="0" smtClean="0">
+              <a:rPr lang="en-US" sz="2400" dirty="0" smtClean="0">
                 <a:gradFill>
                   <a:gsLst>
                     <a:gs pos="0">
@@ -14513,30 +17896,43 @@
                   <a:lin ang="5400000" scaled="0"/>
                 </a:gradFill>
               </a:rPr>
-              <a:t>D5v2</a:t>
-            </a:r>
+              <a:t>CPU core = Memory</a:t>
+            </a:r>
+            <a:endParaRPr lang="en-US" sz="2400" dirty="0" smtClean="0">
+              <a:gradFill>
+                <a:gsLst>
+                  <a:gs pos="0">
+                    <a:srgbClr val="FFFFFF"/>
+                  </a:gs>
+                  <a:gs pos="100000">
+                    <a:srgbClr val="FFFFFF"/>
+                  </a:gs>
+                </a:gsLst>
+                <a:lin ang="5400000" scaled="0"/>
+              </a:gradFill>
+            </a:endParaRPr>
           </a:p>
         </p:txBody>
       </p:sp>
       <p:sp>
         <p:nvSpPr>
-          <p:cNvPr id="32" name="Rectangle 31"/>
+          <p:cNvPr id="5" name="Rectangle 4"/>
           <p:cNvSpPr/>
           <p:nvPr/>
         </p:nvSpPr>
         <p:spPr bwMode="auto">
           <a:xfrm>
-            <a:off x="429540" y="4785773"/>
-            <a:ext cx="710005" cy="430306"/>
+            <a:off x="519249" y="2115842"/>
+            <a:ext cx="3383328" cy="527156"/>
           </a:xfrm>
           <a:prstGeom prst="rect">
             <a:avLst/>
           </a:prstGeom>
-          <a:noFill/>
-          <a:ln w="19050">
-            <a:solidFill>
-              <a:schemeClr val="accent2"/>
-            </a:solidFill>
+          <a:solidFill>
+            <a:schemeClr val="accent6"/>
+          </a:solidFill>
+          <a:ln>
+            <a:noFill/>
             <a:headEnd type="none" w="med" len="med"/>
             <a:tailEnd type="none" w="med" len="med"/>
           </a:ln>
@@ -14573,35 +17969,56 @@
               </a:spcAft>
             </a:pPr>
             <a:r>
-              <a:rPr lang="en-US" sz="2000" dirty="0">
-                <a:solidFill>
-                  <a:schemeClr val="accent2"/>
-                </a:solidFill>
+              <a:rPr lang="en-US" sz="2400" dirty="0" smtClean="0">
+                <a:gradFill>
+                  <a:gsLst>
+                    <a:gs pos="0">
+                      <a:srgbClr val="FFFFFF"/>
+                    </a:gs>
+                    <a:gs pos="100000">
+                      <a:srgbClr val="FFFFFF"/>
+                    </a:gs>
+                  </a:gsLst>
+                  <a:lin ang="5400000" scaled="0"/>
+                </a:gradFill>
               </a:rPr>
-              <a:t>A4</a:t>
-            </a:r>
+              <a:t>CPU core &gt; Memory</a:t>
+            </a:r>
+            <a:endParaRPr lang="en-US" sz="2400" dirty="0" smtClean="0">
+              <a:gradFill>
+                <a:gsLst>
+                  <a:gs pos="0">
+                    <a:srgbClr val="FFFFFF"/>
+                  </a:gs>
+                  <a:gs pos="100000">
+                    <a:srgbClr val="FFFFFF"/>
+                  </a:gs>
+                </a:gsLst>
+                <a:lin ang="5400000" scaled="0"/>
+              </a:gradFill>
+            </a:endParaRPr>
           </a:p>
         </p:txBody>
       </p:sp>
       <p:sp>
         <p:nvSpPr>
-          <p:cNvPr id="33" name="Rectangle 32"/>
+          <p:cNvPr id="6" name="Rectangle 5"/>
           <p:cNvSpPr/>
           <p:nvPr/>
         </p:nvSpPr>
         <p:spPr bwMode="auto">
           <a:xfrm>
-            <a:off x="1246348" y="4785773"/>
-            <a:ext cx="710005" cy="430306"/>
+            <a:off x="519249" y="2779183"/>
+            <a:ext cx="3383328" cy="527156"/>
           </a:xfrm>
           <a:prstGeom prst="rect">
             <a:avLst/>
           </a:prstGeom>
-          <a:noFill/>
-          <a:ln w="19050">
-            <a:solidFill>
-              <a:schemeClr val="accent2"/>
-            </a:solidFill>
+          <a:solidFill>
+            <a:schemeClr val="accent6"/>
+          </a:solidFill>
+          <a:ln>
+            <a:noFill/>
             <a:headEnd type="none" w="med" len="med"/>
             <a:tailEnd type="none" w="med" len="med"/>
           </a:ln>
@@ -14638,35 +18055,56 @@
               </a:spcAft>
             </a:pPr>
             <a:r>
-              <a:rPr lang="en-US" sz="2000" dirty="0">
-                <a:solidFill>
-                  <a:schemeClr val="accent2"/>
-                </a:solidFill>
+              <a:rPr lang="en-US" sz="2400" dirty="0" smtClean="0">
+                <a:gradFill>
+                  <a:gsLst>
+                    <a:gs pos="0">
+                      <a:srgbClr val="FFFFFF"/>
+                    </a:gs>
+                    <a:gs pos="100000">
+                      <a:srgbClr val="FFFFFF"/>
+                    </a:gs>
+                  </a:gsLst>
+                  <a:lin ang="5400000" scaled="0"/>
+                </a:gradFill>
               </a:rPr>
-              <a:t>A5</a:t>
-            </a:r>
+              <a:t>CPU core &lt; Memory</a:t>
+            </a:r>
+            <a:endParaRPr lang="en-US" sz="2400" dirty="0" smtClean="0">
+              <a:gradFill>
+                <a:gsLst>
+                  <a:gs pos="0">
+                    <a:srgbClr val="FFFFFF"/>
+                  </a:gs>
+                  <a:gs pos="100000">
+                    <a:srgbClr val="FFFFFF"/>
+                  </a:gs>
+                </a:gsLst>
+                <a:lin ang="5400000" scaled="0"/>
+              </a:gradFill>
+            </a:endParaRPr>
           </a:p>
         </p:txBody>
       </p:sp>
       <p:sp>
         <p:nvSpPr>
-          <p:cNvPr id="34" name="Rectangle 33"/>
+          <p:cNvPr id="7" name="Rectangle 6"/>
           <p:cNvSpPr/>
           <p:nvPr/>
         </p:nvSpPr>
         <p:spPr bwMode="auto">
           <a:xfrm>
-            <a:off x="2059987" y="4785773"/>
-            <a:ext cx="710005" cy="430306"/>
+            <a:off x="519249" y="3442524"/>
+            <a:ext cx="3383328" cy="527156"/>
           </a:xfrm>
           <a:prstGeom prst="rect">
             <a:avLst/>
           </a:prstGeom>
-          <a:noFill/>
-          <a:ln w="19050">
-            <a:solidFill>
-              <a:schemeClr val="accent2"/>
-            </a:solidFill>
+          <a:solidFill>
+            <a:schemeClr val="accent6"/>
+          </a:solidFill>
+          <a:ln>
+            <a:noFill/>
             <a:headEnd type="none" w="med" len="med"/>
             <a:tailEnd type="none" w="med" len="med"/>
           </a:ln>
@@ -14703,35 +18141,56 @@
               </a:spcAft>
             </a:pPr>
             <a:r>
-              <a:rPr lang="en-US" sz="2000" dirty="0">
-                <a:solidFill>
-                  <a:schemeClr val="accent2"/>
-                </a:solidFill>
+              <a:rPr lang="en-US" sz="2400" dirty="0" smtClean="0">
+                <a:gradFill>
+                  <a:gsLst>
+                    <a:gs pos="0">
+                      <a:srgbClr val="FFFFFF"/>
+                    </a:gs>
+                    <a:gs pos="100000">
+                      <a:srgbClr val="FFFFFF"/>
+                    </a:gs>
+                  </a:gsLst>
+                  <a:lin ang="5400000" scaled="0"/>
+                </a:gradFill>
               </a:rPr>
-              <a:t>A6</a:t>
-            </a:r>
+              <a:t>GPU</a:t>
+            </a:r>
+            <a:endParaRPr lang="en-US" sz="2400" dirty="0" smtClean="0">
+              <a:gradFill>
+                <a:gsLst>
+                  <a:gs pos="0">
+                    <a:srgbClr val="FFFFFF"/>
+                  </a:gs>
+                  <a:gs pos="100000">
+                    <a:srgbClr val="FFFFFF"/>
+                  </a:gs>
+                </a:gsLst>
+                <a:lin ang="5400000" scaled="0"/>
+              </a:gradFill>
+            </a:endParaRPr>
           </a:p>
         </p:txBody>
       </p:sp>
       <p:sp>
         <p:nvSpPr>
-          <p:cNvPr id="35" name="Rectangle 34"/>
+          <p:cNvPr id="8" name="Rectangle 7"/>
           <p:cNvSpPr/>
           <p:nvPr/>
         </p:nvSpPr>
         <p:spPr bwMode="auto">
           <a:xfrm>
-            <a:off x="2873626" y="4785773"/>
-            <a:ext cx="710005" cy="430306"/>
+            <a:off x="519249" y="4105865"/>
+            <a:ext cx="3383328" cy="527156"/>
           </a:xfrm>
           <a:prstGeom prst="rect">
             <a:avLst/>
           </a:prstGeom>
-          <a:noFill/>
-          <a:ln w="19050">
-            <a:solidFill>
-              <a:schemeClr val="accent2"/>
-            </a:solidFill>
+          <a:solidFill>
+            <a:schemeClr val="accent6"/>
+          </a:solidFill>
+          <a:ln>
+            <a:noFill/>
             <a:headEnd type="none" w="med" len="med"/>
             <a:tailEnd type="none" w="med" len="med"/>
           </a:ln>
@@ -14768,35 +18227,56 @@
               </a:spcAft>
             </a:pPr>
             <a:r>
-              <a:rPr lang="en-US" sz="2000" dirty="0">
-                <a:solidFill>
-                  <a:schemeClr val="accent2"/>
-                </a:solidFill>
+              <a:rPr lang="en-US" sz="2400" dirty="0" smtClean="0">
+                <a:gradFill>
+                  <a:gsLst>
+                    <a:gs pos="0">
+                      <a:srgbClr val="FFFFFF"/>
+                    </a:gs>
+                    <a:gs pos="100000">
+                      <a:srgbClr val="FFFFFF"/>
+                    </a:gs>
+                  </a:gsLst>
+                  <a:lin ang="5400000" scaled="0"/>
+                </a:gradFill>
               </a:rPr>
-              <a:t>A7</a:t>
-            </a:r>
+              <a:t>CPU core++</a:t>
+            </a:r>
+            <a:endParaRPr lang="en-US" sz="2400" dirty="0" smtClean="0">
+              <a:gradFill>
+                <a:gsLst>
+                  <a:gs pos="0">
+                    <a:srgbClr val="FFFFFF"/>
+                  </a:gs>
+                  <a:gs pos="100000">
+                    <a:srgbClr val="FFFFFF"/>
+                  </a:gs>
+                </a:gsLst>
+                <a:lin ang="5400000" scaled="0"/>
+              </a:gradFill>
+            </a:endParaRPr>
           </a:p>
         </p:txBody>
       </p:sp>
       <p:sp>
         <p:nvSpPr>
-          <p:cNvPr id="36" name="Rectangle 35"/>
+          <p:cNvPr id="9" name="Rectangle 8"/>
           <p:cNvSpPr/>
           <p:nvPr/>
         </p:nvSpPr>
         <p:spPr bwMode="auto">
           <a:xfrm>
-            <a:off x="429540" y="4242253"/>
-            <a:ext cx="710005" cy="430306"/>
+            <a:off x="519249" y="4769206"/>
+            <a:ext cx="3383328" cy="527156"/>
           </a:xfrm>
           <a:prstGeom prst="rect">
             <a:avLst/>
           </a:prstGeom>
-          <a:noFill/>
-          <a:ln w="19050">
-            <a:solidFill>
-              <a:schemeClr val="accent2"/>
-            </a:solidFill>
+          <a:solidFill>
+            <a:schemeClr val="accent6"/>
+          </a:solidFill>
+          <a:ln>
+            <a:noFill/>
             <a:headEnd type="none" w="med" len="med"/>
             <a:tailEnd type="none" w="med" len="med"/>
           </a:ln>
@@ -14833,35 +18313,56 @@
               </a:spcAft>
             </a:pPr>
             <a:r>
-              <a:rPr lang="en-US" sz="2000" dirty="0" smtClean="0">
-                <a:solidFill>
-                  <a:schemeClr val="accent2"/>
-                </a:solidFill>
+              <a:rPr lang="en-US" sz="2400" dirty="0" smtClean="0">
+                <a:gradFill>
+                  <a:gsLst>
+                    <a:gs pos="0">
+                      <a:srgbClr val="FFFFFF"/>
+                    </a:gs>
+                    <a:gs pos="100000">
+                      <a:srgbClr val="FFFFFF"/>
+                    </a:gs>
+                  </a:gsLst>
+                  <a:lin ang="5400000" scaled="0"/>
+                </a:gradFill>
               </a:rPr>
-              <a:t>A0</a:t>
-            </a:r>
+              <a:t>Memory++</a:t>
+            </a:r>
+            <a:endParaRPr lang="en-US" sz="2400" dirty="0" smtClean="0">
+              <a:gradFill>
+                <a:gsLst>
+                  <a:gs pos="0">
+                    <a:srgbClr val="FFFFFF"/>
+                  </a:gs>
+                  <a:gs pos="100000">
+                    <a:srgbClr val="FFFFFF"/>
+                  </a:gs>
+                </a:gsLst>
+                <a:lin ang="5400000" scaled="0"/>
+              </a:gradFill>
+            </a:endParaRPr>
           </a:p>
         </p:txBody>
       </p:sp>
       <p:sp>
         <p:nvSpPr>
-          <p:cNvPr id="37" name="Rectangle 36"/>
+          <p:cNvPr id="10" name="Rectangle 9"/>
           <p:cNvSpPr/>
           <p:nvPr/>
         </p:nvSpPr>
         <p:spPr bwMode="auto">
           <a:xfrm>
-            <a:off x="1246348" y="4242253"/>
-            <a:ext cx="710005" cy="430306"/>
+            <a:off x="519249" y="5432547"/>
+            <a:ext cx="3383328" cy="527156"/>
           </a:xfrm>
           <a:prstGeom prst="rect">
             <a:avLst/>
           </a:prstGeom>
-          <a:noFill/>
-          <a:ln w="19050">
-            <a:solidFill>
-              <a:schemeClr val="accent2"/>
-            </a:solidFill>
+          <a:solidFill>
+            <a:schemeClr val="accent6"/>
+          </a:solidFill>
+          <a:ln>
+            <a:noFill/>
             <a:headEnd type="none" w="med" len="med"/>
             <a:tailEnd type="none" w="med" len="med"/>
           </a:ln>
@@ -14898,35 +18399,56 @@
               </a:spcAft>
             </a:pPr>
             <a:r>
-              <a:rPr lang="en-US" sz="2000" dirty="0">
-                <a:solidFill>
-                  <a:schemeClr val="accent2"/>
-                </a:solidFill>
+              <a:rPr lang="en-US" sz="2400" dirty="0" smtClean="0">
+                <a:gradFill>
+                  <a:gsLst>
+                    <a:gs pos="0">
+                      <a:srgbClr val="FFFFFF"/>
+                    </a:gs>
+                    <a:gs pos="100000">
+                      <a:srgbClr val="FFFFFF"/>
+                    </a:gs>
+                  </a:gsLst>
+                  <a:lin ang="5400000" scaled="0"/>
+                </a:gradFill>
               </a:rPr>
-              <a:t>A1</a:t>
-            </a:r>
+              <a:t>Networking++</a:t>
+            </a:r>
+            <a:endParaRPr lang="en-US" sz="2400" dirty="0" smtClean="0">
+              <a:gradFill>
+                <a:gsLst>
+                  <a:gs pos="0">
+                    <a:srgbClr val="FFFFFF"/>
+                  </a:gs>
+                  <a:gs pos="100000">
+                    <a:srgbClr val="FFFFFF"/>
+                  </a:gs>
+                </a:gsLst>
+                <a:lin ang="5400000" scaled="0"/>
+              </a:gradFill>
+            </a:endParaRPr>
           </a:p>
         </p:txBody>
       </p:sp>
       <p:sp>
         <p:nvSpPr>
-          <p:cNvPr id="52" name="Rectangle 51"/>
+          <p:cNvPr id="11" name="Rectangle 10"/>
           <p:cNvSpPr/>
           <p:nvPr/>
         </p:nvSpPr>
         <p:spPr bwMode="auto">
           <a:xfrm>
-            <a:off x="2059987" y="4242253"/>
-            <a:ext cx="710005" cy="430306"/>
+            <a:off x="4239479" y="1451960"/>
+            <a:ext cx="2274055" cy="527156"/>
           </a:xfrm>
           <a:prstGeom prst="rect">
             <a:avLst/>
           </a:prstGeom>
-          <a:noFill/>
+          <a:solidFill>
+            <a:srgbClr val="00B0F0"/>
+          </a:solidFill>
           <a:ln w="19050">
-            <a:solidFill>
-              <a:schemeClr val="accent2"/>
-            </a:solidFill>
+            <a:noFill/>
             <a:headEnd type="none" w="med" len="med"/>
             <a:tailEnd type="none" w="med" len="med"/>
           </a:ln>
@@ -14963,35 +18485,43 @@
               </a:spcAft>
             </a:pPr>
             <a:r>
-              <a:rPr lang="en-US" sz="2000" dirty="0">
-                <a:solidFill>
-                  <a:schemeClr val="accent2"/>
-                </a:solidFill>
+              <a:rPr lang="en-US" sz="2400" dirty="0">
+                <a:gradFill>
+                  <a:gsLst>
+                    <a:gs pos="0">
+                      <a:srgbClr val="FFFFFF"/>
+                    </a:gs>
+                    <a:gs pos="100000">
+                      <a:srgbClr val="FFFFFF"/>
+                    </a:gs>
+                  </a:gsLst>
+                  <a:lin ang="5400000" scaled="0"/>
+                </a:gradFill>
               </a:rPr>
-              <a:t>A2</a:t>
+              <a:t>A0 - A7</a:t>
             </a:r>
           </a:p>
         </p:txBody>
       </p:sp>
       <p:sp>
         <p:nvSpPr>
-          <p:cNvPr id="53" name="Rectangle 52"/>
+          <p:cNvPr id="12" name="Rectangle 11"/>
           <p:cNvSpPr/>
           <p:nvPr/>
         </p:nvSpPr>
         <p:spPr bwMode="auto">
           <a:xfrm>
-            <a:off x="2873626" y="4242253"/>
-            <a:ext cx="710005" cy="430306"/>
+            <a:off x="4239479" y="2115842"/>
+            <a:ext cx="2274055" cy="527156"/>
           </a:xfrm>
           <a:prstGeom prst="rect">
             <a:avLst/>
           </a:prstGeom>
-          <a:noFill/>
+          <a:solidFill>
+            <a:srgbClr val="00B0F0"/>
+          </a:solidFill>
           <a:ln w="19050">
-            <a:solidFill>
-              <a:schemeClr val="accent2"/>
-            </a:solidFill>
+            <a:noFill/>
             <a:headEnd type="none" w="med" len="med"/>
             <a:tailEnd type="none" w="med" len="med"/>
           </a:ln>
@@ -15029,72 +18559,1038 @@
             </a:pPr>
             <a:r>
               <a:rPr lang="en-US" sz="2000" dirty="0">
-                <a:solidFill>
-                  <a:schemeClr val="accent2"/>
-                </a:solidFill>
+                <a:gradFill>
+                  <a:gsLst>
+                    <a:gs pos="0">
+                      <a:srgbClr val="FFFFFF"/>
+                    </a:gs>
+                    <a:gs pos="100000">
+                      <a:srgbClr val="FFFFFF"/>
+                    </a:gs>
+                  </a:gsLst>
+                  <a:lin ang="5400000" scaled="0"/>
+                </a:gradFill>
               </a:rPr>
-              <a:t>A3</a:t>
+              <a:t>F1, F2, F4, F8, F16</a:t>
             </a:r>
           </a:p>
         </p:txBody>
       </p:sp>
       <p:sp>
         <p:nvSpPr>
-          <p:cNvPr id="5" name="TextBox 4"/>
-          <p:cNvSpPr txBox="1"/>
+          <p:cNvPr id="13" name="Rectangle 12"/>
+          <p:cNvSpPr/>
           <p:nvPr/>
         </p:nvSpPr>
-        <p:spPr>
+        <p:spPr bwMode="auto">
           <a:xfrm>
-            <a:off x="519249" y="953408"/>
-            <a:ext cx="9845644" cy="443198"/>
+            <a:off x="4239479" y="2779183"/>
+            <a:ext cx="2274055" cy="527156"/>
           </a:xfrm>
           <a:prstGeom prst="rect">
             <a:avLst/>
           </a:prstGeom>
-          <a:noFill/>
+          <a:solidFill>
+            <a:srgbClr val="00B0F0"/>
+          </a:solidFill>
+          <a:ln w="19050">
+            <a:noFill/>
+            <a:headEnd type="none" w="med" len="med"/>
+            <a:tailEnd type="none" w="med" len="med"/>
+          </a:ln>
+          <a:effectLst/>
         </p:spPr>
+        <p:style>
+          <a:lnRef idx="1">
+            <a:schemeClr val="accent2"/>
+          </a:lnRef>
+          <a:fillRef idx="3">
+            <a:schemeClr val="accent2"/>
+          </a:fillRef>
+          <a:effectRef idx="2">
+            <a:schemeClr val="accent2"/>
+          </a:effectRef>
+          <a:fontRef idx="minor">
+            <a:schemeClr val="lt1"/>
+          </a:fontRef>
+        </p:style>
         <p:txBody>
-          <a:bodyPr wrap="none" lIns="0" tIns="0" rIns="0" bIns="0" rtlCol="0">
-            <a:spAutoFit/>
+          <a:bodyPr vert="horz" wrap="square" lIns="91436" tIns="45718" rIns="91436" bIns="45718" numCol="1" rtlCol="0" anchor="ctr" anchorCtr="0" compatLnSpc="1">
+            <a:prstTxWarp prst="textNoShape">
+              <a:avLst/>
+            </a:prstTxWarp>
           </a:bodyPr>
           <a:lstStyle/>
           <a:p>
-            <a:pPr>
-              <a:lnSpc>
-                <a:spcPct val="90000"/>
-              </a:lnSpc>
+            <a:pPr algn="ctr" defTabSz="914099" fontAlgn="base">
               <a:spcBef>
-                <a:spcPct val="20000"/>
+                <a:spcPct val="0"/>
               </a:spcBef>
-              <a:buSzPct val="80000"/>
+              <a:spcAft>
+                <a:spcPct val="0"/>
+              </a:spcAft>
             </a:pPr>
             <a:r>
-              <a:rPr lang="en-US" sz="3200" dirty="0">
-                <a:solidFill>
-                  <a:schemeClr val="accent1"/>
-                </a:solidFill>
-                <a:latin typeface="Segoe UI Light" panose="020B0502040204020203" pitchFamily="34" charset="0"/>
-                <a:cs typeface="Segoe UI Light" panose="020B0502040204020203" pitchFamily="34" charset="0"/>
+              <a:rPr lang="en-US" sz="2400" dirty="0" smtClean="0">
+                <a:gradFill>
+                  <a:gsLst>
+                    <a:gs pos="0">
+                      <a:srgbClr val="FFFFFF"/>
+                    </a:gs>
+                    <a:gs pos="100000">
+                      <a:srgbClr val="FFFFFF"/>
+                    </a:gs>
+                  </a:gsLst>
+                  <a:lin ang="5400000" scaled="0"/>
+                </a:gradFill>
               </a:rPr>
-              <a:t>See http://bit.ly/a4r-vm-pricing for </a:t>
-            </a:r>
-            <a:r>
-              <a:rPr lang="en-US" sz="3200" dirty="0" smtClean="0">
-                <a:solidFill>
-                  <a:schemeClr val="accent1"/>
-                </a:solidFill>
-                <a:latin typeface="Segoe UI Light" panose="020B0502040204020203" pitchFamily="34" charset="0"/>
-                <a:cs typeface="Segoe UI Light" panose="020B0502040204020203" pitchFamily="34" charset="0"/>
+              <a:t>D11v2 - D15v2</a:t>
+            </a:r>
+            <a:endParaRPr lang="en-US" sz="2400" dirty="0" smtClean="0">
+              <a:gradFill>
+                <a:gsLst>
+                  <a:gs pos="0">
+                    <a:srgbClr val="FFFFFF"/>
+                  </a:gs>
+                  <a:gs pos="100000">
+                    <a:srgbClr val="FFFFFF"/>
+                  </a:gs>
+                </a:gsLst>
+                <a:lin ang="5400000" scaled="0"/>
+              </a:gradFill>
+            </a:endParaRPr>
+          </a:p>
+        </p:txBody>
+      </p:sp>
+      <p:sp>
+        <p:nvSpPr>
+          <p:cNvPr id="14" name="Rectangle 13"/>
+          <p:cNvSpPr/>
+          <p:nvPr/>
+        </p:nvSpPr>
+        <p:spPr bwMode="auto">
+          <a:xfrm>
+            <a:off x="4239479" y="3442524"/>
+            <a:ext cx="2274055" cy="527156"/>
+          </a:xfrm>
+          <a:prstGeom prst="rect">
+            <a:avLst/>
+          </a:prstGeom>
+          <a:solidFill>
+            <a:srgbClr val="00B0F0"/>
+          </a:solidFill>
+          <a:ln w="19050">
+            <a:noFill/>
+            <a:headEnd type="none" w="med" len="med"/>
+            <a:tailEnd type="none" w="med" len="med"/>
+          </a:ln>
+          <a:effectLst/>
+        </p:spPr>
+        <p:style>
+          <a:lnRef idx="1">
+            <a:schemeClr val="accent2"/>
+          </a:lnRef>
+          <a:fillRef idx="3">
+            <a:schemeClr val="accent2"/>
+          </a:fillRef>
+          <a:effectRef idx="2">
+            <a:schemeClr val="accent2"/>
+          </a:effectRef>
+          <a:fontRef idx="minor">
+            <a:schemeClr val="lt1"/>
+          </a:fontRef>
+        </p:style>
+        <p:txBody>
+          <a:bodyPr vert="horz" wrap="square" lIns="91436" tIns="45718" rIns="91436" bIns="45718" numCol="1" rtlCol="0" anchor="ctr" anchorCtr="0" compatLnSpc="1">
+            <a:prstTxWarp prst="textNoShape">
+              <a:avLst/>
+            </a:prstTxWarp>
+          </a:bodyPr>
+          <a:lstStyle/>
+          <a:p>
+            <a:pPr algn="ctr" defTabSz="914099" fontAlgn="base">
+              <a:spcBef>
+                <a:spcPct val="0"/>
+              </a:spcBef>
+              <a:spcAft>
+                <a:spcPct val="0"/>
+              </a:spcAft>
+            </a:pPr>
+            <a:r>
+              <a:rPr lang="en-US" sz="2400" dirty="0" smtClean="0">
+                <a:gradFill>
+                  <a:gsLst>
+                    <a:gs pos="0">
+                      <a:srgbClr val="FFFFFF"/>
+                    </a:gs>
+                    <a:gs pos="100000">
+                      <a:srgbClr val="FFFFFF"/>
+                    </a:gs>
+                  </a:gsLst>
+                  <a:lin ang="5400000" scaled="0"/>
+                </a:gradFill>
               </a:rPr>
-              <a:t>pricing and availability</a:t>
-            </a:r>
-            <a:endParaRPr lang="en-US" sz="3200" dirty="0">
-              <a:solidFill>
-                <a:schemeClr val="accent1"/>
-              </a:solidFill>
-              <a:latin typeface="Segoe UI Light" panose="020B0502040204020203" pitchFamily="34" charset="0"/>
-              <a:cs typeface="Segoe UI Light" panose="020B0502040204020203" pitchFamily="34" charset="0"/>
+              <a:t>N</a:t>
+            </a:r>
+            <a:endParaRPr lang="en-US" sz="2400" dirty="0" smtClean="0">
+              <a:gradFill>
+                <a:gsLst>
+                  <a:gs pos="0">
+                    <a:srgbClr val="FFFFFF"/>
+                  </a:gs>
+                  <a:gs pos="100000">
+                    <a:srgbClr val="FFFFFF"/>
+                  </a:gs>
+                </a:gsLst>
+                <a:lin ang="5400000" scaled="0"/>
+              </a:gradFill>
+            </a:endParaRPr>
+          </a:p>
+        </p:txBody>
+      </p:sp>
+      <p:sp>
+        <p:nvSpPr>
+          <p:cNvPr id="15" name="Rectangle 14"/>
+          <p:cNvSpPr/>
+          <p:nvPr/>
+        </p:nvSpPr>
+        <p:spPr bwMode="auto">
+          <a:xfrm>
+            <a:off x="4239479" y="4105865"/>
+            <a:ext cx="2274055" cy="527156"/>
+          </a:xfrm>
+          <a:prstGeom prst="rect">
+            <a:avLst/>
+          </a:prstGeom>
+          <a:solidFill>
+            <a:srgbClr val="00B0F0"/>
+          </a:solidFill>
+          <a:ln w="19050">
+            <a:noFill/>
+            <a:headEnd type="none" w="med" len="med"/>
+            <a:tailEnd type="none" w="med" len="med"/>
+          </a:ln>
+          <a:effectLst/>
+        </p:spPr>
+        <p:style>
+          <a:lnRef idx="1">
+            <a:schemeClr val="accent2"/>
+          </a:lnRef>
+          <a:fillRef idx="3">
+            <a:schemeClr val="accent2"/>
+          </a:fillRef>
+          <a:effectRef idx="2">
+            <a:schemeClr val="accent2"/>
+          </a:effectRef>
+          <a:fontRef idx="minor">
+            <a:schemeClr val="lt1"/>
+          </a:fontRef>
+        </p:style>
+        <p:txBody>
+          <a:bodyPr vert="horz" wrap="square" lIns="91436" tIns="45718" rIns="91436" bIns="45718" numCol="1" rtlCol="0" anchor="ctr" anchorCtr="0" compatLnSpc="1">
+            <a:prstTxWarp prst="textNoShape">
+              <a:avLst/>
+            </a:prstTxWarp>
+          </a:bodyPr>
+          <a:lstStyle/>
+          <a:p>
+            <a:pPr algn="ctr" defTabSz="914099" fontAlgn="base">
+              <a:spcBef>
+                <a:spcPct val="0"/>
+              </a:spcBef>
+              <a:spcAft>
+                <a:spcPct val="0"/>
+              </a:spcAft>
+            </a:pPr>
+            <a:r>
+              <a:rPr lang="en-US" sz="2400" dirty="0" smtClean="0">
+                <a:gradFill>
+                  <a:gsLst>
+                    <a:gs pos="0">
+                      <a:srgbClr val="FFFFFF"/>
+                    </a:gs>
+                    <a:gs pos="100000">
+                      <a:srgbClr val="FFFFFF"/>
+                    </a:gs>
+                  </a:gsLst>
+                  <a:lin ang="5400000" scaled="0"/>
+                </a:gradFill>
+              </a:rPr>
+              <a:t>A8 - A11</a:t>
+            </a:r>
+            <a:endParaRPr lang="en-US" sz="2400" dirty="0" smtClean="0">
+              <a:gradFill>
+                <a:gsLst>
+                  <a:gs pos="0">
+                    <a:srgbClr val="FFFFFF"/>
+                  </a:gs>
+                  <a:gs pos="100000">
+                    <a:srgbClr val="FFFFFF"/>
+                  </a:gs>
+                </a:gsLst>
+                <a:lin ang="5400000" scaled="0"/>
+              </a:gradFill>
+            </a:endParaRPr>
+          </a:p>
+        </p:txBody>
+      </p:sp>
+      <p:sp>
+        <p:nvSpPr>
+          <p:cNvPr id="16" name="Rectangle 15"/>
+          <p:cNvSpPr/>
+          <p:nvPr/>
+        </p:nvSpPr>
+        <p:spPr bwMode="auto">
+          <a:xfrm>
+            <a:off x="4239479" y="4769206"/>
+            <a:ext cx="2274055" cy="527156"/>
+          </a:xfrm>
+          <a:prstGeom prst="rect">
+            <a:avLst/>
+          </a:prstGeom>
+          <a:solidFill>
+            <a:srgbClr val="00B0F0"/>
+          </a:solidFill>
+          <a:ln w="19050">
+            <a:noFill/>
+            <a:headEnd type="none" w="med" len="med"/>
+            <a:tailEnd type="none" w="med" len="med"/>
+          </a:ln>
+          <a:effectLst/>
+        </p:spPr>
+        <p:style>
+          <a:lnRef idx="1">
+            <a:schemeClr val="accent2"/>
+          </a:lnRef>
+          <a:fillRef idx="3">
+            <a:schemeClr val="accent2"/>
+          </a:fillRef>
+          <a:effectRef idx="2">
+            <a:schemeClr val="accent2"/>
+          </a:effectRef>
+          <a:fontRef idx="minor">
+            <a:schemeClr val="lt1"/>
+          </a:fontRef>
+        </p:style>
+        <p:txBody>
+          <a:bodyPr vert="horz" wrap="square" lIns="91436" tIns="45718" rIns="91436" bIns="45718" numCol="1" rtlCol="0" anchor="ctr" anchorCtr="0" compatLnSpc="1">
+            <a:prstTxWarp prst="textNoShape">
+              <a:avLst/>
+            </a:prstTxWarp>
+          </a:bodyPr>
+          <a:lstStyle/>
+          <a:p>
+            <a:pPr algn="ctr" defTabSz="914099" fontAlgn="base">
+              <a:spcBef>
+                <a:spcPct val="0"/>
+              </a:spcBef>
+              <a:spcAft>
+                <a:spcPct val="0"/>
+              </a:spcAft>
+            </a:pPr>
+            <a:r>
+              <a:rPr lang="en-US" sz="2400" dirty="0" smtClean="0">
+                <a:gradFill>
+                  <a:gsLst>
+                    <a:gs pos="0">
+                      <a:srgbClr val="FFFFFF"/>
+                    </a:gs>
+                    <a:gs pos="100000">
+                      <a:srgbClr val="FFFFFF"/>
+                    </a:gs>
+                  </a:gsLst>
+                  <a:lin ang="5400000" scaled="0"/>
+                </a:gradFill>
+              </a:rPr>
+              <a:t>G(S)4, G(S)5</a:t>
+            </a:r>
+            <a:endParaRPr lang="en-US" sz="2400" dirty="0" smtClean="0">
+              <a:gradFill>
+                <a:gsLst>
+                  <a:gs pos="0">
+                    <a:srgbClr val="FFFFFF"/>
+                  </a:gs>
+                  <a:gs pos="100000">
+                    <a:srgbClr val="FFFFFF"/>
+                  </a:gs>
+                </a:gsLst>
+                <a:lin ang="5400000" scaled="0"/>
+              </a:gradFill>
+            </a:endParaRPr>
+          </a:p>
+        </p:txBody>
+      </p:sp>
+      <p:sp>
+        <p:nvSpPr>
+          <p:cNvPr id="17" name="Rectangle 16"/>
+          <p:cNvSpPr/>
+          <p:nvPr/>
+        </p:nvSpPr>
+        <p:spPr bwMode="auto">
+          <a:xfrm>
+            <a:off x="4239479" y="5432547"/>
+            <a:ext cx="2274055" cy="527156"/>
+          </a:xfrm>
+          <a:prstGeom prst="rect">
+            <a:avLst/>
+          </a:prstGeom>
+          <a:solidFill>
+            <a:srgbClr val="00B0F0"/>
+          </a:solidFill>
+          <a:ln w="19050">
+            <a:noFill/>
+            <a:headEnd type="none" w="med" len="med"/>
+            <a:tailEnd type="none" w="med" len="med"/>
+          </a:ln>
+          <a:effectLst/>
+        </p:spPr>
+        <p:style>
+          <a:lnRef idx="1">
+            <a:schemeClr val="accent2"/>
+          </a:lnRef>
+          <a:fillRef idx="3">
+            <a:schemeClr val="accent2"/>
+          </a:fillRef>
+          <a:effectRef idx="2">
+            <a:schemeClr val="accent2"/>
+          </a:effectRef>
+          <a:fontRef idx="minor">
+            <a:schemeClr val="lt1"/>
+          </a:fontRef>
+        </p:style>
+        <p:txBody>
+          <a:bodyPr vert="horz" wrap="square" lIns="91436" tIns="45718" rIns="91436" bIns="45718" numCol="1" rtlCol="0" anchor="ctr" anchorCtr="0" compatLnSpc="1">
+            <a:prstTxWarp prst="textNoShape">
+              <a:avLst/>
+            </a:prstTxWarp>
+          </a:bodyPr>
+          <a:lstStyle/>
+          <a:p>
+            <a:pPr algn="ctr" defTabSz="914099" fontAlgn="base">
+              <a:spcBef>
+                <a:spcPct val="0"/>
+              </a:spcBef>
+              <a:spcAft>
+                <a:spcPct val="0"/>
+              </a:spcAft>
+            </a:pPr>
+            <a:r>
+              <a:rPr lang="en-US" sz="2400" dirty="0" smtClean="0">
+                <a:gradFill>
+                  <a:gsLst>
+                    <a:gs pos="0">
+                      <a:srgbClr val="FFFFFF"/>
+                    </a:gs>
+                    <a:gs pos="100000">
+                      <a:srgbClr val="FFFFFF"/>
+                    </a:gs>
+                  </a:gsLst>
+                  <a:lin ang="5400000" scaled="0"/>
+                </a:gradFill>
+              </a:rPr>
+              <a:t>A10 - A11</a:t>
+            </a:r>
+            <a:endParaRPr lang="en-US" sz="2400" dirty="0" smtClean="0">
+              <a:gradFill>
+                <a:gsLst>
+                  <a:gs pos="0">
+                    <a:srgbClr val="FFFFFF"/>
+                  </a:gs>
+                  <a:gs pos="100000">
+                    <a:srgbClr val="FFFFFF"/>
+                  </a:gs>
+                </a:gsLst>
+                <a:lin ang="5400000" scaled="0"/>
+              </a:gradFill>
+            </a:endParaRPr>
+          </a:p>
+        </p:txBody>
+      </p:sp>
+      <p:sp>
+        <p:nvSpPr>
+          <p:cNvPr id="18" name="Rectangle 17"/>
+          <p:cNvSpPr/>
+          <p:nvPr/>
+        </p:nvSpPr>
+        <p:spPr bwMode="auto">
+          <a:xfrm>
+            <a:off x="6850436" y="1451960"/>
+            <a:ext cx="2274055" cy="527156"/>
+          </a:xfrm>
+          <a:prstGeom prst="rect">
+            <a:avLst/>
+          </a:prstGeom>
+          <a:solidFill>
+            <a:schemeClr val="accent4"/>
+          </a:solidFill>
+          <a:ln w="19050">
+            <a:noFill/>
+            <a:headEnd type="none" w="med" len="med"/>
+            <a:tailEnd type="none" w="med" len="med"/>
+          </a:ln>
+          <a:effectLst/>
+        </p:spPr>
+        <p:style>
+          <a:lnRef idx="1">
+            <a:schemeClr val="accent2"/>
+          </a:lnRef>
+          <a:fillRef idx="3">
+            <a:schemeClr val="accent2"/>
+          </a:fillRef>
+          <a:effectRef idx="2">
+            <a:schemeClr val="accent2"/>
+          </a:effectRef>
+          <a:fontRef idx="minor">
+            <a:schemeClr val="lt1"/>
+          </a:fontRef>
+        </p:style>
+        <p:txBody>
+          <a:bodyPr vert="horz" wrap="square" lIns="91436" tIns="45718" rIns="91436" bIns="45718" numCol="1" rtlCol="0" anchor="ctr" anchorCtr="0" compatLnSpc="1">
+            <a:prstTxWarp prst="textNoShape">
+              <a:avLst/>
+            </a:prstTxWarp>
+          </a:bodyPr>
+          <a:lstStyle/>
+          <a:p>
+            <a:pPr algn="ctr" defTabSz="914099" fontAlgn="base">
+              <a:spcBef>
+                <a:spcPct val="0"/>
+              </a:spcBef>
+              <a:spcAft>
+                <a:spcPct val="0"/>
+              </a:spcAft>
+            </a:pPr>
+            <a:r>
+              <a:rPr lang="en-US" sz="2400" dirty="0" smtClean="0">
+                <a:gradFill>
+                  <a:gsLst>
+                    <a:gs pos="0">
+                      <a:srgbClr val="FFFFFF"/>
+                    </a:gs>
+                    <a:gs pos="100000">
+                      <a:srgbClr val="FFFFFF"/>
+                    </a:gs>
+                  </a:gsLst>
+                  <a:lin ang="5400000" scaled="0"/>
+                </a:gradFill>
+              </a:rPr>
+              <a:t>D1v2 - D5v2</a:t>
+            </a:r>
+            <a:endParaRPr lang="en-US" sz="2400" dirty="0" smtClean="0">
+              <a:gradFill>
+                <a:gsLst>
+                  <a:gs pos="0">
+                    <a:srgbClr val="FFFFFF"/>
+                  </a:gs>
+                  <a:gs pos="100000">
+                    <a:srgbClr val="FFFFFF"/>
+                  </a:gs>
+                </a:gsLst>
+                <a:lin ang="5400000" scaled="0"/>
+              </a:gradFill>
+            </a:endParaRPr>
+          </a:p>
+        </p:txBody>
+      </p:sp>
+      <p:sp>
+        <p:nvSpPr>
+          <p:cNvPr id="19" name="Rectangle 18"/>
+          <p:cNvSpPr/>
+          <p:nvPr/>
+        </p:nvSpPr>
+        <p:spPr bwMode="auto">
+          <a:xfrm>
+            <a:off x="9461393" y="1451960"/>
+            <a:ext cx="2274055" cy="527156"/>
+          </a:xfrm>
+          <a:prstGeom prst="rect">
+            <a:avLst/>
+          </a:prstGeom>
+          <a:solidFill>
+            <a:schemeClr val="accent1"/>
+          </a:solidFill>
+          <a:ln w="19050">
+            <a:noFill/>
+            <a:headEnd type="none" w="med" len="med"/>
+            <a:tailEnd type="none" w="med" len="med"/>
+          </a:ln>
+          <a:effectLst/>
+        </p:spPr>
+        <p:style>
+          <a:lnRef idx="1">
+            <a:schemeClr val="accent2"/>
+          </a:lnRef>
+          <a:fillRef idx="3">
+            <a:schemeClr val="accent2"/>
+          </a:fillRef>
+          <a:effectRef idx="2">
+            <a:schemeClr val="accent2"/>
+          </a:effectRef>
+          <a:fontRef idx="minor">
+            <a:schemeClr val="lt1"/>
+          </a:fontRef>
+        </p:style>
+        <p:txBody>
+          <a:bodyPr vert="horz" wrap="square" lIns="91436" tIns="45718" rIns="91436" bIns="45718" numCol="1" rtlCol="0" anchor="ctr" anchorCtr="0" compatLnSpc="1">
+            <a:prstTxWarp prst="textNoShape">
+              <a:avLst/>
+            </a:prstTxWarp>
+          </a:bodyPr>
+          <a:lstStyle/>
+          <a:p>
+            <a:pPr algn="ctr" defTabSz="914099" fontAlgn="base">
+              <a:spcBef>
+                <a:spcPct val="0"/>
+              </a:spcBef>
+              <a:spcAft>
+                <a:spcPct val="0"/>
+              </a:spcAft>
+            </a:pPr>
+            <a:r>
+              <a:rPr lang="en-US" sz="2400" dirty="0">
+                <a:gradFill>
+                  <a:gsLst>
+                    <a:gs pos="0">
+                      <a:srgbClr val="FFFFFF"/>
+                    </a:gs>
+                    <a:gs pos="100000">
+                      <a:srgbClr val="FFFFFF"/>
+                    </a:gs>
+                  </a:gsLst>
+                  <a:lin ang="5400000" scaled="0"/>
+                </a:gradFill>
+              </a:rPr>
+              <a:t>D1 - D4</a:t>
+            </a:r>
+          </a:p>
+        </p:txBody>
+      </p:sp>
+      <p:sp>
+        <p:nvSpPr>
+          <p:cNvPr id="20" name="Rectangle 19"/>
+          <p:cNvSpPr/>
+          <p:nvPr/>
+        </p:nvSpPr>
+        <p:spPr bwMode="auto">
+          <a:xfrm>
+            <a:off x="6850436" y="2779183"/>
+            <a:ext cx="2274055" cy="527156"/>
+          </a:xfrm>
+          <a:prstGeom prst="rect">
+            <a:avLst/>
+          </a:prstGeom>
+          <a:solidFill>
+            <a:schemeClr val="accent4"/>
+          </a:solidFill>
+          <a:ln w="19050">
+            <a:noFill/>
+            <a:headEnd type="none" w="med" len="med"/>
+            <a:tailEnd type="none" w="med" len="med"/>
+          </a:ln>
+          <a:effectLst/>
+        </p:spPr>
+        <p:style>
+          <a:lnRef idx="1">
+            <a:schemeClr val="accent2"/>
+          </a:lnRef>
+          <a:fillRef idx="3">
+            <a:schemeClr val="accent2"/>
+          </a:fillRef>
+          <a:effectRef idx="2">
+            <a:schemeClr val="accent2"/>
+          </a:effectRef>
+          <a:fontRef idx="minor">
+            <a:schemeClr val="lt1"/>
+          </a:fontRef>
+        </p:style>
+        <p:txBody>
+          <a:bodyPr vert="horz" wrap="square" lIns="91436" tIns="45718" rIns="91436" bIns="45718" numCol="1" rtlCol="0" anchor="ctr" anchorCtr="0" compatLnSpc="1">
+            <a:prstTxWarp prst="textNoShape">
+              <a:avLst/>
+            </a:prstTxWarp>
+          </a:bodyPr>
+          <a:lstStyle/>
+          <a:p>
+            <a:pPr algn="ctr" defTabSz="914099" fontAlgn="base">
+              <a:spcBef>
+                <a:spcPct val="0"/>
+              </a:spcBef>
+              <a:spcAft>
+                <a:spcPct val="0"/>
+              </a:spcAft>
+            </a:pPr>
+            <a:r>
+              <a:rPr lang="en-US" sz="2400" dirty="0" smtClean="0">
+                <a:gradFill>
+                  <a:gsLst>
+                    <a:gs pos="0">
+                      <a:srgbClr val="FFFFFF"/>
+                    </a:gs>
+                    <a:gs pos="100000">
+                      <a:srgbClr val="FFFFFF"/>
+                    </a:gs>
+                  </a:gsLst>
+                  <a:lin ang="5400000" scaled="0"/>
+                </a:gradFill>
+              </a:rPr>
+              <a:t>D11 - D14</a:t>
+            </a:r>
+            <a:endParaRPr lang="en-US" sz="2400" dirty="0" smtClean="0">
+              <a:gradFill>
+                <a:gsLst>
+                  <a:gs pos="0">
+                    <a:srgbClr val="FFFFFF"/>
+                  </a:gs>
+                  <a:gs pos="100000">
+                    <a:srgbClr val="FFFFFF"/>
+                  </a:gs>
+                </a:gsLst>
+                <a:lin ang="5400000" scaled="0"/>
+              </a:gradFill>
+            </a:endParaRPr>
+          </a:p>
+        </p:txBody>
+      </p:sp>
+      <p:sp>
+        <p:nvSpPr>
+          <p:cNvPr id="21" name="Rectangle 20"/>
+          <p:cNvSpPr/>
+          <p:nvPr/>
+        </p:nvSpPr>
+        <p:spPr bwMode="auto">
+          <a:xfrm>
+            <a:off x="9461393" y="2779183"/>
+            <a:ext cx="2274055" cy="527156"/>
+          </a:xfrm>
+          <a:prstGeom prst="rect">
+            <a:avLst/>
+          </a:prstGeom>
+          <a:solidFill>
+            <a:schemeClr val="accent1"/>
+          </a:solidFill>
+          <a:ln w="19050">
+            <a:noFill/>
+            <a:headEnd type="none" w="med" len="med"/>
+            <a:tailEnd type="none" w="med" len="med"/>
+          </a:ln>
+          <a:effectLst/>
+        </p:spPr>
+        <p:style>
+          <a:lnRef idx="1">
+            <a:schemeClr val="accent2"/>
+          </a:lnRef>
+          <a:fillRef idx="3">
+            <a:schemeClr val="accent2"/>
+          </a:fillRef>
+          <a:effectRef idx="2">
+            <a:schemeClr val="accent2"/>
+          </a:effectRef>
+          <a:fontRef idx="minor">
+            <a:schemeClr val="lt1"/>
+          </a:fontRef>
+        </p:style>
+        <p:txBody>
+          <a:bodyPr vert="horz" wrap="square" lIns="91436" tIns="45718" rIns="91436" bIns="45718" numCol="1" rtlCol="0" anchor="ctr" anchorCtr="0" compatLnSpc="1">
+            <a:prstTxWarp prst="textNoShape">
+              <a:avLst/>
+            </a:prstTxWarp>
+          </a:bodyPr>
+          <a:lstStyle/>
+          <a:p>
+            <a:pPr algn="ctr" defTabSz="914099" fontAlgn="base">
+              <a:spcBef>
+                <a:spcPct val="0"/>
+              </a:spcBef>
+              <a:spcAft>
+                <a:spcPct val="0"/>
+              </a:spcAft>
+            </a:pPr>
+            <a:r>
+              <a:rPr lang="en-US" sz="2400" dirty="0" smtClean="0">
+                <a:gradFill>
+                  <a:gsLst>
+                    <a:gs pos="0">
+                      <a:srgbClr val="FFFFFF"/>
+                    </a:gs>
+                    <a:gs pos="100000">
+                      <a:srgbClr val="FFFFFF"/>
+                    </a:gs>
+                  </a:gsLst>
+                  <a:lin ang="5400000" scaled="0"/>
+                </a:gradFill>
+              </a:rPr>
+              <a:t>G</a:t>
+            </a:r>
+            <a:endParaRPr lang="en-US" sz="2400" dirty="0" smtClean="0">
+              <a:gradFill>
+                <a:gsLst>
+                  <a:gs pos="0">
+                    <a:srgbClr val="FFFFFF"/>
+                  </a:gs>
+                  <a:gs pos="100000">
+                    <a:srgbClr val="FFFFFF"/>
+                  </a:gs>
+                </a:gsLst>
+                <a:lin ang="5400000" scaled="0"/>
+              </a:gradFill>
+            </a:endParaRPr>
+          </a:p>
+        </p:txBody>
+      </p:sp>
+      <p:sp>
+        <p:nvSpPr>
+          <p:cNvPr id="22" name="Rectangle 21"/>
+          <p:cNvSpPr/>
+          <p:nvPr/>
+        </p:nvSpPr>
+        <p:spPr bwMode="auto">
+          <a:xfrm>
+            <a:off x="6850436" y="4105865"/>
+            <a:ext cx="2274055" cy="527156"/>
+          </a:xfrm>
+          <a:prstGeom prst="rect">
+            <a:avLst/>
+          </a:prstGeom>
+          <a:solidFill>
+            <a:schemeClr val="accent4"/>
+          </a:solidFill>
+          <a:ln w="19050">
+            <a:noFill/>
+            <a:headEnd type="none" w="med" len="med"/>
+            <a:tailEnd type="none" w="med" len="med"/>
+          </a:ln>
+          <a:effectLst/>
+        </p:spPr>
+        <p:style>
+          <a:lnRef idx="1">
+            <a:schemeClr val="accent2"/>
+          </a:lnRef>
+          <a:fillRef idx="3">
+            <a:schemeClr val="accent2"/>
+          </a:fillRef>
+          <a:effectRef idx="2">
+            <a:schemeClr val="accent2"/>
+          </a:effectRef>
+          <a:fontRef idx="minor">
+            <a:schemeClr val="lt1"/>
+          </a:fontRef>
+        </p:style>
+        <p:txBody>
+          <a:bodyPr vert="horz" wrap="square" lIns="91436" tIns="45718" rIns="91436" bIns="45718" numCol="1" rtlCol="0" anchor="ctr" anchorCtr="0" compatLnSpc="1">
+            <a:prstTxWarp prst="textNoShape">
+              <a:avLst/>
+            </a:prstTxWarp>
+          </a:bodyPr>
+          <a:lstStyle/>
+          <a:p>
+            <a:pPr algn="ctr" defTabSz="914099" fontAlgn="base">
+              <a:spcBef>
+                <a:spcPct val="0"/>
+              </a:spcBef>
+              <a:spcAft>
+                <a:spcPct val="0"/>
+              </a:spcAft>
+            </a:pPr>
+            <a:r>
+              <a:rPr lang="en-US" sz="2400" dirty="0" smtClean="0">
+                <a:gradFill>
+                  <a:gsLst>
+                    <a:gs pos="0">
+                      <a:srgbClr val="FFFFFF"/>
+                    </a:gs>
+                    <a:gs pos="100000">
+                      <a:srgbClr val="FFFFFF"/>
+                    </a:gs>
+                  </a:gsLst>
+                  <a:lin ang="5400000" scaled="0"/>
+                </a:gradFill>
+              </a:rPr>
+              <a:t>G(S)5</a:t>
+            </a:r>
+            <a:endParaRPr lang="en-US" sz="2400" dirty="0" smtClean="0">
+              <a:gradFill>
+                <a:gsLst>
+                  <a:gs pos="0">
+                    <a:srgbClr val="FFFFFF"/>
+                  </a:gs>
+                  <a:gs pos="100000">
+                    <a:srgbClr val="FFFFFF"/>
+                  </a:gs>
+                </a:gsLst>
+                <a:lin ang="5400000" scaled="0"/>
+              </a:gradFill>
+            </a:endParaRPr>
+          </a:p>
+        </p:txBody>
+      </p:sp>
+      <p:sp>
+        <p:nvSpPr>
+          <p:cNvPr id="23" name="Rectangle 22"/>
+          <p:cNvSpPr/>
+          <p:nvPr/>
+        </p:nvSpPr>
+        <p:spPr bwMode="auto">
+          <a:xfrm>
+            <a:off x="9461393" y="4105865"/>
+            <a:ext cx="2274055" cy="527156"/>
+          </a:xfrm>
+          <a:prstGeom prst="rect">
+            <a:avLst/>
+          </a:prstGeom>
+          <a:solidFill>
+            <a:schemeClr val="accent1"/>
+          </a:solidFill>
+          <a:ln w="19050">
+            <a:noFill/>
+            <a:headEnd type="none" w="med" len="med"/>
+            <a:tailEnd type="none" w="med" len="med"/>
+          </a:ln>
+          <a:effectLst/>
+        </p:spPr>
+        <p:style>
+          <a:lnRef idx="1">
+            <a:schemeClr val="accent2"/>
+          </a:lnRef>
+          <a:fillRef idx="3">
+            <a:schemeClr val="accent2"/>
+          </a:fillRef>
+          <a:effectRef idx="2">
+            <a:schemeClr val="accent2"/>
+          </a:effectRef>
+          <a:fontRef idx="minor">
+            <a:schemeClr val="lt1"/>
+          </a:fontRef>
+        </p:style>
+        <p:txBody>
+          <a:bodyPr vert="horz" wrap="square" lIns="91436" tIns="45718" rIns="91436" bIns="45718" numCol="1" rtlCol="0" anchor="ctr" anchorCtr="0" compatLnSpc="1">
+            <a:prstTxWarp prst="textNoShape">
+              <a:avLst/>
+            </a:prstTxWarp>
+          </a:bodyPr>
+          <a:lstStyle/>
+          <a:p>
+            <a:pPr algn="ctr" defTabSz="914099" fontAlgn="base">
+              <a:spcBef>
+                <a:spcPct val="0"/>
+              </a:spcBef>
+              <a:spcAft>
+                <a:spcPct val="0"/>
+              </a:spcAft>
+            </a:pPr>
+            <a:r>
+              <a:rPr lang="en-US" sz="2400" dirty="0" smtClean="0">
+                <a:gradFill>
+                  <a:gsLst>
+                    <a:gs pos="0">
+                      <a:srgbClr val="FFFFFF"/>
+                    </a:gs>
+                    <a:gs pos="100000">
+                      <a:srgbClr val="FFFFFF"/>
+                    </a:gs>
+                  </a:gsLst>
+                  <a:lin ang="5400000" scaled="0"/>
+                </a:gradFill>
+              </a:rPr>
+              <a:t>D(S)15v2</a:t>
+            </a:r>
+            <a:endParaRPr lang="en-US" sz="2400" dirty="0" smtClean="0">
+              <a:gradFill>
+                <a:gsLst>
+                  <a:gs pos="0">
+                    <a:srgbClr val="FFFFFF"/>
+                  </a:gs>
+                  <a:gs pos="100000">
+                    <a:srgbClr val="FFFFFF"/>
+                  </a:gs>
+                </a:gsLst>
+                <a:lin ang="5400000" scaled="0"/>
+              </a:gradFill>
+            </a:endParaRPr>
+          </a:p>
+        </p:txBody>
+      </p:sp>
+      <p:sp>
+        <p:nvSpPr>
+          <p:cNvPr id="24" name="Rectangle 23"/>
+          <p:cNvSpPr/>
+          <p:nvPr/>
+        </p:nvSpPr>
+        <p:spPr bwMode="auto">
+          <a:xfrm>
+            <a:off x="6850436" y="4769206"/>
+            <a:ext cx="2274055" cy="527156"/>
+          </a:xfrm>
+          <a:prstGeom prst="rect">
+            <a:avLst/>
+          </a:prstGeom>
+          <a:solidFill>
+            <a:schemeClr val="accent4"/>
+          </a:solidFill>
+          <a:ln w="19050">
+            <a:noFill/>
+            <a:headEnd type="none" w="med" len="med"/>
+            <a:tailEnd type="none" w="med" len="med"/>
+          </a:ln>
+          <a:effectLst/>
+        </p:spPr>
+        <p:style>
+          <a:lnRef idx="1">
+            <a:schemeClr val="accent2"/>
+          </a:lnRef>
+          <a:fillRef idx="3">
+            <a:schemeClr val="accent2"/>
+          </a:fillRef>
+          <a:effectRef idx="2">
+            <a:schemeClr val="accent2"/>
+          </a:effectRef>
+          <a:fontRef idx="minor">
+            <a:schemeClr val="lt1"/>
+          </a:fontRef>
+        </p:style>
+        <p:txBody>
+          <a:bodyPr vert="horz" wrap="square" lIns="91436" tIns="45718" rIns="91436" bIns="45718" numCol="1" rtlCol="0" anchor="ctr" anchorCtr="0" compatLnSpc="1">
+            <a:prstTxWarp prst="textNoShape">
+              <a:avLst/>
+            </a:prstTxWarp>
+          </a:bodyPr>
+          <a:lstStyle/>
+          <a:p>
+            <a:pPr algn="ctr" defTabSz="914099" fontAlgn="base">
+              <a:spcBef>
+                <a:spcPct val="0"/>
+              </a:spcBef>
+              <a:spcAft>
+                <a:spcPct val="0"/>
+              </a:spcAft>
+            </a:pPr>
+            <a:r>
+              <a:rPr lang="en-US" sz="2400" dirty="0" smtClean="0">
+                <a:gradFill>
+                  <a:gsLst>
+                    <a:gs pos="0">
+                      <a:srgbClr val="FFFFFF"/>
+                    </a:gs>
+                    <a:gs pos="100000">
+                      <a:srgbClr val="FFFFFF"/>
+                    </a:gs>
+                  </a:gsLst>
+                  <a:lin ang="5400000" scaled="0"/>
+                </a:gradFill>
+              </a:rPr>
+              <a:t>D(s)15v2</a:t>
+            </a:r>
+            <a:endParaRPr lang="en-US" sz="2400" dirty="0" smtClean="0">
+              <a:gradFill>
+                <a:gsLst>
+                  <a:gs pos="0">
+                    <a:srgbClr val="FFFFFF"/>
+                  </a:gs>
+                  <a:gs pos="100000">
+                    <a:srgbClr val="FFFFFF"/>
+                  </a:gs>
+                </a:gsLst>
+                <a:lin ang="5400000" scaled="0"/>
+              </a:gradFill>
             </a:endParaRPr>
           </a:p>
         </p:txBody>
@@ -15102,7 +19598,7 @@
     </p:spTree>
     <p:extLst>
       <p:ext uri="{BB962C8B-B14F-4D97-AF65-F5344CB8AC3E}">
-        <p14:creationId xmlns:p14="http://schemas.microsoft.com/office/powerpoint/2010/main" val="3948690957"/>
+        <p14:creationId xmlns:p14="http://schemas.microsoft.com/office/powerpoint/2010/main" val="1391221588"/>
       </p:ext>
     </p:extLst>
   </p:cSld>
@@ -15112,17 +19608,10 @@
   <p:transition>
     <p:fade/>
   </p:transition>
-  <p:timing>
-    <p:tnLst>
-      <p:par>
-        <p:cTn id="1" dur="indefinite" restart="never" nodeType="tmRoot"/>
-      </p:par>
-    </p:tnLst>
-  </p:timing>
 </p:sld>
 </file>
 
-<file path=ppt/slides/slide4.xml><?xml version="1.0" encoding="utf-8"?>
+<file path=ppt/slides/slide5.xml><?xml version="1.0" encoding="utf-8"?>
 <p:sld xmlns:a="http://schemas.openxmlformats.org/drawingml/2006/main" xmlns:r="http://schemas.openxmlformats.org/officeDocument/2006/relationships" xmlns:p="http://schemas.openxmlformats.org/presentationml/2006/main">
   <p:cSld>
     <p:spTree>
@@ -16120,17 +20609,7 @@
                 <a:latin typeface="Segoe UI Light" panose="020B0502040204020203" pitchFamily="34" charset="0"/>
                 <a:cs typeface="Segoe UI Light" panose="020B0502040204020203" pitchFamily="34" charset="0"/>
               </a:rPr>
-              <a:t>8</a:t>
-            </a:r>
-            <a:r>
-              <a:rPr lang="en-US" sz="3200" spc="-200" dirty="0">
-                <a:solidFill>
-                  <a:srgbClr val="00B0F0"/>
-                </a:solidFill>
-                <a:latin typeface="Segoe UI Light" panose="020B0502040204020203" pitchFamily="34" charset="0"/>
-                <a:cs typeface="Segoe UI Light" panose="020B0502040204020203" pitchFamily="34" charset="0"/>
-              </a:rPr>
-              <a:t> cores</a:t>
+              <a:t>8 cores</a:t>
             </a:r>
           </a:p>
           <a:p>
@@ -16439,6 +20918,67 @@
           </a:p>
         </p:txBody>
       </p:sp>
+      <p:sp>
+        <p:nvSpPr>
+          <p:cNvPr id="3" name="TextBox 2"/>
+          <p:cNvSpPr txBox="1"/>
+          <p:nvPr/>
+        </p:nvSpPr>
+        <p:spPr>
+          <a:xfrm>
+            <a:off x="532322" y="966243"/>
+            <a:ext cx="10221131" cy="443198"/>
+          </a:xfrm>
+          <a:prstGeom prst="rect">
+            <a:avLst/>
+          </a:prstGeom>
+          <a:noFill/>
+        </p:spPr>
+        <p:txBody>
+          <a:bodyPr wrap="none" lIns="0" tIns="0" rIns="0" bIns="0" rtlCol="0">
+            <a:spAutoFit/>
+          </a:bodyPr>
+          <a:lstStyle/>
+          <a:p>
+            <a:pPr>
+              <a:lnSpc>
+                <a:spcPct val="90000"/>
+              </a:lnSpc>
+              <a:spcBef>
+                <a:spcPct val="20000"/>
+              </a:spcBef>
+              <a:buSzPct val="80000"/>
+            </a:pPr>
+            <a:r>
+              <a:rPr lang="en-US" sz="3200" dirty="0" smtClean="0">
+                <a:solidFill>
+                  <a:schemeClr val="accent1"/>
+                </a:solidFill>
+                <a:latin typeface="Segoe UI Light" panose="020B0502040204020203" pitchFamily="34" charset="0"/>
+                <a:cs typeface="Segoe UI Light" panose="020B0502040204020203" pitchFamily="34" charset="0"/>
+              </a:rPr>
+              <a:t>See </a:t>
+            </a:r>
+            <a:r>
+              <a:rPr lang="en-US" sz="3200" dirty="0" smtClean="0">
+                <a:solidFill>
+                  <a:schemeClr val="accent1"/>
+                </a:solidFill>
+                <a:latin typeface="Segoe UI Light" panose="020B0502040204020203" pitchFamily="34" charset="0"/>
+                <a:cs typeface="Segoe UI Light" panose="020B0502040204020203" pitchFamily="34" charset="0"/>
+              </a:rPr>
+              <a:t>bit.ly/a4r-vm-pricing for up-to-date pricing information</a:t>
+            </a:r>
+            <a:endParaRPr lang="en-US" sz="3200" dirty="0">
+              <a:solidFill>
+                <a:schemeClr val="accent1"/>
+              </a:solidFill>
+              <a:latin typeface="Segoe UI Light" panose="020B0502040204020203" pitchFamily="34" charset="0"/>
+              <a:cs typeface="Segoe UI Light" panose="020B0502040204020203" pitchFamily="34" charset="0"/>
+            </a:endParaRPr>
+          </a:p>
+        </p:txBody>
+      </p:sp>
     </p:spTree>
     <p:extLst>
       <p:ext uri="{BB962C8B-B14F-4D97-AF65-F5344CB8AC3E}">
@@ -16452,147 +20992,6 @@
   <p:transition>
     <p:fade/>
   </p:transition>
-</p:sld>
-</file>
-
-<file path=ppt/slides/slide5.xml><?xml version="1.0" encoding="utf-8"?>
-<p:sld xmlns:a="http://schemas.openxmlformats.org/drawingml/2006/main" xmlns:r="http://schemas.openxmlformats.org/officeDocument/2006/relationships" xmlns:p="http://schemas.openxmlformats.org/presentationml/2006/main">
-  <p:cSld>
-    <p:spTree>
-      <p:nvGrpSpPr>
-        <p:cNvPr id="1" name=""/>
-        <p:cNvGrpSpPr/>
-        <p:nvPr/>
-      </p:nvGrpSpPr>
-      <p:grpSpPr>
-        <a:xfrm>
-          <a:off x="0" y="0"/>
-          <a:ext cx="0" cy="0"/>
-          <a:chOff x="0" y="0"/>
-          <a:chExt cx="0" cy="0"/>
-        </a:xfrm>
-      </p:grpSpPr>
-      <p:sp>
-        <p:nvSpPr>
-          <p:cNvPr id="2" name="Title 1"/>
-          <p:cNvSpPr>
-            <a:spLocks noGrp="1"/>
-          </p:cNvSpPr>
-          <p:nvPr>
-            <p:ph type="title"/>
-          </p:nvPr>
-        </p:nvSpPr>
-        <p:spPr/>
-        <p:txBody>
-          <a:bodyPr/>
-          <a:lstStyle/>
-          <a:p>
-            <a:r>
-              <a:rPr lang="en-US" dirty="0" smtClean="0"/>
-              <a:t>Azure Resource Manager</a:t>
-            </a:r>
-            <a:endParaRPr lang="en-US" dirty="0"/>
-          </a:p>
-        </p:txBody>
-      </p:sp>
-      <p:sp>
-        <p:nvSpPr>
-          <p:cNvPr id="3" name="Content Placeholder 2"/>
-          <p:cNvSpPr>
-            <a:spLocks noGrp="1"/>
-          </p:cNvSpPr>
-          <p:nvPr>
-            <p:ph idx="1"/>
-          </p:nvPr>
-        </p:nvSpPr>
-        <p:spPr>
-          <a:xfrm>
-            <a:off x="519248" y="1447800"/>
-            <a:ext cx="11021111" cy="4098430"/>
-          </a:xfrm>
-        </p:spPr>
-        <p:txBody>
-          <a:bodyPr/>
-          <a:lstStyle/>
-          <a:p>
-            <a:r>
-              <a:rPr lang="en-US" dirty="0"/>
-              <a:t>Allows resources to be collated into resource groups</a:t>
-            </a:r>
-          </a:p>
-          <a:p>
-            <a:pPr lvl="1"/>
-            <a:r>
-              <a:rPr lang="en-US" dirty="0"/>
-              <a:t>Deploy, manage, monitor, and delete all resources at once rather than one resource at a time</a:t>
-            </a:r>
-          </a:p>
-          <a:p>
-            <a:r>
-              <a:rPr lang="en-US" dirty="0" smtClean="0"/>
-              <a:t>Allows </a:t>
-            </a:r>
-            <a:r>
-              <a:rPr lang="en-US" dirty="0" smtClean="0"/>
-              <a:t>complex deployments to be performed declaratively via deployment templates</a:t>
-            </a:r>
-          </a:p>
-          <a:p>
-            <a:pPr lvl="1"/>
-            <a:r>
-              <a:rPr lang="en-US" dirty="0" smtClean="0"/>
-              <a:t>Deployment templates specify all the resources — VMs, switches, storage accounts, etc. — to be provisioned</a:t>
-            </a:r>
-          </a:p>
-          <a:p>
-            <a:pPr lvl="1"/>
-            <a:r>
-              <a:rPr lang="en-US" dirty="0" smtClean="0"/>
-              <a:t>Templates can include parameters that are filled in at runtime</a:t>
-            </a:r>
-          </a:p>
-          <a:p>
-            <a:pPr lvl="1"/>
-            <a:r>
-              <a:rPr lang="en-US" dirty="0"/>
-              <a:t>Learn more at </a:t>
-            </a:r>
-            <a:r>
-              <a:rPr lang="en-US" dirty="0" smtClean="0">
-                <a:hlinkClick r:id="rId3"/>
-              </a:rPr>
-              <a:t>http://</a:t>
-            </a:r>
-            <a:r>
-              <a:rPr lang="en-US" dirty="0" smtClean="0">
-                <a:hlinkClick r:id="rId3"/>
-              </a:rPr>
-              <a:t>bit.ly/a4r-arm</a:t>
-            </a:r>
-            <a:endParaRPr lang="en-US" dirty="0" smtClean="0"/>
-          </a:p>
-        </p:txBody>
-      </p:sp>
-    </p:spTree>
-    <p:extLst>
-      <p:ext uri="{BB962C8B-B14F-4D97-AF65-F5344CB8AC3E}">
-        <p14:creationId xmlns:p14="http://schemas.microsoft.com/office/powerpoint/2010/main" val="78336517"/>
-      </p:ext>
-    </p:extLst>
-  </p:cSld>
-  <p:clrMapOvr>
-    <a:masterClrMapping/>
-  </p:clrMapOvr>
-  <p:transition>
-    <p:fade/>
-  </p:transition>
-  <p:timing>
-    <p:tnLst>
-      <p:par>
-        <p:cTn id="1" dur="indefinite" restart="never" nodeType="tmRoot"/>
-      </p:par>
-    </p:tnLst>
-  </p:timing>
 </p:sld>
 </file>
 
@@ -16630,6 +21029,137 @@
           <a:p>
             <a:r>
               <a:rPr lang="en-US" dirty="0" smtClean="0"/>
+              <a:t>Azure Resource Manager</a:t>
+            </a:r>
+            <a:endParaRPr lang="en-US" dirty="0"/>
+          </a:p>
+        </p:txBody>
+      </p:sp>
+      <p:sp>
+        <p:nvSpPr>
+          <p:cNvPr id="3" name="Content Placeholder 2"/>
+          <p:cNvSpPr>
+            <a:spLocks noGrp="1"/>
+          </p:cNvSpPr>
+          <p:nvPr>
+            <p:ph idx="1"/>
+          </p:nvPr>
+        </p:nvSpPr>
+        <p:spPr>
+          <a:xfrm>
+            <a:off x="519248" y="1447800"/>
+            <a:ext cx="11021111" cy="4098430"/>
+          </a:xfrm>
+        </p:spPr>
+        <p:txBody>
+          <a:bodyPr/>
+          <a:lstStyle/>
+          <a:p>
+            <a:r>
+              <a:rPr lang="en-US" dirty="0"/>
+              <a:t>Allows resources to be collated into resource groups</a:t>
+            </a:r>
+          </a:p>
+          <a:p>
+            <a:pPr lvl="1"/>
+            <a:r>
+              <a:rPr lang="en-US" dirty="0"/>
+              <a:t>Deploy, manage, monitor, and delete all resources at once rather than one resource at a time</a:t>
+            </a:r>
+          </a:p>
+          <a:p>
+            <a:r>
+              <a:rPr lang="en-US" dirty="0" smtClean="0"/>
+              <a:t>Allows complex deployments to be performed declaratively via deployment templates</a:t>
+            </a:r>
+          </a:p>
+          <a:p>
+            <a:pPr lvl="1"/>
+            <a:r>
+              <a:rPr lang="en-US" dirty="0" smtClean="0"/>
+              <a:t>Deployment templates specify all the resources — VMs, switches, storage accounts, etc. — to be provisioned</a:t>
+            </a:r>
+          </a:p>
+          <a:p>
+            <a:pPr lvl="1"/>
+            <a:r>
+              <a:rPr lang="en-US" dirty="0" smtClean="0"/>
+              <a:t>Templates can include parameters that are filled in at runtime</a:t>
+            </a:r>
+          </a:p>
+          <a:p>
+            <a:pPr lvl="1"/>
+            <a:r>
+              <a:rPr lang="en-US" dirty="0"/>
+              <a:t>Learn more at </a:t>
+            </a:r>
+            <a:r>
+              <a:rPr lang="en-US" dirty="0" smtClean="0">
+                <a:hlinkClick r:id="rId3"/>
+              </a:rPr>
+              <a:t>http://bit.ly/a4r-arm</a:t>
+            </a:r>
+            <a:endParaRPr lang="en-US" dirty="0" smtClean="0"/>
+          </a:p>
+        </p:txBody>
+      </p:sp>
+    </p:spTree>
+    <p:extLst>
+      <p:ext uri="{BB962C8B-B14F-4D97-AF65-F5344CB8AC3E}">
+        <p14:creationId xmlns:p14="http://schemas.microsoft.com/office/powerpoint/2010/main" val="78336517"/>
+      </p:ext>
+    </p:extLst>
+  </p:cSld>
+  <p:clrMapOvr>
+    <a:masterClrMapping/>
+  </p:clrMapOvr>
+  <p:transition>
+    <p:fade/>
+  </p:transition>
+  <p:timing>
+    <p:tnLst>
+      <p:par>
+        <p:cTn id="1" dur="indefinite" restart="never" nodeType="tmRoot"/>
+      </p:par>
+    </p:tnLst>
+  </p:timing>
+</p:sld>
+</file>
+
+<file path=ppt/slides/slide7.xml><?xml version="1.0" encoding="utf-8"?>
+<p:sld xmlns:a="http://schemas.openxmlformats.org/drawingml/2006/main" xmlns:r="http://schemas.openxmlformats.org/officeDocument/2006/relationships" xmlns:p="http://schemas.openxmlformats.org/presentationml/2006/main">
+  <p:cSld>
+    <p:spTree>
+      <p:nvGrpSpPr>
+        <p:cNvPr id="1" name=""/>
+        <p:cNvGrpSpPr/>
+        <p:nvPr/>
+      </p:nvGrpSpPr>
+      <p:grpSpPr>
+        <a:xfrm>
+          <a:off x="0" y="0"/>
+          <a:ext cx="0" cy="0"/>
+          <a:chOff x="0" y="0"/>
+          <a:chExt cx="0" cy="0"/>
+        </a:xfrm>
+      </p:grpSpPr>
+      <p:sp>
+        <p:nvSpPr>
+          <p:cNvPr id="2" name="Title 1"/>
+          <p:cNvSpPr>
+            <a:spLocks noGrp="1"/>
+          </p:cNvSpPr>
+          <p:nvPr>
+            <p:ph type="title"/>
+          </p:nvPr>
+        </p:nvSpPr>
+        <p:spPr/>
+        <p:txBody>
+          <a:bodyPr/>
+          <a:lstStyle/>
+          <a:p>
+            <a:r>
+              <a:rPr lang="en-US" dirty="0" smtClean="0"/>
               <a:t>Azure </a:t>
             </a:r>
             <a:r>
@@ -16666,13 +21196,8 @@
           <a:p>
             <a:r>
               <a:rPr lang="en-US" dirty="0" smtClean="0"/>
-              <a:t>Free, open-source </a:t>
-            </a:r>
-            <a:r>
-              <a:rPr lang="en-US" dirty="0" smtClean="0"/>
-              <a:t>deployment templates</a:t>
-            </a:r>
-            <a:endParaRPr lang="en-US" dirty="0" smtClean="0"/>
+              <a:t>Free, open-source deployment templates</a:t>
+            </a:r>
           </a:p>
           <a:p>
             <a:endParaRPr lang="en-US" dirty="0"/>
@@ -16846,7 +21371,7 @@
 </p:sld>
 </file>
 
-<file path=ppt/slides/slide7.xml><?xml version="1.0" encoding="utf-8"?>
+<file path=ppt/slides/slide8.xml><?xml version="1.0" encoding="utf-8"?>
 <p:sld xmlns:a="http://schemas.openxmlformats.org/drawingml/2006/main" xmlns:r="http://schemas.openxmlformats.org/officeDocument/2006/relationships" xmlns:p="http://schemas.openxmlformats.org/presentationml/2006/main">
   <p:cSld>
     <p:spTree>
@@ -16992,7 +21517,7 @@
 </p:sld>
 </file>
 
-<file path=ppt/slides/slide8.xml><?xml version="1.0" encoding="utf-8"?>
+<file path=ppt/slides/slide9.xml><?xml version="1.0" encoding="utf-8"?>
 <p:sld xmlns:a="http://schemas.openxmlformats.org/drawingml/2006/main" xmlns:r="http://schemas.openxmlformats.org/officeDocument/2006/relationships" xmlns:p="http://schemas.openxmlformats.org/presentationml/2006/main">
   <p:cSld>
     <p:spTree>
@@ -17091,39 +21616,6 @@
     <p:extLst>
       <p:ext uri="{BB962C8B-B14F-4D97-AF65-F5344CB8AC3E}">
         <p14:creationId xmlns:p14="http://schemas.microsoft.com/office/powerpoint/2010/main" val="3887140717"/>
-      </p:ext>
-    </p:extLst>
-  </p:cSld>
-  <p:clrMapOvr>
-    <a:masterClrMapping/>
-  </p:clrMapOvr>
-  <p:transition>
-    <p:fade/>
-  </p:transition>
-</p:sld>
-</file>
-
-<file path=ppt/slides/slide9.xml><?xml version="1.0" encoding="utf-8"?>
-<p:sld xmlns:a="http://schemas.openxmlformats.org/drawingml/2006/main" xmlns:r="http://schemas.openxmlformats.org/officeDocument/2006/relationships" xmlns:p="http://schemas.openxmlformats.org/presentationml/2006/main">
-  <p:cSld>
-    <p:spTree>
-      <p:nvGrpSpPr>
-        <p:cNvPr id="1" name=""/>
-        <p:cNvGrpSpPr/>
-        <p:nvPr/>
-      </p:nvGrpSpPr>
-      <p:grpSpPr>
-        <a:xfrm>
-          <a:off x="0" y="0"/>
-          <a:ext cx="0" cy="0"/>
-          <a:chOff x="0" y="0"/>
-          <a:chExt cx="0" cy="0"/>
-        </a:xfrm>
-      </p:grpSpPr>
-    </p:spTree>
-    <p:extLst>
-      <p:ext uri="{BB962C8B-B14F-4D97-AF65-F5344CB8AC3E}">
-        <p14:creationId xmlns:p14="http://schemas.microsoft.com/office/powerpoint/2010/main" val="523359783"/>
       </p:ext>
     </p:extLst>
   </p:cSld>

--- a/Content/High-Performance Computing/Azure High-Performance Computing.pptx
+++ b/Content/High-Performance Computing/Azure High-Performance Computing.pptx
@@ -5,19 +5,21 @@
     <p:sldMasterId id="2147483680" r:id="rId1"/>
   </p:sldMasterIdLst>
   <p:notesMasterIdLst>
-    <p:notesMasterId r:id="rId12"/>
+    <p:notesMasterId r:id="rId14"/>
   </p:notesMasterIdLst>
   <p:sldIdLst>
     <p:sldId id="256" r:id="rId2"/>
-    <p:sldId id="259" r:id="rId3"/>
-    <p:sldId id="272" r:id="rId4"/>
-    <p:sldId id="273" r:id="rId5"/>
-    <p:sldId id="271" r:id="rId6"/>
-    <p:sldId id="266" r:id="rId7"/>
-    <p:sldId id="267" r:id="rId8"/>
-    <p:sldId id="268" r:id="rId9"/>
-    <p:sldId id="264" r:id="rId10"/>
-    <p:sldId id="263" r:id="rId11"/>
+    <p:sldId id="276" r:id="rId3"/>
+    <p:sldId id="275" r:id="rId4"/>
+    <p:sldId id="259" r:id="rId5"/>
+    <p:sldId id="272" r:id="rId6"/>
+    <p:sldId id="273" r:id="rId7"/>
+    <p:sldId id="271" r:id="rId8"/>
+    <p:sldId id="266" r:id="rId9"/>
+    <p:sldId id="267" r:id="rId10"/>
+    <p:sldId id="268" r:id="rId11"/>
+    <p:sldId id="264" r:id="rId12"/>
+    <p:sldId id="263" r:id="rId13"/>
   </p:sldIdLst>
   <p:sldSz cx="12192000" cy="6858000"/>
   <p:notesSz cx="6858000" cy="9144000"/>
@@ -206,7 +208,7 @@
           <a:p>
             <a:fld id="{2E5CA586-3557-4985-BCD4-35EF5AC8B4A4}" type="datetimeFigureOut">
               <a:rPr lang="en-US" smtClean="0"/>
-              <a:t>10/10/2016</a:t>
+              <a:t>12/20/2016</a:t>
             </a:fld>
             <a:endParaRPr lang="en-US"/>
           </a:p>
@@ -669,6 +671,178 @@
 </p:notes>
 </file>
 
+<file path=ppt/notesSlides/notesSlide10.xml><?xml version="1.0" encoding="utf-8"?>
+<p:notes xmlns:a="http://schemas.openxmlformats.org/drawingml/2006/main" xmlns:r="http://schemas.openxmlformats.org/officeDocument/2006/relationships" xmlns:p="http://schemas.openxmlformats.org/presentationml/2006/main">
+  <p:cSld>
+    <p:spTree>
+      <p:nvGrpSpPr>
+        <p:cNvPr id="1" name=""/>
+        <p:cNvGrpSpPr/>
+        <p:nvPr/>
+      </p:nvGrpSpPr>
+      <p:grpSpPr>
+        <a:xfrm>
+          <a:off x="0" y="0"/>
+          <a:ext cx="0" cy="0"/>
+          <a:chOff x="0" y="0"/>
+          <a:chExt cx="0" cy="0"/>
+        </a:xfrm>
+      </p:grpSpPr>
+      <p:sp>
+        <p:nvSpPr>
+          <p:cNvPr id="2" name="Slide Image Placeholder 1"/>
+          <p:cNvSpPr>
+            <a:spLocks noGrp="1" noRot="1" noChangeAspect="1"/>
+          </p:cNvSpPr>
+          <p:nvPr>
+            <p:ph type="sldImg"/>
+          </p:nvPr>
+        </p:nvSpPr>
+        <p:spPr/>
+      </p:sp>
+      <p:sp>
+        <p:nvSpPr>
+          <p:cNvPr id="3" name="Notes Placeholder 2"/>
+          <p:cNvSpPr>
+            <a:spLocks noGrp="1"/>
+          </p:cNvSpPr>
+          <p:nvPr>
+            <p:ph type="body" idx="1"/>
+          </p:nvPr>
+        </p:nvSpPr>
+        <p:spPr/>
+        <p:txBody>
+          <a:bodyPr/>
+          <a:lstStyle/>
+          <a:p>
+            <a:r>
+              <a:rPr lang="en-US" dirty="0" smtClean="0"/>
+              <a:t>The Simple Linux Utility for Resource Management (SLURM), also known as the SLURM Workload Manager, is a free and open-source job scheduler for Linux that excels at distributing heavy computing workloads across clusters of machines and processors. It is used on more than half of the world's largest supercomputers and High-Performance Computing (HPC) clusters, and it enjoys widespread use in the research community for jobs that require significant CPU resources.</a:t>
+            </a:r>
+            <a:endParaRPr lang="en-US" dirty="0"/>
+          </a:p>
+        </p:txBody>
+      </p:sp>
+      <p:sp>
+        <p:nvSpPr>
+          <p:cNvPr id="4" name="Slide Number Placeholder 3"/>
+          <p:cNvSpPr>
+            <a:spLocks noGrp="1"/>
+          </p:cNvSpPr>
+          <p:nvPr>
+            <p:ph type="sldNum" sz="quarter" idx="10"/>
+          </p:nvPr>
+        </p:nvSpPr>
+        <p:spPr/>
+        <p:txBody>
+          <a:bodyPr/>
+          <a:lstStyle/>
+          <a:p>
+            <a:fld id="{BC60BE34-BC89-4C98-A56B-79B7A098D024}" type="slidenum">
+              <a:rPr lang="en-US" smtClean="0"/>
+              <a:t>10</a:t>
+            </a:fld>
+            <a:endParaRPr lang="en-US"/>
+          </a:p>
+        </p:txBody>
+      </p:sp>
+    </p:spTree>
+    <p:extLst>
+      <p:ext uri="{BB962C8B-B14F-4D97-AF65-F5344CB8AC3E}">
+        <p14:creationId xmlns:p14="http://schemas.microsoft.com/office/powerpoint/2010/main" val="1020586222"/>
+      </p:ext>
+    </p:extLst>
+  </p:cSld>
+  <p:clrMapOvr>
+    <a:masterClrMapping/>
+  </p:clrMapOvr>
+</p:notes>
+</file>
+
+<file path=ppt/notesSlides/notesSlide11.xml><?xml version="1.0" encoding="utf-8"?>
+<p:notes xmlns:a="http://schemas.openxmlformats.org/drawingml/2006/main" xmlns:r="http://schemas.openxmlformats.org/officeDocument/2006/relationships" xmlns:p="http://schemas.openxmlformats.org/presentationml/2006/main">
+  <p:cSld>
+    <p:spTree>
+      <p:nvGrpSpPr>
+        <p:cNvPr id="1" name=""/>
+        <p:cNvGrpSpPr/>
+        <p:nvPr/>
+      </p:nvGrpSpPr>
+      <p:grpSpPr>
+        <a:xfrm>
+          <a:off x="0" y="0"/>
+          <a:ext cx="0" cy="0"/>
+          <a:chOff x="0" y="0"/>
+          <a:chExt cx="0" cy="0"/>
+        </a:xfrm>
+      </p:grpSpPr>
+      <p:sp>
+        <p:nvSpPr>
+          <p:cNvPr id="2" name="Slide Image Placeholder 1"/>
+          <p:cNvSpPr>
+            <a:spLocks noGrp="1" noRot="1" noChangeAspect="1"/>
+          </p:cNvSpPr>
+          <p:nvPr>
+            <p:ph type="sldImg"/>
+          </p:nvPr>
+        </p:nvSpPr>
+        <p:spPr/>
+      </p:sp>
+      <p:sp>
+        <p:nvSpPr>
+          <p:cNvPr id="3" name="Notes Placeholder 2"/>
+          <p:cNvSpPr>
+            <a:spLocks noGrp="1"/>
+          </p:cNvSpPr>
+          <p:nvPr>
+            <p:ph type="body" idx="1"/>
+          </p:nvPr>
+        </p:nvSpPr>
+        <p:spPr/>
+        <p:txBody>
+          <a:bodyPr/>
+          <a:lstStyle/>
+          <a:p>
+            <a:endParaRPr lang="en-US" dirty="0"/>
+          </a:p>
+        </p:txBody>
+      </p:sp>
+      <p:sp>
+        <p:nvSpPr>
+          <p:cNvPr id="4" name="Slide Number Placeholder 3"/>
+          <p:cNvSpPr>
+            <a:spLocks noGrp="1"/>
+          </p:cNvSpPr>
+          <p:nvPr>
+            <p:ph type="sldNum" sz="quarter" idx="10"/>
+          </p:nvPr>
+        </p:nvSpPr>
+        <p:spPr/>
+        <p:txBody>
+          <a:bodyPr/>
+          <a:lstStyle/>
+          <a:p>
+            <a:fld id="{BC60BE34-BC89-4C98-A56B-79B7A098D024}" type="slidenum">
+              <a:rPr lang="en-US" smtClean="0"/>
+              <a:t>11</a:t>
+            </a:fld>
+            <a:endParaRPr lang="en-US"/>
+          </a:p>
+        </p:txBody>
+      </p:sp>
+    </p:spTree>
+    <p:extLst>
+      <p:ext uri="{BB962C8B-B14F-4D97-AF65-F5344CB8AC3E}">
+        <p14:creationId xmlns:p14="http://schemas.microsoft.com/office/powerpoint/2010/main" val="2036639160"/>
+      </p:ext>
+    </p:extLst>
+  </p:cSld>
+  <p:clrMapOvr>
+    <a:masterClrMapping/>
+  </p:clrMapOvr>
+</p:notes>
+</file>
+
 <file path=ppt/notesSlides/notesSlide2.xml><?xml version="1.0" encoding="utf-8"?>
 <p:notes xmlns:a="http://schemas.openxmlformats.org/drawingml/2006/main" xmlns:r="http://schemas.openxmlformats.org/officeDocument/2006/relationships" xmlns:p="http://schemas.openxmlformats.org/presentationml/2006/main">
   <p:cSld>
@@ -713,46 +887,32 @@
           <a:bodyPr/>
           <a:lstStyle/>
           <a:p>
-            <a:r>
-              <a:rPr lang="en-US" sz="1200" kern="1200" dirty="0" smtClean="0">
-                <a:solidFill>
-                  <a:schemeClr val="tx1"/>
-                </a:solidFill>
-                <a:effectLst/>
-                <a:latin typeface="+mn-lt"/>
-                <a:ea typeface="+mn-ea"/>
-                <a:cs typeface="+mn-cs"/>
-              </a:rPr>
-              <a:t>With Azure, you deploy a cluster of VMs to the cloud in minutes and scale it up and down as needed. They can be Windows VMs or Linux VMs; Azure doesn’t care. In fact, Linux VMs are slightly less expensive because you don’t pay Windows licensing fees for them. You can also choose from a variety of virtual-machine sizes, and you can use deployment templates – something I’ll say more about shortly – to automate your deployments.</a:t>
-            </a:r>
-          </a:p>
-          <a:p>
-            <a:r>
-              <a:rPr lang="en-US" sz="1200" kern="1200" dirty="0" smtClean="0">
-                <a:solidFill>
-                  <a:schemeClr val="tx1"/>
-                </a:solidFill>
-                <a:effectLst/>
-                <a:latin typeface="+mn-lt"/>
-                <a:ea typeface="+mn-ea"/>
-                <a:cs typeface="+mn-cs"/>
-              </a:rPr>
-              <a:t> </a:t>
-            </a:r>
-          </a:p>
-          <a:p>
-            <a:r>
-              <a:rPr lang="en-US" sz="1200" kern="1200" dirty="0" smtClean="0">
-                <a:solidFill>
-                  <a:schemeClr val="tx1"/>
-                </a:solidFill>
-                <a:effectLst/>
-                <a:latin typeface="+mn-lt"/>
-                <a:ea typeface="+mn-ea"/>
-                <a:cs typeface="+mn-cs"/>
-              </a:rPr>
-              <a:t>Although I won’t be using it in my demo, Azure Batch can also play a role in HPC by allowing you to schedule jobs to run across a pool of VMs, much like the batch-processing services frequently used on mainframes and supercomputers.</a:t>
-            </a:r>
+            <a:pPr marL="0" marR="0" lvl="0" indent="0" algn="l" defTabSz="914400" rtl="0" eaLnBrk="1" fontAlgn="auto" latinLnBrk="0" hangingPunct="1">
+              <a:lnSpc>
+                <a:spcPct val="100000"/>
+              </a:lnSpc>
+              <a:spcBef>
+                <a:spcPts val="0"/>
+              </a:spcBef>
+              <a:spcAft>
+                <a:spcPts val="0"/>
+              </a:spcAft>
+              <a:buClrTx/>
+              <a:buSzTx/>
+              <a:buFontTx/>
+              <a:buNone/>
+              <a:tabLst/>
+              <a:defRPr/>
+            </a:pPr>
+            <a:r>
+              <a:rPr lang="en-US" dirty="0" smtClean="0"/>
+              <a:t>High-performance computing (HPC)</a:t>
+            </a:r>
+            <a:r>
+              <a:rPr lang="en-US" baseline="0" dirty="0" smtClean="0"/>
+              <a:t> typically refers to computing power beyond that of a typical desktop computer. Obviously, the definition of high-performance changes with time as more computing power is crammed into smaller spaces, making the supercomputers of today commodity computers of tomorrow. Regardless though, the concepts of HPC have remained the same since the early days of computing wherein scientists and engineers worked to figure out how aggregate more computing resources to perform computing tasks.</a:t>
+            </a:r>
+            <a:endParaRPr lang="en-US" dirty="0" smtClean="0"/>
           </a:p>
         </p:txBody>
       </p:sp>
@@ -782,7 +942,7 @@
     </p:spTree>
     <p:extLst>
       <p:ext uri="{BB962C8B-B14F-4D97-AF65-F5344CB8AC3E}">
-        <p14:creationId xmlns:p14="http://schemas.microsoft.com/office/powerpoint/2010/main" val="718479642"/>
+        <p14:creationId xmlns:p14="http://schemas.microsoft.com/office/powerpoint/2010/main" val="3516354452"/>
       </p:ext>
     </p:extLst>
   </p:cSld>
@@ -836,69 +996,32 @@
           <a:bodyPr/>
           <a:lstStyle/>
           <a:p>
-            <a:r>
-              <a:rPr lang="en-US" sz="1200" kern="1200" dirty="0" smtClean="0">
-                <a:solidFill>
-                  <a:schemeClr val="tx1"/>
-                </a:solidFill>
-                <a:effectLst/>
-                <a:latin typeface="+mn-lt"/>
-                <a:ea typeface="+mn-ea"/>
-                <a:cs typeface="+mn-cs"/>
-              </a:rPr>
-              <a:t>Azure offers a variety of VM sizes in an effort to make sure there’s something to fit everyone’s needs. Each size is identified by a letter and a number: A0, D1, G2, and so on. There is documentation online detailing the specs for each machine – number of cores, amount of RAM, type and size of hard disk, for example – as well as the cost. Not surprisingly, more powerful machines are most costly as well. Prices range from as little as 7 cents an hour for a single core machine running Linux to almost $10 an hour for a machine with 32 cores and almost half a terabyte of RAM. The G-series machines are reserved for the most power-hungry applications.</a:t>
-            </a:r>
-          </a:p>
-          <a:p>
-            <a:r>
-              <a:rPr lang="en-US" sz="1200" kern="1200" dirty="0" smtClean="0">
-                <a:solidFill>
-                  <a:schemeClr val="tx1"/>
-                </a:solidFill>
-                <a:effectLst/>
-                <a:latin typeface="+mn-lt"/>
-                <a:ea typeface="+mn-ea"/>
-                <a:cs typeface="+mn-cs"/>
-              </a:rPr>
-              <a:t> </a:t>
-            </a:r>
-          </a:p>
-          <a:p>
-            <a:r>
-              <a:rPr lang="en-US" sz="1200" kern="1200" dirty="0" smtClean="0">
-                <a:solidFill>
-                  <a:schemeClr val="tx1"/>
-                </a:solidFill>
-                <a:effectLst/>
-                <a:latin typeface="+mn-lt"/>
-                <a:ea typeface="+mn-ea"/>
-                <a:cs typeface="+mn-cs"/>
-              </a:rPr>
-              <a:t>Costs can grow astronomically when you talk about clusters with hundreds or even thousands of cores. But cost isn’t really the point. The point is having massive amounts of computing power at your fingertips. Besides, the cost of “renting” even the largest virtual cluster pales in comparison to the cost of purchasing, setting up, and maintaining a similarly sized cluster of your own.</a:t>
-            </a:r>
-          </a:p>
-          <a:p>
+            <a:pPr marL="0" marR="0" lvl="0" indent="0" algn="l" defTabSz="914400" rtl="0" eaLnBrk="1" fontAlgn="auto" latinLnBrk="0" hangingPunct="1">
+              <a:lnSpc>
+                <a:spcPct val="100000"/>
+              </a:lnSpc>
+              <a:spcBef>
+                <a:spcPts val="0"/>
+              </a:spcBef>
+              <a:spcAft>
+                <a:spcPts val="0"/>
+              </a:spcAft>
+              <a:buClrTx/>
+              <a:buSzTx/>
+              <a:buFontTx/>
+              <a:buNone/>
+              <a:tabLst/>
+              <a:defRPr/>
+            </a:pPr>
+            <a:r>
+              <a:rPr lang="en-US" dirty="0" smtClean="0"/>
+              <a:t>High</a:t>
+            </a:r>
+            <a:r>
+              <a:rPr lang="en-US" baseline="0" dirty="0" smtClean="0"/>
+              <a:t>-performance computing is typically performed on a cluster of computers interconnected by a high-speed network. Workloads are sent to a master node which delegates tasks to the worker nodes. Historically, clusters were built using proprietary, often purpose-built computers. Recent trends though have shifted to using commodity hardware – the same kind of components used to build desktop computers – to construct HPC clusters. Engineers are getting even more clever with how they build clusters, too. The latest trend in HPC has been to use GPUs in addition to CPUs to created HPC clusters. While a typical desktop CPU has 2, 4, or 8 cores, graphics cards have usually hundreds of cores. These cores, while not as powerful as CPU cores, can still perform computations. HPC clusters are combining CPUs and GPUs to squeeze even more performance out of computer hardware for heavy workloads.</a:t>
+            </a:r>
             <a:endParaRPr lang="en-US" dirty="0" smtClean="0"/>
-          </a:p>
-          <a:p>
-            <a:r>
-              <a:rPr lang="en-US" dirty="0" smtClean="0"/>
-              <a:t>Not all VM sizes are available in all data centers. For the latest pricing information and availability, see https://azure.microsoft.com/en-us/pricing/details/virtual-machines.</a:t>
-            </a:r>
-          </a:p>
-          <a:p>
-            <a:endParaRPr lang="en-US" dirty="0" smtClean="0"/>
-          </a:p>
-          <a:p>
-            <a:r>
-              <a:rPr lang="en-US" dirty="0" smtClean="0"/>
-              <a:t>N-series VMs are currently in preview</a:t>
-            </a:r>
-            <a:r>
-              <a:rPr lang="en-US" baseline="0" dirty="0" smtClean="0"/>
-              <a:t> and are an answer to researchers who need GPU power to perform complex calculations. They are equipped with NVIDIA Tesla GPUs.</a:t>
-            </a:r>
-            <a:endParaRPr lang="en-US" dirty="0"/>
           </a:p>
         </p:txBody>
       </p:sp>
@@ -928,7 +1051,7 @@
     </p:spTree>
     <p:extLst>
       <p:ext uri="{BB962C8B-B14F-4D97-AF65-F5344CB8AC3E}">
-        <p14:creationId xmlns:p14="http://schemas.microsoft.com/office/powerpoint/2010/main" val="1584824620"/>
+        <p14:creationId xmlns:p14="http://schemas.microsoft.com/office/powerpoint/2010/main" val="601049426"/>
       </p:ext>
     </p:extLst>
   </p:cSld>
@@ -983,12 +1106,44 @@
           <a:lstStyle/>
           <a:p>
             <a:r>
-              <a:rPr lang="en-US" dirty="0" smtClean="0"/>
-              <a:t>For background,</a:t>
-            </a:r>
-            <a:r>
-              <a:rPr lang="en-US" baseline="0" dirty="0" smtClean="0"/>
-              <a:t> see https://blogs.msdn.microsoft.com/uk_faculty_connection/2016/09/12/choosing-the-most-appropiate-azure-virtual-machine-specification/?wt.mc_id=DX_873849. Not shown here are H machines, which are optimized for extremely heavy computing workloads.</a:t>
+              <a:rPr lang="en-US" sz="1200" kern="1200" dirty="0" smtClean="0">
+                <a:solidFill>
+                  <a:schemeClr val="tx1"/>
+                </a:solidFill>
+                <a:effectLst/>
+                <a:latin typeface="+mn-lt"/>
+                <a:ea typeface="+mn-ea"/>
+                <a:cs typeface="+mn-cs"/>
+              </a:rPr>
+              <a:t>With Azure, you deploy a cluster of VMs to the cloud in minutes and scale it up and down as needed. They can be Windows VMs or Linux VMs; Azure doesn’t care. In fact, Linux VMs are slightly less expensive because you don’t pay Windows licensing fees for them. You can also choose from a variety of virtual-machine sizes, and you can use deployment templates – something I’ll say more about shortly – to automate your deployments.</a:t>
+            </a:r>
+          </a:p>
+          <a:p>
+            <a:r>
+              <a:rPr lang="en-US" sz="1200" kern="1200" dirty="0" smtClean="0">
+                <a:solidFill>
+                  <a:schemeClr val="tx1"/>
+                </a:solidFill>
+                <a:effectLst/>
+                <a:latin typeface="+mn-lt"/>
+                <a:ea typeface="+mn-ea"/>
+                <a:cs typeface="+mn-cs"/>
+              </a:rPr>
+              <a:t> </a:t>
+            </a:r>
+          </a:p>
+          <a:p>
+            <a:r>
+              <a:rPr lang="en-US" sz="1200" kern="1200" dirty="0" smtClean="0">
+                <a:solidFill>
+                  <a:schemeClr val="tx1"/>
+                </a:solidFill>
+                <a:effectLst/>
+                <a:latin typeface="+mn-lt"/>
+                <a:ea typeface="+mn-ea"/>
+                <a:cs typeface="+mn-cs"/>
+              </a:rPr>
+              <a:t>Although I won’t be using it in my demo, Azure Batch can also play a role in HPC by allowing you to schedule jobs to run across a pool of VMs, much like the batch-processing services frequently used on mainframes and supercomputers.</a:t>
             </a:r>
           </a:p>
         </p:txBody>
@@ -1019,7 +1174,7 @@
     </p:spTree>
     <p:extLst>
       <p:ext uri="{BB962C8B-B14F-4D97-AF65-F5344CB8AC3E}">
-        <p14:creationId xmlns:p14="http://schemas.microsoft.com/office/powerpoint/2010/main" val="3030059548"/>
+        <p14:creationId xmlns:p14="http://schemas.microsoft.com/office/powerpoint/2010/main" val="718479642"/>
       </p:ext>
     </p:extLst>
   </p:cSld>
@@ -1083,7 +1238,57 @@
                 <a:ea typeface="+mn-ea"/>
                 <a:cs typeface="+mn-cs"/>
               </a:rPr>
-              <a:t>Here’s a quick look at three of the Azure VM sizes so you can see how they differ in cost and capability. One thing to keep in mind when deploying VMs is that you get charged for them whether they’re in use or not. When you’re finished using a VM or a cluster of VMs, it behooves you to go into the Azure portal and suspend each VM to avoid unnecessary charges. Once suspended, a VM is easily restarted so you can pick up where you left off and continue using it. I’ll show you how to start and stop VMs in the demo coming up shortly. I’ll also show you how to delete them so you can avoid even incurring storage charges for VMs that are no longer needed.</a:t>
+              <a:t>Azure offers a variety of VM sizes in an effort to make sure there’s something to fit everyone’s needs. Each size is identified by a letter and a number: A0, D1, G2, and so on. There is documentation online detailing the specs for each machine – number of cores, amount of RAM, type and size of hard disk, for example – as well as the cost. Not surprisingly, more powerful machines are most costly as well. Prices range from as little as 7 cents an hour for a single core machine running Linux to almost $10 an hour for a machine with 32 cores and almost half a terabyte of RAM. The G-series machines are reserved for the most power-hungry applications.</a:t>
+            </a:r>
+          </a:p>
+          <a:p>
+            <a:r>
+              <a:rPr lang="en-US" sz="1200" kern="1200" dirty="0" smtClean="0">
+                <a:solidFill>
+                  <a:schemeClr val="tx1"/>
+                </a:solidFill>
+                <a:effectLst/>
+                <a:latin typeface="+mn-lt"/>
+                <a:ea typeface="+mn-ea"/>
+                <a:cs typeface="+mn-cs"/>
+              </a:rPr>
+              <a:t> </a:t>
+            </a:r>
+          </a:p>
+          <a:p>
+            <a:r>
+              <a:rPr lang="en-US" sz="1200" kern="1200" dirty="0" smtClean="0">
+                <a:solidFill>
+                  <a:schemeClr val="tx1"/>
+                </a:solidFill>
+                <a:effectLst/>
+                <a:latin typeface="+mn-lt"/>
+                <a:ea typeface="+mn-ea"/>
+                <a:cs typeface="+mn-cs"/>
+              </a:rPr>
+              <a:t>Costs can grow astronomically when you talk about clusters with hundreds or even thousands of cores. But cost isn’t really the point. The point is having massive amounts of computing power at your fingertips. Besides, the cost of “renting” even the largest virtual cluster pales in comparison to the cost of purchasing, setting up, and maintaining a similarly sized cluster of your own.</a:t>
+            </a:r>
+          </a:p>
+          <a:p>
+            <a:endParaRPr lang="en-US" dirty="0" smtClean="0"/>
+          </a:p>
+          <a:p>
+            <a:r>
+              <a:rPr lang="en-US" dirty="0" smtClean="0"/>
+              <a:t>Not all VM sizes are available in all data centers. For the latest pricing information and availability, see https://azure.microsoft.com/en-us/pricing/details/virtual-machines.</a:t>
+            </a:r>
+          </a:p>
+          <a:p>
+            <a:endParaRPr lang="en-US" dirty="0" smtClean="0"/>
+          </a:p>
+          <a:p>
+            <a:r>
+              <a:rPr lang="en-US" dirty="0" smtClean="0"/>
+              <a:t>N-series VMs are currently in preview</a:t>
+            </a:r>
+            <a:r>
+              <a:rPr lang="en-US" baseline="0" dirty="0" smtClean="0"/>
+              <a:t> and are an answer to researchers who need GPU power to perform complex calculations. They are equipped with NVIDIA Tesla GPUs.</a:t>
             </a:r>
             <a:endParaRPr lang="en-US" dirty="0"/>
           </a:p>
@@ -1115,7 +1320,7 @@
     </p:spTree>
     <p:extLst>
       <p:ext uri="{BB962C8B-B14F-4D97-AF65-F5344CB8AC3E}">
-        <p14:creationId xmlns:p14="http://schemas.microsoft.com/office/powerpoint/2010/main" val="521332450"/>
+        <p14:creationId xmlns:p14="http://schemas.microsoft.com/office/powerpoint/2010/main" val="1584824620"/>
       </p:ext>
     </p:extLst>
   </p:cSld>
@@ -1170,122 +1375,13 @@
           <a:lstStyle/>
           <a:p>
             <a:r>
-              <a:rPr lang="en-US" sz="1200" kern="1200" dirty="0" smtClean="0">
-                <a:solidFill>
-                  <a:schemeClr val="tx1"/>
-                </a:solidFill>
-                <a:effectLst/>
-                <a:latin typeface="+mn-lt"/>
-                <a:ea typeface="+mn-ea"/>
-                <a:cs typeface="+mn-cs"/>
-              </a:rPr>
-              <a:t>An important element of HPC in Azure is the Azure Resource Manager. The Azure Resource Manager is a relatively recent addition to Azure. It lets you combine the resources that comprise an application – resources such as VMs, databases, virtual networks, and storage accounts – into </a:t>
-            </a:r>
-            <a:r>
-              <a:rPr lang="en-US" sz="1200" i="1" kern="1200" dirty="0" smtClean="0">
-                <a:solidFill>
-                  <a:schemeClr val="tx1"/>
-                </a:solidFill>
-                <a:effectLst/>
-                <a:latin typeface="+mn-lt"/>
-                <a:ea typeface="+mn-ea"/>
-                <a:cs typeface="+mn-cs"/>
-              </a:rPr>
-              <a:t>resource groups</a:t>
-            </a:r>
-            <a:r>
-              <a:rPr lang="en-US" sz="1200" kern="1200" dirty="0" smtClean="0">
-                <a:solidFill>
-                  <a:schemeClr val="tx1"/>
-                </a:solidFill>
-                <a:effectLst/>
-                <a:latin typeface="+mn-lt"/>
-                <a:ea typeface="+mn-ea"/>
-                <a:cs typeface="+mn-cs"/>
-              </a:rPr>
-              <a:t> so entire applications can be deployed, managed, and even deleted with a single step. Prior to Resource Manager, resources had to be created (and deleted) one by one, which quickly became onerous with large deployments.</a:t>
-            </a:r>
-          </a:p>
-          <a:p>
-            <a:r>
-              <a:rPr lang="en-US" sz="1200" kern="1200" dirty="0" smtClean="0">
-                <a:solidFill>
-                  <a:schemeClr val="tx1"/>
-                </a:solidFill>
-                <a:effectLst/>
-                <a:latin typeface="+mn-lt"/>
-                <a:ea typeface="+mn-ea"/>
-                <a:cs typeface="+mn-cs"/>
-              </a:rPr>
-              <a:t> </a:t>
-            </a:r>
-          </a:p>
-          <a:p>
-            <a:r>
-              <a:rPr lang="en-US" sz="1200" kern="1200" dirty="0" smtClean="0">
-                <a:solidFill>
-                  <a:schemeClr val="tx1"/>
-                </a:solidFill>
-                <a:effectLst/>
-                <a:latin typeface="+mn-lt"/>
-                <a:ea typeface="+mn-ea"/>
-                <a:cs typeface="+mn-cs"/>
-              </a:rPr>
-              <a:t>The Azure Resource Manager allows you to deploy applications using declarative templates called </a:t>
-            </a:r>
-            <a:r>
-              <a:rPr lang="en-US" sz="1200" i="1" kern="1200" dirty="0" smtClean="0">
-                <a:solidFill>
-                  <a:schemeClr val="tx1"/>
-                </a:solidFill>
-                <a:effectLst/>
-                <a:latin typeface="+mn-lt"/>
-                <a:ea typeface="+mn-ea"/>
-                <a:cs typeface="+mn-cs"/>
-              </a:rPr>
-              <a:t>deployment templates</a:t>
-            </a:r>
-            <a:r>
-              <a:rPr lang="en-US" sz="1200" kern="1200" dirty="0" smtClean="0">
-                <a:solidFill>
-                  <a:schemeClr val="tx1"/>
-                </a:solidFill>
-                <a:effectLst/>
-                <a:latin typeface="+mn-lt"/>
-                <a:ea typeface="+mn-ea"/>
-                <a:cs typeface="+mn-cs"/>
-              </a:rPr>
-              <a:t>. A template contains a complete description of all the resources that make up the application. Templates can include parameters that users will be prompted to fill in each time an application is deployed. Templates can also run scripts to initialize resources to a known and consistent state.</a:t>
-            </a:r>
-          </a:p>
-          <a:p>
-            <a:r>
-              <a:rPr lang="en-US" sz="1200" kern="1200" dirty="0" smtClean="0">
-                <a:solidFill>
-                  <a:schemeClr val="tx1"/>
-                </a:solidFill>
-                <a:effectLst/>
-                <a:latin typeface="+mn-lt"/>
-                <a:ea typeface="+mn-ea"/>
-                <a:cs typeface="+mn-cs"/>
-              </a:rPr>
-              <a:t> </a:t>
-            </a:r>
-          </a:p>
-          <a:p>
-            <a:r>
-              <a:rPr lang="en-US" sz="1200" kern="1200" dirty="0" smtClean="0">
-                <a:solidFill>
-                  <a:schemeClr val="tx1"/>
-                </a:solidFill>
-                <a:effectLst/>
-                <a:latin typeface="+mn-lt"/>
-                <a:ea typeface="+mn-ea"/>
-                <a:cs typeface="+mn-cs"/>
-              </a:rPr>
-              <a:t>As an example, suppose you have built an HPC cluster that includes virtual machines and other Azure resources. With a template, you can script the creation of the entire cluster and optionally the data that goes with it. This makes it easy for others to spin up instances of the cluster, or for you to recreate it if you deleted it thinking you wouldn’t be needing it again.</a:t>
-            </a:r>
-            <a:endParaRPr lang="en-US" dirty="0"/>
+              <a:rPr lang="en-US" dirty="0" smtClean="0"/>
+              <a:t>For background,</a:t>
+            </a:r>
+            <a:r>
+              <a:rPr lang="en-US" baseline="0" dirty="0" smtClean="0"/>
+              <a:t> see https://blogs.msdn.microsoft.com/uk_faculty_connection/2016/09/12/choosing-the-most-appropiate-azure-virtual-machine-specification/?wt.mc_id=DX_873849. Not shown here are H machines, which are optimized for extremely heavy computing workloads.</a:t>
+            </a:r>
           </a:p>
         </p:txBody>
       </p:sp>
@@ -1315,7 +1411,7 @@
     </p:spTree>
     <p:extLst>
       <p:ext uri="{BB962C8B-B14F-4D97-AF65-F5344CB8AC3E}">
-        <p14:creationId xmlns:p14="http://schemas.microsoft.com/office/powerpoint/2010/main" val="3002701599"/>
+        <p14:creationId xmlns:p14="http://schemas.microsoft.com/office/powerpoint/2010/main" val="3030059548"/>
       </p:ext>
     </p:extLst>
   </p:cSld>
@@ -1379,92 +1475,7 @@
                 <a:ea typeface="+mn-ea"/>
                 <a:cs typeface="+mn-cs"/>
               </a:rPr>
-              <a:t>You can build deployment templates of your own, or you can use ones that have already been built. An assortment of templates built by the Azure team and by others in the community can be found on the Azure </a:t>
-            </a:r>
-            <a:r>
-              <a:rPr lang="en-US" sz="1200" kern="1200" dirty="0" err="1" smtClean="0">
-                <a:solidFill>
-                  <a:schemeClr val="tx1"/>
-                </a:solidFill>
-                <a:effectLst/>
-                <a:latin typeface="+mn-lt"/>
-                <a:ea typeface="+mn-ea"/>
-                <a:cs typeface="+mn-cs"/>
-              </a:rPr>
-              <a:t>Quickstart</a:t>
-            </a:r>
-            <a:r>
-              <a:rPr lang="en-US" sz="1200" kern="1200" dirty="0" smtClean="0">
-                <a:solidFill>
-                  <a:schemeClr val="tx1"/>
-                </a:solidFill>
-                <a:effectLst/>
-                <a:latin typeface="+mn-lt"/>
-                <a:ea typeface="+mn-ea"/>
-                <a:cs typeface="+mn-cs"/>
-              </a:rPr>
-              <a:t> Templates Web site or on GitHub. There are templates for creating clusters of Linux VMs, deploying </a:t>
-            </a:r>
-            <a:r>
-              <a:rPr lang="en-US" sz="1200" kern="1200" dirty="0" err="1" smtClean="0">
-                <a:solidFill>
-                  <a:schemeClr val="tx1"/>
-                </a:solidFill>
-                <a:effectLst/>
-                <a:latin typeface="+mn-lt"/>
-                <a:ea typeface="+mn-ea"/>
-                <a:cs typeface="+mn-cs"/>
-              </a:rPr>
-              <a:t>Redis</a:t>
-            </a:r>
-            <a:r>
-              <a:rPr lang="en-US" sz="1200" kern="1200" dirty="0" smtClean="0">
-                <a:solidFill>
-                  <a:schemeClr val="tx1"/>
-                </a:solidFill>
-                <a:effectLst/>
-                <a:latin typeface="+mn-lt"/>
-                <a:ea typeface="+mn-ea"/>
-                <a:cs typeface="+mn-cs"/>
-              </a:rPr>
-              <a:t> clusters of Ubuntu VMs, deploying MySQL servers, creating Windows VMs provisioned with IIS, and a whole lot more. There is even a template that deploys Minecraft Server in an Ubuntu VM.</a:t>
-            </a:r>
-          </a:p>
-          <a:p>
-            <a:r>
-              <a:rPr lang="en-US" sz="1200" kern="1200" dirty="0" smtClean="0">
-                <a:solidFill>
-                  <a:schemeClr val="tx1"/>
-                </a:solidFill>
-                <a:effectLst/>
-                <a:latin typeface="+mn-lt"/>
-                <a:ea typeface="+mn-ea"/>
-                <a:cs typeface="+mn-cs"/>
-              </a:rPr>
-              <a:t> </a:t>
-            </a:r>
-          </a:p>
-          <a:p>
-            <a:r>
-              <a:rPr lang="en-US" sz="1200" kern="1200" dirty="0" smtClean="0">
-                <a:solidFill>
-                  <a:schemeClr val="tx1"/>
-                </a:solidFill>
-                <a:effectLst/>
-                <a:latin typeface="+mn-lt"/>
-                <a:ea typeface="+mn-ea"/>
-                <a:cs typeface="+mn-cs"/>
-              </a:rPr>
-              <a:t>Using any of these templates requires nothing more than a button click. Each template comes with documentation that tells you what parameters it requires and whether the template was created by Microsoft or by someone in the community. Best of all, you can view each template’s source code, which is little more than a JSON script, and customize it to fit your needs or even build upon it to create templates of your own.</a:t>
-            </a:r>
-          </a:p>
-          <a:p>
-            <a:endParaRPr lang="en-US" dirty="0" smtClean="0"/>
-          </a:p>
-          <a:p>
-            <a:r>
-              <a:rPr lang="en-US" dirty="0" smtClean="0"/>
-              <a:t>The three templates pictured here are just a few of the many dozens of templates currently available.</a:t>
+              <a:t>Here’s a quick look at three of the Azure VM sizes so you can see how they differ in cost and capability. One thing to keep in mind when deploying VMs is that you get charged for them whether they’re in use or not. When you’re finished using a VM or a cluster of VMs, it behooves you to go into the Azure portal and suspend each VM to avoid unnecessary charges. Once suspended, a VM is easily restarted so you can pick up where you left off and continue using it. I’ll show you how to start and stop VMs in the demo coming up shortly. I’ll also show you how to delete them so you can avoid even incurring storage charges for VMs that are no longer needed.</a:t>
             </a:r>
             <a:endParaRPr lang="en-US" dirty="0"/>
           </a:p>
@@ -1496,7 +1507,7 @@
     </p:spTree>
     <p:extLst>
       <p:ext uri="{BB962C8B-B14F-4D97-AF65-F5344CB8AC3E}">
-        <p14:creationId xmlns:p14="http://schemas.microsoft.com/office/powerpoint/2010/main" val="2402288964"/>
+        <p14:creationId xmlns:p14="http://schemas.microsoft.com/office/powerpoint/2010/main" val="521332450"/>
       </p:ext>
     </p:extLst>
   </p:cSld>
@@ -1551,8 +1562,120 @@
           <a:lstStyle/>
           <a:p>
             <a:r>
-              <a:rPr lang="en-US" dirty="0" smtClean="0"/>
-              <a:t>The Simple Linux Utility for Resource Management (SLURM), also known as the SLURM Workload Manager, is a free and open-source job scheduler for Linux that excels at distributing heavy computing workloads across clusters of machines and processors. It is used on more than half of the world's largest supercomputers and High-Performance Computing (HPC) clusters, and it enjoys widespread use in the research community for jobs that require significant CPU resources.</a:t>
+              <a:rPr lang="en-US" sz="1200" kern="1200" dirty="0" smtClean="0">
+                <a:solidFill>
+                  <a:schemeClr val="tx1"/>
+                </a:solidFill>
+                <a:effectLst/>
+                <a:latin typeface="+mn-lt"/>
+                <a:ea typeface="+mn-ea"/>
+                <a:cs typeface="+mn-cs"/>
+              </a:rPr>
+              <a:t>An important element of HPC in Azure is the Azure Resource Manager. The Azure Resource Manager is a relatively recent addition to Azure. It lets you combine the resources that comprise an application – resources such as VMs, databases, virtual networks, and storage accounts – into </a:t>
+            </a:r>
+            <a:r>
+              <a:rPr lang="en-US" sz="1200" i="1" kern="1200" dirty="0" smtClean="0">
+                <a:solidFill>
+                  <a:schemeClr val="tx1"/>
+                </a:solidFill>
+                <a:effectLst/>
+                <a:latin typeface="+mn-lt"/>
+                <a:ea typeface="+mn-ea"/>
+                <a:cs typeface="+mn-cs"/>
+              </a:rPr>
+              <a:t>resource groups</a:t>
+            </a:r>
+            <a:r>
+              <a:rPr lang="en-US" sz="1200" kern="1200" dirty="0" smtClean="0">
+                <a:solidFill>
+                  <a:schemeClr val="tx1"/>
+                </a:solidFill>
+                <a:effectLst/>
+                <a:latin typeface="+mn-lt"/>
+                <a:ea typeface="+mn-ea"/>
+                <a:cs typeface="+mn-cs"/>
+              </a:rPr>
+              <a:t> so entire applications can be deployed, managed, and even deleted with a single step. Prior to Resource Manager, resources had to be created (and deleted) one by one, which quickly became onerous with large deployments.</a:t>
+            </a:r>
+          </a:p>
+          <a:p>
+            <a:r>
+              <a:rPr lang="en-US" sz="1200" kern="1200" dirty="0" smtClean="0">
+                <a:solidFill>
+                  <a:schemeClr val="tx1"/>
+                </a:solidFill>
+                <a:effectLst/>
+                <a:latin typeface="+mn-lt"/>
+                <a:ea typeface="+mn-ea"/>
+                <a:cs typeface="+mn-cs"/>
+              </a:rPr>
+              <a:t> </a:t>
+            </a:r>
+          </a:p>
+          <a:p>
+            <a:r>
+              <a:rPr lang="en-US" sz="1200" kern="1200" dirty="0" smtClean="0">
+                <a:solidFill>
+                  <a:schemeClr val="tx1"/>
+                </a:solidFill>
+                <a:effectLst/>
+                <a:latin typeface="+mn-lt"/>
+                <a:ea typeface="+mn-ea"/>
+                <a:cs typeface="+mn-cs"/>
+              </a:rPr>
+              <a:t>The Azure Resource Manager allows you to deploy applications using declarative templates called </a:t>
+            </a:r>
+            <a:r>
+              <a:rPr lang="en-US" sz="1200" i="1" kern="1200" dirty="0" smtClean="0">
+                <a:solidFill>
+                  <a:schemeClr val="tx1"/>
+                </a:solidFill>
+                <a:effectLst/>
+                <a:latin typeface="+mn-lt"/>
+                <a:ea typeface="+mn-ea"/>
+                <a:cs typeface="+mn-cs"/>
+              </a:rPr>
+              <a:t>deployment templates</a:t>
+            </a:r>
+            <a:r>
+              <a:rPr lang="en-US" sz="1200" kern="1200" dirty="0" smtClean="0">
+                <a:solidFill>
+                  <a:schemeClr val="tx1"/>
+                </a:solidFill>
+                <a:effectLst/>
+                <a:latin typeface="+mn-lt"/>
+                <a:ea typeface="+mn-ea"/>
+                <a:cs typeface="+mn-cs"/>
+              </a:rPr>
+              <a:t>. A template contains a complete description of all the resources that make up the application. Templates can include parameters that users will be prompted to fill in each time an application is deployed. Templates can also run scripts to initialize resources to a known and consistent state.</a:t>
+            </a:r>
+          </a:p>
+          <a:p>
+            <a:r>
+              <a:rPr lang="en-US" sz="1200" kern="1200" dirty="0" smtClean="0">
+                <a:solidFill>
+                  <a:schemeClr val="tx1"/>
+                </a:solidFill>
+                <a:effectLst/>
+                <a:latin typeface="+mn-lt"/>
+                <a:ea typeface="+mn-ea"/>
+                <a:cs typeface="+mn-cs"/>
+              </a:rPr>
+              <a:t> </a:t>
+            </a:r>
+          </a:p>
+          <a:p>
+            <a:r>
+              <a:rPr lang="en-US" sz="1200" kern="1200" dirty="0" smtClean="0">
+                <a:solidFill>
+                  <a:schemeClr val="tx1"/>
+                </a:solidFill>
+                <a:effectLst/>
+                <a:latin typeface="+mn-lt"/>
+                <a:ea typeface="+mn-ea"/>
+                <a:cs typeface="+mn-cs"/>
+              </a:rPr>
+              <a:t>As an example, suppose you have built an HPC cluster that includes virtual machines and other Azure resources. With a template, you can script the creation of the entire cluster and optionally the data that goes with it. This makes it easy for others to spin up instances of the cluster, or for you to recreate it if you deleted it thinking you wouldn’t be needing it again.</a:t>
             </a:r>
             <a:endParaRPr lang="en-US" dirty="0"/>
           </a:p>
@@ -1584,7 +1707,7 @@
     </p:spTree>
     <p:extLst>
       <p:ext uri="{BB962C8B-B14F-4D97-AF65-F5344CB8AC3E}">
-        <p14:creationId xmlns:p14="http://schemas.microsoft.com/office/powerpoint/2010/main" val="1020586222"/>
+        <p14:creationId xmlns:p14="http://schemas.microsoft.com/office/powerpoint/2010/main" val="3002701599"/>
       </p:ext>
     </p:extLst>
   </p:cSld>
@@ -1638,6 +1761,103 @@
           <a:bodyPr/>
           <a:lstStyle/>
           <a:p>
+            <a:r>
+              <a:rPr lang="en-US" sz="1200" kern="1200" dirty="0" smtClean="0">
+                <a:solidFill>
+                  <a:schemeClr val="tx1"/>
+                </a:solidFill>
+                <a:effectLst/>
+                <a:latin typeface="+mn-lt"/>
+                <a:ea typeface="+mn-ea"/>
+                <a:cs typeface="+mn-cs"/>
+              </a:rPr>
+              <a:t>You can build deployment templates of your own, or you can use ones that have already been built. An assortment of templates built by the Azure team and by others in the community can be found on the Azure </a:t>
+            </a:r>
+            <a:r>
+              <a:rPr lang="en-US" sz="1200" kern="1200" dirty="0" err="1" smtClean="0">
+                <a:solidFill>
+                  <a:schemeClr val="tx1"/>
+                </a:solidFill>
+                <a:effectLst/>
+                <a:latin typeface="+mn-lt"/>
+                <a:ea typeface="+mn-ea"/>
+                <a:cs typeface="+mn-cs"/>
+              </a:rPr>
+              <a:t>Quickstart</a:t>
+            </a:r>
+            <a:r>
+              <a:rPr lang="en-US" sz="1200" kern="1200" dirty="0" smtClean="0">
+                <a:solidFill>
+                  <a:schemeClr val="tx1"/>
+                </a:solidFill>
+                <a:effectLst/>
+                <a:latin typeface="+mn-lt"/>
+                <a:ea typeface="+mn-ea"/>
+                <a:cs typeface="+mn-cs"/>
+              </a:rPr>
+              <a:t> Templates Web site or on GitHub. There are templates for creating clusters of Linux VMs, deploying </a:t>
+            </a:r>
+            <a:r>
+              <a:rPr lang="en-US" sz="1200" kern="1200" dirty="0" err="1" smtClean="0">
+                <a:solidFill>
+                  <a:schemeClr val="tx1"/>
+                </a:solidFill>
+                <a:effectLst/>
+                <a:latin typeface="+mn-lt"/>
+                <a:ea typeface="+mn-ea"/>
+                <a:cs typeface="+mn-cs"/>
+              </a:rPr>
+              <a:t>Redis</a:t>
+            </a:r>
+            <a:r>
+              <a:rPr lang="en-US" sz="1200" kern="1200" dirty="0" smtClean="0">
+                <a:solidFill>
+                  <a:schemeClr val="tx1"/>
+                </a:solidFill>
+                <a:effectLst/>
+                <a:latin typeface="+mn-lt"/>
+                <a:ea typeface="+mn-ea"/>
+                <a:cs typeface="+mn-cs"/>
+              </a:rPr>
+              <a:t> clusters of Ubuntu VMs, deploying MySQL servers, creating Windows VMs provisioned with IIS, and a whole lot more. There is even a template that deploys Minecraft Server in an Ubuntu VM.</a:t>
+            </a:r>
+          </a:p>
+          <a:p>
+            <a:r>
+              <a:rPr lang="en-US" sz="1200" kern="1200" dirty="0" smtClean="0">
+                <a:solidFill>
+                  <a:schemeClr val="tx1"/>
+                </a:solidFill>
+                <a:effectLst/>
+                <a:latin typeface="+mn-lt"/>
+                <a:ea typeface="+mn-ea"/>
+                <a:cs typeface="+mn-cs"/>
+              </a:rPr>
+              <a:t> </a:t>
+            </a:r>
+          </a:p>
+          <a:p>
+            <a:r>
+              <a:rPr lang="en-US" sz="1200" kern="1200" dirty="0" smtClean="0">
+                <a:solidFill>
+                  <a:schemeClr val="tx1"/>
+                </a:solidFill>
+                <a:effectLst/>
+                <a:latin typeface="+mn-lt"/>
+                <a:ea typeface="+mn-ea"/>
+                <a:cs typeface="+mn-cs"/>
+              </a:rPr>
+              <a:t>Using any of these templates requires nothing more than a button click. Each template comes with documentation that tells you what parameters it requires and whether the template was created by Microsoft or by someone in the community. Best of all, you can view each template’s source code, which is little more than a JSON script, and customize it to fit your needs or even build upon it to create templates of your own.</a:t>
+            </a:r>
+          </a:p>
+          <a:p>
+            <a:endParaRPr lang="en-US" dirty="0" smtClean="0"/>
+          </a:p>
+          <a:p>
+            <a:r>
+              <a:rPr lang="en-US" dirty="0" smtClean="0"/>
+              <a:t>The three templates pictured here are just a few of the many dozens of templates currently available.</a:t>
+            </a:r>
             <a:endParaRPr lang="en-US" dirty="0"/>
           </a:p>
         </p:txBody>
@@ -1668,7 +1888,7 @@
     </p:spTree>
     <p:extLst>
       <p:ext uri="{BB962C8B-B14F-4D97-AF65-F5344CB8AC3E}">
-        <p14:creationId xmlns:p14="http://schemas.microsoft.com/office/powerpoint/2010/main" val="2036639160"/>
+        <p14:creationId xmlns:p14="http://schemas.microsoft.com/office/powerpoint/2010/main" val="2402288964"/>
       </p:ext>
     </p:extLst>
   </p:cSld>
@@ -12565,6 +12785,263 @@
           <a:chExt cx="0" cy="0"/>
         </a:xfrm>
       </p:grpSpPr>
+      <p:sp>
+        <p:nvSpPr>
+          <p:cNvPr id="2" name="Title 1"/>
+          <p:cNvSpPr>
+            <a:spLocks noGrp="1"/>
+          </p:cNvSpPr>
+          <p:nvPr>
+            <p:ph type="title"/>
+          </p:nvPr>
+        </p:nvSpPr>
+        <p:spPr/>
+        <p:txBody>
+          <a:bodyPr/>
+          <a:lstStyle/>
+          <a:p>
+            <a:r>
+              <a:rPr lang="en-US" dirty="0" smtClean="0"/>
+              <a:t>SLURM Clusters</a:t>
+            </a:r>
+            <a:endParaRPr lang="en-US" dirty="0"/>
+          </a:p>
+        </p:txBody>
+      </p:sp>
+      <p:sp>
+        <p:nvSpPr>
+          <p:cNvPr id="3" name="Content Placeholder 2"/>
+          <p:cNvSpPr>
+            <a:spLocks noGrp="1"/>
+          </p:cNvSpPr>
+          <p:nvPr>
+            <p:ph idx="1"/>
+          </p:nvPr>
+        </p:nvSpPr>
+        <p:spPr>
+          <a:xfrm>
+            <a:off x="519248" y="1447800"/>
+            <a:ext cx="11151916" cy="1427699"/>
+          </a:xfrm>
+        </p:spPr>
+        <p:txBody>
+          <a:bodyPr/>
+          <a:lstStyle/>
+          <a:p>
+            <a:r>
+              <a:rPr lang="en-US" dirty="0" smtClean="0"/>
+              <a:t>Simple Linux Utility for Resource Management (SLURM)</a:t>
+            </a:r>
+          </a:p>
+          <a:p>
+            <a:r>
+              <a:rPr lang="en-US" dirty="0" err="1" smtClean="0"/>
+              <a:t>Quickstart</a:t>
+            </a:r>
+            <a:r>
+              <a:rPr lang="en-US" dirty="0" smtClean="0"/>
+              <a:t> </a:t>
+            </a:r>
+            <a:r>
+              <a:rPr lang="en-US" dirty="0"/>
+              <a:t>template at </a:t>
+            </a:r>
+            <a:r>
+              <a:rPr lang="en-US" dirty="0">
+                <a:hlinkClick r:id="rId3"/>
+              </a:rPr>
+              <a:t>http://</a:t>
+            </a:r>
+            <a:r>
+              <a:rPr lang="en-US" dirty="0" smtClean="0">
+                <a:hlinkClick r:id="rId3"/>
+              </a:rPr>
+              <a:t>bit.ly/a4r-slurm</a:t>
+            </a:r>
+            <a:r>
+              <a:rPr lang="en-US" dirty="0" smtClean="0"/>
+              <a:t> enables easy deployment of SLURM clusters of user-specified sizes</a:t>
+            </a:r>
+            <a:endParaRPr lang="en-US" dirty="0"/>
+          </a:p>
+        </p:txBody>
+      </p:sp>
+      <p:pic>
+        <p:nvPicPr>
+          <p:cNvPr id="4" name="Picture 3"/>
+          <p:cNvPicPr>
+            <a:picLocks noChangeAspect="1"/>
+          </p:cNvPicPr>
+          <p:nvPr/>
+        </p:nvPicPr>
+        <p:blipFill>
+          <a:blip r:embed="rId4"/>
+          <a:stretch>
+            <a:fillRect/>
+          </a:stretch>
+        </p:blipFill>
+        <p:spPr>
+          <a:xfrm>
+            <a:off x="3174205" y="3252206"/>
+            <a:ext cx="5842001" cy="2769144"/>
+          </a:xfrm>
+          <a:prstGeom prst="rect">
+            <a:avLst/>
+          </a:prstGeom>
+          <a:ln>
+            <a:solidFill>
+              <a:schemeClr val="bg1">
+                <a:lumMod val="75000"/>
+              </a:schemeClr>
+            </a:solidFill>
+          </a:ln>
+          <a:effectLst/>
+        </p:spPr>
+      </p:pic>
+    </p:spTree>
+    <p:extLst>
+      <p:ext uri="{BB962C8B-B14F-4D97-AF65-F5344CB8AC3E}">
+        <p14:creationId xmlns:p14="http://schemas.microsoft.com/office/powerpoint/2010/main" val="2183480505"/>
+      </p:ext>
+    </p:extLst>
+  </p:cSld>
+  <p:clrMapOvr>
+    <a:masterClrMapping/>
+  </p:clrMapOvr>
+  <p:transition>
+    <p:fade/>
+  </p:transition>
+</p:sld>
+</file>
+
+<file path=ppt/slides/slide11.xml><?xml version="1.0" encoding="utf-8"?>
+<p:sld xmlns:a="http://schemas.openxmlformats.org/drawingml/2006/main" xmlns:r="http://schemas.openxmlformats.org/officeDocument/2006/relationships" xmlns:p="http://schemas.openxmlformats.org/presentationml/2006/main">
+  <p:cSld>
+    <p:spTree>
+      <p:nvGrpSpPr>
+        <p:cNvPr id="1" name=""/>
+        <p:cNvGrpSpPr/>
+        <p:nvPr/>
+      </p:nvGrpSpPr>
+      <p:grpSpPr>
+        <a:xfrm>
+          <a:off x="0" y="0"/>
+          <a:ext cx="0" cy="0"/>
+          <a:chOff x="0" y="0"/>
+          <a:chExt cx="0" cy="0"/>
+        </a:xfrm>
+      </p:grpSpPr>
+      <p:sp>
+        <p:nvSpPr>
+          <p:cNvPr id="2" name="Title 1"/>
+          <p:cNvSpPr>
+            <a:spLocks noGrp="1"/>
+          </p:cNvSpPr>
+          <p:nvPr>
+            <p:ph type="ctrTitle"/>
+          </p:nvPr>
+        </p:nvSpPr>
+        <p:spPr/>
+        <p:txBody>
+          <a:bodyPr/>
+          <a:lstStyle/>
+          <a:p>
+            <a:r>
+              <a:rPr lang="en-US" dirty="0" smtClean="0"/>
+              <a:t>Hands-On Lab</a:t>
+            </a:r>
+            <a:endParaRPr lang="en-US" dirty="0"/>
+          </a:p>
+        </p:txBody>
+      </p:sp>
+      <p:sp>
+        <p:nvSpPr>
+          <p:cNvPr id="3" name="Subtitle 2"/>
+          <p:cNvSpPr>
+            <a:spLocks noGrp="1"/>
+          </p:cNvSpPr>
+          <p:nvPr>
+            <p:ph type="subTitle" idx="1"/>
+          </p:nvPr>
+        </p:nvSpPr>
+        <p:spPr/>
+        <p:txBody>
+          <a:bodyPr/>
+          <a:lstStyle/>
+          <a:p>
+            <a:r>
+              <a:rPr lang="en-US" dirty="0" smtClean="0"/>
+              <a:t>SLURM Linux Cluster HOL.html</a:t>
+            </a:r>
+            <a:endParaRPr lang="en-US" dirty="0"/>
+          </a:p>
+        </p:txBody>
+      </p:sp>
+      <p:sp>
+        <p:nvSpPr>
+          <p:cNvPr id="4" name="Text Placeholder 3"/>
+          <p:cNvSpPr>
+            <a:spLocks noGrp="1"/>
+          </p:cNvSpPr>
+          <p:nvPr>
+            <p:ph type="body" sz="quarter" idx="10"/>
+          </p:nvPr>
+        </p:nvSpPr>
+        <p:spPr/>
+        <p:txBody>
+          <a:bodyPr>
+            <a:normAutofit/>
+          </a:bodyPr>
+          <a:lstStyle/>
+          <a:p>
+            <a:r>
+              <a:rPr lang="en-US" dirty="0"/>
+              <a:t>Creating </a:t>
+            </a:r>
+            <a:r>
+              <a:rPr lang="en-US" dirty="0" smtClean="0"/>
+              <a:t>a </a:t>
+            </a:r>
+            <a:r>
+              <a:rPr lang="en-US" dirty="0"/>
+              <a:t>SLURM Linux Cluster</a:t>
+            </a:r>
+          </a:p>
+        </p:txBody>
+      </p:sp>
+    </p:spTree>
+    <p:extLst>
+      <p:ext uri="{BB962C8B-B14F-4D97-AF65-F5344CB8AC3E}">
+        <p14:creationId xmlns:p14="http://schemas.microsoft.com/office/powerpoint/2010/main" val="3887140717"/>
+      </p:ext>
+    </p:extLst>
+  </p:cSld>
+  <p:clrMapOvr>
+    <a:masterClrMapping/>
+  </p:clrMapOvr>
+  <p:transition>
+    <p:fade/>
+  </p:transition>
+</p:sld>
+</file>
+
+<file path=ppt/slides/slide12.xml><?xml version="1.0" encoding="utf-8"?>
+<p:sld xmlns:a="http://schemas.openxmlformats.org/drawingml/2006/main" xmlns:r="http://schemas.openxmlformats.org/officeDocument/2006/relationships" xmlns:p="http://schemas.openxmlformats.org/presentationml/2006/main">
+  <p:cSld>
+    <p:spTree>
+      <p:nvGrpSpPr>
+        <p:cNvPr id="1" name=""/>
+        <p:cNvGrpSpPr/>
+        <p:nvPr/>
+      </p:nvGrpSpPr>
+      <p:grpSpPr>
+        <a:xfrm>
+          <a:off x="0" y="0"/>
+          <a:ext cx="0" cy="0"/>
+          <a:chOff x="0" y="0"/>
+          <a:chExt cx="0" cy="0"/>
+        </a:xfrm>
+      </p:grpSpPr>
     </p:spTree>
     <p:extLst>
       <p:ext uri="{BB962C8B-B14F-4D97-AF65-F5344CB8AC3E}">
@@ -12614,6 +13091,417 @@
           <a:lstStyle/>
           <a:p>
             <a:r>
+              <a:rPr lang="en-US" dirty="0"/>
+              <a:t>High-Performance Computing (HPC)</a:t>
+            </a:r>
+          </a:p>
+        </p:txBody>
+      </p:sp>
+      <p:sp>
+        <p:nvSpPr>
+          <p:cNvPr id="4" name="TextBox 3"/>
+          <p:cNvSpPr txBox="1"/>
+          <p:nvPr/>
+        </p:nvSpPr>
+        <p:spPr>
+          <a:xfrm>
+            <a:off x="1806235" y="1850572"/>
+            <a:ext cx="8577943" cy="4185761"/>
+          </a:xfrm>
+          <a:prstGeom prst="rect">
+            <a:avLst/>
+          </a:prstGeom>
+          <a:noFill/>
+        </p:spPr>
+        <p:txBody>
+          <a:bodyPr wrap="square" lIns="0" tIns="0" rIns="0" bIns="0" rtlCol="0">
+            <a:spAutoFit/>
+          </a:bodyPr>
+          <a:lstStyle/>
+          <a:p>
+            <a:pPr>
+              <a:lnSpc>
+                <a:spcPct val="90000"/>
+              </a:lnSpc>
+              <a:spcBef>
+                <a:spcPct val="20000"/>
+              </a:spcBef>
+              <a:buSzPct val="80000"/>
+            </a:pPr>
+            <a:r>
+              <a:rPr lang="en-US" sz="3200" dirty="0">
+                <a:solidFill>
+                  <a:schemeClr val="accent2"/>
+                </a:solidFill>
+              </a:rPr>
+              <a:t>“High-Performance Computing most generally refers to the practice of aggregating computing power in a way that delivers much higher performance than one could get out of a typical desktop computer or workstation in order to solve large problems in science, engineering, or business.”</a:t>
+            </a:r>
+          </a:p>
+          <a:p>
+            <a:pPr>
+              <a:lnSpc>
+                <a:spcPct val="90000"/>
+              </a:lnSpc>
+              <a:spcBef>
+                <a:spcPct val="20000"/>
+              </a:spcBef>
+              <a:buSzPct val="80000"/>
+            </a:pPr>
+            <a:r>
+              <a:rPr lang="en-US" sz="3200" dirty="0" smtClean="0">
+                <a:gradFill>
+                  <a:gsLst>
+                    <a:gs pos="0">
+                      <a:srgbClr val="292929">
+                        <a:lumMod val="90000"/>
+                        <a:lumOff val="10000"/>
+                      </a:srgbClr>
+                    </a:gs>
+                    <a:gs pos="86000">
+                      <a:srgbClr val="292929">
+                        <a:lumMod val="90000"/>
+                        <a:lumOff val="10000"/>
+                      </a:srgbClr>
+                    </a:gs>
+                  </a:gsLst>
+                  <a:lin ang="5400000" scaled="0"/>
+                </a:gradFill>
+              </a:rPr>
+              <a:t>						--</a:t>
+            </a:r>
+            <a:r>
+              <a:rPr lang="en-US" sz="3200" dirty="0">
+                <a:gradFill>
+                  <a:gsLst>
+                    <a:gs pos="0">
+                      <a:srgbClr val="292929">
+                        <a:lumMod val="90000"/>
+                        <a:lumOff val="10000"/>
+                      </a:srgbClr>
+                    </a:gs>
+                    <a:gs pos="86000">
+                      <a:srgbClr val="292929">
+                        <a:lumMod val="90000"/>
+                        <a:lumOff val="10000"/>
+                      </a:srgbClr>
+                    </a:gs>
+                  </a:gsLst>
+                  <a:lin ang="5400000" scaled="0"/>
+                </a:gradFill>
+              </a:rPr>
+              <a:t>Inside HPC</a:t>
+            </a:r>
+          </a:p>
+          <a:p>
+            <a:pPr>
+              <a:lnSpc>
+                <a:spcPct val="90000"/>
+              </a:lnSpc>
+              <a:spcBef>
+                <a:spcPct val="20000"/>
+              </a:spcBef>
+              <a:buSzPct val="80000"/>
+            </a:pPr>
+            <a:endParaRPr lang="en-US" sz="3200" dirty="0">
+              <a:gradFill>
+                <a:gsLst>
+                  <a:gs pos="0">
+                    <a:srgbClr val="292929">
+                      <a:lumMod val="90000"/>
+                      <a:lumOff val="10000"/>
+                    </a:srgbClr>
+                  </a:gs>
+                  <a:gs pos="86000">
+                    <a:srgbClr val="292929">
+                      <a:lumMod val="90000"/>
+                      <a:lumOff val="10000"/>
+                    </a:srgbClr>
+                  </a:gs>
+                </a:gsLst>
+                <a:lin ang="5400000" scaled="0"/>
+              </a:gradFill>
+            </a:endParaRPr>
+          </a:p>
+        </p:txBody>
+      </p:sp>
+    </p:spTree>
+    <p:extLst>
+      <p:ext uri="{BB962C8B-B14F-4D97-AF65-F5344CB8AC3E}">
+        <p14:creationId xmlns:p14="http://schemas.microsoft.com/office/powerpoint/2010/main" val="753950427"/>
+      </p:ext>
+    </p:extLst>
+  </p:cSld>
+  <p:clrMapOvr>
+    <a:masterClrMapping/>
+  </p:clrMapOvr>
+  <p:transition>
+    <p:fade/>
+  </p:transition>
+</p:sld>
+</file>
+
+<file path=ppt/slides/slide3.xml><?xml version="1.0" encoding="utf-8"?>
+<p:sld xmlns:a="http://schemas.openxmlformats.org/drawingml/2006/main" xmlns:r="http://schemas.openxmlformats.org/officeDocument/2006/relationships" xmlns:p="http://schemas.openxmlformats.org/presentationml/2006/main">
+  <p:cSld>
+    <p:spTree>
+      <p:nvGrpSpPr>
+        <p:cNvPr id="1" name=""/>
+        <p:cNvGrpSpPr/>
+        <p:nvPr/>
+      </p:nvGrpSpPr>
+      <p:grpSpPr>
+        <a:xfrm>
+          <a:off x="0" y="0"/>
+          <a:ext cx="0" cy="0"/>
+          <a:chOff x="0" y="0"/>
+          <a:chExt cx="0" cy="0"/>
+        </a:xfrm>
+      </p:grpSpPr>
+      <p:sp>
+        <p:nvSpPr>
+          <p:cNvPr id="2" name="Title 1"/>
+          <p:cNvSpPr>
+            <a:spLocks noGrp="1"/>
+          </p:cNvSpPr>
+          <p:nvPr>
+            <p:ph type="title"/>
+          </p:nvPr>
+        </p:nvSpPr>
+        <p:spPr/>
+        <p:txBody>
+          <a:bodyPr/>
+          <a:lstStyle/>
+          <a:p>
+            <a:r>
+              <a:rPr lang="en-US" dirty="0" smtClean="0"/>
+              <a:t>HPC Clusters</a:t>
+            </a:r>
+            <a:endParaRPr lang="en-US" dirty="0"/>
+          </a:p>
+        </p:txBody>
+      </p:sp>
+      <p:sp>
+        <p:nvSpPr>
+          <p:cNvPr id="3" name="Content Placeholder 2"/>
+          <p:cNvSpPr>
+            <a:spLocks noGrp="1"/>
+          </p:cNvSpPr>
+          <p:nvPr>
+            <p:ph idx="1"/>
+          </p:nvPr>
+        </p:nvSpPr>
+        <p:spPr>
+          <a:xfrm>
+            <a:off x="519247" y="1447800"/>
+            <a:ext cx="7285809" cy="3742563"/>
+          </a:xfrm>
+        </p:spPr>
+        <p:txBody>
+          <a:bodyPr/>
+          <a:lstStyle/>
+          <a:p>
+            <a:pPr marL="571500" indent="-571500"/>
+            <a:r>
+              <a:rPr lang="en-US" sz="3200" dirty="0"/>
+              <a:t>HPC typically involves </a:t>
+            </a:r>
+            <a:r>
+              <a:rPr lang="en-US" sz="3200" b="1" dirty="0">
+                <a:solidFill>
+                  <a:schemeClr val="accent2"/>
+                </a:solidFill>
+              </a:rPr>
+              <a:t>clusters</a:t>
+            </a:r>
+            <a:r>
+              <a:rPr lang="en-US" sz="3200" dirty="0">
+                <a:solidFill>
+                  <a:schemeClr val="accent2"/>
+                </a:solidFill>
+              </a:rPr>
+              <a:t> </a:t>
+            </a:r>
+            <a:r>
+              <a:rPr lang="en-US" sz="3200" dirty="0"/>
+              <a:t>of computers interconnected by a </a:t>
+            </a:r>
+            <a:r>
+              <a:rPr lang="en-US" sz="3200" dirty="0" smtClean="0"/>
+              <a:t>high- </a:t>
+            </a:r>
+            <a:r>
+              <a:rPr lang="en-US" sz="3200" dirty="0"/>
+              <a:t>speed network</a:t>
+            </a:r>
+          </a:p>
+          <a:p>
+            <a:pPr marL="571500" indent="-571500"/>
+            <a:r>
+              <a:rPr lang="en-US" sz="3200" dirty="0"/>
+              <a:t>A single computer in the cluster is called a </a:t>
+            </a:r>
+            <a:r>
+              <a:rPr lang="en-US" sz="3200" b="1" dirty="0">
+                <a:solidFill>
+                  <a:schemeClr val="accent2"/>
+                </a:solidFill>
+              </a:rPr>
+              <a:t>node</a:t>
+            </a:r>
+            <a:endParaRPr lang="en-US" sz="3200" dirty="0">
+              <a:solidFill>
+                <a:schemeClr val="accent2"/>
+              </a:solidFill>
+            </a:endParaRPr>
+          </a:p>
+          <a:p>
+            <a:pPr marL="571500" indent="-571500"/>
+            <a:r>
+              <a:rPr lang="en-US" sz="3200" b="1" dirty="0">
+                <a:solidFill>
+                  <a:schemeClr val="accent2"/>
+                </a:solidFill>
+              </a:rPr>
+              <a:t>Workloads</a:t>
+            </a:r>
+            <a:r>
+              <a:rPr lang="en-US" sz="3200" b="1" dirty="0"/>
+              <a:t> </a:t>
+            </a:r>
+            <a:r>
+              <a:rPr lang="en-US" sz="3200" dirty="0"/>
+              <a:t>are managed by </a:t>
+            </a:r>
+            <a:r>
+              <a:rPr lang="en-US" sz="3200" b="1" dirty="0">
+                <a:solidFill>
+                  <a:schemeClr val="accent2"/>
+                </a:solidFill>
+              </a:rPr>
+              <a:t>master</a:t>
+            </a:r>
+            <a:r>
+              <a:rPr lang="en-US" sz="3200" dirty="0">
+                <a:solidFill>
+                  <a:schemeClr val="accent2"/>
+                </a:solidFill>
+              </a:rPr>
+              <a:t> </a:t>
+            </a:r>
+            <a:r>
+              <a:rPr lang="en-US" sz="3200" dirty="0"/>
+              <a:t>nodes that distribute workloads across </a:t>
+            </a:r>
+            <a:r>
+              <a:rPr lang="en-US" sz="3200" b="1" dirty="0">
+                <a:solidFill>
+                  <a:schemeClr val="accent2"/>
+                </a:solidFill>
+              </a:rPr>
+              <a:t>worker</a:t>
+            </a:r>
+            <a:r>
+              <a:rPr lang="en-US" sz="3200" dirty="0">
+                <a:solidFill>
+                  <a:schemeClr val="accent2"/>
+                </a:solidFill>
+              </a:rPr>
+              <a:t> </a:t>
+            </a:r>
+            <a:r>
+              <a:rPr lang="en-US" sz="3200" dirty="0" smtClean="0"/>
+              <a:t>nodes</a:t>
+            </a:r>
+            <a:endParaRPr lang="en-US" sz="3200" b="1" dirty="0"/>
+          </a:p>
+        </p:txBody>
+      </p:sp>
+      <p:pic>
+        <p:nvPicPr>
+          <p:cNvPr id="4" name="Picture 3"/>
+          <p:cNvPicPr>
+            <a:picLocks noChangeAspect="1"/>
+          </p:cNvPicPr>
+          <p:nvPr/>
+        </p:nvPicPr>
+        <p:blipFill>
+          <a:blip r:embed="rId3">
+            <a:extLst>
+              <a:ext uri="{28A0092B-C50C-407E-A947-70E740481C1C}">
+                <a14:useLocalDpi xmlns:a14="http://schemas.microsoft.com/office/drawing/2010/main" val="0"/>
+              </a:ext>
+            </a:extLst>
+          </a:blip>
+          <a:stretch>
+            <a:fillRect/>
+          </a:stretch>
+        </p:blipFill>
+        <p:spPr>
+          <a:xfrm>
+            <a:off x="8216008" y="976500"/>
+            <a:ext cx="2657475" cy="4886325"/>
+          </a:xfrm>
+          <a:prstGeom prst="rect">
+            <a:avLst/>
+          </a:prstGeom>
+          <a:ln>
+            <a:solidFill>
+              <a:schemeClr val="bg1">
+                <a:lumMod val="75000"/>
+              </a:schemeClr>
+            </a:solidFill>
+          </a:ln>
+        </p:spPr>
+      </p:pic>
+    </p:spTree>
+    <p:extLst>
+      <p:ext uri="{BB962C8B-B14F-4D97-AF65-F5344CB8AC3E}">
+        <p14:creationId xmlns:p14="http://schemas.microsoft.com/office/powerpoint/2010/main" val="2607798888"/>
+      </p:ext>
+    </p:extLst>
+  </p:cSld>
+  <p:clrMapOvr>
+    <a:masterClrMapping/>
+  </p:clrMapOvr>
+  <p:transition>
+    <p:fade/>
+  </p:transition>
+</p:sld>
+</file>
+
+<file path=ppt/slides/slide4.xml><?xml version="1.0" encoding="utf-8"?>
+<p:sld xmlns:a="http://schemas.openxmlformats.org/drawingml/2006/main" xmlns:r="http://schemas.openxmlformats.org/officeDocument/2006/relationships" xmlns:p="http://schemas.openxmlformats.org/presentationml/2006/main">
+  <p:cSld>
+    <p:spTree>
+      <p:nvGrpSpPr>
+        <p:cNvPr id="1" name=""/>
+        <p:cNvGrpSpPr/>
+        <p:nvPr/>
+      </p:nvGrpSpPr>
+      <p:grpSpPr>
+        <a:xfrm>
+          <a:off x="0" y="0"/>
+          <a:ext cx="0" cy="0"/>
+          <a:chOff x="0" y="0"/>
+          <a:chExt cx="0" cy="0"/>
+        </a:xfrm>
+      </p:grpSpPr>
+      <p:sp>
+        <p:nvSpPr>
+          <p:cNvPr id="2" name="Title 1"/>
+          <p:cNvSpPr>
+            <a:spLocks noGrp="1"/>
+          </p:cNvSpPr>
+          <p:nvPr>
+            <p:ph type="title"/>
+          </p:nvPr>
+        </p:nvSpPr>
+        <p:spPr/>
+        <p:txBody>
+          <a:bodyPr/>
+          <a:lstStyle/>
+          <a:p>
+            <a:r>
               <a:rPr lang="en-US" dirty="0" smtClean="0"/>
               <a:t>HPC in Azure</a:t>
             </a:r>
@@ -12672,11 +13560,7 @@
             <a:pPr lvl="1"/>
             <a:r>
               <a:rPr lang="en-US" dirty="0" smtClean="0"/>
-              <a:t>Financial </a:t>
-            </a:r>
-            <a:r>
-              <a:rPr lang="en-US" dirty="0" smtClean="0"/>
-              <a:t>risk modeling, genomics research, and more</a:t>
+              <a:t>Financial risk modeling, genomics research, and more</a:t>
             </a:r>
           </a:p>
           <a:p>
@@ -12749,7 +13633,7 @@
 </p:sld>
 </file>
 
-<file path=ppt/slides/slide3.xml><?xml version="1.0" encoding="utf-8"?>
+<file path=ppt/slides/slide5.xml><?xml version="1.0" encoding="utf-8"?>
 <p:sld xmlns:a="http://schemas.openxmlformats.org/drawingml/2006/main" xmlns:r="http://schemas.openxmlformats.org/officeDocument/2006/relationships" xmlns:p="http://schemas.openxmlformats.org/presentationml/2006/main">
   <p:cSld>
     <p:spTree>
@@ -13254,11 +14138,6 @@
               </a:rPr>
               <a:t>A1</a:t>
             </a:r>
-            <a:endParaRPr lang="en-US" sz="1600" dirty="0" smtClean="0">
-              <a:solidFill>
-                <a:schemeClr val="accent2"/>
-              </a:solidFill>
-            </a:endParaRPr>
           </a:p>
         </p:txBody>
       </p:sp>
@@ -13324,11 +14203,6 @@
               </a:rPr>
               <a:t>A2</a:t>
             </a:r>
-            <a:endParaRPr lang="en-US" sz="1600" dirty="0" smtClean="0">
-              <a:solidFill>
-                <a:schemeClr val="accent2"/>
-              </a:solidFill>
-            </a:endParaRPr>
           </a:p>
         </p:txBody>
       </p:sp>
@@ -13394,11 +14268,6 @@
               </a:rPr>
               <a:t>A3</a:t>
             </a:r>
-            <a:endParaRPr lang="en-US" sz="1600" dirty="0" smtClean="0">
-              <a:solidFill>
-                <a:schemeClr val="accent2"/>
-              </a:solidFill>
-            </a:endParaRPr>
           </a:p>
         </p:txBody>
       </p:sp>
@@ -13464,11 +14333,6 @@
               </a:rPr>
               <a:t>A4</a:t>
             </a:r>
-            <a:endParaRPr lang="en-US" sz="1600" dirty="0" smtClean="0">
-              <a:solidFill>
-                <a:schemeClr val="accent2"/>
-              </a:solidFill>
-            </a:endParaRPr>
           </a:p>
         </p:txBody>
       </p:sp>
@@ -13534,11 +14398,6 @@
               </a:rPr>
               <a:t>A5</a:t>
             </a:r>
-            <a:endParaRPr lang="en-US" sz="1600" dirty="0" smtClean="0">
-              <a:solidFill>
-                <a:schemeClr val="accent2"/>
-              </a:solidFill>
-            </a:endParaRPr>
           </a:p>
         </p:txBody>
       </p:sp>
@@ -13604,11 +14463,6 @@
               </a:rPr>
               <a:t>A6</a:t>
             </a:r>
-            <a:endParaRPr lang="en-US" sz="1600" dirty="0" smtClean="0">
-              <a:solidFill>
-                <a:schemeClr val="accent2"/>
-              </a:solidFill>
-            </a:endParaRPr>
           </a:p>
         </p:txBody>
       </p:sp>
@@ -13674,11 +14528,6 @@
               </a:rPr>
               <a:t>A7</a:t>
             </a:r>
-            <a:endParaRPr lang="en-US" sz="1600" dirty="0" smtClean="0">
-              <a:solidFill>
-                <a:schemeClr val="accent2"/>
-              </a:solidFill>
-            </a:endParaRPr>
           </a:p>
         </p:txBody>
       </p:sp>
@@ -17788,7 +18637,7 @@
 </p:sld>
 </file>
 
-<file path=ppt/slides/slide4.xml><?xml version="1.0" encoding="utf-8"?>
+<file path=ppt/slides/slide6.xml><?xml version="1.0" encoding="utf-8"?>
 <p:sld xmlns:a="http://schemas.openxmlformats.org/drawingml/2006/main" xmlns:r="http://schemas.openxmlformats.org/officeDocument/2006/relationships" xmlns:p="http://schemas.openxmlformats.org/presentationml/2006/main">
   <p:cSld>
     <p:spTree>
@@ -17898,19 +18747,6 @@
               </a:rPr>
               <a:t>CPU core = Memory</a:t>
             </a:r>
-            <a:endParaRPr lang="en-US" sz="2400" dirty="0" smtClean="0">
-              <a:gradFill>
-                <a:gsLst>
-                  <a:gs pos="0">
-                    <a:srgbClr val="FFFFFF"/>
-                  </a:gs>
-                  <a:gs pos="100000">
-                    <a:srgbClr val="FFFFFF"/>
-                  </a:gs>
-                </a:gsLst>
-                <a:lin ang="5400000" scaled="0"/>
-              </a:gradFill>
-            </a:endParaRPr>
           </a:p>
         </p:txBody>
       </p:sp>
@@ -17984,19 +18820,6 @@
               </a:rPr>
               <a:t>CPU core &gt; Memory</a:t>
             </a:r>
-            <a:endParaRPr lang="en-US" sz="2400" dirty="0" smtClean="0">
-              <a:gradFill>
-                <a:gsLst>
-                  <a:gs pos="0">
-                    <a:srgbClr val="FFFFFF"/>
-                  </a:gs>
-                  <a:gs pos="100000">
-                    <a:srgbClr val="FFFFFF"/>
-                  </a:gs>
-                </a:gsLst>
-                <a:lin ang="5400000" scaled="0"/>
-              </a:gradFill>
-            </a:endParaRPr>
           </a:p>
         </p:txBody>
       </p:sp>
@@ -18070,19 +18893,6 @@
               </a:rPr>
               <a:t>CPU core &lt; Memory</a:t>
             </a:r>
-            <a:endParaRPr lang="en-US" sz="2400" dirty="0" smtClean="0">
-              <a:gradFill>
-                <a:gsLst>
-                  <a:gs pos="0">
-                    <a:srgbClr val="FFFFFF"/>
-                  </a:gs>
-                  <a:gs pos="100000">
-                    <a:srgbClr val="FFFFFF"/>
-                  </a:gs>
-                </a:gsLst>
-                <a:lin ang="5400000" scaled="0"/>
-              </a:gradFill>
-            </a:endParaRPr>
           </a:p>
         </p:txBody>
       </p:sp>
@@ -18156,19 +18966,6 @@
               </a:rPr>
               <a:t>GPU</a:t>
             </a:r>
-            <a:endParaRPr lang="en-US" sz="2400" dirty="0" smtClean="0">
-              <a:gradFill>
-                <a:gsLst>
-                  <a:gs pos="0">
-                    <a:srgbClr val="FFFFFF"/>
-                  </a:gs>
-                  <a:gs pos="100000">
-                    <a:srgbClr val="FFFFFF"/>
-                  </a:gs>
-                </a:gsLst>
-                <a:lin ang="5400000" scaled="0"/>
-              </a:gradFill>
-            </a:endParaRPr>
           </a:p>
         </p:txBody>
       </p:sp>
@@ -18242,19 +19039,6 @@
               </a:rPr>
               <a:t>CPU core++</a:t>
             </a:r>
-            <a:endParaRPr lang="en-US" sz="2400" dirty="0" smtClean="0">
-              <a:gradFill>
-                <a:gsLst>
-                  <a:gs pos="0">
-                    <a:srgbClr val="FFFFFF"/>
-                  </a:gs>
-                  <a:gs pos="100000">
-                    <a:srgbClr val="FFFFFF"/>
-                  </a:gs>
-                </a:gsLst>
-                <a:lin ang="5400000" scaled="0"/>
-              </a:gradFill>
-            </a:endParaRPr>
           </a:p>
         </p:txBody>
       </p:sp>
@@ -18328,19 +19112,6 @@
               </a:rPr>
               <a:t>Memory++</a:t>
             </a:r>
-            <a:endParaRPr lang="en-US" sz="2400" dirty="0" smtClean="0">
-              <a:gradFill>
-                <a:gsLst>
-                  <a:gs pos="0">
-                    <a:srgbClr val="FFFFFF"/>
-                  </a:gs>
-                  <a:gs pos="100000">
-                    <a:srgbClr val="FFFFFF"/>
-                  </a:gs>
-                </a:gsLst>
-                <a:lin ang="5400000" scaled="0"/>
-              </a:gradFill>
-            </a:endParaRPr>
           </a:p>
         </p:txBody>
       </p:sp>
@@ -18414,19 +19185,6 @@
               </a:rPr>
               <a:t>Networking++</a:t>
             </a:r>
-            <a:endParaRPr lang="en-US" sz="2400" dirty="0" smtClean="0">
-              <a:gradFill>
-                <a:gsLst>
-                  <a:gs pos="0">
-                    <a:srgbClr val="FFFFFF"/>
-                  </a:gs>
-                  <a:gs pos="100000">
-                    <a:srgbClr val="FFFFFF"/>
-                  </a:gs>
-                </a:gsLst>
-                <a:lin ang="5400000" scaled="0"/>
-              </a:gradFill>
-            </a:endParaRPr>
           </a:p>
         </p:txBody>
       </p:sp>
@@ -18646,19 +19404,6 @@
               </a:rPr>
               <a:t>D11v2 - D15v2</a:t>
             </a:r>
-            <a:endParaRPr lang="en-US" sz="2400" dirty="0" smtClean="0">
-              <a:gradFill>
-                <a:gsLst>
-                  <a:gs pos="0">
-                    <a:srgbClr val="FFFFFF"/>
-                  </a:gs>
-                  <a:gs pos="100000">
-                    <a:srgbClr val="FFFFFF"/>
-                  </a:gs>
-                </a:gsLst>
-                <a:lin ang="5400000" scaled="0"/>
-              </a:gradFill>
-            </a:endParaRPr>
           </a:p>
         </p:txBody>
       </p:sp>
@@ -18732,19 +19477,6 @@
               </a:rPr>
               <a:t>N</a:t>
             </a:r>
-            <a:endParaRPr lang="en-US" sz="2400" dirty="0" smtClean="0">
-              <a:gradFill>
-                <a:gsLst>
-                  <a:gs pos="0">
-                    <a:srgbClr val="FFFFFF"/>
-                  </a:gs>
-                  <a:gs pos="100000">
-                    <a:srgbClr val="FFFFFF"/>
-                  </a:gs>
-                </a:gsLst>
-                <a:lin ang="5400000" scaled="0"/>
-              </a:gradFill>
-            </a:endParaRPr>
           </a:p>
         </p:txBody>
       </p:sp>
@@ -18818,19 +19550,6 @@
               </a:rPr>
               <a:t>A8 - A11</a:t>
             </a:r>
-            <a:endParaRPr lang="en-US" sz="2400" dirty="0" smtClean="0">
-              <a:gradFill>
-                <a:gsLst>
-                  <a:gs pos="0">
-                    <a:srgbClr val="FFFFFF"/>
-                  </a:gs>
-                  <a:gs pos="100000">
-                    <a:srgbClr val="FFFFFF"/>
-                  </a:gs>
-                </a:gsLst>
-                <a:lin ang="5400000" scaled="0"/>
-              </a:gradFill>
-            </a:endParaRPr>
           </a:p>
         </p:txBody>
       </p:sp>
@@ -18904,19 +19623,6 @@
               </a:rPr>
               <a:t>G(S)4, G(S)5</a:t>
             </a:r>
-            <a:endParaRPr lang="en-US" sz="2400" dirty="0" smtClean="0">
-              <a:gradFill>
-                <a:gsLst>
-                  <a:gs pos="0">
-                    <a:srgbClr val="FFFFFF"/>
-                  </a:gs>
-                  <a:gs pos="100000">
-                    <a:srgbClr val="FFFFFF"/>
-                  </a:gs>
-                </a:gsLst>
-                <a:lin ang="5400000" scaled="0"/>
-              </a:gradFill>
-            </a:endParaRPr>
           </a:p>
         </p:txBody>
       </p:sp>
@@ -18990,19 +19696,6 @@
               </a:rPr>
               <a:t>A10 - A11</a:t>
             </a:r>
-            <a:endParaRPr lang="en-US" sz="2400" dirty="0" smtClean="0">
-              <a:gradFill>
-                <a:gsLst>
-                  <a:gs pos="0">
-                    <a:srgbClr val="FFFFFF"/>
-                  </a:gs>
-                  <a:gs pos="100000">
-                    <a:srgbClr val="FFFFFF"/>
-                  </a:gs>
-                </a:gsLst>
-                <a:lin ang="5400000" scaled="0"/>
-              </a:gradFill>
-            </a:endParaRPr>
           </a:p>
         </p:txBody>
       </p:sp>
@@ -19076,19 +19769,6 @@
               </a:rPr>
               <a:t>D1v2 - D5v2</a:t>
             </a:r>
-            <a:endParaRPr lang="en-US" sz="2400" dirty="0" smtClean="0">
-              <a:gradFill>
-                <a:gsLst>
-                  <a:gs pos="0">
-                    <a:srgbClr val="FFFFFF"/>
-                  </a:gs>
-                  <a:gs pos="100000">
-                    <a:srgbClr val="FFFFFF"/>
-                  </a:gs>
-                </a:gsLst>
-                <a:lin ang="5400000" scaled="0"/>
-              </a:gradFill>
-            </a:endParaRPr>
           </a:p>
         </p:txBody>
       </p:sp>
@@ -19235,19 +19915,6 @@
               </a:rPr>
               <a:t>D11 - D14</a:t>
             </a:r>
-            <a:endParaRPr lang="en-US" sz="2400" dirty="0" smtClean="0">
-              <a:gradFill>
-                <a:gsLst>
-                  <a:gs pos="0">
-                    <a:srgbClr val="FFFFFF"/>
-                  </a:gs>
-                  <a:gs pos="100000">
-                    <a:srgbClr val="FFFFFF"/>
-                  </a:gs>
-                </a:gsLst>
-                <a:lin ang="5400000" scaled="0"/>
-              </a:gradFill>
-            </a:endParaRPr>
           </a:p>
         </p:txBody>
       </p:sp>
@@ -19321,19 +19988,6 @@
               </a:rPr>
               <a:t>G</a:t>
             </a:r>
-            <a:endParaRPr lang="en-US" sz="2400" dirty="0" smtClean="0">
-              <a:gradFill>
-                <a:gsLst>
-                  <a:gs pos="0">
-                    <a:srgbClr val="FFFFFF"/>
-                  </a:gs>
-                  <a:gs pos="100000">
-                    <a:srgbClr val="FFFFFF"/>
-                  </a:gs>
-                </a:gsLst>
-                <a:lin ang="5400000" scaled="0"/>
-              </a:gradFill>
-            </a:endParaRPr>
           </a:p>
         </p:txBody>
       </p:sp>
@@ -19407,19 +20061,6 @@
               </a:rPr>
               <a:t>G(S)5</a:t>
             </a:r>
-            <a:endParaRPr lang="en-US" sz="2400" dirty="0" smtClean="0">
-              <a:gradFill>
-                <a:gsLst>
-                  <a:gs pos="0">
-                    <a:srgbClr val="FFFFFF"/>
-                  </a:gs>
-                  <a:gs pos="100000">
-                    <a:srgbClr val="FFFFFF"/>
-                  </a:gs>
-                </a:gsLst>
-                <a:lin ang="5400000" scaled="0"/>
-              </a:gradFill>
-            </a:endParaRPr>
           </a:p>
         </p:txBody>
       </p:sp>
@@ -19493,19 +20134,6 @@
               </a:rPr>
               <a:t>D(S)15v2</a:t>
             </a:r>
-            <a:endParaRPr lang="en-US" sz="2400" dirty="0" smtClean="0">
-              <a:gradFill>
-                <a:gsLst>
-                  <a:gs pos="0">
-                    <a:srgbClr val="FFFFFF"/>
-                  </a:gs>
-                  <a:gs pos="100000">
-                    <a:srgbClr val="FFFFFF"/>
-                  </a:gs>
-                </a:gsLst>
-                <a:lin ang="5400000" scaled="0"/>
-              </a:gradFill>
-            </a:endParaRPr>
           </a:p>
         </p:txBody>
       </p:sp>
@@ -19579,19 +20207,6 @@
               </a:rPr>
               <a:t>D(s)15v2</a:t>
             </a:r>
-            <a:endParaRPr lang="en-US" sz="2400" dirty="0" smtClean="0">
-              <a:gradFill>
-                <a:gsLst>
-                  <a:gs pos="0">
-                    <a:srgbClr val="FFFFFF"/>
-                  </a:gs>
-                  <a:gs pos="100000">
-                    <a:srgbClr val="FFFFFF"/>
-                  </a:gs>
-                </a:gsLst>
-                <a:lin ang="5400000" scaled="0"/>
-              </a:gradFill>
-            </a:endParaRPr>
           </a:p>
         </p:txBody>
       </p:sp>
@@ -19611,7 +20226,7 @@
 </p:sld>
 </file>
 
-<file path=ppt/slides/slide5.xml><?xml version="1.0" encoding="utf-8"?>
+<file path=ppt/slides/slide7.xml><?xml version="1.0" encoding="utf-8"?>
 <p:sld xmlns:a="http://schemas.openxmlformats.org/drawingml/2006/main" xmlns:r="http://schemas.openxmlformats.org/officeDocument/2006/relationships" xmlns:p="http://schemas.openxmlformats.org/presentationml/2006/main">
   <p:cSld>
     <p:spTree>
@@ -20957,17 +21572,7 @@
                 <a:latin typeface="Segoe UI Light" panose="020B0502040204020203" pitchFamily="34" charset="0"/>
                 <a:cs typeface="Segoe UI Light" panose="020B0502040204020203" pitchFamily="34" charset="0"/>
               </a:rPr>
-              <a:t>See </a:t>
-            </a:r>
-            <a:r>
-              <a:rPr lang="en-US" sz="3200" dirty="0" smtClean="0">
-                <a:solidFill>
-                  <a:schemeClr val="accent1"/>
-                </a:solidFill>
-                <a:latin typeface="Segoe UI Light" panose="020B0502040204020203" pitchFamily="34" charset="0"/>
-                <a:cs typeface="Segoe UI Light" panose="020B0502040204020203" pitchFamily="34" charset="0"/>
-              </a:rPr>
-              <a:t>bit.ly/a4r-vm-pricing for up-to-date pricing information</a:t>
+              <a:t>See bit.ly/a4r-vm-pricing for up-to-date pricing information</a:t>
             </a:r>
             <a:endParaRPr lang="en-US" sz="3200" dirty="0">
               <a:solidFill>
@@ -20995,7 +21600,7 @@
 </p:sld>
 </file>
 
-<file path=ppt/slides/slide6.xml><?xml version="1.0" encoding="utf-8"?>
+<file path=ppt/slides/slide8.xml><?xml version="1.0" encoding="utf-8"?>
 <p:sld xmlns:a="http://schemas.openxmlformats.org/drawingml/2006/main" xmlns:r="http://schemas.openxmlformats.org/officeDocument/2006/relationships" xmlns:p="http://schemas.openxmlformats.org/presentationml/2006/main">
   <p:cSld>
     <p:spTree>
@@ -21126,7 +21731,7 @@
 </p:sld>
 </file>
 
-<file path=ppt/slides/slide7.xml><?xml version="1.0" encoding="utf-8"?>
+<file path=ppt/slides/slide9.xml><?xml version="1.0" encoding="utf-8"?>
 <p:sld xmlns:a="http://schemas.openxmlformats.org/drawingml/2006/main" xmlns:r="http://schemas.openxmlformats.org/officeDocument/2006/relationships" xmlns:p="http://schemas.openxmlformats.org/presentationml/2006/main">
   <p:cSld>
     <p:spTree>
@@ -21359,263 +21964,6 @@
     <p:extLst>
       <p:ext uri="{BB962C8B-B14F-4D97-AF65-F5344CB8AC3E}">
         <p14:creationId xmlns:p14="http://schemas.microsoft.com/office/powerpoint/2010/main" val="2546586247"/>
-      </p:ext>
-    </p:extLst>
-  </p:cSld>
-  <p:clrMapOvr>
-    <a:masterClrMapping/>
-  </p:clrMapOvr>
-  <p:transition>
-    <p:fade/>
-  </p:transition>
-</p:sld>
-</file>
-
-<file path=ppt/slides/slide8.xml><?xml version="1.0" encoding="utf-8"?>
-<p:sld xmlns:a="http://schemas.openxmlformats.org/drawingml/2006/main" xmlns:r="http://schemas.openxmlformats.org/officeDocument/2006/relationships" xmlns:p="http://schemas.openxmlformats.org/presentationml/2006/main">
-  <p:cSld>
-    <p:spTree>
-      <p:nvGrpSpPr>
-        <p:cNvPr id="1" name=""/>
-        <p:cNvGrpSpPr/>
-        <p:nvPr/>
-      </p:nvGrpSpPr>
-      <p:grpSpPr>
-        <a:xfrm>
-          <a:off x="0" y="0"/>
-          <a:ext cx="0" cy="0"/>
-          <a:chOff x="0" y="0"/>
-          <a:chExt cx="0" cy="0"/>
-        </a:xfrm>
-      </p:grpSpPr>
-      <p:sp>
-        <p:nvSpPr>
-          <p:cNvPr id="2" name="Title 1"/>
-          <p:cNvSpPr>
-            <a:spLocks noGrp="1"/>
-          </p:cNvSpPr>
-          <p:nvPr>
-            <p:ph type="title"/>
-          </p:nvPr>
-        </p:nvSpPr>
-        <p:spPr/>
-        <p:txBody>
-          <a:bodyPr/>
-          <a:lstStyle/>
-          <a:p>
-            <a:r>
-              <a:rPr lang="en-US" dirty="0" smtClean="0"/>
-              <a:t>SLURM Clusters</a:t>
-            </a:r>
-            <a:endParaRPr lang="en-US" dirty="0"/>
-          </a:p>
-        </p:txBody>
-      </p:sp>
-      <p:sp>
-        <p:nvSpPr>
-          <p:cNvPr id="3" name="Content Placeholder 2"/>
-          <p:cNvSpPr>
-            <a:spLocks noGrp="1"/>
-          </p:cNvSpPr>
-          <p:nvPr>
-            <p:ph idx="1"/>
-          </p:nvPr>
-        </p:nvSpPr>
-        <p:spPr>
-          <a:xfrm>
-            <a:off x="519248" y="1447800"/>
-            <a:ext cx="11151916" cy="1427699"/>
-          </a:xfrm>
-        </p:spPr>
-        <p:txBody>
-          <a:bodyPr/>
-          <a:lstStyle/>
-          <a:p>
-            <a:r>
-              <a:rPr lang="en-US" dirty="0" smtClean="0"/>
-              <a:t>Simple Linux Utility for Resource Management (SLURM)</a:t>
-            </a:r>
-          </a:p>
-          <a:p>
-            <a:r>
-              <a:rPr lang="en-US" dirty="0" err="1" smtClean="0"/>
-              <a:t>Quickstart</a:t>
-            </a:r>
-            <a:r>
-              <a:rPr lang="en-US" dirty="0" smtClean="0"/>
-              <a:t> </a:t>
-            </a:r>
-            <a:r>
-              <a:rPr lang="en-US" dirty="0"/>
-              <a:t>template at </a:t>
-            </a:r>
-            <a:r>
-              <a:rPr lang="en-US" dirty="0">
-                <a:hlinkClick r:id="rId3"/>
-              </a:rPr>
-              <a:t>http://</a:t>
-            </a:r>
-            <a:r>
-              <a:rPr lang="en-US" dirty="0" smtClean="0">
-                <a:hlinkClick r:id="rId3"/>
-              </a:rPr>
-              <a:t>bit.ly/a4r-slurm</a:t>
-            </a:r>
-            <a:r>
-              <a:rPr lang="en-US" dirty="0" smtClean="0"/>
-              <a:t> enables easy deployment of SLURM clusters of user-specified sizes</a:t>
-            </a:r>
-            <a:endParaRPr lang="en-US" dirty="0"/>
-          </a:p>
-        </p:txBody>
-      </p:sp>
-      <p:pic>
-        <p:nvPicPr>
-          <p:cNvPr id="4" name="Picture 3"/>
-          <p:cNvPicPr>
-            <a:picLocks noChangeAspect="1"/>
-          </p:cNvPicPr>
-          <p:nvPr/>
-        </p:nvPicPr>
-        <p:blipFill>
-          <a:blip r:embed="rId4"/>
-          <a:stretch>
-            <a:fillRect/>
-          </a:stretch>
-        </p:blipFill>
-        <p:spPr>
-          <a:xfrm>
-            <a:off x="3174205" y="3252206"/>
-            <a:ext cx="5842001" cy="2769144"/>
-          </a:xfrm>
-          <a:prstGeom prst="rect">
-            <a:avLst/>
-          </a:prstGeom>
-          <a:ln>
-            <a:solidFill>
-              <a:schemeClr val="bg1">
-                <a:lumMod val="75000"/>
-              </a:schemeClr>
-            </a:solidFill>
-          </a:ln>
-          <a:effectLst/>
-        </p:spPr>
-      </p:pic>
-    </p:spTree>
-    <p:extLst>
-      <p:ext uri="{BB962C8B-B14F-4D97-AF65-F5344CB8AC3E}">
-        <p14:creationId xmlns:p14="http://schemas.microsoft.com/office/powerpoint/2010/main" val="2183480505"/>
-      </p:ext>
-    </p:extLst>
-  </p:cSld>
-  <p:clrMapOvr>
-    <a:masterClrMapping/>
-  </p:clrMapOvr>
-  <p:transition>
-    <p:fade/>
-  </p:transition>
-</p:sld>
-</file>
-
-<file path=ppt/slides/slide9.xml><?xml version="1.0" encoding="utf-8"?>
-<p:sld xmlns:a="http://schemas.openxmlformats.org/drawingml/2006/main" xmlns:r="http://schemas.openxmlformats.org/officeDocument/2006/relationships" xmlns:p="http://schemas.openxmlformats.org/presentationml/2006/main">
-  <p:cSld>
-    <p:spTree>
-      <p:nvGrpSpPr>
-        <p:cNvPr id="1" name=""/>
-        <p:cNvGrpSpPr/>
-        <p:nvPr/>
-      </p:nvGrpSpPr>
-      <p:grpSpPr>
-        <a:xfrm>
-          <a:off x="0" y="0"/>
-          <a:ext cx="0" cy="0"/>
-          <a:chOff x="0" y="0"/>
-          <a:chExt cx="0" cy="0"/>
-        </a:xfrm>
-      </p:grpSpPr>
-      <p:sp>
-        <p:nvSpPr>
-          <p:cNvPr id="2" name="Title 1"/>
-          <p:cNvSpPr>
-            <a:spLocks noGrp="1"/>
-          </p:cNvSpPr>
-          <p:nvPr>
-            <p:ph type="ctrTitle"/>
-          </p:nvPr>
-        </p:nvSpPr>
-        <p:spPr/>
-        <p:txBody>
-          <a:bodyPr/>
-          <a:lstStyle/>
-          <a:p>
-            <a:r>
-              <a:rPr lang="en-US" dirty="0" smtClean="0"/>
-              <a:t>Hands-On Lab</a:t>
-            </a:r>
-            <a:endParaRPr lang="en-US" dirty="0"/>
-          </a:p>
-        </p:txBody>
-      </p:sp>
-      <p:sp>
-        <p:nvSpPr>
-          <p:cNvPr id="3" name="Subtitle 2"/>
-          <p:cNvSpPr>
-            <a:spLocks noGrp="1"/>
-          </p:cNvSpPr>
-          <p:nvPr>
-            <p:ph type="subTitle" idx="1"/>
-          </p:nvPr>
-        </p:nvSpPr>
-        <p:spPr/>
-        <p:txBody>
-          <a:bodyPr/>
-          <a:lstStyle/>
-          <a:p>
-            <a:r>
-              <a:rPr lang="en-US" dirty="0" smtClean="0"/>
-              <a:t>SLURM Linux Cluster HOL.html</a:t>
-            </a:r>
-            <a:endParaRPr lang="en-US" dirty="0"/>
-          </a:p>
-        </p:txBody>
-      </p:sp>
-      <p:sp>
-        <p:nvSpPr>
-          <p:cNvPr id="4" name="Text Placeholder 3"/>
-          <p:cNvSpPr>
-            <a:spLocks noGrp="1"/>
-          </p:cNvSpPr>
-          <p:nvPr>
-            <p:ph type="body" sz="quarter" idx="10"/>
-          </p:nvPr>
-        </p:nvSpPr>
-        <p:spPr/>
-        <p:txBody>
-          <a:bodyPr>
-            <a:normAutofit/>
-          </a:bodyPr>
-          <a:lstStyle/>
-          <a:p>
-            <a:r>
-              <a:rPr lang="en-US" dirty="0"/>
-              <a:t>Creating </a:t>
-            </a:r>
-            <a:r>
-              <a:rPr lang="en-US" dirty="0" smtClean="0"/>
-              <a:t>a </a:t>
-            </a:r>
-            <a:r>
-              <a:rPr lang="en-US" dirty="0"/>
-              <a:t>SLURM Linux Cluster</a:t>
-            </a:r>
-          </a:p>
-        </p:txBody>
-      </p:sp>
-    </p:spTree>
-    <p:extLst>
-      <p:ext uri="{BB962C8B-B14F-4D97-AF65-F5344CB8AC3E}">
-        <p14:creationId xmlns:p14="http://schemas.microsoft.com/office/powerpoint/2010/main" val="3887140717"/>
       </p:ext>
     </p:extLst>
   </p:cSld>
